--- a/SISTEMAS CONSTRUCTIVOS EN ALBAÑILERIÁ.pptx
+++ b/SISTEMAS CONSTRUCTIVOS EN ALBAÑILERIÁ.pptx
@@ -7,18 +7,16 @@
   <p:sldIdLst>
     <p:sldId id="256" r:id="rId2"/>
     <p:sldId id="257" r:id="rId3"/>
-    <p:sldId id="258" r:id="rId4"/>
-    <p:sldId id="269" r:id="rId5"/>
-    <p:sldId id="259" r:id="rId6"/>
-    <p:sldId id="260" r:id="rId7"/>
-    <p:sldId id="261" r:id="rId8"/>
-    <p:sldId id="262" r:id="rId9"/>
-    <p:sldId id="263" r:id="rId10"/>
-    <p:sldId id="264" r:id="rId11"/>
-    <p:sldId id="265" r:id="rId12"/>
-    <p:sldId id="266" r:id="rId13"/>
-    <p:sldId id="267" r:id="rId14"/>
-    <p:sldId id="268" r:id="rId15"/>
+    <p:sldId id="259" r:id="rId4"/>
+    <p:sldId id="260" r:id="rId5"/>
+    <p:sldId id="261" r:id="rId6"/>
+    <p:sldId id="262" r:id="rId7"/>
+    <p:sldId id="263" r:id="rId8"/>
+    <p:sldId id="264" r:id="rId9"/>
+    <p:sldId id="265" r:id="rId10"/>
+    <p:sldId id="266" r:id="rId11"/>
+    <p:sldId id="267" r:id="rId12"/>
+    <p:sldId id="268" r:id="rId13"/>
   </p:sldIdLst>
   <p:sldSz cx="12192000" cy="6858000"/>
   <p:notesSz cx="6858000" cy="9144000"/>
@@ -220,7 +218,7 @@
           <a:effectLst/>
           <a:extLst>
             <a:ext uri="{91240B29-F687-4f45-9708-019B960494DF}">
-              <a14:hiddenLine xmlns:a14="http://schemas.microsoft.com/office/drawing/2010/main" xmlns="" w="9525">
+              <a14:hiddenLine xmlns="" xmlns:a14="http://schemas.microsoft.com/office/drawing/2010/main" w="9525">
                 <a:solidFill>
                   <a:srgbClr val="000000"/>
                 </a:solidFill>
@@ -412,7 +410,7 @@
           <a:p>
             <a:fld id="{06020F91-2D46-4226-9870-49FCDF06204F}" type="datetimeFigureOut">
               <a:rPr lang="es-CL" smtClean="0"/>
-              <a:t>03-12-2018</a:t>
+              <a:t>05-12-2018</a:t>
             </a:fld>
             <a:endParaRPr lang="es-CL"/>
           </a:p>
@@ -730,7 +728,7 @@
           <a:p>
             <a:fld id="{06020F91-2D46-4226-9870-49FCDF06204F}" type="datetimeFigureOut">
               <a:rPr lang="es-CL" smtClean="0"/>
-              <a:t>03-12-2018</a:t>
+              <a:t>05-12-2018</a:t>
             </a:fld>
             <a:endParaRPr lang="es-CL"/>
           </a:p>
@@ -1218,7 +1216,7 @@
           <a:p>
             <a:fld id="{06020F91-2D46-4226-9870-49FCDF06204F}" type="datetimeFigureOut">
               <a:rPr lang="es-CL" smtClean="0"/>
-              <a:t>03-12-2018</a:t>
+              <a:t>05-12-2018</a:t>
             </a:fld>
             <a:endParaRPr lang="es-CL"/>
           </a:p>
@@ -1587,7 +1585,7 @@
           <a:p>
             <a:fld id="{06020F91-2D46-4226-9870-49FCDF06204F}" type="datetimeFigureOut">
               <a:rPr lang="es-CL" smtClean="0"/>
-              <a:t>03-12-2018</a:t>
+              <a:t>05-12-2018</a:t>
             </a:fld>
             <a:endParaRPr lang="es-CL"/>
           </a:p>
@@ -1742,7 +1740,7 @@
           <a:ln/>
           <a:extLst>
             <a:ext uri="{91240B29-F687-4f45-9708-019B960494DF}">
-              <a14:hiddenLine xmlns:a14="http://schemas.microsoft.com/office/drawing/2010/main" xmlns="" w="9525">
+              <a14:hiddenLine xmlns="" xmlns:a14="http://schemas.microsoft.com/office/drawing/2010/main" w="9525">
                 <a:solidFill>
                   <a:srgbClr val="000000"/>
                 </a:solidFill>
@@ -1860,7 +1858,7 @@
           <a:p>
             <a:fld id="{06020F91-2D46-4226-9870-49FCDF06204F}" type="datetimeFigureOut">
               <a:rPr lang="es-CL" smtClean="0"/>
-              <a:t>03-12-2018</a:t>
+              <a:t>05-12-2018</a:t>
             </a:fld>
             <a:endParaRPr lang="es-CL"/>
           </a:p>
@@ -2017,7 +2015,7 @@
           <a:ln/>
           <a:extLst>
             <a:ext uri="{91240B29-F687-4f45-9708-019B960494DF}">
-              <a14:hiddenLine xmlns:a14="http://schemas.microsoft.com/office/drawing/2010/main" xmlns="" w="9525">
+              <a14:hiddenLine xmlns="" xmlns:a14="http://schemas.microsoft.com/office/drawing/2010/main" w="9525">
                 <a:solidFill>
                   <a:srgbClr val="000000"/>
                 </a:solidFill>
@@ -2145,7 +2143,7 @@
           <a:p>
             <a:fld id="{06020F91-2D46-4226-9870-49FCDF06204F}" type="datetimeFigureOut">
               <a:rPr lang="es-CL" smtClean="0"/>
-              <a:t>03-12-2018</a:t>
+              <a:t>05-12-2018</a:t>
             </a:fld>
             <a:endParaRPr lang="es-CL"/>
           </a:p>
@@ -2300,7 +2298,7 @@
           <a:ln/>
           <a:extLst>
             <a:ext uri="{91240B29-F687-4f45-9708-019B960494DF}">
-              <a14:hiddenLine xmlns:a14="http://schemas.microsoft.com/office/drawing/2010/main" xmlns="" w="9525">
+              <a14:hiddenLine xmlns="" xmlns:a14="http://schemas.microsoft.com/office/drawing/2010/main" w="9525">
                 <a:solidFill>
                   <a:srgbClr val="000000"/>
                 </a:solidFill>
@@ -2428,7 +2426,7 @@
           <a:p>
             <a:fld id="{06020F91-2D46-4226-9870-49FCDF06204F}" type="datetimeFigureOut">
               <a:rPr lang="es-CL" smtClean="0"/>
-              <a:t>03-12-2018</a:t>
+              <a:t>05-12-2018</a:t>
             </a:fld>
             <a:endParaRPr lang="es-CL"/>
           </a:p>
@@ -2771,7 +2769,7 @@
           <a:p>
             <a:fld id="{06020F91-2D46-4226-9870-49FCDF06204F}" type="datetimeFigureOut">
               <a:rPr lang="es-CL" smtClean="0"/>
-              <a:t>03-12-2018</a:t>
+              <a:t>05-12-2018</a:t>
             </a:fld>
             <a:endParaRPr lang="es-CL"/>
           </a:p>
@@ -2926,7 +2924,7 @@
           <a:ln/>
           <a:extLst>
             <a:ext uri="{91240B29-F687-4f45-9708-019B960494DF}">
-              <a14:hiddenLine xmlns:a14="http://schemas.microsoft.com/office/drawing/2010/main" xmlns="" w="9525">
+              <a14:hiddenLine xmlns="" xmlns:a14="http://schemas.microsoft.com/office/drawing/2010/main" w="9525">
                 <a:solidFill>
                   <a:srgbClr val="000000"/>
                 </a:solidFill>
@@ -3110,7 +3108,7 @@
           <a:p>
             <a:fld id="{06020F91-2D46-4226-9870-49FCDF06204F}" type="datetimeFigureOut">
               <a:rPr lang="es-CL" smtClean="0"/>
-              <a:t>03-12-2018</a:t>
+              <a:t>05-12-2018</a:t>
             </a:fld>
             <a:endParaRPr lang="es-CL"/>
           </a:p>
@@ -3265,7 +3263,7 @@
           <a:ln/>
           <a:extLst>
             <a:ext uri="{91240B29-F687-4f45-9708-019B960494DF}">
-              <a14:hiddenLine xmlns:a14="http://schemas.microsoft.com/office/drawing/2010/main" xmlns="" w="9525">
+              <a14:hiddenLine xmlns="" xmlns:a14="http://schemas.microsoft.com/office/drawing/2010/main" w="9525">
                 <a:solidFill>
                   <a:srgbClr val="000000"/>
                 </a:solidFill>
@@ -3587,7 +3585,7 @@
           <a:p>
             <a:fld id="{06020F91-2D46-4226-9870-49FCDF06204F}" type="datetimeFigureOut">
               <a:rPr lang="es-CL" smtClean="0"/>
-              <a:t>03-12-2018</a:t>
+              <a:t>05-12-2018</a:t>
             </a:fld>
             <a:endParaRPr lang="es-CL"/>
           </a:p>
@@ -3742,7 +3740,7 @@
           <a:ln/>
           <a:extLst>
             <a:ext uri="{91240B29-F687-4f45-9708-019B960494DF}">
-              <a14:hiddenLine xmlns:a14="http://schemas.microsoft.com/office/drawing/2010/main" xmlns="" w="9525">
+              <a14:hiddenLine xmlns="" xmlns:a14="http://schemas.microsoft.com/office/drawing/2010/main" w="9525">
                 <a:solidFill>
                   <a:srgbClr val="000000"/>
                 </a:solidFill>
@@ -3808,7 +3806,7 @@
           <a:p>
             <a:fld id="{06020F91-2D46-4226-9870-49FCDF06204F}" type="datetimeFigureOut">
               <a:rPr lang="es-CL" smtClean="0"/>
-              <a:t>03-12-2018</a:t>
+              <a:t>05-12-2018</a:t>
             </a:fld>
             <a:endParaRPr lang="es-CL"/>
           </a:p>
@@ -3903,7 +3901,7 @@
           <a:p>
             <a:fld id="{06020F91-2D46-4226-9870-49FCDF06204F}" type="datetimeFigureOut">
               <a:rPr lang="es-CL" smtClean="0"/>
-              <a:t>03-12-2018</a:t>
+              <a:t>05-12-2018</a:t>
             </a:fld>
             <a:endParaRPr lang="es-CL"/>
           </a:p>
@@ -4171,7 +4169,7 @@
           <a:ln/>
           <a:extLst>
             <a:ext uri="{91240B29-F687-4f45-9708-019B960494DF}">
-              <a14:hiddenLine xmlns:a14="http://schemas.microsoft.com/office/drawing/2010/main" xmlns="" w="9525">
+              <a14:hiddenLine xmlns="" xmlns:a14="http://schemas.microsoft.com/office/drawing/2010/main" w="9525">
                 <a:solidFill>
                   <a:srgbClr val="000000"/>
                 </a:solidFill>
@@ -4370,7 +4368,7 @@
           <a:p>
             <a:fld id="{06020F91-2D46-4226-9870-49FCDF06204F}" type="datetimeFigureOut">
               <a:rPr lang="es-CL" smtClean="0"/>
-              <a:t>03-12-2018</a:t>
+              <a:t>05-12-2018</a:t>
             </a:fld>
             <a:endParaRPr lang="es-CL"/>
           </a:p>
@@ -4683,7 +4681,7 @@
           <a:p>
             <a:fld id="{06020F91-2D46-4226-9870-49FCDF06204F}" type="datetimeFigureOut">
               <a:rPr lang="es-CL" smtClean="0"/>
-              <a:t>03-12-2018</a:t>
+              <a:t>05-12-2018</a:t>
             </a:fld>
             <a:endParaRPr lang="es-CL"/>
           </a:p>
@@ -4953,7 +4951,7 @@
           <a:p>
             <a:fld id="{06020F91-2D46-4226-9870-49FCDF06204F}" type="datetimeFigureOut">
               <a:rPr lang="es-CL" smtClean="0"/>
-              <a:t>03-12-2018</a:t>
+              <a:t>05-12-2018</a:t>
             </a:fld>
             <a:endParaRPr lang="es-CL"/>
           </a:p>
@@ -5576,7 +5574,7 @@
           <p:cNvPr id="2" name="Título 1">
             <a:extLst>
               <a:ext uri="{FF2B5EF4-FFF2-40B4-BE49-F238E27FC236}">
-                <a16:creationId xmlns:a16="http://schemas.microsoft.com/office/drawing/2014/main" id="{7963A088-C063-40F0-8AD2-8AAC6199450A}"/>
+                <a16:creationId xmlns:a16="http://schemas.microsoft.com/office/drawing/2014/main" id="{30646B5B-FE3B-4563-9034-E6C868675BC6}"/>
               </a:ext>
             </a:extLst>
           </p:cNvPr>
@@ -5594,7 +5592,7 @@
           <a:p>
             <a:r>
               <a:rPr lang="es-CL" dirty="0"/>
-              <a:t>USO EN EL MUNDO</a:t>
+              <a:t>LIMITACIONES</a:t>
             </a:r>
           </a:p>
         </p:txBody>
@@ -5604,7 +5602,7 @@
           <p:cNvPr id="3" name="Marcador de contenido 2">
             <a:extLst>
               <a:ext uri="{FF2B5EF4-FFF2-40B4-BE49-F238E27FC236}">
-                <a16:creationId xmlns:a16="http://schemas.microsoft.com/office/drawing/2014/main" id="{22ABBA1F-64A6-4E9A-90FE-8AC824113733}"/>
+                <a16:creationId xmlns:a16="http://schemas.microsoft.com/office/drawing/2014/main" id="{2A01C607-5E90-4419-A0C2-96BF0D6367CF}"/>
               </a:ext>
             </a:extLst>
           </p:cNvPr>
@@ -5627,7 +5625,7 @@
     </p:spTree>
     <p:extLst>
       <p:ext uri="{BB962C8B-B14F-4D97-AF65-F5344CB8AC3E}">
-        <p14:creationId xmlns:p14="http://schemas.microsoft.com/office/powerpoint/2010/main" val="1223577235"/>
+        <p14:creationId xmlns:p14="http://schemas.microsoft.com/office/powerpoint/2010/main" val="1665503870"/>
       </p:ext>
     </p:extLst>
   </p:cSld>
@@ -5659,172 +5657,6 @@
           <p:cNvPr id="2" name="Título 1">
             <a:extLst>
               <a:ext uri="{FF2B5EF4-FFF2-40B4-BE49-F238E27FC236}">
-                <a16:creationId xmlns:a16="http://schemas.microsoft.com/office/drawing/2014/main" id="{7963A088-C063-40F0-8AD2-8AAC6199450A}"/>
-              </a:ext>
-            </a:extLst>
-          </p:cNvPr>
-          <p:cNvSpPr>
-            <a:spLocks noGrp="1"/>
-          </p:cNvSpPr>
-          <p:nvPr>
-            <p:ph type="title"/>
-          </p:nvPr>
-        </p:nvSpPr>
-        <p:spPr/>
-        <p:txBody>
-          <a:bodyPr/>
-          <a:lstStyle/>
-          <a:p>
-            <a:r>
-              <a:rPr lang="es-CL" dirty="0"/>
-              <a:t>USO EN CHILE</a:t>
-            </a:r>
-          </a:p>
-        </p:txBody>
-      </p:sp>
-      <p:sp>
-        <p:nvSpPr>
-          <p:cNvPr id="3" name="Marcador de contenido 2">
-            <a:extLst>
-              <a:ext uri="{FF2B5EF4-FFF2-40B4-BE49-F238E27FC236}">
-                <a16:creationId xmlns:a16="http://schemas.microsoft.com/office/drawing/2014/main" id="{22ABBA1F-64A6-4E9A-90FE-8AC824113733}"/>
-              </a:ext>
-            </a:extLst>
-          </p:cNvPr>
-          <p:cNvSpPr>
-            <a:spLocks noGrp="1"/>
-          </p:cNvSpPr>
-          <p:nvPr>
-            <p:ph idx="1"/>
-          </p:nvPr>
-        </p:nvSpPr>
-        <p:spPr/>
-        <p:txBody>
-          <a:bodyPr/>
-          <a:lstStyle/>
-          <a:p>
-            <a:endParaRPr lang="es-CL"/>
-          </a:p>
-        </p:txBody>
-      </p:sp>
-    </p:spTree>
-    <p:extLst>
-      <p:ext uri="{BB962C8B-B14F-4D97-AF65-F5344CB8AC3E}">
-        <p14:creationId xmlns:p14="http://schemas.microsoft.com/office/powerpoint/2010/main" val="3365775483"/>
-      </p:ext>
-    </p:extLst>
-  </p:cSld>
-  <p:clrMapOvr>
-    <a:masterClrMapping/>
-  </p:clrMapOvr>
-</p:sld>
-</file>
-
-<file path=ppt/slides/slide12.xml><?xml version="1.0" encoding="utf-8"?>
-<p:sld xmlns:a="http://schemas.openxmlformats.org/drawingml/2006/main" xmlns:r="http://schemas.openxmlformats.org/officeDocument/2006/relationships" xmlns:p="http://schemas.openxmlformats.org/presentationml/2006/main">
-  <p:cSld>
-    <p:spTree>
-      <p:nvGrpSpPr>
-        <p:cNvPr id="1" name=""/>
-        <p:cNvGrpSpPr/>
-        <p:nvPr/>
-      </p:nvGrpSpPr>
-      <p:grpSpPr>
-        <a:xfrm>
-          <a:off x="0" y="0"/>
-          <a:ext cx="0" cy="0"/>
-          <a:chOff x="0" y="0"/>
-          <a:chExt cx="0" cy="0"/>
-        </a:xfrm>
-      </p:grpSpPr>
-      <p:sp>
-        <p:nvSpPr>
-          <p:cNvPr id="2" name="Título 1">
-            <a:extLst>
-              <a:ext uri="{FF2B5EF4-FFF2-40B4-BE49-F238E27FC236}">
-                <a16:creationId xmlns:a16="http://schemas.microsoft.com/office/drawing/2014/main" id="{30646B5B-FE3B-4563-9034-E6C868675BC6}"/>
-              </a:ext>
-            </a:extLst>
-          </p:cNvPr>
-          <p:cNvSpPr>
-            <a:spLocks noGrp="1"/>
-          </p:cNvSpPr>
-          <p:nvPr>
-            <p:ph type="title"/>
-          </p:nvPr>
-        </p:nvSpPr>
-        <p:spPr/>
-        <p:txBody>
-          <a:bodyPr/>
-          <a:lstStyle/>
-          <a:p>
-            <a:r>
-              <a:rPr lang="es-CL" dirty="0"/>
-              <a:t>LIMITACIONES</a:t>
-            </a:r>
-          </a:p>
-        </p:txBody>
-      </p:sp>
-      <p:sp>
-        <p:nvSpPr>
-          <p:cNvPr id="3" name="Marcador de contenido 2">
-            <a:extLst>
-              <a:ext uri="{FF2B5EF4-FFF2-40B4-BE49-F238E27FC236}">
-                <a16:creationId xmlns:a16="http://schemas.microsoft.com/office/drawing/2014/main" id="{2A01C607-5E90-4419-A0C2-96BF0D6367CF}"/>
-              </a:ext>
-            </a:extLst>
-          </p:cNvPr>
-          <p:cNvSpPr>
-            <a:spLocks noGrp="1"/>
-          </p:cNvSpPr>
-          <p:nvPr>
-            <p:ph idx="1"/>
-          </p:nvPr>
-        </p:nvSpPr>
-        <p:spPr/>
-        <p:txBody>
-          <a:bodyPr/>
-          <a:lstStyle/>
-          <a:p>
-            <a:endParaRPr lang="es-CL"/>
-          </a:p>
-        </p:txBody>
-      </p:sp>
-    </p:spTree>
-    <p:extLst>
-      <p:ext uri="{BB962C8B-B14F-4D97-AF65-F5344CB8AC3E}">
-        <p14:creationId xmlns:p14="http://schemas.microsoft.com/office/powerpoint/2010/main" val="1665503870"/>
-      </p:ext>
-    </p:extLst>
-  </p:cSld>
-  <p:clrMapOvr>
-    <a:masterClrMapping/>
-  </p:clrMapOvr>
-</p:sld>
-</file>
-
-<file path=ppt/slides/slide13.xml><?xml version="1.0" encoding="utf-8"?>
-<p:sld xmlns:a="http://schemas.openxmlformats.org/drawingml/2006/main" xmlns:r="http://schemas.openxmlformats.org/officeDocument/2006/relationships" xmlns:p="http://schemas.openxmlformats.org/presentationml/2006/main">
-  <p:cSld>
-    <p:spTree>
-      <p:nvGrpSpPr>
-        <p:cNvPr id="1" name=""/>
-        <p:cNvGrpSpPr/>
-        <p:nvPr/>
-      </p:nvGrpSpPr>
-      <p:grpSpPr>
-        <a:xfrm>
-          <a:off x="0" y="0"/>
-          <a:ext cx="0" cy="0"/>
-          <a:chOff x="0" y="0"/>
-          <a:chExt cx="0" cy="0"/>
-        </a:xfrm>
-      </p:grpSpPr>
-      <p:sp>
-        <p:nvSpPr>
-          <p:cNvPr id="2" name="Título 1">
-            <a:extLst>
-              <a:ext uri="{FF2B5EF4-FFF2-40B4-BE49-F238E27FC236}">
                 <a16:creationId xmlns:a16="http://schemas.microsoft.com/office/drawing/2014/main" id="{269D34A6-CEA9-4551-A486-097F07B05AD9}"/>
               </a:ext>
             </a:extLst>
@@ -5886,7 +5718,7 @@
 </p:sld>
 </file>
 
-<file path=ppt/slides/slide14.xml><?xml version="1.0" encoding="utf-8"?>
+<file path=ppt/slides/slide12.xml><?xml version="1.0" encoding="utf-8"?>
 <p:sld xmlns:a="http://schemas.openxmlformats.org/drawingml/2006/main" xmlns:r="http://schemas.openxmlformats.org/officeDocument/2006/relationships" xmlns:p="http://schemas.openxmlformats.org/presentationml/2006/main">
   <p:cSld>
     <p:spTree>
@@ -6119,7 +5951,7 @@
           <p:cNvPr id="2" name="Título 1">
             <a:extLst>
               <a:ext uri="{FF2B5EF4-FFF2-40B4-BE49-F238E27FC236}">
-                <a16:creationId xmlns:a16="http://schemas.microsoft.com/office/drawing/2014/main" id="{99D37300-6B69-4EAD-8274-5D0E6A32FD04}"/>
+                <a16:creationId xmlns:a16="http://schemas.microsoft.com/office/drawing/2014/main" id="{1E8C71A8-9A07-4634-9151-44EA38629B9A}"/>
               </a:ext>
             </a:extLst>
           </p:cNvPr>
@@ -6137,7 +5969,7 @@
           <a:p>
             <a:r>
               <a:rPr lang="es-CL" dirty="0"/>
-              <a:t>PRINCIPALES COMPONENTES</a:t>
+              <a:t>TIPOS DE LADRILLOS</a:t>
             </a:r>
           </a:p>
         </p:txBody>
@@ -6147,7 +5979,7 @@
           <p:cNvPr id="3" name="Marcador de contenido 2">
             <a:extLst>
               <a:ext uri="{FF2B5EF4-FFF2-40B4-BE49-F238E27FC236}">
-                <a16:creationId xmlns:a16="http://schemas.microsoft.com/office/drawing/2014/main" id="{41FBFE9C-9922-456B-B995-D5DE9FB9B99C}"/>
+                <a16:creationId xmlns:a16="http://schemas.microsoft.com/office/drawing/2014/main" id="{BCFEC4D7-D5B6-470A-9732-AF39FB6576FC}"/>
               </a:ext>
             </a:extLst>
           </p:cNvPr>
@@ -6158,22 +5990,345 @@
             <p:ph idx="1"/>
           </p:nvPr>
         </p:nvSpPr>
-        <p:spPr/>
-        <p:txBody>
-          <a:bodyPr/>
-          <a:lstStyle/>
-          <a:p>
-            <a:pPr marL="0" indent="0">
-              <a:buNone/>
-            </a:pPr>
+        <p:spPr>
+          <a:xfrm>
+            <a:off x="1771212" y="2349739"/>
+            <a:ext cx="10554574" cy="3636511"/>
+          </a:xfrm>
+        </p:spPr>
+        <p:txBody>
+          <a:bodyPr anchor="t"/>
+          <a:lstStyle/>
+          <a:p>
+            <a:r>
+              <a:rPr lang="es-CL" dirty="0"/>
+              <a:t>Piedra</a:t>
+            </a:r>
+          </a:p>
+          <a:p>
             <a:endParaRPr lang="es-CL" dirty="0"/>
           </a:p>
-        </p:txBody>
-      </p:sp>
+          <a:p>
+            <a:endParaRPr lang="es-CL" dirty="0"/>
+          </a:p>
+          <a:p>
+            <a:endParaRPr lang="es-CL" dirty="0"/>
+          </a:p>
+          <a:p>
+            <a:r>
+              <a:rPr lang="es-CL" dirty="0"/>
+              <a:t>Cerámico</a:t>
+            </a:r>
+          </a:p>
+          <a:p>
+            <a:endParaRPr lang="es-CL" dirty="0"/>
+          </a:p>
+          <a:p>
+            <a:endParaRPr lang="es-CL" dirty="0"/>
+          </a:p>
+          <a:p>
+            <a:endParaRPr lang="es-CL" dirty="0"/>
+          </a:p>
+          <a:p>
+            <a:r>
+              <a:rPr lang="es-CL" dirty="0"/>
+              <a:t>Hormigón</a:t>
+            </a:r>
+          </a:p>
+        </p:txBody>
+      </p:sp>
+      <p:pic>
+        <p:nvPicPr>
+          <p:cNvPr id="5" name="Imagen 4">
+            <a:extLst>
+              <a:ext uri="{FF2B5EF4-FFF2-40B4-BE49-F238E27FC236}">
+                <a16:creationId xmlns:a16="http://schemas.microsoft.com/office/drawing/2014/main" id="{27B72ACA-C283-4925-81B4-0754D3BF0090}"/>
+              </a:ext>
+            </a:extLst>
+          </p:cNvPr>
+          <p:cNvPicPr>
+            <a:picLocks noChangeAspect="1"/>
+          </p:cNvPicPr>
+          <p:nvPr/>
+        </p:nvPicPr>
+        <p:blipFill>
+          <a:blip r:embed="rId2">
+            <a:extLst>
+              <a:ext uri="{28A0092B-C50C-407E-A947-70E740481C1C}">
+                <a14:useLocalDpi xmlns:a14="http://schemas.microsoft.com/office/drawing/2010/main" val="0"/>
+              </a:ext>
+            </a:extLst>
+          </a:blip>
+          <a:stretch>
+            <a:fillRect/>
+          </a:stretch>
+        </p:blipFill>
+        <p:spPr>
+          <a:xfrm>
+            <a:off x="3786187" y="3556452"/>
+            <a:ext cx="1647825" cy="1647825"/>
+          </a:xfrm>
+          <a:prstGeom prst="rect">
+            <a:avLst/>
+          </a:prstGeom>
+        </p:spPr>
+      </p:pic>
+      <p:pic>
+        <p:nvPicPr>
+          <p:cNvPr id="7" name="Imagen 6">
+            <a:extLst>
+              <a:ext uri="{FF2B5EF4-FFF2-40B4-BE49-F238E27FC236}">
+                <a16:creationId xmlns:a16="http://schemas.microsoft.com/office/drawing/2014/main" id="{35E3C929-49AB-446A-B581-5358911225E3}"/>
+              </a:ext>
+            </a:extLst>
+          </p:cNvPr>
+          <p:cNvPicPr>
+            <a:picLocks noChangeAspect="1"/>
+          </p:cNvPicPr>
+          <p:nvPr/>
+        </p:nvPicPr>
+        <p:blipFill>
+          <a:blip r:embed="rId3">
+            <a:extLst>
+              <a:ext uri="{28A0092B-C50C-407E-A947-70E740481C1C}">
+                <a14:useLocalDpi xmlns:a14="http://schemas.microsoft.com/office/drawing/2010/main" val="0"/>
+              </a:ext>
+            </a:extLst>
+          </a:blip>
+          <a:stretch>
+            <a:fillRect/>
+          </a:stretch>
+        </p:blipFill>
+        <p:spPr>
+          <a:xfrm>
+            <a:off x="3786187" y="2122810"/>
+            <a:ext cx="1838324" cy="1433642"/>
+          </a:xfrm>
+          <a:prstGeom prst="rect">
+            <a:avLst/>
+          </a:prstGeom>
+        </p:spPr>
+      </p:pic>
+      <p:pic>
+        <p:nvPicPr>
+          <p:cNvPr id="9" name="Imagen 8">
+            <a:extLst>
+              <a:ext uri="{FF2B5EF4-FFF2-40B4-BE49-F238E27FC236}">
+                <a16:creationId xmlns:a16="http://schemas.microsoft.com/office/drawing/2014/main" id="{1962AD90-93EE-4AD8-9FC1-2EE03523F8A2}"/>
+              </a:ext>
+            </a:extLst>
+          </p:cNvPr>
+          <p:cNvPicPr>
+            <a:picLocks noChangeAspect="1"/>
+          </p:cNvPicPr>
+          <p:nvPr/>
+        </p:nvPicPr>
+        <p:blipFill>
+          <a:blip r:embed="rId4">
+            <a:extLst>
+              <a:ext uri="{28A0092B-C50C-407E-A947-70E740481C1C}">
+                <a14:useLocalDpi xmlns:a14="http://schemas.microsoft.com/office/drawing/2010/main" val="0"/>
+              </a:ext>
+            </a:extLst>
+          </a:blip>
+          <a:stretch>
+            <a:fillRect/>
+          </a:stretch>
+        </p:blipFill>
+        <p:spPr>
+          <a:xfrm>
+            <a:off x="3954511" y="5307007"/>
+            <a:ext cx="1400919" cy="1083662"/>
+          </a:xfrm>
+          <a:prstGeom prst="rect">
+            <a:avLst/>
+          </a:prstGeom>
+        </p:spPr>
+      </p:pic>
+      <p:pic>
+        <p:nvPicPr>
+          <p:cNvPr id="11" name="Imagen 10">
+            <a:extLst>
+              <a:ext uri="{FF2B5EF4-FFF2-40B4-BE49-F238E27FC236}">
+                <a16:creationId xmlns:a16="http://schemas.microsoft.com/office/drawing/2014/main" id="{6C222598-8A83-4AF0-A5D2-39162B9551A9}"/>
+              </a:ext>
+            </a:extLst>
+          </p:cNvPr>
+          <p:cNvPicPr>
+            <a:picLocks noChangeAspect="1"/>
+          </p:cNvPicPr>
+          <p:nvPr/>
+        </p:nvPicPr>
+        <p:blipFill>
+          <a:blip r:embed="rId5">
+            <a:extLst>
+              <a:ext uri="{28A0092B-C50C-407E-A947-70E740481C1C}">
+                <a14:useLocalDpi xmlns:a14="http://schemas.microsoft.com/office/drawing/2010/main" val="0"/>
+              </a:ext>
+            </a:extLst>
+          </a:blip>
+          <a:stretch>
+            <a:fillRect/>
+          </a:stretch>
+        </p:blipFill>
+        <p:spPr>
+          <a:xfrm>
+            <a:off x="6095999" y="2276320"/>
+            <a:ext cx="1888191" cy="1126621"/>
+          </a:xfrm>
+          <a:prstGeom prst="rect">
+            <a:avLst/>
+          </a:prstGeom>
+        </p:spPr>
+      </p:pic>
+      <p:pic>
+        <p:nvPicPr>
+          <p:cNvPr id="13" name="Imagen 12">
+            <a:extLst>
+              <a:ext uri="{FF2B5EF4-FFF2-40B4-BE49-F238E27FC236}">
+                <a16:creationId xmlns:a16="http://schemas.microsoft.com/office/drawing/2014/main" id="{DDA77027-1814-42B1-8263-8EF898B9CE6B}"/>
+              </a:ext>
+            </a:extLst>
+          </p:cNvPr>
+          <p:cNvPicPr>
+            <a:picLocks noChangeAspect="1"/>
+          </p:cNvPicPr>
+          <p:nvPr/>
+        </p:nvPicPr>
+        <p:blipFill>
+          <a:blip r:embed="rId6">
+            <a:extLst>
+              <a:ext uri="{28A0092B-C50C-407E-A947-70E740481C1C}">
+                <a14:useLocalDpi xmlns:a14="http://schemas.microsoft.com/office/drawing/2010/main" val="0"/>
+              </a:ext>
+            </a:extLst>
+          </a:blip>
+          <a:stretch>
+            <a:fillRect/>
+          </a:stretch>
+        </p:blipFill>
+        <p:spPr>
+          <a:xfrm>
+            <a:off x="6217177" y="3777523"/>
+            <a:ext cx="1647825" cy="1261865"/>
+          </a:xfrm>
+          <a:prstGeom prst="rect">
+            <a:avLst/>
+          </a:prstGeom>
+        </p:spPr>
+      </p:pic>
+      <p:pic>
+        <p:nvPicPr>
+          <p:cNvPr id="15" name="Imagen 14">
+            <a:extLst>
+              <a:ext uri="{FF2B5EF4-FFF2-40B4-BE49-F238E27FC236}">
+                <a16:creationId xmlns:a16="http://schemas.microsoft.com/office/drawing/2014/main" id="{31CDFA67-6724-43D3-ACBD-A55711CD51C6}"/>
+              </a:ext>
+            </a:extLst>
+          </p:cNvPr>
+          <p:cNvPicPr>
+            <a:picLocks noChangeAspect="1"/>
+          </p:cNvPicPr>
+          <p:nvPr/>
+        </p:nvPicPr>
+        <p:blipFill>
+          <a:blip r:embed="rId7">
+            <a:extLst>
+              <a:ext uri="{28A0092B-C50C-407E-A947-70E740481C1C}">
+                <a14:useLocalDpi xmlns:a14="http://schemas.microsoft.com/office/drawing/2010/main" val="0"/>
+              </a:ext>
+            </a:extLst>
+          </a:blip>
+          <a:stretch>
+            <a:fillRect/>
+          </a:stretch>
+        </p:blipFill>
+        <p:spPr>
+          <a:xfrm>
+            <a:off x="6224586" y="5204277"/>
+            <a:ext cx="1647825" cy="1412881"/>
+          </a:xfrm>
+          <a:prstGeom prst="rect">
+            <a:avLst/>
+          </a:prstGeom>
+        </p:spPr>
+      </p:pic>
+      <p:pic>
+        <p:nvPicPr>
+          <p:cNvPr id="17" name="Imagen 16">
+            <a:extLst>
+              <a:ext uri="{FF2B5EF4-FFF2-40B4-BE49-F238E27FC236}">
+                <a16:creationId xmlns:a16="http://schemas.microsoft.com/office/drawing/2014/main" id="{356F02F2-F69C-445F-AEC5-268BBE83E788}"/>
+              </a:ext>
+            </a:extLst>
+          </p:cNvPr>
+          <p:cNvPicPr>
+            <a:picLocks noChangeAspect="1"/>
+          </p:cNvPicPr>
+          <p:nvPr/>
+        </p:nvPicPr>
+        <p:blipFill>
+          <a:blip r:embed="rId8">
+            <a:extLst>
+              <a:ext uri="{28A0092B-C50C-407E-A947-70E740481C1C}">
+                <a14:useLocalDpi xmlns:a14="http://schemas.microsoft.com/office/drawing/2010/main" val="0"/>
+              </a:ext>
+            </a:extLst>
+          </a:blip>
+          <a:stretch>
+            <a:fillRect/>
+          </a:stretch>
+        </p:blipFill>
+        <p:spPr>
+          <a:xfrm>
+            <a:off x="8962764" y="3878812"/>
+            <a:ext cx="2090499" cy="1325465"/>
+          </a:xfrm>
+          <a:prstGeom prst="rect">
+            <a:avLst/>
+          </a:prstGeom>
+        </p:spPr>
+      </p:pic>
+      <p:pic>
+        <p:nvPicPr>
+          <p:cNvPr id="19" name="Imagen 18">
+            <a:extLst>
+              <a:ext uri="{FF2B5EF4-FFF2-40B4-BE49-F238E27FC236}">
+                <a16:creationId xmlns:a16="http://schemas.microsoft.com/office/drawing/2014/main" id="{71F4C943-3789-4DDF-BB25-E5AC7A100A2F}"/>
+              </a:ext>
+            </a:extLst>
+          </p:cNvPr>
+          <p:cNvPicPr>
+            <a:picLocks noChangeAspect="1"/>
+          </p:cNvPicPr>
+          <p:nvPr/>
+        </p:nvPicPr>
+        <p:blipFill>
+          <a:blip r:embed="rId9">
+            <a:extLst>
+              <a:ext uri="{28A0092B-C50C-407E-A947-70E740481C1C}">
+                <a14:useLocalDpi xmlns:a14="http://schemas.microsoft.com/office/drawing/2010/main" val="0"/>
+              </a:ext>
+            </a:extLst>
+          </a:blip>
+          <a:stretch>
+            <a:fillRect/>
+          </a:stretch>
+        </p:blipFill>
+        <p:spPr>
+          <a:xfrm>
+            <a:off x="8962764" y="2461141"/>
+            <a:ext cx="1644231" cy="1095311"/>
+          </a:xfrm>
+          <a:prstGeom prst="rect">
+            <a:avLst/>
+          </a:prstGeom>
+        </p:spPr>
+      </p:pic>
     </p:spTree>
     <p:extLst>
       <p:ext uri="{BB962C8B-B14F-4D97-AF65-F5344CB8AC3E}">
-        <p14:creationId xmlns:p14="http://schemas.microsoft.com/office/powerpoint/2010/main" val="1076620591"/>
+        <p14:creationId xmlns:p14="http://schemas.microsoft.com/office/powerpoint/2010/main" val="2966852601"/>
       </p:ext>
     </p:extLst>
   </p:cSld>
@@ -6200,10 +6355,68 @@
           <a:chExt cx="0" cy="0"/>
         </a:xfrm>
       </p:grpSpPr>
+      <p:sp>
+        <p:nvSpPr>
+          <p:cNvPr id="2" name="Título 1">
+            <a:extLst>
+              <a:ext uri="{FF2B5EF4-FFF2-40B4-BE49-F238E27FC236}">
+                <a16:creationId xmlns:a16="http://schemas.microsoft.com/office/drawing/2014/main" id="{DB1ED351-3555-4404-86D9-3ED42A4EE6F6}"/>
+              </a:ext>
+            </a:extLst>
+          </p:cNvPr>
+          <p:cNvSpPr>
+            <a:spLocks noGrp="1"/>
+          </p:cNvSpPr>
+          <p:nvPr>
+            <p:ph type="title"/>
+          </p:nvPr>
+        </p:nvSpPr>
+        <p:spPr>
+          <a:xfrm>
+            <a:off x="619500" y="513977"/>
+            <a:ext cx="10571998" cy="970450"/>
+          </a:xfrm>
+        </p:spPr>
+        <p:txBody>
+          <a:bodyPr/>
+          <a:lstStyle/>
+          <a:p>
+            <a:r>
+              <a:rPr lang="es-CL" dirty="0"/>
+              <a:t>PROPIEDADES Y RECOMENDACIONES DE DISEÑO</a:t>
+            </a:r>
+          </a:p>
+        </p:txBody>
+      </p:sp>
+      <p:sp>
+        <p:nvSpPr>
+          <p:cNvPr id="3" name="Marcador de contenido 2">
+            <a:extLst>
+              <a:ext uri="{FF2B5EF4-FFF2-40B4-BE49-F238E27FC236}">
+                <a16:creationId xmlns:a16="http://schemas.microsoft.com/office/drawing/2014/main" id="{34789A7F-DFDE-4E9E-AD6C-C1AE91391181}"/>
+              </a:ext>
+            </a:extLst>
+          </p:cNvPr>
+          <p:cNvSpPr>
+            <a:spLocks noGrp="1"/>
+          </p:cNvSpPr>
+          <p:nvPr>
+            <p:ph idx="1"/>
+          </p:nvPr>
+        </p:nvSpPr>
+        <p:spPr/>
+        <p:txBody>
+          <a:bodyPr/>
+          <a:lstStyle/>
+          <a:p>
+            <a:endParaRPr lang="es-CL"/>
+          </a:p>
+        </p:txBody>
+      </p:sp>
     </p:spTree>
     <p:extLst>
       <p:ext uri="{BB962C8B-B14F-4D97-AF65-F5344CB8AC3E}">
-        <p14:creationId xmlns:p14="http://schemas.microsoft.com/office/powerpoint/2010/main" val="2538908691"/>
+        <p14:creationId xmlns:p14="http://schemas.microsoft.com/office/powerpoint/2010/main" val="1012820634"/>
       </p:ext>
     </p:extLst>
   </p:cSld>
@@ -6235,7 +6448,7 @@
           <p:cNvPr id="2" name="Título 1">
             <a:extLst>
               <a:ext uri="{FF2B5EF4-FFF2-40B4-BE49-F238E27FC236}">
-                <a16:creationId xmlns:a16="http://schemas.microsoft.com/office/drawing/2014/main" id="{1E8C71A8-9A07-4634-9151-44EA38629B9A}"/>
+                <a16:creationId xmlns:a16="http://schemas.microsoft.com/office/drawing/2014/main" id="{456F0D27-4BB8-47E1-925D-1090CB2A99FE}"/>
               </a:ext>
             </a:extLst>
           </p:cNvPr>
@@ -6253,7 +6466,7 @@
           <a:p>
             <a:r>
               <a:rPr lang="es-CL" dirty="0"/>
-              <a:t>TIPOS DE LADRILLOS</a:t>
+              <a:t>NORMATIVA Y RECOMENDACIONES DE DISEÑO</a:t>
             </a:r>
           </a:p>
         </p:txBody>
@@ -6263,7 +6476,7 @@
           <p:cNvPr id="3" name="Marcador de contenido 2">
             <a:extLst>
               <a:ext uri="{FF2B5EF4-FFF2-40B4-BE49-F238E27FC236}">
-                <a16:creationId xmlns:a16="http://schemas.microsoft.com/office/drawing/2014/main" id="{BCFEC4D7-D5B6-470A-9732-AF39FB6576FC}"/>
+                <a16:creationId xmlns:a16="http://schemas.microsoft.com/office/drawing/2014/main" id="{4DB436D6-A3D9-4D23-B070-9EE813E77E93}"/>
               </a:ext>
             </a:extLst>
           </p:cNvPr>
@@ -6286,7 +6499,7 @@
     </p:spTree>
     <p:extLst>
       <p:ext uri="{BB962C8B-B14F-4D97-AF65-F5344CB8AC3E}">
-        <p14:creationId xmlns:p14="http://schemas.microsoft.com/office/powerpoint/2010/main" val="2966852601"/>
+        <p14:creationId xmlns:p14="http://schemas.microsoft.com/office/powerpoint/2010/main" val="413490513"/>
       </p:ext>
     </p:extLst>
   </p:cSld>
@@ -6318,7 +6531,7 @@
           <p:cNvPr id="2" name="Título 1">
             <a:extLst>
               <a:ext uri="{FF2B5EF4-FFF2-40B4-BE49-F238E27FC236}">
-                <a16:creationId xmlns:a16="http://schemas.microsoft.com/office/drawing/2014/main" id="{DB1ED351-3555-4404-86D9-3ED42A4EE6F6}"/>
+                <a16:creationId xmlns:a16="http://schemas.microsoft.com/office/drawing/2014/main" id="{4D2BFA70-A516-49C4-BD43-FD50C324B468}"/>
               </a:ext>
             </a:extLst>
           </p:cNvPr>
@@ -6336,8 +6549,13 @@
           <a:p>
             <a:r>
               <a:rPr lang="es-CL" dirty="0"/>
-              <a:t>TIPOS DE DISEÑO EN ALBAÑILERÍA</a:t>
-            </a:r>
+              <a:t>ESTRUCTURAS DE </a:t>
+            </a:r>
+            <a:r>
+              <a:rPr lang="es-CL" dirty="0" err="1"/>
+              <a:t>ALBAÑILERÍAs</a:t>
+            </a:r>
+            <a:endParaRPr lang="es-CL" dirty="0"/>
           </a:p>
         </p:txBody>
       </p:sp>
@@ -6346,7 +6564,7 @@
           <p:cNvPr id="3" name="Marcador de contenido 2">
             <a:extLst>
               <a:ext uri="{FF2B5EF4-FFF2-40B4-BE49-F238E27FC236}">
-                <a16:creationId xmlns:a16="http://schemas.microsoft.com/office/drawing/2014/main" id="{34789A7F-DFDE-4E9E-AD6C-C1AE91391181}"/>
+                <a16:creationId xmlns:a16="http://schemas.microsoft.com/office/drawing/2014/main" id="{3C4C0D07-31D7-407F-AA68-CB95F534447F}"/>
               </a:ext>
             </a:extLst>
           </p:cNvPr>
@@ -6362,14 +6580,21 @@
           <a:bodyPr/>
           <a:lstStyle/>
           <a:p>
-            <a:endParaRPr lang="es-CL"/>
+            <a:pPr marL="0" indent="0">
+              <a:buNone/>
+            </a:pPr>
+            <a:r>
+              <a:rPr lang="es-CL" dirty="0" err="1"/>
+              <a:t>sdgsgsgsfgsgsfgsfgsfgsf</a:t>
+            </a:r>
+            <a:endParaRPr lang="es-CL" dirty="0"/>
           </a:p>
         </p:txBody>
       </p:sp>
     </p:spTree>
     <p:extLst>
       <p:ext uri="{BB962C8B-B14F-4D97-AF65-F5344CB8AC3E}">
-        <p14:creationId xmlns:p14="http://schemas.microsoft.com/office/powerpoint/2010/main" val="1012820634"/>
+        <p14:creationId xmlns:p14="http://schemas.microsoft.com/office/powerpoint/2010/main" val="1647384673"/>
       </p:ext>
     </p:extLst>
   </p:cSld>
@@ -6401,7 +6626,7 @@
           <p:cNvPr id="2" name="Título 1">
             <a:extLst>
               <a:ext uri="{FF2B5EF4-FFF2-40B4-BE49-F238E27FC236}">
-                <a16:creationId xmlns:a16="http://schemas.microsoft.com/office/drawing/2014/main" id="{456F0D27-4BB8-47E1-925D-1090CB2A99FE}"/>
+                <a16:creationId xmlns:a16="http://schemas.microsoft.com/office/drawing/2014/main" id="{D1668D6C-A80F-4AF9-8196-AB531C5839C3}"/>
               </a:ext>
             </a:extLst>
           </p:cNvPr>
@@ -6419,7 +6644,7 @@
           <a:p>
             <a:r>
               <a:rPr lang="es-CL" dirty="0"/>
-              <a:t>NORMATIVA Y RECOMENDACIONES DE DISEÑO</a:t>
+              <a:t>ALBAÑILERÍA APLICADA A EDIFICIOS</a:t>
             </a:r>
           </a:p>
         </p:txBody>
@@ -6429,7 +6654,7 @@
           <p:cNvPr id="3" name="Marcador de contenido 2">
             <a:extLst>
               <a:ext uri="{FF2B5EF4-FFF2-40B4-BE49-F238E27FC236}">
-                <a16:creationId xmlns:a16="http://schemas.microsoft.com/office/drawing/2014/main" id="{4DB436D6-A3D9-4D23-B070-9EE813E77E93}"/>
+                <a16:creationId xmlns:a16="http://schemas.microsoft.com/office/drawing/2014/main" id="{0096BE36-3AC5-4DB5-866A-1BFCB158F12D}"/>
               </a:ext>
             </a:extLst>
           </p:cNvPr>
@@ -6440,19 +6665,27 @@
             <p:ph idx="1"/>
           </p:nvPr>
         </p:nvSpPr>
-        <p:spPr/>
-        <p:txBody>
-          <a:bodyPr/>
-          <a:lstStyle/>
-          <a:p>
-            <a:endParaRPr lang="es-CL"/>
+        <p:spPr>
+          <a:xfrm>
+            <a:off x="810000" y="2178744"/>
+            <a:ext cx="10554574" cy="3636511"/>
+          </a:xfrm>
+        </p:spPr>
+        <p:txBody>
+          <a:bodyPr anchor="t"/>
+          <a:lstStyle/>
+          <a:p>
+            <a:pPr marL="0" indent="0">
+              <a:buNone/>
+            </a:pPr>
+            <a:endParaRPr lang="es-CL" dirty="0"/>
           </a:p>
         </p:txBody>
       </p:sp>
     </p:spTree>
     <p:extLst>
       <p:ext uri="{BB962C8B-B14F-4D97-AF65-F5344CB8AC3E}">
-        <p14:creationId xmlns:p14="http://schemas.microsoft.com/office/powerpoint/2010/main" val="413490513"/>
+        <p14:creationId xmlns:p14="http://schemas.microsoft.com/office/powerpoint/2010/main" val="4184555785"/>
       </p:ext>
     </p:extLst>
   </p:cSld>
@@ -6484,7 +6717,7 @@
           <p:cNvPr id="2" name="Título 1">
             <a:extLst>
               <a:ext uri="{FF2B5EF4-FFF2-40B4-BE49-F238E27FC236}">
-                <a16:creationId xmlns:a16="http://schemas.microsoft.com/office/drawing/2014/main" id="{4D2BFA70-A516-49C4-BD43-FD50C324B468}"/>
+                <a16:creationId xmlns:a16="http://schemas.microsoft.com/office/drawing/2014/main" id="{7963A088-C063-40F0-8AD2-8AAC6199450A}"/>
               </a:ext>
             </a:extLst>
           </p:cNvPr>
@@ -6502,13 +6735,8 @@
           <a:p>
             <a:r>
               <a:rPr lang="es-CL" dirty="0"/>
-              <a:t>ESTRUCTURAS DE </a:t>
-            </a:r>
-            <a:r>
-              <a:rPr lang="es-CL" dirty="0" err="1"/>
-              <a:t>ALBAÑILERÍAs</a:t>
-            </a:r>
-            <a:endParaRPr lang="es-CL" dirty="0"/>
+              <a:t>USO EN EL MUNDO</a:t>
+            </a:r>
           </a:p>
         </p:txBody>
       </p:sp>
@@ -6517,7 +6745,7 @@
           <p:cNvPr id="3" name="Marcador de contenido 2">
             <a:extLst>
               <a:ext uri="{FF2B5EF4-FFF2-40B4-BE49-F238E27FC236}">
-                <a16:creationId xmlns:a16="http://schemas.microsoft.com/office/drawing/2014/main" id="{3C4C0D07-31D7-407F-AA68-CB95F534447F}"/>
+                <a16:creationId xmlns:a16="http://schemas.microsoft.com/office/drawing/2014/main" id="{22ABBA1F-64A6-4E9A-90FE-8AC824113733}"/>
               </a:ext>
             </a:extLst>
           </p:cNvPr>
@@ -6533,13 +6761,6 @@
           <a:bodyPr/>
           <a:lstStyle/>
           <a:p>
-            <a:pPr marL="0" indent="0">
-              <a:buNone/>
-            </a:pPr>
-            <a:r>
-              <a:rPr lang="es-CL" dirty="0" err="1"/>
-              <a:t>sdgsgsgsfgsgsfgsfgsfgsf</a:t>
-            </a:r>
             <a:endParaRPr lang="es-CL" dirty="0"/>
           </a:p>
         </p:txBody>
@@ -6547,7 +6768,7 @@
     </p:spTree>
     <p:extLst>
       <p:ext uri="{BB962C8B-B14F-4D97-AF65-F5344CB8AC3E}">
-        <p14:creationId xmlns:p14="http://schemas.microsoft.com/office/powerpoint/2010/main" val="1647384673"/>
+        <p14:creationId xmlns:p14="http://schemas.microsoft.com/office/powerpoint/2010/main" val="1223577235"/>
       </p:ext>
     </p:extLst>
   </p:cSld>
@@ -6579,7 +6800,7 @@
           <p:cNvPr id="2" name="Título 1">
             <a:extLst>
               <a:ext uri="{FF2B5EF4-FFF2-40B4-BE49-F238E27FC236}">
-                <a16:creationId xmlns:a16="http://schemas.microsoft.com/office/drawing/2014/main" id="{D1668D6C-A80F-4AF9-8196-AB531C5839C3}"/>
+                <a16:creationId xmlns:a16="http://schemas.microsoft.com/office/drawing/2014/main" id="{7963A088-C063-40F0-8AD2-8AAC6199450A}"/>
               </a:ext>
             </a:extLst>
           </p:cNvPr>
@@ -6597,7 +6818,7 @@
           <a:p>
             <a:r>
               <a:rPr lang="es-CL" dirty="0"/>
-              <a:t>ALBAÑILERÍA APLICADA A EDIFICIOS</a:t>
+              <a:t>USO EN CHILE</a:t>
             </a:r>
           </a:p>
         </p:txBody>
@@ -6607,7 +6828,7 @@
           <p:cNvPr id="3" name="Marcador de contenido 2">
             <a:extLst>
               <a:ext uri="{FF2B5EF4-FFF2-40B4-BE49-F238E27FC236}">
-                <a16:creationId xmlns:a16="http://schemas.microsoft.com/office/drawing/2014/main" id="{0096BE36-3AC5-4DB5-866A-1BFCB158F12D}"/>
+                <a16:creationId xmlns:a16="http://schemas.microsoft.com/office/drawing/2014/main" id="{22ABBA1F-64A6-4E9A-90FE-8AC824113733}"/>
               </a:ext>
             </a:extLst>
           </p:cNvPr>
@@ -6618,27 +6839,19 @@
             <p:ph idx="1"/>
           </p:nvPr>
         </p:nvSpPr>
-        <p:spPr>
-          <a:xfrm>
-            <a:off x="810000" y="2178744"/>
-            <a:ext cx="10554574" cy="3636511"/>
-          </a:xfrm>
-        </p:spPr>
-        <p:txBody>
-          <a:bodyPr anchor="t"/>
-          <a:lstStyle/>
-          <a:p>
-            <a:pPr marL="0" indent="0">
-              <a:buNone/>
-            </a:pPr>
-            <a:endParaRPr lang="es-CL" dirty="0"/>
+        <p:spPr/>
+        <p:txBody>
+          <a:bodyPr/>
+          <a:lstStyle/>
+          <a:p>
+            <a:endParaRPr lang="es-CL"/>
           </a:p>
         </p:txBody>
       </p:sp>
     </p:spTree>
     <p:extLst>
       <p:ext uri="{BB962C8B-B14F-4D97-AF65-F5344CB8AC3E}">
-        <p14:creationId xmlns:p14="http://schemas.microsoft.com/office/powerpoint/2010/main" val="4184555785"/>
+        <p14:creationId xmlns:p14="http://schemas.microsoft.com/office/powerpoint/2010/main" val="3365775483"/>
       </p:ext>
     </p:extLst>
   </p:cSld>

--- a/SISTEMAS CONSTRUCTIVOS EN ALBAÑILERIÁ.pptx
+++ b/SISTEMAS CONSTRUCTIVOS EN ALBAÑILERIÁ.pptx
@@ -9,14 +9,21 @@
     <p:sldId id="257" r:id="rId3"/>
     <p:sldId id="259" r:id="rId4"/>
     <p:sldId id="260" r:id="rId5"/>
-    <p:sldId id="261" r:id="rId6"/>
+    <p:sldId id="269" r:id="rId6"/>
     <p:sldId id="262" r:id="rId7"/>
-    <p:sldId id="263" r:id="rId8"/>
-    <p:sldId id="264" r:id="rId9"/>
-    <p:sldId id="265" r:id="rId10"/>
-    <p:sldId id="266" r:id="rId11"/>
-    <p:sldId id="267" r:id="rId12"/>
-    <p:sldId id="268" r:id="rId13"/>
+    <p:sldId id="265" r:id="rId8"/>
+    <p:sldId id="270" r:id="rId9"/>
+    <p:sldId id="271" r:id="rId10"/>
+    <p:sldId id="272" r:id="rId11"/>
+    <p:sldId id="273" r:id="rId12"/>
+    <p:sldId id="274" r:id="rId13"/>
+    <p:sldId id="264" r:id="rId14"/>
+    <p:sldId id="275" r:id="rId15"/>
+    <p:sldId id="276" r:id="rId16"/>
+    <p:sldId id="277" r:id="rId17"/>
+    <p:sldId id="278" r:id="rId18"/>
+    <p:sldId id="267" r:id="rId19"/>
+    <p:sldId id="268" r:id="rId20"/>
   </p:sldIdLst>
   <p:sldSz cx="12192000" cy="6858000"/>
   <p:notesSz cx="6858000" cy="9144000"/>
@@ -218,7 +225,7 @@
           <a:effectLst/>
           <a:extLst>
             <a:ext uri="{91240B29-F687-4f45-9708-019B960494DF}">
-              <a14:hiddenLine xmlns="" xmlns:a14="http://schemas.microsoft.com/office/drawing/2010/main" w="9525">
+              <a14:hiddenLine xmlns:a14="http://schemas.microsoft.com/office/drawing/2010/main" xmlns="" w="9525">
                 <a:solidFill>
                   <a:srgbClr val="000000"/>
                 </a:solidFill>
@@ -452,7 +459,7 @@
           <a:p>
             <a:fld id="{D88726A3-D641-4DC4-B7D4-6194E61536F8}" type="slidenum">
               <a:rPr lang="es-CL" smtClean="0"/>
-              <a:t>‹Nº›</a:t>
+              <a:t>‹#›</a:t>
             </a:fld>
             <a:endParaRPr lang="es-CL"/>
           </a:p>
@@ -770,7 +777,7 @@
           <a:p>
             <a:fld id="{D88726A3-D641-4DC4-B7D4-6194E61536F8}" type="slidenum">
               <a:rPr lang="es-CL" smtClean="0"/>
-              <a:t>‹Nº›</a:t>
+              <a:t>‹#›</a:t>
             </a:fld>
             <a:endParaRPr lang="es-CL"/>
           </a:p>
@@ -1258,7 +1265,7 @@
           <a:p>
             <a:fld id="{D88726A3-D641-4DC4-B7D4-6194E61536F8}" type="slidenum">
               <a:rPr lang="es-CL" smtClean="0"/>
-              <a:t>‹Nº›</a:t>
+              <a:t>‹#›</a:t>
             </a:fld>
             <a:endParaRPr lang="es-CL"/>
           </a:p>
@@ -1627,7 +1634,7 @@
           <a:p>
             <a:fld id="{D88726A3-D641-4DC4-B7D4-6194E61536F8}" type="slidenum">
               <a:rPr lang="es-CL" smtClean="0"/>
-              <a:t>‹Nº›</a:t>
+              <a:t>‹#›</a:t>
             </a:fld>
             <a:endParaRPr lang="es-CL"/>
           </a:p>
@@ -1740,7 +1747,7 @@
           <a:ln/>
           <a:extLst>
             <a:ext uri="{91240B29-F687-4f45-9708-019B960494DF}">
-              <a14:hiddenLine xmlns="" xmlns:a14="http://schemas.microsoft.com/office/drawing/2010/main" w="9525">
+              <a14:hiddenLine xmlns:a14="http://schemas.microsoft.com/office/drawing/2010/main" xmlns="" w="9525">
                 <a:solidFill>
                   <a:srgbClr val="000000"/>
                 </a:solidFill>
@@ -1900,7 +1907,7 @@
           <a:p>
             <a:fld id="{D88726A3-D641-4DC4-B7D4-6194E61536F8}" type="slidenum">
               <a:rPr lang="es-CL" smtClean="0"/>
-              <a:t>‹Nº›</a:t>
+              <a:t>‹#›</a:t>
             </a:fld>
             <a:endParaRPr lang="es-CL"/>
           </a:p>
@@ -2015,7 +2022,7 @@
           <a:ln/>
           <a:extLst>
             <a:ext uri="{91240B29-F687-4f45-9708-019B960494DF}">
-              <a14:hiddenLine xmlns="" xmlns:a14="http://schemas.microsoft.com/office/drawing/2010/main" w="9525">
+              <a14:hiddenLine xmlns:a14="http://schemas.microsoft.com/office/drawing/2010/main" xmlns="" w="9525">
                 <a:solidFill>
                   <a:srgbClr val="000000"/>
                 </a:solidFill>
@@ -2185,7 +2192,7 @@
           <a:p>
             <a:fld id="{D88726A3-D641-4DC4-B7D4-6194E61536F8}" type="slidenum">
               <a:rPr lang="es-CL" smtClean="0"/>
-              <a:t>‹Nº›</a:t>
+              <a:t>‹#›</a:t>
             </a:fld>
             <a:endParaRPr lang="es-CL"/>
           </a:p>
@@ -2298,7 +2305,7 @@
           <a:ln/>
           <a:extLst>
             <a:ext uri="{91240B29-F687-4f45-9708-019B960494DF}">
-              <a14:hiddenLine xmlns="" xmlns:a14="http://schemas.microsoft.com/office/drawing/2010/main" w="9525">
+              <a14:hiddenLine xmlns:a14="http://schemas.microsoft.com/office/drawing/2010/main" xmlns="" w="9525">
                 <a:solidFill>
                   <a:srgbClr val="000000"/>
                 </a:solidFill>
@@ -2468,7 +2475,7 @@
           <a:p>
             <a:fld id="{D88726A3-D641-4DC4-B7D4-6194E61536F8}" type="slidenum">
               <a:rPr lang="es-CL" smtClean="0"/>
-              <a:t>‹Nº›</a:t>
+              <a:t>‹#›</a:t>
             </a:fld>
             <a:endParaRPr lang="es-CL"/>
           </a:p>
@@ -2811,7 +2818,7 @@
           <a:p>
             <a:fld id="{D88726A3-D641-4DC4-B7D4-6194E61536F8}" type="slidenum">
               <a:rPr lang="es-CL" smtClean="0"/>
-              <a:t>‹Nº›</a:t>
+              <a:t>‹#›</a:t>
             </a:fld>
             <a:endParaRPr lang="es-CL"/>
           </a:p>
@@ -2924,7 +2931,7 @@
           <a:ln/>
           <a:extLst>
             <a:ext uri="{91240B29-F687-4f45-9708-019B960494DF}">
-              <a14:hiddenLine xmlns="" xmlns:a14="http://schemas.microsoft.com/office/drawing/2010/main" w="9525">
+              <a14:hiddenLine xmlns:a14="http://schemas.microsoft.com/office/drawing/2010/main" xmlns="" w="9525">
                 <a:solidFill>
                   <a:srgbClr val="000000"/>
                 </a:solidFill>
@@ -3150,7 +3157,7 @@
           <a:p>
             <a:fld id="{D88726A3-D641-4DC4-B7D4-6194E61536F8}" type="slidenum">
               <a:rPr lang="es-CL" smtClean="0"/>
-              <a:t>‹Nº›</a:t>
+              <a:t>‹#›</a:t>
             </a:fld>
             <a:endParaRPr lang="es-CL"/>
           </a:p>
@@ -3263,7 +3270,7 @@
           <a:ln/>
           <a:extLst>
             <a:ext uri="{91240B29-F687-4f45-9708-019B960494DF}">
-              <a14:hiddenLine xmlns="" xmlns:a14="http://schemas.microsoft.com/office/drawing/2010/main" w="9525">
+              <a14:hiddenLine xmlns:a14="http://schemas.microsoft.com/office/drawing/2010/main" xmlns="" w="9525">
                 <a:solidFill>
                   <a:srgbClr val="000000"/>
                 </a:solidFill>
@@ -3627,7 +3634,7 @@
           <a:p>
             <a:fld id="{D88726A3-D641-4DC4-B7D4-6194E61536F8}" type="slidenum">
               <a:rPr lang="es-CL" smtClean="0"/>
-              <a:t>‹Nº›</a:t>
+              <a:t>‹#›</a:t>
             </a:fld>
             <a:endParaRPr lang="es-CL"/>
           </a:p>
@@ -3740,7 +3747,7 @@
           <a:ln/>
           <a:extLst>
             <a:ext uri="{91240B29-F687-4f45-9708-019B960494DF}">
-              <a14:hiddenLine xmlns="" xmlns:a14="http://schemas.microsoft.com/office/drawing/2010/main" w="9525">
+              <a14:hiddenLine xmlns:a14="http://schemas.microsoft.com/office/drawing/2010/main" xmlns="" w="9525">
                 <a:solidFill>
                   <a:srgbClr val="000000"/>
                 </a:solidFill>
@@ -3848,7 +3855,7 @@
           <a:p>
             <a:fld id="{D88726A3-D641-4DC4-B7D4-6194E61536F8}" type="slidenum">
               <a:rPr lang="es-CL" smtClean="0"/>
-              <a:t>‹Nº›</a:t>
+              <a:t>‹#›</a:t>
             </a:fld>
             <a:endParaRPr lang="es-CL"/>
           </a:p>
@@ -3943,7 +3950,7 @@
           <a:p>
             <a:fld id="{D88726A3-D641-4DC4-B7D4-6194E61536F8}" type="slidenum">
               <a:rPr lang="es-CL" smtClean="0"/>
-              <a:t>‹Nº›</a:t>
+              <a:t>‹#›</a:t>
             </a:fld>
             <a:endParaRPr lang="es-CL"/>
           </a:p>
@@ -4169,7 +4176,7 @@
           <a:ln/>
           <a:extLst>
             <a:ext uri="{91240B29-F687-4f45-9708-019B960494DF}">
-              <a14:hiddenLine xmlns="" xmlns:a14="http://schemas.microsoft.com/office/drawing/2010/main" w="9525">
+              <a14:hiddenLine xmlns:a14="http://schemas.microsoft.com/office/drawing/2010/main" xmlns="" w="9525">
                 <a:solidFill>
                   <a:srgbClr val="000000"/>
                 </a:solidFill>
@@ -4410,7 +4417,7 @@
           <a:p>
             <a:fld id="{D88726A3-D641-4DC4-B7D4-6194E61536F8}" type="slidenum">
               <a:rPr lang="es-CL" smtClean="0"/>
-              <a:t>‹Nº›</a:t>
+              <a:t>‹#›</a:t>
             </a:fld>
             <a:endParaRPr lang="es-CL"/>
           </a:p>
@@ -4733,7 +4740,7 @@
           <a:p>
             <a:fld id="{D88726A3-D641-4DC4-B7D4-6194E61536F8}" type="slidenum">
               <a:rPr lang="es-CL" smtClean="0"/>
-              <a:t>‹Nº›</a:t>
+              <a:t>‹#›</a:t>
             </a:fld>
             <a:endParaRPr lang="es-CL"/>
           </a:p>
@@ -4990,7 +4997,7 @@
           <a:p>
             <a:fld id="{D88726A3-D641-4DC4-B7D4-6194E61536F8}" type="slidenum">
               <a:rPr lang="es-CL" smtClean="0"/>
-              <a:t>‹Nº›</a:t>
+              <a:t>‹#›</a:t>
             </a:fld>
             <a:endParaRPr lang="es-CL"/>
           </a:p>
@@ -5469,7 +5476,7 @@
                   <a:srgbClr val="FFFFFF"/>
                 </a:solidFill>
               </a:rPr>
-              <a:t>SISTEMAS CONSTRUCTIVOS EN ALBAÑILERIÁ</a:t>
+              <a:t>SISTEMAS CONSTRUCTIVOS EN ALBAÑILERIA</a:t>
             </a:r>
           </a:p>
         </p:txBody>
@@ -5492,43 +5499,37 @@
         </p:nvSpPr>
         <p:spPr>
           <a:xfrm>
-            <a:off x="9304006" y="5145154"/>
-            <a:ext cx="7304152" cy="1117687"/>
+            <a:off x="7668950" y="5271050"/>
+            <a:ext cx="4523050" cy="1586950"/>
           </a:xfrm>
         </p:spPr>
         <p:txBody>
           <a:bodyPr>
-            <a:normAutofit fontScale="25000" lnSpcReduction="20000"/>
+            <a:normAutofit fontScale="32500" lnSpcReduction="20000"/>
           </a:bodyPr>
           <a:lstStyle/>
           <a:p>
             <a:r>
               <a:rPr lang="es-CL" sz="6000" dirty="0"/>
-              <a:t>Integrantes: Mauricio Leal V.</a:t>
+              <a:t>Integrantes: 	Mauricio Leal V.</a:t>
             </a:r>
           </a:p>
           <a:p>
             <a:r>
               <a:rPr lang="es-CL" sz="6000" dirty="0"/>
-              <a:t>Pablo Pizarro R.</a:t>
+              <a:t>				Pablo Pizarro R.</a:t>
             </a:r>
           </a:p>
           <a:p>
             <a:r>
               <a:rPr lang="es-CL" sz="6000" dirty="0"/>
-              <a:t>Ignacio Yáñez G.</a:t>
+              <a:t>				Ignacio Yáñez G.</a:t>
             </a:r>
           </a:p>
           <a:p>
             <a:r>
               <a:rPr lang="es-CL" sz="6000" dirty="0"/>
-              <a:t>Profesor: Jorge Pulgar A.</a:t>
-            </a:r>
-          </a:p>
-          <a:p>
-            <a:r>
-              <a:rPr lang="es-CL" sz="6000" dirty="0"/>
-              <a:t>Fecha:</a:t>
+              <a:t>Profesor: 		Jorge Pulgar A.</a:t>
             </a:r>
           </a:p>
           <a:p>
@@ -5571,10 +5572,10 @@
       </p:grpSpPr>
       <p:sp>
         <p:nvSpPr>
-          <p:cNvPr id="2" name="Título 1">
+          <p:cNvPr id="4" name="Title 1">
             <a:extLst>
               <a:ext uri="{FF2B5EF4-FFF2-40B4-BE49-F238E27FC236}">
-                <a16:creationId xmlns:a16="http://schemas.microsoft.com/office/drawing/2014/main" id="{30646B5B-FE3B-4563-9034-E6C868675BC6}"/>
+                <a16:creationId xmlns:a16="http://schemas.microsoft.com/office/drawing/2014/main" id="{B2945E88-F542-47CA-8EC5-B4AE0EA70314}"/>
               </a:ext>
             </a:extLst>
           </p:cNvPr>
@@ -5585,47 +5586,114 @@
             <p:ph type="title"/>
           </p:nvPr>
         </p:nvSpPr>
-        <p:spPr/>
+        <p:spPr>
+          <a:xfrm>
+            <a:off x="810000" y="447188"/>
+            <a:ext cx="10571998" cy="970450"/>
+          </a:xfrm>
+        </p:spPr>
         <p:txBody>
           <a:bodyPr/>
           <a:lstStyle/>
           <a:p>
             <a:r>
               <a:rPr lang="es-CL" dirty="0"/>
-              <a:t>LIMITACIONES</a:t>
-            </a:r>
-          </a:p>
-        </p:txBody>
-      </p:sp>
-      <p:sp>
-        <p:nvSpPr>
-          <p:cNvPr id="3" name="Marcador de contenido 2">
+              <a:t>USO EN CHILE</a:t>
+            </a:r>
+            <a:endParaRPr lang="es-MX" dirty="0"/>
+          </a:p>
+        </p:txBody>
+      </p:sp>
+      <p:pic>
+        <p:nvPicPr>
+          <p:cNvPr id="6" name="Content Placeholder 5">
             <a:extLst>
               <a:ext uri="{FF2B5EF4-FFF2-40B4-BE49-F238E27FC236}">
-                <a16:creationId xmlns:a16="http://schemas.microsoft.com/office/drawing/2014/main" id="{2A01C607-5E90-4419-A0C2-96BF0D6367CF}"/>
+                <a16:creationId xmlns:a16="http://schemas.microsoft.com/office/drawing/2014/main" id="{AB623279-9D42-4E97-BA93-FA698E4F3F4E}"/>
               </a:ext>
             </a:extLst>
           </p:cNvPr>
-          <p:cNvSpPr>
-            <a:spLocks noGrp="1"/>
-          </p:cNvSpPr>
+          <p:cNvPicPr>
+            <a:picLocks noGrp="1" noChangeAspect="1"/>
+          </p:cNvPicPr>
           <p:nvPr>
             <p:ph idx="1"/>
           </p:nvPr>
-        </p:nvSpPr>
-        <p:spPr/>
-        <p:txBody>
-          <a:bodyPr/>
-          <a:lstStyle/>
-          <a:p>
-            <a:endParaRPr lang="es-CL"/>
+        </p:nvPicPr>
+        <p:blipFill rotWithShape="1">
+          <a:blip r:embed="rId2">
+            <a:extLst>
+              <a:ext uri="{28A0092B-C50C-407E-A947-70E740481C1C}">
+                <a14:useLocalDpi xmlns:a14="http://schemas.microsoft.com/office/drawing/2010/main" val="0"/>
+              </a:ext>
+            </a:extLst>
+          </a:blip>
+          <a:srcRect t="19958"/>
+          <a:stretch/>
+        </p:blipFill>
+        <p:spPr>
+          <a:xfrm>
+            <a:off x="2495998" y="2349000"/>
+            <a:ext cx="7426878" cy="3960000"/>
+          </a:xfrm>
+          <a:prstGeom prst="rect">
+            <a:avLst/>
+          </a:prstGeom>
+        </p:spPr>
+      </p:pic>
+      <p:sp>
+        <p:nvSpPr>
+          <p:cNvPr id="11" name="TextBox 10">
+            <a:extLst>
+              <a:ext uri="{FF2B5EF4-FFF2-40B4-BE49-F238E27FC236}">
+                <a16:creationId xmlns:a16="http://schemas.microsoft.com/office/drawing/2014/main" id="{F0B110A5-529C-420E-967E-B6FA5F077918}"/>
+              </a:ext>
+            </a:extLst>
+          </p:cNvPr>
+          <p:cNvSpPr txBox="1"/>
+          <p:nvPr/>
+        </p:nvSpPr>
+        <p:spPr>
+          <a:xfrm>
+            <a:off x="4403869" y="6410812"/>
+            <a:ext cx="3384261" cy="307777"/>
+          </a:xfrm>
+          <a:prstGeom prst="rect">
+            <a:avLst/>
+          </a:prstGeom>
+          <a:noFill/>
+        </p:spPr>
+        <p:txBody>
+          <a:bodyPr wrap="none" rtlCol="0">
+            <a:spAutoFit/>
+          </a:bodyPr>
+          <a:lstStyle/>
+          <a:p>
+            <a:pPr algn="ctr"/>
+            <a:r>
+              <a:rPr lang="es-CL" sz="1400" dirty="0">
+                <a:solidFill>
+                  <a:schemeClr val="tx2">
+                    <a:lumMod val="50000"/>
+                  </a:schemeClr>
+                </a:solidFill>
+              </a:rPr>
+              <a:t>Edificio ex arsenales de guerra. 1985.</a:t>
+            </a:r>
+            <a:endParaRPr lang="es-MX" sz="1400" dirty="0">
+              <a:solidFill>
+                <a:schemeClr val="tx2">
+                  <a:lumMod val="50000"/>
+                </a:schemeClr>
+              </a:solidFill>
+            </a:endParaRPr>
           </a:p>
         </p:txBody>
       </p:sp>
     </p:spTree>
     <p:extLst>
       <p:ext uri="{BB962C8B-B14F-4D97-AF65-F5344CB8AC3E}">
-        <p14:creationId xmlns:p14="http://schemas.microsoft.com/office/powerpoint/2010/main" val="1665503870"/>
+        <p14:creationId xmlns:p14="http://schemas.microsoft.com/office/powerpoint/2010/main" val="1685380237"/>
       </p:ext>
     </p:extLst>
   </p:cSld>
@@ -5652,63 +5720,128 @@
           <a:chExt cx="0" cy="0"/>
         </a:xfrm>
       </p:grpSpPr>
-      <p:sp>
-        <p:nvSpPr>
-          <p:cNvPr id="2" name="Título 1">
+      <p:pic>
+        <p:nvPicPr>
+          <p:cNvPr id="4" name="Picture 3">
             <a:extLst>
               <a:ext uri="{FF2B5EF4-FFF2-40B4-BE49-F238E27FC236}">
-                <a16:creationId xmlns:a16="http://schemas.microsoft.com/office/drawing/2014/main" id="{269D34A6-CEA9-4551-A486-097F07B05AD9}"/>
+                <a16:creationId xmlns:a16="http://schemas.microsoft.com/office/drawing/2014/main" id="{77ABA89A-CE3A-43C0-9FE0-07324529052A}"/>
               </a:ext>
             </a:extLst>
           </p:cNvPr>
-          <p:cNvSpPr>
-            <a:spLocks noGrp="1"/>
-          </p:cNvSpPr>
-          <p:nvPr>
-            <p:ph type="title"/>
-          </p:nvPr>
-        </p:nvSpPr>
-        <p:spPr/>
-        <p:txBody>
-          <a:bodyPr/>
-          <a:lstStyle/>
-          <a:p>
-            <a:r>
-              <a:rPr lang="es-CL" dirty="0"/>
-              <a:t>CUBICACIONES</a:t>
-            </a:r>
-          </a:p>
-        </p:txBody>
-      </p:sp>
-      <p:sp>
-        <p:nvSpPr>
-          <p:cNvPr id="3" name="Marcador de contenido 2">
+          <p:cNvPicPr>
+            <a:picLocks noChangeAspect="1"/>
+          </p:cNvPicPr>
+          <p:nvPr/>
+        </p:nvPicPr>
+        <p:blipFill rotWithShape="1">
+          <a:blip r:embed="rId2">
+            <a:extLst>
+              <a:ext uri="{28A0092B-C50C-407E-A947-70E740481C1C}">
+                <a14:useLocalDpi xmlns:a14="http://schemas.microsoft.com/office/drawing/2010/main" val="0"/>
+              </a:ext>
+            </a:extLst>
+          </a:blip>
+          <a:srcRect t="3854" b="10881"/>
+          <a:stretch/>
+        </p:blipFill>
+        <p:spPr>
+          <a:xfrm>
+            <a:off x="2495998" y="2349000"/>
+            <a:ext cx="7379309" cy="3960000"/>
+          </a:xfrm>
+          <a:prstGeom prst="rect">
+            <a:avLst/>
+          </a:prstGeom>
+        </p:spPr>
+      </p:pic>
+      <p:sp>
+        <p:nvSpPr>
+          <p:cNvPr id="5" name="TextBox 4">
             <a:extLst>
               <a:ext uri="{FF2B5EF4-FFF2-40B4-BE49-F238E27FC236}">
-                <a16:creationId xmlns:a16="http://schemas.microsoft.com/office/drawing/2014/main" id="{0AFA8CF1-302B-4FA8-8928-4F60FD8E8582}"/>
+                <a16:creationId xmlns:a16="http://schemas.microsoft.com/office/drawing/2014/main" id="{CBA1368A-3808-40CE-B601-39BE633B4B23}"/>
               </a:ext>
             </a:extLst>
           </p:cNvPr>
-          <p:cNvSpPr>
-            <a:spLocks noGrp="1"/>
-          </p:cNvSpPr>
-          <p:nvPr>
-            <p:ph idx="1"/>
-          </p:nvPr>
-        </p:nvSpPr>
-        <p:spPr/>
+          <p:cNvSpPr txBox="1"/>
+          <p:nvPr/>
+        </p:nvSpPr>
+        <p:spPr>
+          <a:xfrm>
+            <a:off x="4131359" y="6410325"/>
+            <a:ext cx="3929281" cy="307777"/>
+          </a:xfrm>
+          <a:prstGeom prst="rect">
+            <a:avLst/>
+          </a:prstGeom>
+          <a:noFill/>
+        </p:spPr>
+        <p:txBody>
+          <a:bodyPr wrap="none" rtlCol="0">
+            <a:spAutoFit/>
+          </a:bodyPr>
+          <a:lstStyle/>
+          <a:p>
+            <a:pPr algn="ctr"/>
+            <a:r>
+              <a:rPr lang="es-CL" sz="1400" dirty="0">
+                <a:solidFill>
+                  <a:schemeClr val="tx2">
+                    <a:lumMod val="50000"/>
+                  </a:schemeClr>
+                </a:solidFill>
+              </a:rPr>
+              <a:t>Iglesia y Convento de San Francisco. 1618. </a:t>
+            </a:r>
+            <a:endParaRPr lang="es-MX" sz="1400" dirty="0">
+              <a:solidFill>
+                <a:schemeClr val="tx2">
+                  <a:lumMod val="50000"/>
+                </a:schemeClr>
+              </a:solidFill>
+            </a:endParaRPr>
+          </a:p>
+        </p:txBody>
+      </p:sp>
+      <p:sp>
+        <p:nvSpPr>
+          <p:cNvPr id="6" name="Title 1">
+            <a:extLst>
+              <a:ext uri="{FF2B5EF4-FFF2-40B4-BE49-F238E27FC236}">
+                <a16:creationId xmlns:a16="http://schemas.microsoft.com/office/drawing/2014/main" id="{84D9D71C-C2E3-4446-966A-B17F4DE05698}"/>
+              </a:ext>
+            </a:extLst>
+          </p:cNvPr>
+          <p:cNvSpPr>
+            <a:spLocks noGrp="1"/>
+          </p:cNvSpPr>
+          <p:nvPr>
+            <p:ph type="title"/>
+          </p:nvPr>
+        </p:nvSpPr>
+        <p:spPr>
+          <a:xfrm>
+            <a:off x="809625" y="447675"/>
+            <a:ext cx="10572750" cy="969963"/>
+          </a:xfrm>
+        </p:spPr>
         <p:txBody>
           <a:bodyPr/>
           <a:lstStyle/>
           <a:p>
-            <a:endParaRPr lang="es-CL"/>
+            <a:r>
+              <a:rPr lang="es-CL" dirty="0"/>
+              <a:t>USO EN CHILE</a:t>
+            </a:r>
+            <a:endParaRPr lang="es-MX" dirty="0"/>
           </a:p>
         </p:txBody>
       </p:sp>
     </p:spTree>
     <p:extLst>
       <p:ext uri="{BB962C8B-B14F-4D97-AF65-F5344CB8AC3E}">
-        <p14:creationId xmlns:p14="http://schemas.microsoft.com/office/powerpoint/2010/main" val="2217409196"/>
+        <p14:creationId xmlns:p14="http://schemas.microsoft.com/office/powerpoint/2010/main" val="3650914507"/>
       </p:ext>
     </p:extLst>
   </p:cSld>
@@ -5735,6 +5868,958 @@
           <a:chExt cx="0" cy="0"/>
         </a:xfrm>
       </p:grpSpPr>
+      <p:pic>
+        <p:nvPicPr>
+          <p:cNvPr id="4" name="Picture 3">
+            <a:extLst>
+              <a:ext uri="{FF2B5EF4-FFF2-40B4-BE49-F238E27FC236}">
+                <a16:creationId xmlns:a16="http://schemas.microsoft.com/office/drawing/2014/main" id="{E24A22A6-B7E4-49D6-AB0A-2F23A09E4965}"/>
+              </a:ext>
+            </a:extLst>
+          </p:cNvPr>
+          <p:cNvPicPr>
+            <a:picLocks noChangeAspect="1"/>
+          </p:cNvPicPr>
+          <p:nvPr/>
+        </p:nvPicPr>
+        <p:blipFill rotWithShape="1">
+          <a:blip r:embed="rId2">
+            <a:extLst>
+              <a:ext uri="{28A0092B-C50C-407E-A947-70E740481C1C}">
+                <a14:useLocalDpi xmlns:a14="http://schemas.microsoft.com/office/drawing/2010/main" val="0"/>
+              </a:ext>
+            </a:extLst>
+          </a:blip>
+          <a:srcRect t="3998" b="2859"/>
+          <a:stretch/>
+        </p:blipFill>
+        <p:spPr>
+          <a:xfrm>
+            <a:off x="2496000" y="2349000"/>
+            <a:ext cx="7555420" cy="3960000"/>
+          </a:xfrm>
+          <a:prstGeom prst="rect">
+            <a:avLst/>
+          </a:prstGeom>
+        </p:spPr>
+      </p:pic>
+      <p:sp>
+        <p:nvSpPr>
+          <p:cNvPr id="6" name="Title 1">
+            <a:extLst>
+              <a:ext uri="{FF2B5EF4-FFF2-40B4-BE49-F238E27FC236}">
+                <a16:creationId xmlns:a16="http://schemas.microsoft.com/office/drawing/2014/main" id="{31BB28F8-8614-4253-A96F-CB2EE9A9DE19}"/>
+              </a:ext>
+            </a:extLst>
+          </p:cNvPr>
+          <p:cNvSpPr>
+            <a:spLocks noGrp="1"/>
+          </p:cNvSpPr>
+          <p:nvPr>
+            <p:ph type="title"/>
+          </p:nvPr>
+        </p:nvSpPr>
+        <p:spPr>
+          <a:xfrm>
+            <a:off x="810000" y="447188"/>
+            <a:ext cx="10571998" cy="970450"/>
+          </a:xfrm>
+        </p:spPr>
+        <p:txBody>
+          <a:bodyPr/>
+          <a:lstStyle/>
+          <a:p>
+            <a:r>
+              <a:rPr lang="es-CL" dirty="0"/>
+              <a:t>USO EN CHILE</a:t>
+            </a:r>
+            <a:endParaRPr lang="es-MX" dirty="0"/>
+          </a:p>
+        </p:txBody>
+      </p:sp>
+      <p:sp>
+        <p:nvSpPr>
+          <p:cNvPr id="7" name="TextBox 6">
+            <a:extLst>
+              <a:ext uri="{FF2B5EF4-FFF2-40B4-BE49-F238E27FC236}">
+                <a16:creationId xmlns:a16="http://schemas.microsoft.com/office/drawing/2014/main" id="{2897AB38-AB48-4BEE-90C8-806C0A34F351}"/>
+              </a:ext>
+            </a:extLst>
+          </p:cNvPr>
+          <p:cNvSpPr txBox="1"/>
+          <p:nvPr/>
+        </p:nvSpPr>
+        <p:spPr>
+          <a:xfrm>
+            <a:off x="4778972" y="6410812"/>
+            <a:ext cx="2634054" cy="307777"/>
+          </a:xfrm>
+          <a:prstGeom prst="rect">
+            <a:avLst/>
+          </a:prstGeom>
+          <a:noFill/>
+        </p:spPr>
+        <p:txBody>
+          <a:bodyPr wrap="none" rtlCol="0">
+            <a:spAutoFit/>
+          </a:bodyPr>
+          <a:lstStyle/>
+          <a:p>
+            <a:pPr algn="ctr"/>
+            <a:r>
+              <a:rPr lang="es-CL" sz="1400" dirty="0">
+                <a:solidFill>
+                  <a:schemeClr val="tx2">
+                    <a:lumMod val="50000"/>
+                  </a:schemeClr>
+                </a:solidFill>
+              </a:rPr>
+              <a:t>Catedral de Santiago. 1745.</a:t>
+            </a:r>
+            <a:endParaRPr lang="es-MX" sz="1400" dirty="0">
+              <a:solidFill>
+                <a:schemeClr val="tx2">
+                  <a:lumMod val="50000"/>
+                </a:schemeClr>
+              </a:solidFill>
+            </a:endParaRPr>
+          </a:p>
+        </p:txBody>
+      </p:sp>
+    </p:spTree>
+    <p:extLst>
+      <p:ext uri="{BB962C8B-B14F-4D97-AF65-F5344CB8AC3E}">
+        <p14:creationId xmlns:p14="http://schemas.microsoft.com/office/powerpoint/2010/main" val="1609964782"/>
+      </p:ext>
+    </p:extLst>
+  </p:cSld>
+  <p:clrMapOvr>
+    <a:masterClrMapping/>
+  </p:clrMapOvr>
+</p:sld>
+</file>
+
+<file path=ppt/slides/slide13.xml><?xml version="1.0" encoding="utf-8"?>
+<p:sld xmlns:a="http://schemas.openxmlformats.org/drawingml/2006/main" xmlns:r="http://schemas.openxmlformats.org/officeDocument/2006/relationships" xmlns:p="http://schemas.openxmlformats.org/presentationml/2006/main">
+  <p:cSld>
+    <p:spTree>
+      <p:nvGrpSpPr>
+        <p:cNvPr id="1" name=""/>
+        <p:cNvGrpSpPr/>
+        <p:nvPr/>
+      </p:nvGrpSpPr>
+      <p:grpSpPr>
+        <a:xfrm>
+          <a:off x="0" y="0"/>
+          <a:ext cx="0" cy="0"/>
+          <a:chOff x="0" y="0"/>
+          <a:chExt cx="0" cy="0"/>
+        </a:xfrm>
+      </p:grpSpPr>
+      <p:sp>
+        <p:nvSpPr>
+          <p:cNvPr id="2" name="Título 1">
+            <a:extLst>
+              <a:ext uri="{FF2B5EF4-FFF2-40B4-BE49-F238E27FC236}">
+                <a16:creationId xmlns:a16="http://schemas.microsoft.com/office/drawing/2014/main" id="{7963A088-C063-40F0-8AD2-8AAC6199450A}"/>
+              </a:ext>
+            </a:extLst>
+          </p:cNvPr>
+          <p:cNvSpPr>
+            <a:spLocks noGrp="1"/>
+          </p:cNvSpPr>
+          <p:nvPr>
+            <p:ph type="title"/>
+          </p:nvPr>
+        </p:nvSpPr>
+        <p:spPr/>
+        <p:txBody>
+          <a:bodyPr/>
+          <a:lstStyle/>
+          <a:p>
+            <a:r>
+              <a:rPr lang="es-CL" dirty="0"/>
+              <a:t>USO EN EL MUNDO</a:t>
+            </a:r>
+          </a:p>
+        </p:txBody>
+      </p:sp>
+      <p:sp>
+        <p:nvSpPr>
+          <p:cNvPr id="3" name="Marcador de contenido 2">
+            <a:extLst>
+              <a:ext uri="{FF2B5EF4-FFF2-40B4-BE49-F238E27FC236}">
+                <a16:creationId xmlns:a16="http://schemas.microsoft.com/office/drawing/2014/main" id="{22ABBA1F-64A6-4E9A-90FE-8AC824113733}"/>
+              </a:ext>
+            </a:extLst>
+          </p:cNvPr>
+          <p:cNvSpPr>
+            <a:spLocks noGrp="1"/>
+          </p:cNvSpPr>
+          <p:nvPr>
+            <p:ph idx="1"/>
+          </p:nvPr>
+        </p:nvSpPr>
+        <p:spPr>
+          <a:xfrm>
+            <a:off x="818712" y="2222287"/>
+            <a:ext cx="5669174" cy="3636511"/>
+          </a:xfrm>
+        </p:spPr>
+        <p:txBody>
+          <a:bodyPr/>
+          <a:lstStyle/>
+          <a:p>
+            <a:r>
+              <a:rPr lang="es-CL" dirty="0"/>
+              <a:t>India – 84.7% de los 249 millones de viviendas (Censo 2001)</a:t>
+            </a:r>
+          </a:p>
+          <a:p>
+            <a:r>
+              <a:rPr lang="es-CL" dirty="0"/>
+              <a:t>México – 80% de los 22 millones de viviendas (Censo 2000)</a:t>
+            </a:r>
+          </a:p>
+        </p:txBody>
+      </p:sp>
+      <p:pic>
+        <p:nvPicPr>
+          <p:cNvPr id="5" name="Picture 4">
+            <a:extLst>
+              <a:ext uri="{FF2B5EF4-FFF2-40B4-BE49-F238E27FC236}">
+                <a16:creationId xmlns:a16="http://schemas.microsoft.com/office/drawing/2014/main" id="{5D070CE7-8EA6-4620-B2B7-0CF4A3587806}"/>
+              </a:ext>
+            </a:extLst>
+          </p:cNvPr>
+          <p:cNvPicPr>
+            <a:picLocks noChangeAspect="1"/>
+          </p:cNvPicPr>
+          <p:nvPr/>
+        </p:nvPicPr>
+        <p:blipFill>
+          <a:blip r:embed="rId2">
+            <a:extLst>
+              <a:ext uri="{28A0092B-C50C-407E-A947-70E740481C1C}">
+                <a14:useLocalDpi xmlns:a14="http://schemas.microsoft.com/office/drawing/2010/main" val="0"/>
+              </a:ext>
+            </a:extLst>
+          </a:blip>
+          <a:stretch>
+            <a:fillRect/>
+          </a:stretch>
+        </p:blipFill>
+        <p:spPr>
+          <a:xfrm>
+            <a:off x="6663871" y="2023053"/>
+            <a:ext cx="5400000" cy="4778491"/>
+          </a:xfrm>
+          <a:prstGeom prst="rect">
+            <a:avLst/>
+          </a:prstGeom>
+        </p:spPr>
+      </p:pic>
+    </p:spTree>
+    <p:extLst>
+      <p:ext uri="{BB962C8B-B14F-4D97-AF65-F5344CB8AC3E}">
+        <p14:creationId xmlns:p14="http://schemas.microsoft.com/office/powerpoint/2010/main" val="1223577235"/>
+      </p:ext>
+    </p:extLst>
+  </p:cSld>
+  <p:clrMapOvr>
+    <a:masterClrMapping/>
+  </p:clrMapOvr>
+</p:sld>
+</file>
+
+<file path=ppt/slides/slide14.xml><?xml version="1.0" encoding="utf-8"?>
+<p:sld xmlns:a="http://schemas.openxmlformats.org/drawingml/2006/main" xmlns:r="http://schemas.openxmlformats.org/officeDocument/2006/relationships" xmlns:p="http://schemas.openxmlformats.org/presentationml/2006/main">
+  <p:cSld>
+    <p:spTree>
+      <p:nvGrpSpPr>
+        <p:cNvPr id="1" name=""/>
+        <p:cNvGrpSpPr/>
+        <p:nvPr/>
+      </p:nvGrpSpPr>
+      <p:grpSpPr>
+        <a:xfrm>
+          <a:off x="0" y="0"/>
+          <a:ext cx="0" cy="0"/>
+          <a:chOff x="0" y="0"/>
+          <a:chExt cx="0" cy="0"/>
+        </a:xfrm>
+      </p:grpSpPr>
+      <p:pic>
+        <p:nvPicPr>
+          <p:cNvPr id="7" name="Content Placeholder 6">
+            <a:extLst>
+              <a:ext uri="{FF2B5EF4-FFF2-40B4-BE49-F238E27FC236}">
+                <a16:creationId xmlns:a16="http://schemas.microsoft.com/office/drawing/2014/main" id="{89BBC492-7091-4548-A170-30F4A8AD8468}"/>
+              </a:ext>
+            </a:extLst>
+          </p:cNvPr>
+          <p:cNvPicPr>
+            <a:picLocks noGrp="1" noChangeAspect="1"/>
+          </p:cNvPicPr>
+          <p:nvPr>
+            <p:ph idx="1"/>
+          </p:nvPr>
+        </p:nvPicPr>
+        <p:blipFill>
+          <a:blip r:embed="rId2">
+            <a:extLst>
+              <a:ext uri="{28A0092B-C50C-407E-A947-70E740481C1C}">
+                <a14:useLocalDpi xmlns:a14="http://schemas.microsoft.com/office/drawing/2010/main" val="0"/>
+              </a:ext>
+            </a:extLst>
+          </a:blip>
+          <a:stretch>
+            <a:fillRect/>
+          </a:stretch>
+        </p:blipFill>
+        <p:spPr>
+          <a:xfrm>
+            <a:off x="3149566" y="2349000"/>
+            <a:ext cx="5892865" cy="3960000"/>
+          </a:xfrm>
+        </p:spPr>
+      </p:pic>
+      <p:sp>
+        <p:nvSpPr>
+          <p:cNvPr id="4" name="Título 1">
+            <a:extLst>
+              <a:ext uri="{FF2B5EF4-FFF2-40B4-BE49-F238E27FC236}">
+                <a16:creationId xmlns:a16="http://schemas.microsoft.com/office/drawing/2014/main" id="{AF663B75-FE4D-466B-83D6-4E6417C766A1}"/>
+              </a:ext>
+            </a:extLst>
+          </p:cNvPr>
+          <p:cNvSpPr>
+            <a:spLocks noGrp="1"/>
+          </p:cNvSpPr>
+          <p:nvPr>
+            <p:ph type="title"/>
+          </p:nvPr>
+        </p:nvSpPr>
+        <p:spPr>
+          <a:xfrm>
+            <a:off x="809625" y="447675"/>
+            <a:ext cx="10572750" cy="969963"/>
+          </a:xfrm>
+        </p:spPr>
+        <p:txBody>
+          <a:bodyPr/>
+          <a:lstStyle/>
+          <a:p>
+            <a:r>
+              <a:rPr lang="es-CL" dirty="0"/>
+              <a:t>USO EN EL MUNDO</a:t>
+            </a:r>
+          </a:p>
+        </p:txBody>
+      </p:sp>
+      <p:sp>
+        <p:nvSpPr>
+          <p:cNvPr id="5" name="TextBox 4">
+            <a:extLst>
+              <a:ext uri="{FF2B5EF4-FFF2-40B4-BE49-F238E27FC236}">
+                <a16:creationId xmlns:a16="http://schemas.microsoft.com/office/drawing/2014/main" id="{5E983FE7-9FBA-4F76-9E08-C85BE4B1B9DE}"/>
+              </a:ext>
+            </a:extLst>
+          </p:cNvPr>
+          <p:cNvSpPr txBox="1"/>
+          <p:nvPr/>
+        </p:nvSpPr>
+        <p:spPr>
+          <a:xfrm>
+            <a:off x="4212312" y="6410812"/>
+            <a:ext cx="3767377" cy="307777"/>
+          </a:xfrm>
+          <a:prstGeom prst="rect">
+            <a:avLst/>
+          </a:prstGeom>
+          <a:noFill/>
+        </p:spPr>
+        <p:txBody>
+          <a:bodyPr wrap="none" rtlCol="0">
+            <a:spAutoFit/>
+          </a:bodyPr>
+          <a:lstStyle/>
+          <a:p>
+            <a:pPr algn="ctr"/>
+            <a:r>
+              <a:rPr lang="es-CL" sz="1400" dirty="0">
+                <a:solidFill>
+                  <a:schemeClr val="tx2">
+                    <a:lumMod val="50000"/>
+                  </a:schemeClr>
+                </a:solidFill>
+              </a:rPr>
+              <a:t>Ciudad amurallada de Shibam, Yemen.</a:t>
+            </a:r>
+            <a:endParaRPr lang="es-MX" sz="1400" dirty="0">
+              <a:solidFill>
+                <a:schemeClr val="tx2">
+                  <a:lumMod val="50000"/>
+                </a:schemeClr>
+              </a:solidFill>
+            </a:endParaRPr>
+          </a:p>
+        </p:txBody>
+      </p:sp>
+    </p:spTree>
+    <p:extLst>
+      <p:ext uri="{BB962C8B-B14F-4D97-AF65-F5344CB8AC3E}">
+        <p14:creationId xmlns:p14="http://schemas.microsoft.com/office/powerpoint/2010/main" val="2474401624"/>
+      </p:ext>
+    </p:extLst>
+  </p:cSld>
+  <p:clrMapOvr>
+    <a:masterClrMapping/>
+  </p:clrMapOvr>
+</p:sld>
+</file>
+
+<file path=ppt/slides/slide15.xml><?xml version="1.0" encoding="utf-8"?>
+<p:sld xmlns:a="http://schemas.openxmlformats.org/drawingml/2006/main" xmlns:r="http://schemas.openxmlformats.org/officeDocument/2006/relationships" xmlns:p="http://schemas.openxmlformats.org/presentationml/2006/main">
+  <p:cSld>
+    <p:spTree>
+      <p:nvGrpSpPr>
+        <p:cNvPr id="1" name=""/>
+        <p:cNvGrpSpPr/>
+        <p:nvPr/>
+      </p:nvGrpSpPr>
+      <p:grpSpPr>
+        <a:xfrm>
+          <a:off x="0" y="0"/>
+          <a:ext cx="0" cy="0"/>
+          <a:chOff x="0" y="0"/>
+          <a:chExt cx="0" cy="0"/>
+        </a:xfrm>
+      </p:grpSpPr>
+      <p:pic>
+        <p:nvPicPr>
+          <p:cNvPr id="7" name="Content Placeholder 6">
+            <a:extLst>
+              <a:ext uri="{FF2B5EF4-FFF2-40B4-BE49-F238E27FC236}">
+                <a16:creationId xmlns:a16="http://schemas.microsoft.com/office/drawing/2014/main" id="{735AF198-C2B6-4398-885E-65996DC38AD3}"/>
+              </a:ext>
+            </a:extLst>
+          </p:cNvPr>
+          <p:cNvPicPr>
+            <a:picLocks noGrp="1" noChangeAspect="1"/>
+          </p:cNvPicPr>
+          <p:nvPr>
+            <p:ph idx="1"/>
+          </p:nvPr>
+        </p:nvPicPr>
+        <p:blipFill>
+          <a:blip r:embed="rId2">
+            <a:extLst>
+              <a:ext uri="{28A0092B-C50C-407E-A947-70E740481C1C}">
+                <a14:useLocalDpi xmlns:a14="http://schemas.microsoft.com/office/drawing/2010/main" val="0"/>
+              </a:ext>
+            </a:extLst>
+          </a:blip>
+          <a:stretch>
+            <a:fillRect/>
+          </a:stretch>
+        </p:blipFill>
+        <p:spPr>
+          <a:xfrm>
+            <a:off x="3436691" y="2349000"/>
+            <a:ext cx="5318617" cy="3960000"/>
+          </a:xfrm>
+        </p:spPr>
+      </p:pic>
+      <p:sp>
+        <p:nvSpPr>
+          <p:cNvPr id="4" name="Título 1">
+            <a:extLst>
+              <a:ext uri="{FF2B5EF4-FFF2-40B4-BE49-F238E27FC236}">
+                <a16:creationId xmlns:a16="http://schemas.microsoft.com/office/drawing/2014/main" id="{31AAC927-8005-4692-9074-BEF9323C0B0E}"/>
+              </a:ext>
+            </a:extLst>
+          </p:cNvPr>
+          <p:cNvSpPr>
+            <a:spLocks noGrp="1"/>
+          </p:cNvSpPr>
+          <p:nvPr>
+            <p:ph type="title"/>
+          </p:nvPr>
+        </p:nvSpPr>
+        <p:spPr>
+          <a:xfrm>
+            <a:off x="809625" y="447675"/>
+            <a:ext cx="10572750" cy="969963"/>
+          </a:xfrm>
+        </p:spPr>
+        <p:txBody>
+          <a:bodyPr/>
+          <a:lstStyle/>
+          <a:p>
+            <a:r>
+              <a:rPr lang="es-CL" dirty="0"/>
+              <a:t>USO EN EL MUNDO</a:t>
+            </a:r>
+          </a:p>
+        </p:txBody>
+      </p:sp>
+      <p:sp>
+        <p:nvSpPr>
+          <p:cNvPr id="5" name="TextBox 4">
+            <a:extLst>
+              <a:ext uri="{FF2B5EF4-FFF2-40B4-BE49-F238E27FC236}">
+                <a16:creationId xmlns:a16="http://schemas.microsoft.com/office/drawing/2014/main" id="{5EFFD271-0659-4DF5-B02E-6B0BD807F52A}"/>
+              </a:ext>
+            </a:extLst>
+          </p:cNvPr>
+          <p:cNvSpPr txBox="1"/>
+          <p:nvPr/>
+        </p:nvSpPr>
+        <p:spPr>
+          <a:xfrm>
+            <a:off x="4431123" y="6410325"/>
+            <a:ext cx="3329758" cy="307777"/>
+          </a:xfrm>
+          <a:prstGeom prst="rect">
+            <a:avLst/>
+          </a:prstGeom>
+          <a:noFill/>
+        </p:spPr>
+        <p:txBody>
+          <a:bodyPr wrap="none" rtlCol="0">
+            <a:spAutoFit/>
+          </a:bodyPr>
+          <a:lstStyle/>
+          <a:p>
+            <a:pPr algn="ctr"/>
+            <a:r>
+              <a:rPr lang="es-CL" sz="1400" dirty="0">
+                <a:solidFill>
+                  <a:schemeClr val="tx2">
+                    <a:lumMod val="50000"/>
+                  </a:schemeClr>
+                </a:solidFill>
+              </a:rPr>
+              <a:t>Edificio Monadnock, Chicago. 1981.</a:t>
+            </a:r>
+            <a:endParaRPr lang="es-MX" sz="1400" dirty="0">
+              <a:solidFill>
+                <a:schemeClr val="tx2">
+                  <a:lumMod val="50000"/>
+                </a:schemeClr>
+              </a:solidFill>
+            </a:endParaRPr>
+          </a:p>
+        </p:txBody>
+      </p:sp>
+    </p:spTree>
+    <p:extLst>
+      <p:ext uri="{BB962C8B-B14F-4D97-AF65-F5344CB8AC3E}">
+        <p14:creationId xmlns:p14="http://schemas.microsoft.com/office/powerpoint/2010/main" val="2745863721"/>
+      </p:ext>
+    </p:extLst>
+  </p:cSld>
+  <p:clrMapOvr>
+    <a:masterClrMapping/>
+  </p:clrMapOvr>
+</p:sld>
+</file>
+
+<file path=ppt/slides/slide16.xml><?xml version="1.0" encoding="utf-8"?>
+<p:sld xmlns:a="http://schemas.openxmlformats.org/drawingml/2006/main" xmlns:r="http://schemas.openxmlformats.org/officeDocument/2006/relationships" xmlns:p="http://schemas.openxmlformats.org/presentationml/2006/main">
+  <p:cSld>
+    <p:spTree>
+      <p:nvGrpSpPr>
+        <p:cNvPr id="1" name=""/>
+        <p:cNvGrpSpPr/>
+        <p:nvPr/>
+      </p:nvGrpSpPr>
+      <p:grpSpPr>
+        <a:xfrm>
+          <a:off x="0" y="0"/>
+          <a:ext cx="0" cy="0"/>
+          <a:chOff x="0" y="0"/>
+          <a:chExt cx="0" cy="0"/>
+        </a:xfrm>
+      </p:grpSpPr>
+      <p:sp>
+        <p:nvSpPr>
+          <p:cNvPr id="4" name="Título 1">
+            <a:extLst>
+              <a:ext uri="{FF2B5EF4-FFF2-40B4-BE49-F238E27FC236}">
+                <a16:creationId xmlns:a16="http://schemas.microsoft.com/office/drawing/2014/main" id="{41C5A8C7-7AE3-492F-AF8A-097B5AF713CD}"/>
+              </a:ext>
+            </a:extLst>
+          </p:cNvPr>
+          <p:cNvSpPr>
+            <a:spLocks noGrp="1"/>
+          </p:cNvSpPr>
+          <p:nvPr>
+            <p:ph type="title"/>
+          </p:nvPr>
+        </p:nvSpPr>
+        <p:spPr>
+          <a:xfrm>
+            <a:off x="809625" y="447675"/>
+            <a:ext cx="10572750" cy="969963"/>
+          </a:xfrm>
+        </p:spPr>
+        <p:txBody>
+          <a:bodyPr/>
+          <a:lstStyle/>
+          <a:p>
+            <a:r>
+              <a:rPr lang="es-CL" dirty="0"/>
+              <a:t>USO EN EL MUNDO</a:t>
+            </a:r>
+          </a:p>
+        </p:txBody>
+      </p:sp>
+      <p:sp>
+        <p:nvSpPr>
+          <p:cNvPr id="5" name="TextBox 4">
+            <a:extLst>
+              <a:ext uri="{FF2B5EF4-FFF2-40B4-BE49-F238E27FC236}">
+                <a16:creationId xmlns:a16="http://schemas.microsoft.com/office/drawing/2014/main" id="{40915CB3-0140-408F-B249-4ADFAF02F3C6}"/>
+              </a:ext>
+            </a:extLst>
+          </p:cNvPr>
+          <p:cNvSpPr txBox="1"/>
+          <p:nvPr/>
+        </p:nvSpPr>
+        <p:spPr>
+          <a:xfrm>
+            <a:off x="4722872" y="6410812"/>
+            <a:ext cx="2746266" cy="307777"/>
+          </a:xfrm>
+          <a:prstGeom prst="rect">
+            <a:avLst/>
+          </a:prstGeom>
+          <a:noFill/>
+        </p:spPr>
+        <p:txBody>
+          <a:bodyPr wrap="none" rtlCol="0">
+            <a:spAutoFit/>
+          </a:bodyPr>
+          <a:lstStyle/>
+          <a:p>
+            <a:pPr algn="ctr"/>
+            <a:r>
+              <a:rPr lang="es-CL" sz="1400" dirty="0">
+                <a:solidFill>
+                  <a:schemeClr val="tx2">
+                    <a:lumMod val="50000"/>
+                  </a:schemeClr>
+                </a:solidFill>
+              </a:rPr>
+              <a:t>Catedral de San Vito, Praga. </a:t>
+            </a:r>
+            <a:endParaRPr lang="es-MX" sz="1400" dirty="0">
+              <a:solidFill>
+                <a:schemeClr val="tx2">
+                  <a:lumMod val="50000"/>
+                </a:schemeClr>
+              </a:solidFill>
+            </a:endParaRPr>
+          </a:p>
+        </p:txBody>
+      </p:sp>
+      <p:pic>
+        <p:nvPicPr>
+          <p:cNvPr id="11" name="Content Placeholder 10">
+            <a:extLst>
+              <a:ext uri="{FF2B5EF4-FFF2-40B4-BE49-F238E27FC236}">
+                <a16:creationId xmlns:a16="http://schemas.microsoft.com/office/drawing/2014/main" id="{369A47B0-64AC-43D0-A8B8-D63C04AB72E2}"/>
+              </a:ext>
+            </a:extLst>
+          </p:cNvPr>
+          <p:cNvPicPr>
+            <a:picLocks noGrp="1" noChangeAspect="1"/>
+          </p:cNvPicPr>
+          <p:nvPr>
+            <p:ph idx="1"/>
+          </p:nvPr>
+        </p:nvPicPr>
+        <p:blipFill>
+          <a:blip r:embed="rId2">
+            <a:extLst>
+              <a:ext uri="{28A0092B-C50C-407E-A947-70E740481C1C}">
+                <a14:useLocalDpi xmlns:a14="http://schemas.microsoft.com/office/drawing/2010/main" val="0"/>
+              </a:ext>
+            </a:extLst>
+          </a:blip>
+          <a:stretch>
+            <a:fillRect/>
+          </a:stretch>
+        </p:blipFill>
+        <p:spPr>
+          <a:xfrm>
+            <a:off x="2585359" y="2349000"/>
+            <a:ext cx="7021279" cy="3960000"/>
+          </a:xfrm>
+        </p:spPr>
+      </p:pic>
+    </p:spTree>
+    <p:extLst>
+      <p:ext uri="{BB962C8B-B14F-4D97-AF65-F5344CB8AC3E}">
+        <p14:creationId xmlns:p14="http://schemas.microsoft.com/office/powerpoint/2010/main" val="900002428"/>
+      </p:ext>
+    </p:extLst>
+  </p:cSld>
+  <p:clrMapOvr>
+    <a:masterClrMapping/>
+  </p:clrMapOvr>
+</p:sld>
+</file>
+
+<file path=ppt/slides/slide17.xml><?xml version="1.0" encoding="utf-8"?>
+<p:sld xmlns:a="http://schemas.openxmlformats.org/drawingml/2006/main" xmlns:r="http://schemas.openxmlformats.org/officeDocument/2006/relationships" xmlns:p="http://schemas.openxmlformats.org/presentationml/2006/main">
+  <p:cSld>
+    <p:spTree>
+      <p:nvGrpSpPr>
+        <p:cNvPr id="1" name=""/>
+        <p:cNvGrpSpPr/>
+        <p:nvPr/>
+      </p:nvGrpSpPr>
+      <p:grpSpPr>
+        <a:xfrm>
+          <a:off x="0" y="0"/>
+          <a:ext cx="0" cy="0"/>
+          <a:chOff x="0" y="0"/>
+          <a:chExt cx="0" cy="0"/>
+        </a:xfrm>
+      </p:grpSpPr>
+      <p:pic>
+        <p:nvPicPr>
+          <p:cNvPr id="7" name="Content Placeholder 6">
+            <a:extLst>
+              <a:ext uri="{FF2B5EF4-FFF2-40B4-BE49-F238E27FC236}">
+                <a16:creationId xmlns:a16="http://schemas.microsoft.com/office/drawing/2014/main" id="{CDF5B293-ABE9-4857-BF86-6C9774B57C84}"/>
+              </a:ext>
+            </a:extLst>
+          </p:cNvPr>
+          <p:cNvPicPr>
+            <a:picLocks noGrp="1" noChangeAspect="1"/>
+          </p:cNvPicPr>
+          <p:nvPr>
+            <p:ph idx="1"/>
+          </p:nvPr>
+        </p:nvPicPr>
+        <p:blipFill>
+          <a:blip r:embed="rId2">
+            <a:extLst>
+              <a:ext uri="{28A0092B-C50C-407E-A947-70E740481C1C}">
+                <a14:useLocalDpi xmlns:a14="http://schemas.microsoft.com/office/drawing/2010/main" val="0"/>
+              </a:ext>
+            </a:extLst>
+          </a:blip>
+          <a:stretch>
+            <a:fillRect/>
+          </a:stretch>
+        </p:blipFill>
+        <p:spPr>
+          <a:xfrm>
+            <a:off x="400686" y="2952000"/>
+            <a:ext cx="11390626" cy="2916000"/>
+          </a:xfrm>
+        </p:spPr>
+      </p:pic>
+      <p:sp>
+        <p:nvSpPr>
+          <p:cNvPr id="4" name="Título 1">
+            <a:extLst>
+              <a:ext uri="{FF2B5EF4-FFF2-40B4-BE49-F238E27FC236}">
+                <a16:creationId xmlns:a16="http://schemas.microsoft.com/office/drawing/2014/main" id="{123C2692-B572-4835-88B7-04E347E4D3F8}"/>
+              </a:ext>
+            </a:extLst>
+          </p:cNvPr>
+          <p:cNvSpPr>
+            <a:spLocks noGrp="1"/>
+          </p:cNvSpPr>
+          <p:nvPr>
+            <p:ph type="title"/>
+          </p:nvPr>
+        </p:nvSpPr>
+        <p:spPr>
+          <a:xfrm>
+            <a:off x="809625" y="447675"/>
+            <a:ext cx="10572750" cy="969963"/>
+          </a:xfrm>
+        </p:spPr>
+        <p:txBody>
+          <a:bodyPr/>
+          <a:lstStyle/>
+          <a:p>
+            <a:r>
+              <a:rPr lang="es-CL" dirty="0"/>
+              <a:t>USO EN EL MUNDO</a:t>
+            </a:r>
+          </a:p>
+        </p:txBody>
+      </p:sp>
+      <p:sp>
+        <p:nvSpPr>
+          <p:cNvPr id="5" name="TextBox 4">
+            <a:extLst>
+              <a:ext uri="{FF2B5EF4-FFF2-40B4-BE49-F238E27FC236}">
+                <a16:creationId xmlns:a16="http://schemas.microsoft.com/office/drawing/2014/main" id="{5868180A-6D80-471B-88EE-0AECE2644E27}"/>
+              </a:ext>
+            </a:extLst>
+          </p:cNvPr>
+          <p:cNvSpPr txBox="1"/>
+          <p:nvPr/>
+        </p:nvSpPr>
+        <p:spPr>
+          <a:xfrm>
+            <a:off x="4637109" y="6126587"/>
+            <a:ext cx="2917786" cy="307777"/>
+          </a:xfrm>
+          <a:prstGeom prst="rect">
+            <a:avLst/>
+          </a:prstGeom>
+          <a:noFill/>
+        </p:spPr>
+        <p:txBody>
+          <a:bodyPr wrap="none" rtlCol="0">
+            <a:spAutoFit/>
+          </a:bodyPr>
+          <a:lstStyle/>
+          <a:p>
+            <a:pPr algn="ctr"/>
+            <a:r>
+              <a:rPr lang="es-CL" sz="1400" dirty="0">
+                <a:solidFill>
+                  <a:schemeClr val="tx2">
+                    <a:lumMod val="50000"/>
+                  </a:schemeClr>
+                </a:solidFill>
+              </a:rPr>
+              <a:t>Ciudad de Dubrovnik, Croacia.</a:t>
+            </a:r>
+            <a:endParaRPr lang="es-MX" sz="1400" dirty="0">
+              <a:solidFill>
+                <a:schemeClr val="tx2">
+                  <a:lumMod val="50000"/>
+                </a:schemeClr>
+              </a:solidFill>
+            </a:endParaRPr>
+          </a:p>
+        </p:txBody>
+      </p:sp>
+    </p:spTree>
+    <p:extLst>
+      <p:ext uri="{BB962C8B-B14F-4D97-AF65-F5344CB8AC3E}">
+        <p14:creationId xmlns:p14="http://schemas.microsoft.com/office/powerpoint/2010/main" val="929219740"/>
+      </p:ext>
+    </p:extLst>
+  </p:cSld>
+  <p:clrMapOvr>
+    <a:masterClrMapping/>
+  </p:clrMapOvr>
+</p:sld>
+</file>
+
+<file path=ppt/slides/slide18.xml><?xml version="1.0" encoding="utf-8"?>
+<p:sld xmlns:a="http://schemas.openxmlformats.org/drawingml/2006/main" xmlns:r="http://schemas.openxmlformats.org/officeDocument/2006/relationships" xmlns:p="http://schemas.openxmlformats.org/presentationml/2006/main">
+  <p:cSld>
+    <p:spTree>
+      <p:nvGrpSpPr>
+        <p:cNvPr id="1" name=""/>
+        <p:cNvGrpSpPr/>
+        <p:nvPr/>
+      </p:nvGrpSpPr>
+      <p:grpSpPr>
+        <a:xfrm>
+          <a:off x="0" y="0"/>
+          <a:ext cx="0" cy="0"/>
+          <a:chOff x="0" y="0"/>
+          <a:chExt cx="0" cy="0"/>
+        </a:xfrm>
+      </p:grpSpPr>
+      <p:sp>
+        <p:nvSpPr>
+          <p:cNvPr id="2" name="Título 1">
+            <a:extLst>
+              <a:ext uri="{FF2B5EF4-FFF2-40B4-BE49-F238E27FC236}">
+                <a16:creationId xmlns:a16="http://schemas.microsoft.com/office/drawing/2014/main" id="{269D34A6-CEA9-4551-A486-097F07B05AD9}"/>
+              </a:ext>
+            </a:extLst>
+          </p:cNvPr>
+          <p:cNvSpPr>
+            <a:spLocks noGrp="1"/>
+          </p:cNvSpPr>
+          <p:nvPr>
+            <p:ph type="title"/>
+          </p:nvPr>
+        </p:nvSpPr>
+        <p:spPr/>
+        <p:txBody>
+          <a:bodyPr/>
+          <a:lstStyle/>
+          <a:p>
+            <a:r>
+              <a:rPr lang="es-CL" dirty="0"/>
+              <a:t>CUBICACIONES</a:t>
+            </a:r>
+          </a:p>
+        </p:txBody>
+      </p:sp>
+      <p:sp>
+        <p:nvSpPr>
+          <p:cNvPr id="3" name="Marcador de contenido 2">
+            <a:extLst>
+              <a:ext uri="{FF2B5EF4-FFF2-40B4-BE49-F238E27FC236}">
+                <a16:creationId xmlns:a16="http://schemas.microsoft.com/office/drawing/2014/main" id="{0AFA8CF1-302B-4FA8-8928-4F60FD8E8582}"/>
+              </a:ext>
+            </a:extLst>
+          </p:cNvPr>
+          <p:cNvSpPr>
+            <a:spLocks noGrp="1"/>
+          </p:cNvSpPr>
+          <p:nvPr>
+            <p:ph idx="1"/>
+          </p:nvPr>
+        </p:nvSpPr>
+        <p:spPr/>
+        <p:txBody>
+          <a:bodyPr/>
+          <a:lstStyle/>
+          <a:p>
+            <a:endParaRPr lang="es-CL"/>
+          </a:p>
+        </p:txBody>
+      </p:sp>
+    </p:spTree>
+    <p:extLst>
+      <p:ext uri="{BB962C8B-B14F-4D97-AF65-F5344CB8AC3E}">
+        <p14:creationId xmlns:p14="http://schemas.microsoft.com/office/powerpoint/2010/main" val="2217409196"/>
+      </p:ext>
+    </p:extLst>
+  </p:cSld>
+  <p:clrMapOvr>
+    <a:masterClrMapping/>
+  </p:clrMapOvr>
+</p:sld>
+</file>
+
+<file path=ppt/slides/slide19.xml><?xml version="1.0" encoding="utf-8"?>
+<p:sld xmlns:a="http://schemas.openxmlformats.org/drawingml/2006/main" xmlns:r="http://schemas.openxmlformats.org/officeDocument/2006/relationships" xmlns:p="http://schemas.openxmlformats.org/presentationml/2006/main">
+  <p:cSld>
+    <p:spTree>
+      <p:nvGrpSpPr>
+        <p:cNvPr id="1" name=""/>
+        <p:cNvGrpSpPr/>
+        <p:nvPr/>
+      </p:nvGrpSpPr>
+      <p:grpSpPr>
+        <a:xfrm>
+          <a:off x="0" y="0"/>
+          <a:ext cx="0" cy="0"/>
+          <a:chOff x="0" y="0"/>
+          <a:chExt cx="0" cy="0"/>
+        </a:xfrm>
+      </p:grpSpPr>
       <p:sp>
         <p:nvSpPr>
           <p:cNvPr id="2" name="Título 1">
@@ -5758,7 +6843,7 @@
           <a:p>
             <a:r>
               <a:rPr lang="es-CL" dirty="0"/>
-              <a:t>CONCLUSIONES</a:t>
+              <a:t>REFERENCIAS</a:t>
             </a:r>
           </a:p>
         </p:txBody>
@@ -5779,12 +6864,97 @@
             <p:ph idx="1"/>
           </p:nvPr>
         </p:nvSpPr>
-        <p:spPr/>
-        <p:txBody>
-          <a:bodyPr/>
-          <a:lstStyle/>
-          <a:p>
-            <a:endParaRPr lang="es-CL"/>
+        <p:spPr>
+          <a:xfrm>
+            <a:off x="551544" y="2235199"/>
+            <a:ext cx="11161486" cy="4513943"/>
+          </a:xfrm>
+        </p:spPr>
+        <p:txBody>
+          <a:bodyPr>
+            <a:normAutofit fontScale="70000" lnSpcReduction="20000"/>
+          </a:bodyPr>
+          <a:lstStyle/>
+          <a:p>
+            <a:r>
+              <a:rPr lang="es-CL" sz="2000" dirty="0"/>
+              <a:t>[1] Thomas Sturm M, 2018. Apuntes de cátedra curso CI5223 Diseño de Albañilería Estructural, Facultad de Ciencias Físicas y 	Matemáticas, U. de Chile.</a:t>
+            </a:r>
+          </a:p>
+          <a:p>
+            <a:r>
+              <a:rPr lang="es-CL" sz="2000" dirty="0"/>
+              <a:t>[2] NCh353.Of2000. Construcción - Cubicación de obras de edificación - Requisitos. (2000)</a:t>
+            </a:r>
+          </a:p>
+          <a:p>
+            <a:r>
+              <a:rPr lang="es-CL" sz="2000" dirty="0"/>
+              <a:t>[3] NCh1928.Of93. Albañilería armada - Requisitos para el diseño y cálculo. (1993)</a:t>
+            </a:r>
+          </a:p>
+          <a:p>
+            <a:r>
+              <a:rPr lang="es-CL" sz="2000" dirty="0"/>
+              <a:t>[4] NCh2123.Of97. Albañilería confinada - Requisitos de diseño y cálculo. (1997)</a:t>
+            </a:r>
+          </a:p>
+          <a:p>
+            <a:r>
+              <a:rPr lang="es-CL" sz="2000" dirty="0"/>
+              <a:t>[5] Censo Chile 2002. www.ine.cl/estadisticas/censos/censos-de-poblacion-y-vivienda [Consulta: 02/12/2018]</a:t>
+            </a:r>
+          </a:p>
+          <a:p>
+            <a:r>
+              <a:rPr lang="es-CL" sz="2000" dirty="0"/>
+              <a:t>[6] Ordenanza General de Urbanismo y Construcción. Ministerio de vivienda y urbanismo. (1992)</a:t>
+            </a:r>
+          </a:p>
+          <a:p>
+            <a:r>
+              <a:rPr lang="es-CL" sz="2000" dirty="0"/>
+              <a:t>[7] Edificio ex arsenales de guerra. www.monumentos.cl/monumentos-historicos/edificio-ex-arsenales-guerra [Consulta: 		02/12/2018]</a:t>
+            </a:r>
+          </a:p>
+          <a:p>
+            <a:r>
+              <a:rPr lang="es-CL" sz="2000" dirty="0"/>
+              <a:t>[8] Iglesia y convento de San Francisco. www.monumentos.cl/monumentos-historicos/iglesia-convento-san-francisco 			[Consulta: 02/12/2018]</a:t>
+            </a:r>
+          </a:p>
+          <a:p>
+            <a:r>
+              <a:rPr lang="es-CL" sz="2000" dirty="0"/>
+              <a:t>[9] Catedral de Santiago. www.monumentos.cl/monumentos-historicos/catedral-santiago [Consulta: 03/12/2018]</a:t>
+            </a:r>
+          </a:p>
+          <a:p>
+            <a:r>
+              <a:rPr lang="es-CL" sz="2000" dirty="0"/>
+              <a:t>[10] Ciudad de amurallada de Shibam. whc.unesco.org/en/list/192/ [Consulta: 03/12/2018]</a:t>
+            </a:r>
+          </a:p>
+          <a:p>
+            <a:r>
+              <a:rPr lang="es-CL" sz="2000" dirty="0"/>
+              <a:t>[11] Edificio Monadnock. npgallery.nps.gov/NRHP/monadnock-block [Consulta: 03/12/2018]</a:t>
+            </a:r>
+          </a:p>
+          <a:p>
+            <a:r>
+              <a:rPr lang="es-CL" sz="2000" dirty="0"/>
+              <a:t>[12] Catedral de San Vito. www.prague.eu/castillo-de-praga-catedral-de-san-vito [Consulta: 03/12/2018]</a:t>
+            </a:r>
+          </a:p>
+          <a:p>
+            <a:r>
+              <a:rPr lang="es-CL" sz="2000" dirty="0"/>
+              <a:t>[13] Ciudad vieja de Dubrovnik. whc.unesco.org/en/list/95/ [Consulta: 03/12/2018]</a:t>
+            </a:r>
+          </a:p>
+          <a:p>
+            <a:endParaRPr lang="es-CL" dirty="0"/>
           </a:p>
         </p:txBody>
       </p:sp>
@@ -5841,7 +7011,7 @@
           <a:p>
             <a:r>
               <a:rPr lang="es-CL" dirty="0"/>
-              <a:t>¿QUE ES LA ALBAÑILERÍA?</a:t>
+              <a:t>¿QUÉ ES LA ALBAÑILERÍA?</a:t>
             </a:r>
           </a:p>
         </p:txBody>
@@ -5886,7 +7056,7 @@
             </a:pPr>
             <a:r>
               <a:rPr lang="es-ES" dirty="0"/>
-              <a:t>albañilería: toda aquella obra formada por </a:t>
+              <a:t>Albañilería: toda aquella obra formada por </a:t>
             </a:r>
             <a:r>
               <a:rPr lang="es-ES" b="1" dirty="0"/>
@@ -6383,7 +7553,7 @@
           <a:p>
             <a:r>
               <a:rPr lang="es-CL" dirty="0"/>
-              <a:t>PROPIEDADES Y RECOMENDACIONES DE DISEÑO</a:t>
+              <a:t>PROPIEDADES</a:t>
             </a:r>
           </a:p>
         </p:txBody>
@@ -6445,10 +7615,10 @@
       </p:grpSpPr>
       <p:sp>
         <p:nvSpPr>
-          <p:cNvPr id="2" name="Título 1">
+          <p:cNvPr id="2" name="Title 1">
             <a:extLst>
               <a:ext uri="{FF2B5EF4-FFF2-40B4-BE49-F238E27FC236}">
-                <a16:creationId xmlns:a16="http://schemas.microsoft.com/office/drawing/2014/main" id="{456F0D27-4BB8-47E1-925D-1090CB2A99FE}"/>
+                <a16:creationId xmlns:a16="http://schemas.microsoft.com/office/drawing/2014/main" id="{712C55EE-6F74-4F8C-82DD-2B4A55C6A14D}"/>
               </a:ext>
             </a:extLst>
           </p:cNvPr>
@@ -6465,18 +7635,18 @@
           <a:lstStyle/>
           <a:p>
             <a:r>
-              <a:rPr lang="es-CL" dirty="0"/>
-              <a:t>NORMATIVA Y RECOMENDACIONES DE DISEÑO</a:t>
-            </a:r>
-          </a:p>
-        </p:txBody>
-      </p:sp>
-      <p:sp>
-        <p:nvSpPr>
-          <p:cNvPr id="3" name="Marcador de contenido 2">
+              <a:rPr lang="es-MX" dirty="0"/>
+              <a:t>RECOMENDACIONES DE DISEÑO</a:t>
+            </a:r>
+          </a:p>
+        </p:txBody>
+      </p:sp>
+      <p:sp>
+        <p:nvSpPr>
+          <p:cNvPr id="3" name="Content Placeholder 2">
             <a:extLst>
               <a:ext uri="{FF2B5EF4-FFF2-40B4-BE49-F238E27FC236}">
-                <a16:creationId xmlns:a16="http://schemas.microsoft.com/office/drawing/2014/main" id="{4DB436D6-A3D9-4D23-B070-9EE813E77E93}"/>
+                <a16:creationId xmlns:a16="http://schemas.microsoft.com/office/drawing/2014/main" id="{F1252A40-D53B-4B54-9E16-7CC866760F94}"/>
               </a:ext>
             </a:extLst>
           </p:cNvPr>
@@ -6492,14 +7662,14 @@
           <a:bodyPr/>
           <a:lstStyle/>
           <a:p>
-            <a:endParaRPr lang="es-CL"/>
+            <a:endParaRPr lang="es-MX"/>
           </a:p>
         </p:txBody>
       </p:sp>
     </p:spTree>
     <p:extLst>
       <p:ext uri="{BB962C8B-B14F-4D97-AF65-F5344CB8AC3E}">
-        <p14:creationId xmlns:p14="http://schemas.microsoft.com/office/powerpoint/2010/main" val="413490513"/>
+        <p14:creationId xmlns:p14="http://schemas.microsoft.com/office/powerpoint/2010/main" val="780976413"/>
       </p:ext>
     </p:extLst>
   </p:cSld>
@@ -6549,13 +7719,8 @@
           <a:p>
             <a:r>
               <a:rPr lang="es-CL" dirty="0"/>
-              <a:t>ESTRUCTURAS DE </a:t>
-            </a:r>
-            <a:r>
-              <a:rPr lang="es-CL" dirty="0" err="1"/>
-              <a:t>ALBAÑILERÍAs</a:t>
-            </a:r>
-            <a:endParaRPr lang="es-CL" dirty="0"/>
+              <a:t>ESTRUCTURAS DE ALBAÑILERÍA</a:t>
+            </a:r>
           </a:p>
         </p:txBody>
       </p:sp>
@@ -6626,7 +7791,7 @@
           <p:cNvPr id="2" name="Título 1">
             <a:extLst>
               <a:ext uri="{FF2B5EF4-FFF2-40B4-BE49-F238E27FC236}">
-                <a16:creationId xmlns:a16="http://schemas.microsoft.com/office/drawing/2014/main" id="{D1668D6C-A80F-4AF9-8196-AB531C5839C3}"/>
+                <a16:creationId xmlns:a16="http://schemas.microsoft.com/office/drawing/2014/main" id="{7963A088-C063-40F0-8AD2-8AAC6199450A}"/>
               </a:ext>
             </a:extLst>
           </p:cNvPr>
@@ -6644,7 +7809,7 @@
           <a:p>
             <a:r>
               <a:rPr lang="es-CL" dirty="0"/>
-              <a:t>ALBAÑILERÍA APLICADA A EDIFICIOS</a:t>
+              <a:t>USO EN CHILE</a:t>
             </a:r>
           </a:p>
         </p:txBody>
@@ -6654,7 +7819,7 @@
           <p:cNvPr id="3" name="Marcador de contenido 2">
             <a:extLst>
               <a:ext uri="{FF2B5EF4-FFF2-40B4-BE49-F238E27FC236}">
-                <a16:creationId xmlns:a16="http://schemas.microsoft.com/office/drawing/2014/main" id="{0096BE36-3AC5-4DB5-866A-1BFCB158F12D}"/>
+                <a16:creationId xmlns:a16="http://schemas.microsoft.com/office/drawing/2014/main" id="{22ABBA1F-64A6-4E9A-90FE-8AC824113733}"/>
               </a:ext>
             </a:extLst>
           </p:cNvPr>
@@ -6667,25 +7832,66 @@
         </p:nvSpPr>
         <p:spPr>
           <a:xfrm>
-            <a:off x="810000" y="2178744"/>
-            <a:ext cx="10554574" cy="3636511"/>
-          </a:xfrm>
-        </p:spPr>
-        <p:txBody>
-          <a:bodyPr anchor="t"/>
-          <a:lstStyle/>
-          <a:p>
-            <a:pPr marL="0" indent="0">
-              <a:buNone/>
-            </a:pPr>
+            <a:off x="818712" y="2222287"/>
+            <a:ext cx="4145174" cy="4188525"/>
+          </a:xfrm>
+        </p:spPr>
+        <p:txBody>
+          <a:bodyPr/>
+          <a:lstStyle/>
+          <a:p>
+            <a:pPr algn="just"/>
+            <a:r>
+              <a:rPr lang="es-CL" dirty="0"/>
+              <a:t>Principalmente en edificios de tipo unifamiliar y multifamiliar de uso habitacional, en su mayoría viviendas sociales. </a:t>
+            </a:r>
+          </a:p>
+          <a:p>
+            <a:pPr algn="just"/>
             <a:endParaRPr lang="es-CL" dirty="0"/>
           </a:p>
         </p:txBody>
       </p:sp>
+      <p:pic>
+        <p:nvPicPr>
+          <p:cNvPr id="5" name="Picture 4">
+            <a:extLst>
+              <a:ext uri="{FF2B5EF4-FFF2-40B4-BE49-F238E27FC236}">
+                <a16:creationId xmlns:a16="http://schemas.microsoft.com/office/drawing/2014/main" id="{CE0FF64E-1B11-4990-B2EF-96FFD4D45105}"/>
+              </a:ext>
+            </a:extLst>
+          </p:cNvPr>
+          <p:cNvPicPr>
+            <a:picLocks noChangeAspect="1"/>
+          </p:cNvPicPr>
+          <p:nvPr/>
+        </p:nvPicPr>
+        <p:blipFill>
+          <a:blip r:embed="rId2">
+            <a:extLst>
+              <a:ext uri="{28A0092B-C50C-407E-A947-70E740481C1C}">
+                <a14:useLocalDpi xmlns:a14="http://schemas.microsoft.com/office/drawing/2010/main" val="0"/>
+              </a:ext>
+            </a:extLst>
+          </a:blip>
+          <a:stretch>
+            <a:fillRect/>
+          </a:stretch>
+        </p:blipFill>
+        <p:spPr>
+          <a:xfrm>
+            <a:off x="6095999" y="2565737"/>
+            <a:ext cx="5309735" cy="3501624"/>
+          </a:xfrm>
+          <a:prstGeom prst="rect">
+            <a:avLst/>
+          </a:prstGeom>
+        </p:spPr>
+      </p:pic>
     </p:spTree>
     <p:extLst>
       <p:ext uri="{BB962C8B-B14F-4D97-AF65-F5344CB8AC3E}">
-        <p14:creationId xmlns:p14="http://schemas.microsoft.com/office/powerpoint/2010/main" val="4184555785"/>
+        <p14:creationId xmlns:p14="http://schemas.microsoft.com/office/powerpoint/2010/main" val="3365775483"/>
       </p:ext>
     </p:extLst>
   </p:cSld>
@@ -6714,10 +7920,10 @@
       </p:grpSpPr>
       <p:sp>
         <p:nvSpPr>
-          <p:cNvPr id="2" name="Título 1">
+          <p:cNvPr id="3" name="Content Placeholder 2">
             <a:extLst>
               <a:ext uri="{FF2B5EF4-FFF2-40B4-BE49-F238E27FC236}">
-                <a16:creationId xmlns:a16="http://schemas.microsoft.com/office/drawing/2014/main" id="{7963A088-C063-40F0-8AD2-8AAC6199450A}"/>
+                <a16:creationId xmlns:a16="http://schemas.microsoft.com/office/drawing/2014/main" id="{9AB0772D-26FD-480D-9962-B8235BB84C22}"/>
               </a:ext>
             </a:extLst>
           </p:cNvPr>
@@ -6725,27 +7931,39 @@
             <a:spLocks noGrp="1"/>
           </p:cNvSpPr>
           <p:nvPr>
-            <p:ph type="title"/>
-          </p:nvPr>
-        </p:nvSpPr>
-        <p:spPr/>
+            <p:ph idx="1"/>
+          </p:nvPr>
+        </p:nvSpPr>
+        <p:spPr>
+          <a:xfrm>
+            <a:off x="810000" y="2129430"/>
+            <a:ext cx="11083002" cy="970450"/>
+          </a:xfrm>
+        </p:spPr>
         <p:txBody>
           <a:bodyPr/>
           <a:lstStyle/>
           <a:p>
             <a:r>
+              <a:rPr lang="es-MX" dirty="0"/>
+              <a:t>Según </a:t>
+            </a:r>
+            <a:r>
               <a:rPr lang="es-CL" dirty="0"/>
-              <a:t>USO EN EL MUNDO</a:t>
-            </a:r>
-          </a:p>
-        </p:txBody>
-      </p:sp>
-      <p:sp>
-        <p:nvSpPr>
-          <p:cNvPr id="3" name="Marcador de contenido 2">
+              <a:t>CENSO 2002, 62 % viviendas albañilería.  En descenso en la actualidad</a:t>
+            </a:r>
+          </a:p>
+          <a:p>
+            <a:endParaRPr lang="es-MX" dirty="0"/>
+          </a:p>
+        </p:txBody>
+      </p:sp>
+      <p:sp>
+        <p:nvSpPr>
+          <p:cNvPr id="4" name="Título 1">
             <a:extLst>
               <a:ext uri="{FF2B5EF4-FFF2-40B4-BE49-F238E27FC236}">
-                <a16:creationId xmlns:a16="http://schemas.microsoft.com/office/drawing/2014/main" id="{22ABBA1F-64A6-4E9A-90FE-8AC824113733}"/>
+                <a16:creationId xmlns:a16="http://schemas.microsoft.com/office/drawing/2014/main" id="{42EDE288-8568-4696-BD15-9F3882D3D65A}"/>
               </a:ext>
             </a:extLst>
           </p:cNvPr>
@@ -6753,22 +7971,191 @@
             <a:spLocks noGrp="1"/>
           </p:cNvSpPr>
           <p:nvPr>
-            <p:ph idx="1"/>
-          </p:nvPr>
-        </p:nvSpPr>
-        <p:spPr/>
+            <p:ph type="title"/>
+          </p:nvPr>
+        </p:nvSpPr>
+        <p:spPr>
+          <a:xfrm>
+            <a:off x="810000" y="447188"/>
+            <a:ext cx="10571998" cy="970450"/>
+          </a:xfrm>
+        </p:spPr>
         <p:txBody>
           <a:bodyPr/>
           <a:lstStyle/>
           <a:p>
-            <a:endParaRPr lang="es-CL" dirty="0"/>
+            <a:r>
+              <a:rPr lang="es-CL" dirty="0"/>
+              <a:t>USO EN CHILE</a:t>
+            </a:r>
+          </a:p>
+        </p:txBody>
+      </p:sp>
+      <p:pic>
+        <p:nvPicPr>
+          <p:cNvPr id="6" name="Picture 5">
+            <a:extLst>
+              <a:ext uri="{FF2B5EF4-FFF2-40B4-BE49-F238E27FC236}">
+                <a16:creationId xmlns:a16="http://schemas.microsoft.com/office/drawing/2014/main" id="{60579362-F617-49C7-87BB-467B050FABBF}"/>
+              </a:ext>
+            </a:extLst>
+          </p:cNvPr>
+          <p:cNvPicPr>
+            <a:picLocks noChangeAspect="1"/>
+          </p:cNvPicPr>
+          <p:nvPr/>
+        </p:nvPicPr>
+        <p:blipFill>
+          <a:blip r:embed="rId2">
+            <a:extLst>
+              <a:ext uri="{28A0092B-C50C-407E-A947-70E740481C1C}">
+                <a14:useLocalDpi xmlns:a14="http://schemas.microsoft.com/office/drawing/2010/main" val="0"/>
+              </a:ext>
+            </a:extLst>
+          </a:blip>
+          <a:stretch>
+            <a:fillRect/>
+          </a:stretch>
+        </p:blipFill>
+        <p:spPr>
+          <a:xfrm>
+            <a:off x="-18351" y="2962275"/>
+            <a:ext cx="6506737" cy="2916011"/>
+          </a:xfrm>
+          <a:prstGeom prst="rect">
+            <a:avLst/>
+          </a:prstGeom>
+        </p:spPr>
+      </p:pic>
+      <p:pic>
+        <p:nvPicPr>
+          <p:cNvPr id="8" name="Picture 7">
+            <a:extLst>
+              <a:ext uri="{FF2B5EF4-FFF2-40B4-BE49-F238E27FC236}">
+                <a16:creationId xmlns:a16="http://schemas.microsoft.com/office/drawing/2014/main" id="{4EB77AA2-AB56-446A-9C7B-A89551AAA0C3}"/>
+              </a:ext>
+            </a:extLst>
+          </p:cNvPr>
+          <p:cNvPicPr>
+            <a:picLocks noChangeAspect="1"/>
+          </p:cNvPicPr>
+          <p:nvPr/>
+        </p:nvPicPr>
+        <p:blipFill>
+          <a:blip r:embed="rId3">
+            <a:extLst>
+              <a:ext uri="{28A0092B-C50C-407E-A947-70E740481C1C}">
+                <a14:useLocalDpi xmlns:a14="http://schemas.microsoft.com/office/drawing/2010/main" val="0"/>
+              </a:ext>
+            </a:extLst>
+          </a:blip>
+          <a:stretch>
+            <a:fillRect/>
+          </a:stretch>
+        </p:blipFill>
+        <p:spPr>
+          <a:xfrm>
+            <a:off x="6659125" y="2699659"/>
+            <a:ext cx="5063138" cy="3711153"/>
+          </a:xfrm>
+          <a:prstGeom prst="rect">
+            <a:avLst/>
+          </a:prstGeom>
+        </p:spPr>
+      </p:pic>
+      <p:sp>
+        <p:nvSpPr>
+          <p:cNvPr id="9" name="TextBox 8">
+            <a:extLst>
+              <a:ext uri="{FF2B5EF4-FFF2-40B4-BE49-F238E27FC236}">
+                <a16:creationId xmlns:a16="http://schemas.microsoft.com/office/drawing/2014/main" id="{8EB5BA46-B80C-4BD2-ABC1-F2D1736C5B3D}"/>
+              </a:ext>
+            </a:extLst>
+          </p:cNvPr>
+          <p:cNvSpPr txBox="1"/>
+          <p:nvPr/>
+        </p:nvSpPr>
+        <p:spPr>
+          <a:xfrm>
+            <a:off x="896075" y="5878286"/>
+            <a:ext cx="4677884" cy="307777"/>
+          </a:xfrm>
+          <a:prstGeom prst="rect">
+            <a:avLst/>
+          </a:prstGeom>
+          <a:noFill/>
+        </p:spPr>
+        <p:txBody>
+          <a:bodyPr wrap="none" rtlCol="0">
+            <a:spAutoFit/>
+          </a:bodyPr>
+          <a:lstStyle/>
+          <a:p>
+            <a:r>
+              <a:rPr lang="es-CL" sz="1400" dirty="0">
+                <a:solidFill>
+                  <a:schemeClr val="tx2">
+                    <a:lumMod val="50000"/>
+                  </a:schemeClr>
+                </a:solidFill>
+              </a:rPr>
+              <a:t>Distribución de viviendas por material (Censo 2002).</a:t>
+            </a:r>
+            <a:endParaRPr lang="es-MX" sz="1400" dirty="0">
+              <a:solidFill>
+                <a:schemeClr val="tx2">
+                  <a:lumMod val="50000"/>
+                </a:schemeClr>
+              </a:solidFill>
+            </a:endParaRPr>
+          </a:p>
+        </p:txBody>
+      </p:sp>
+      <p:sp>
+        <p:nvSpPr>
+          <p:cNvPr id="10" name="TextBox 9">
+            <a:extLst>
+              <a:ext uri="{FF2B5EF4-FFF2-40B4-BE49-F238E27FC236}">
+                <a16:creationId xmlns:a16="http://schemas.microsoft.com/office/drawing/2014/main" id="{3D87D2CF-0C5B-4FD3-B0B1-9C7F1A7F519E}"/>
+              </a:ext>
+            </a:extLst>
+          </p:cNvPr>
+          <p:cNvSpPr txBox="1"/>
+          <p:nvPr/>
+        </p:nvSpPr>
+        <p:spPr>
+          <a:xfrm>
+            <a:off x="6659125" y="6334780"/>
+            <a:ext cx="5428342" cy="523220"/>
+          </a:xfrm>
+          <a:prstGeom prst="rect">
+            <a:avLst/>
+          </a:prstGeom>
+          <a:noFill/>
+        </p:spPr>
+        <p:txBody>
+          <a:bodyPr wrap="square" rtlCol="0">
+            <a:spAutoFit/>
+          </a:bodyPr>
+          <a:lstStyle/>
+          <a:p>
+            <a:r>
+              <a:rPr lang="es-CL" sz="1400" dirty="0">
+                <a:solidFill>
+                  <a:schemeClr val="tx2">
+                    <a:lumMod val="50000"/>
+                  </a:schemeClr>
+                </a:solidFill>
+              </a:rPr>
+              <a:t>Uso de albañilería, hormigón y madera en los últimos años (INE, 2002-2017).</a:t>
+            </a:r>
           </a:p>
         </p:txBody>
       </p:sp>
     </p:spTree>
     <p:extLst>
       <p:ext uri="{BB962C8B-B14F-4D97-AF65-F5344CB8AC3E}">
-        <p14:creationId xmlns:p14="http://schemas.microsoft.com/office/powerpoint/2010/main" val="1223577235"/>
+        <p14:creationId xmlns:p14="http://schemas.microsoft.com/office/powerpoint/2010/main" val="3139984690"/>
       </p:ext>
     </p:extLst>
   </p:cSld>
@@ -6797,10 +8184,10 @@
       </p:grpSpPr>
       <p:sp>
         <p:nvSpPr>
-          <p:cNvPr id="2" name="Título 1">
+          <p:cNvPr id="2" name="Title 1">
             <a:extLst>
               <a:ext uri="{FF2B5EF4-FFF2-40B4-BE49-F238E27FC236}">
-                <a16:creationId xmlns:a16="http://schemas.microsoft.com/office/drawing/2014/main" id="{7963A088-C063-40F0-8AD2-8AAC6199450A}"/>
+                <a16:creationId xmlns:a16="http://schemas.microsoft.com/office/drawing/2014/main" id="{33CD1ED3-B436-4AF9-A58B-8F817126E0C3}"/>
               </a:ext>
             </a:extLst>
           </p:cNvPr>
@@ -6820,15 +8207,16 @@
               <a:rPr lang="es-CL" dirty="0"/>
               <a:t>USO EN CHILE</a:t>
             </a:r>
-          </a:p>
-        </p:txBody>
-      </p:sp>
-      <p:sp>
-        <p:nvSpPr>
-          <p:cNvPr id="3" name="Marcador de contenido 2">
+            <a:endParaRPr lang="es-MX" dirty="0"/>
+          </a:p>
+        </p:txBody>
+      </p:sp>
+      <p:sp>
+        <p:nvSpPr>
+          <p:cNvPr id="3" name="Content Placeholder 2">
             <a:extLst>
               <a:ext uri="{FF2B5EF4-FFF2-40B4-BE49-F238E27FC236}">
-                <a16:creationId xmlns:a16="http://schemas.microsoft.com/office/drawing/2014/main" id="{22ABBA1F-64A6-4E9A-90FE-8AC824113733}"/>
+                <a16:creationId xmlns:a16="http://schemas.microsoft.com/office/drawing/2014/main" id="{5AD08B42-2041-4CA5-B78E-1968F64697C1}"/>
               </a:ext>
             </a:extLst>
           </p:cNvPr>
@@ -6839,19 +8227,641 @@
             <p:ph idx="1"/>
           </p:nvPr>
         </p:nvSpPr>
-        <p:spPr/>
+        <p:spPr>
+          <a:xfrm>
+            <a:off x="818712" y="2222287"/>
+            <a:ext cx="3782317" cy="3636511"/>
+          </a:xfrm>
+        </p:spPr>
         <p:txBody>
           <a:bodyPr/>
           <a:lstStyle/>
           <a:p>
-            <a:endParaRPr lang="es-CL"/>
+            <a:r>
+              <a:rPr lang="es-MX" dirty="0"/>
+              <a:t>Limitaciones de la OGUC</a:t>
+            </a:r>
+          </a:p>
+          <a:p>
+            <a:endParaRPr lang="es-MX" dirty="0"/>
+          </a:p>
+          <a:p>
+            <a:pPr>
+              <a:buFont typeface="Arial" panose="020B0604020202020204" pitchFamily="34" charset="0"/>
+              <a:buChar char="•"/>
+            </a:pPr>
+            <a:r>
+              <a:rPr lang="es-MX" dirty="0"/>
+              <a:t>Edificio clase C </a:t>
+            </a:r>
+          </a:p>
+          <a:p>
+            <a:pPr marL="2171400" lvl="5" indent="0">
+              <a:buNone/>
+            </a:pPr>
+            <a:endParaRPr lang="es-MX" sz="1600" dirty="0"/>
+          </a:p>
+          <a:p>
+            <a:pPr>
+              <a:buFont typeface="Arial" panose="020B0604020202020204" pitchFamily="34" charset="0"/>
+              <a:buChar char="•"/>
+            </a:pPr>
+            <a:endParaRPr lang="es-MX" dirty="0"/>
+          </a:p>
+          <a:p>
+            <a:pPr>
+              <a:buFont typeface="Arial" panose="020B0604020202020204" pitchFamily="34" charset="0"/>
+              <a:buChar char="•"/>
+            </a:pPr>
+            <a:r>
+              <a:rPr lang="es-MX" dirty="0"/>
+              <a:t>Edificio clase D</a:t>
+            </a:r>
+          </a:p>
+        </p:txBody>
+      </p:sp>
+      <p:sp>
+        <p:nvSpPr>
+          <p:cNvPr id="5" name="Content Placeholder 2">
+            <a:extLst>
+              <a:ext uri="{FF2B5EF4-FFF2-40B4-BE49-F238E27FC236}">
+                <a16:creationId xmlns:a16="http://schemas.microsoft.com/office/drawing/2014/main" id="{1BC1C24D-E871-4072-9746-BE648AA761F5}"/>
+              </a:ext>
+            </a:extLst>
+          </p:cNvPr>
+          <p:cNvSpPr txBox="1">
+            <a:spLocks/>
+          </p:cNvSpPr>
+          <p:nvPr/>
+        </p:nvSpPr>
+        <p:spPr>
+          <a:xfrm>
+            <a:off x="3200400" y="4670676"/>
+            <a:ext cx="1897070" cy="763600"/>
+          </a:xfrm>
+          <a:prstGeom prst="rect">
+            <a:avLst/>
+          </a:prstGeom>
+          <a:effectLst>
+            <a:outerShdw blurRad="50800" dir="14400000">
+              <a:srgbClr val="000000">
+                <a:alpha val="40000"/>
+              </a:srgbClr>
+            </a:outerShdw>
+          </a:effectLst>
+        </p:spPr>
+        <p:txBody>
+          <a:bodyPr vert="horz" lIns="91440" tIns="45720" rIns="91440" bIns="45720" rtlCol="0" anchor="ctr">
+            <a:normAutofit fontScale="92500"/>
+          </a:bodyPr>
+          <a:lstStyle>
+            <a:lvl1pPr marL="342900" indent="-342900" algn="l" defTabSz="457200" rtl="0" eaLnBrk="1" latinLnBrk="0" hangingPunct="1">
+              <a:spcBef>
+                <a:spcPct val="20000"/>
+              </a:spcBef>
+              <a:spcAft>
+                <a:spcPts val="600"/>
+              </a:spcAft>
+              <a:buClr>
+                <a:schemeClr val="accent1"/>
+              </a:buClr>
+              <a:buFont typeface="Wingdings 2" charset="2"/>
+              <a:buChar char=""/>
+              <a:defRPr sz="1800" kern="1200">
+                <a:solidFill>
+                  <a:schemeClr val="tx1"/>
+                </a:solidFill>
+                <a:latin typeface="+mn-lt"/>
+                <a:ea typeface="+mn-ea"/>
+                <a:cs typeface="+mn-cs"/>
+              </a:defRPr>
+            </a:lvl1pPr>
+            <a:lvl2pPr marL="742950" indent="-285750" algn="l" defTabSz="457200" rtl="0" eaLnBrk="1" latinLnBrk="0" hangingPunct="1">
+              <a:spcBef>
+                <a:spcPct val="20000"/>
+              </a:spcBef>
+              <a:spcAft>
+                <a:spcPts val="600"/>
+              </a:spcAft>
+              <a:buClr>
+                <a:schemeClr val="accent1"/>
+              </a:buClr>
+              <a:buFont typeface="Wingdings 2" charset="2"/>
+              <a:buChar char=""/>
+              <a:defRPr sz="1600" kern="1200">
+                <a:solidFill>
+                  <a:schemeClr val="tx1"/>
+                </a:solidFill>
+                <a:latin typeface="+mn-lt"/>
+                <a:ea typeface="+mn-ea"/>
+                <a:cs typeface="+mn-cs"/>
+              </a:defRPr>
+            </a:lvl2pPr>
+            <a:lvl3pPr marL="1143000" indent="-228600" algn="l" defTabSz="457200" rtl="0" eaLnBrk="1" latinLnBrk="0" hangingPunct="1">
+              <a:spcBef>
+                <a:spcPct val="20000"/>
+              </a:spcBef>
+              <a:spcAft>
+                <a:spcPts val="600"/>
+              </a:spcAft>
+              <a:buClr>
+                <a:schemeClr val="accent1"/>
+              </a:buClr>
+              <a:buFont typeface="Wingdings 2" charset="2"/>
+              <a:buChar char=""/>
+              <a:defRPr sz="1400" kern="1200">
+                <a:solidFill>
+                  <a:schemeClr val="tx1"/>
+                </a:solidFill>
+                <a:latin typeface="+mn-lt"/>
+                <a:ea typeface="+mn-ea"/>
+                <a:cs typeface="+mn-cs"/>
+              </a:defRPr>
+            </a:lvl3pPr>
+            <a:lvl4pPr marL="1600200" indent="-228600" algn="l" defTabSz="457200" rtl="0" eaLnBrk="1" latinLnBrk="0" hangingPunct="1">
+              <a:spcBef>
+                <a:spcPct val="20000"/>
+              </a:spcBef>
+              <a:spcAft>
+                <a:spcPts val="600"/>
+              </a:spcAft>
+              <a:buClr>
+                <a:schemeClr val="accent1"/>
+              </a:buClr>
+              <a:buFont typeface="Wingdings 2" charset="2"/>
+              <a:buChar char=""/>
+              <a:defRPr sz="1200" kern="1200">
+                <a:solidFill>
+                  <a:schemeClr val="tx1"/>
+                </a:solidFill>
+                <a:latin typeface="+mn-lt"/>
+                <a:ea typeface="+mn-ea"/>
+                <a:cs typeface="+mn-cs"/>
+              </a:defRPr>
+            </a:lvl4pPr>
+            <a:lvl5pPr marL="2057400" indent="-228600" algn="l" defTabSz="457200" rtl="0" eaLnBrk="1" latinLnBrk="0" hangingPunct="1">
+              <a:spcBef>
+                <a:spcPct val="20000"/>
+              </a:spcBef>
+              <a:spcAft>
+                <a:spcPts val="600"/>
+              </a:spcAft>
+              <a:buClr>
+                <a:schemeClr val="accent1"/>
+              </a:buClr>
+              <a:buFont typeface="Wingdings 2" charset="2"/>
+              <a:buChar char=""/>
+              <a:defRPr sz="1200" kern="1200">
+                <a:solidFill>
+                  <a:schemeClr val="tx1"/>
+                </a:solidFill>
+                <a:latin typeface="+mn-lt"/>
+                <a:ea typeface="+mn-ea"/>
+                <a:cs typeface="+mn-cs"/>
+              </a:defRPr>
+            </a:lvl5pPr>
+            <a:lvl6pPr marL="2400000" indent="-228600" algn="l" defTabSz="457200" rtl="0" eaLnBrk="1" latinLnBrk="0" hangingPunct="1">
+              <a:spcBef>
+                <a:spcPct val="20000"/>
+              </a:spcBef>
+              <a:spcAft>
+                <a:spcPts val="600"/>
+              </a:spcAft>
+              <a:buClr>
+                <a:schemeClr val="accent1"/>
+              </a:buClr>
+              <a:buFont typeface="Wingdings 2" charset="2"/>
+              <a:buChar char=""/>
+              <a:defRPr sz="1200" kern="1200">
+                <a:solidFill>
+                  <a:schemeClr val="tx1"/>
+                </a:solidFill>
+                <a:latin typeface="+mn-lt"/>
+                <a:ea typeface="+mn-ea"/>
+                <a:cs typeface="+mn-cs"/>
+              </a:defRPr>
+            </a:lvl6pPr>
+            <a:lvl7pPr marL="2800000" indent="-228600" algn="l" defTabSz="457200" rtl="0" eaLnBrk="1" latinLnBrk="0" hangingPunct="1">
+              <a:spcBef>
+                <a:spcPct val="20000"/>
+              </a:spcBef>
+              <a:spcAft>
+                <a:spcPts val="600"/>
+              </a:spcAft>
+              <a:buClr>
+                <a:schemeClr val="accent1"/>
+              </a:buClr>
+              <a:buFont typeface="Wingdings 2" charset="2"/>
+              <a:buChar char=""/>
+              <a:defRPr sz="1200" kern="1200">
+                <a:solidFill>
+                  <a:schemeClr val="tx1"/>
+                </a:solidFill>
+                <a:latin typeface="+mn-lt"/>
+                <a:ea typeface="+mn-ea"/>
+                <a:cs typeface="+mn-cs"/>
+              </a:defRPr>
+            </a:lvl7pPr>
+            <a:lvl8pPr marL="3200000" indent="-228600" algn="l" defTabSz="457200" rtl="0" eaLnBrk="1" latinLnBrk="0" hangingPunct="1">
+              <a:spcBef>
+                <a:spcPct val="20000"/>
+              </a:spcBef>
+              <a:spcAft>
+                <a:spcPts val="600"/>
+              </a:spcAft>
+              <a:buClr>
+                <a:schemeClr val="accent1"/>
+              </a:buClr>
+              <a:buFont typeface="Wingdings 2" charset="2"/>
+              <a:buChar char=""/>
+              <a:defRPr sz="1200" kern="1200">
+                <a:solidFill>
+                  <a:schemeClr val="tx1"/>
+                </a:solidFill>
+                <a:latin typeface="+mn-lt"/>
+                <a:ea typeface="+mn-ea"/>
+                <a:cs typeface="+mn-cs"/>
+              </a:defRPr>
+            </a:lvl8pPr>
+            <a:lvl9pPr marL="3600000" indent="-228600" algn="l" defTabSz="457200" rtl="0" eaLnBrk="1" latinLnBrk="0" hangingPunct="1">
+              <a:spcBef>
+                <a:spcPct val="20000"/>
+              </a:spcBef>
+              <a:spcAft>
+                <a:spcPts val="600"/>
+              </a:spcAft>
+              <a:buClr>
+                <a:schemeClr val="accent1"/>
+              </a:buClr>
+              <a:buFont typeface="Wingdings 2" charset="2"/>
+              <a:buChar char=""/>
+              <a:defRPr sz="1200" kern="1200">
+                <a:solidFill>
+                  <a:schemeClr val="tx1"/>
+                </a:solidFill>
+                <a:latin typeface="+mn-lt"/>
+                <a:ea typeface="+mn-ea"/>
+                <a:cs typeface="+mn-cs"/>
+              </a:defRPr>
+            </a:lvl9pPr>
+          </a:lstStyle>
+          <a:p>
+            <a:pPr marL="87313" lvl="5" algn="just">
+              <a:buNone/>
+            </a:pPr>
+            <a:r>
+              <a:rPr lang="es-MX" sz="1600" dirty="0"/>
+              <a:t>2 pisos</a:t>
+            </a:r>
+          </a:p>
+          <a:p>
+            <a:pPr marL="87313" lvl="5" algn="just">
+              <a:buNone/>
+            </a:pPr>
+            <a:r>
+              <a:rPr lang="es-MX" sz="1600" dirty="0"/>
+              <a:t>Altura libre &lt; 2.6 m</a:t>
+            </a:r>
+          </a:p>
+        </p:txBody>
+      </p:sp>
+      <p:sp>
+        <p:nvSpPr>
+          <p:cNvPr id="6" name="Content Placeholder 2">
+            <a:extLst>
+              <a:ext uri="{FF2B5EF4-FFF2-40B4-BE49-F238E27FC236}">
+                <a16:creationId xmlns:a16="http://schemas.microsoft.com/office/drawing/2014/main" id="{E5C48B42-96F5-42F1-BD09-ABF58575A966}"/>
+              </a:ext>
+            </a:extLst>
+          </p:cNvPr>
+          <p:cNvSpPr txBox="1">
+            <a:spLocks/>
+          </p:cNvSpPr>
+          <p:nvPr/>
+        </p:nvSpPr>
+        <p:spPr>
+          <a:xfrm>
+            <a:off x="3200400" y="3484228"/>
+            <a:ext cx="1897070" cy="763600"/>
+          </a:xfrm>
+          <a:prstGeom prst="rect">
+            <a:avLst/>
+          </a:prstGeom>
+          <a:effectLst>
+            <a:outerShdw blurRad="50800" dir="14400000">
+              <a:srgbClr val="000000">
+                <a:alpha val="40000"/>
+              </a:srgbClr>
+            </a:outerShdw>
+          </a:effectLst>
+        </p:spPr>
+        <p:txBody>
+          <a:bodyPr vert="horz" lIns="91440" tIns="45720" rIns="91440" bIns="45720" rtlCol="0" anchor="ctr">
+            <a:normAutofit/>
+          </a:bodyPr>
+          <a:lstStyle>
+            <a:lvl1pPr marL="342900" indent="-342900" algn="l" defTabSz="457200" rtl="0" eaLnBrk="1" latinLnBrk="0" hangingPunct="1">
+              <a:spcBef>
+                <a:spcPct val="20000"/>
+              </a:spcBef>
+              <a:spcAft>
+                <a:spcPts val="600"/>
+              </a:spcAft>
+              <a:buClr>
+                <a:schemeClr val="accent1"/>
+              </a:buClr>
+              <a:buFont typeface="Wingdings 2" charset="2"/>
+              <a:buChar char=""/>
+              <a:defRPr sz="1800" kern="1200">
+                <a:solidFill>
+                  <a:schemeClr val="tx1"/>
+                </a:solidFill>
+                <a:latin typeface="+mn-lt"/>
+                <a:ea typeface="+mn-ea"/>
+                <a:cs typeface="+mn-cs"/>
+              </a:defRPr>
+            </a:lvl1pPr>
+            <a:lvl2pPr marL="742950" indent="-285750" algn="l" defTabSz="457200" rtl="0" eaLnBrk="1" latinLnBrk="0" hangingPunct="1">
+              <a:spcBef>
+                <a:spcPct val="20000"/>
+              </a:spcBef>
+              <a:spcAft>
+                <a:spcPts val="600"/>
+              </a:spcAft>
+              <a:buClr>
+                <a:schemeClr val="accent1"/>
+              </a:buClr>
+              <a:buFont typeface="Wingdings 2" charset="2"/>
+              <a:buChar char=""/>
+              <a:defRPr sz="1600" kern="1200">
+                <a:solidFill>
+                  <a:schemeClr val="tx1"/>
+                </a:solidFill>
+                <a:latin typeface="+mn-lt"/>
+                <a:ea typeface="+mn-ea"/>
+                <a:cs typeface="+mn-cs"/>
+              </a:defRPr>
+            </a:lvl2pPr>
+            <a:lvl3pPr marL="1143000" indent="-228600" algn="l" defTabSz="457200" rtl="0" eaLnBrk="1" latinLnBrk="0" hangingPunct="1">
+              <a:spcBef>
+                <a:spcPct val="20000"/>
+              </a:spcBef>
+              <a:spcAft>
+                <a:spcPts val="600"/>
+              </a:spcAft>
+              <a:buClr>
+                <a:schemeClr val="accent1"/>
+              </a:buClr>
+              <a:buFont typeface="Wingdings 2" charset="2"/>
+              <a:buChar char=""/>
+              <a:defRPr sz="1400" kern="1200">
+                <a:solidFill>
+                  <a:schemeClr val="tx1"/>
+                </a:solidFill>
+                <a:latin typeface="+mn-lt"/>
+                <a:ea typeface="+mn-ea"/>
+                <a:cs typeface="+mn-cs"/>
+              </a:defRPr>
+            </a:lvl3pPr>
+            <a:lvl4pPr marL="1600200" indent="-228600" algn="l" defTabSz="457200" rtl="0" eaLnBrk="1" latinLnBrk="0" hangingPunct="1">
+              <a:spcBef>
+                <a:spcPct val="20000"/>
+              </a:spcBef>
+              <a:spcAft>
+                <a:spcPts val="600"/>
+              </a:spcAft>
+              <a:buClr>
+                <a:schemeClr val="accent1"/>
+              </a:buClr>
+              <a:buFont typeface="Wingdings 2" charset="2"/>
+              <a:buChar char=""/>
+              <a:defRPr sz="1200" kern="1200">
+                <a:solidFill>
+                  <a:schemeClr val="tx1"/>
+                </a:solidFill>
+                <a:latin typeface="+mn-lt"/>
+                <a:ea typeface="+mn-ea"/>
+                <a:cs typeface="+mn-cs"/>
+              </a:defRPr>
+            </a:lvl4pPr>
+            <a:lvl5pPr marL="2057400" indent="-228600" algn="l" defTabSz="457200" rtl="0" eaLnBrk="1" latinLnBrk="0" hangingPunct="1">
+              <a:spcBef>
+                <a:spcPct val="20000"/>
+              </a:spcBef>
+              <a:spcAft>
+                <a:spcPts val="600"/>
+              </a:spcAft>
+              <a:buClr>
+                <a:schemeClr val="accent1"/>
+              </a:buClr>
+              <a:buFont typeface="Wingdings 2" charset="2"/>
+              <a:buChar char=""/>
+              <a:defRPr sz="1200" kern="1200">
+                <a:solidFill>
+                  <a:schemeClr val="tx1"/>
+                </a:solidFill>
+                <a:latin typeface="+mn-lt"/>
+                <a:ea typeface="+mn-ea"/>
+                <a:cs typeface="+mn-cs"/>
+              </a:defRPr>
+            </a:lvl5pPr>
+            <a:lvl6pPr marL="2400000" indent="-228600" algn="l" defTabSz="457200" rtl="0" eaLnBrk="1" latinLnBrk="0" hangingPunct="1">
+              <a:spcBef>
+                <a:spcPct val="20000"/>
+              </a:spcBef>
+              <a:spcAft>
+                <a:spcPts val="600"/>
+              </a:spcAft>
+              <a:buClr>
+                <a:schemeClr val="accent1"/>
+              </a:buClr>
+              <a:buFont typeface="Wingdings 2" charset="2"/>
+              <a:buChar char=""/>
+              <a:defRPr sz="1200" kern="1200">
+                <a:solidFill>
+                  <a:schemeClr val="tx1"/>
+                </a:solidFill>
+                <a:latin typeface="+mn-lt"/>
+                <a:ea typeface="+mn-ea"/>
+                <a:cs typeface="+mn-cs"/>
+              </a:defRPr>
+            </a:lvl6pPr>
+            <a:lvl7pPr marL="2800000" indent="-228600" algn="l" defTabSz="457200" rtl="0" eaLnBrk="1" latinLnBrk="0" hangingPunct="1">
+              <a:spcBef>
+                <a:spcPct val="20000"/>
+              </a:spcBef>
+              <a:spcAft>
+                <a:spcPts val="600"/>
+              </a:spcAft>
+              <a:buClr>
+                <a:schemeClr val="accent1"/>
+              </a:buClr>
+              <a:buFont typeface="Wingdings 2" charset="2"/>
+              <a:buChar char=""/>
+              <a:defRPr sz="1200" kern="1200">
+                <a:solidFill>
+                  <a:schemeClr val="tx1"/>
+                </a:solidFill>
+                <a:latin typeface="+mn-lt"/>
+                <a:ea typeface="+mn-ea"/>
+                <a:cs typeface="+mn-cs"/>
+              </a:defRPr>
+            </a:lvl7pPr>
+            <a:lvl8pPr marL="3200000" indent="-228600" algn="l" defTabSz="457200" rtl="0" eaLnBrk="1" latinLnBrk="0" hangingPunct="1">
+              <a:spcBef>
+                <a:spcPct val="20000"/>
+              </a:spcBef>
+              <a:spcAft>
+                <a:spcPts val="600"/>
+              </a:spcAft>
+              <a:buClr>
+                <a:schemeClr val="accent1"/>
+              </a:buClr>
+              <a:buFont typeface="Wingdings 2" charset="2"/>
+              <a:buChar char=""/>
+              <a:defRPr sz="1200" kern="1200">
+                <a:solidFill>
+                  <a:schemeClr val="tx1"/>
+                </a:solidFill>
+                <a:latin typeface="+mn-lt"/>
+                <a:ea typeface="+mn-ea"/>
+                <a:cs typeface="+mn-cs"/>
+              </a:defRPr>
+            </a:lvl8pPr>
+            <a:lvl9pPr marL="3600000" indent="-228600" algn="l" defTabSz="457200" rtl="0" eaLnBrk="1" latinLnBrk="0" hangingPunct="1">
+              <a:spcBef>
+                <a:spcPct val="20000"/>
+              </a:spcBef>
+              <a:spcAft>
+                <a:spcPts val="600"/>
+              </a:spcAft>
+              <a:buClr>
+                <a:schemeClr val="accent1"/>
+              </a:buClr>
+              <a:buFont typeface="Wingdings 2" charset="2"/>
+              <a:buChar char=""/>
+              <a:defRPr sz="1200" kern="1200">
+                <a:solidFill>
+                  <a:schemeClr val="tx1"/>
+                </a:solidFill>
+                <a:latin typeface="+mn-lt"/>
+                <a:ea typeface="+mn-ea"/>
+                <a:cs typeface="+mn-cs"/>
+              </a:defRPr>
+            </a:lvl9pPr>
+          </a:lstStyle>
+          <a:p>
+            <a:pPr marL="87313" lvl="5" algn="just">
+              <a:buNone/>
+            </a:pPr>
+            <a:r>
+              <a:rPr lang="es-MX" sz="1600" dirty="0"/>
+              <a:t>4 pisos</a:t>
+            </a:r>
+          </a:p>
+          <a:p>
+            <a:pPr marL="87313" lvl="5" algn="just">
+              <a:buNone/>
+            </a:pPr>
+            <a:r>
+              <a:rPr lang="es-MX" sz="1600" dirty="0"/>
+              <a:t>Altura libre &lt; 5m</a:t>
+            </a:r>
+          </a:p>
+        </p:txBody>
+      </p:sp>
+      <p:sp>
+        <p:nvSpPr>
+          <p:cNvPr id="7" name="Left Brace 6">
+            <a:extLst>
+              <a:ext uri="{FF2B5EF4-FFF2-40B4-BE49-F238E27FC236}">
+                <a16:creationId xmlns:a16="http://schemas.microsoft.com/office/drawing/2014/main" id="{D44C588E-C60B-416B-9333-3A4CC639E1EB}"/>
+              </a:ext>
+            </a:extLst>
+          </p:cNvPr>
+          <p:cNvSpPr/>
+          <p:nvPr/>
+        </p:nvSpPr>
+        <p:spPr>
+          <a:xfrm>
+            <a:off x="3106057" y="3539457"/>
+            <a:ext cx="188686" cy="653143"/>
+          </a:xfrm>
+          <a:prstGeom prst="leftBrace">
+            <a:avLst/>
+          </a:prstGeom>
+        </p:spPr>
+        <p:style>
+          <a:lnRef idx="1">
+            <a:schemeClr val="accent1"/>
+          </a:lnRef>
+          <a:fillRef idx="0">
+            <a:schemeClr val="accent1"/>
+          </a:fillRef>
+          <a:effectRef idx="0">
+            <a:schemeClr val="accent1"/>
+          </a:effectRef>
+          <a:fontRef idx="minor">
+            <a:schemeClr val="tx1"/>
+          </a:fontRef>
+        </p:style>
+        <p:txBody>
+          <a:bodyPr rtlCol="0" anchor="ctr"/>
+          <a:lstStyle/>
+          <a:p>
+            <a:pPr algn="ctr"/>
+            <a:endParaRPr lang="es-MX"/>
+          </a:p>
+        </p:txBody>
+      </p:sp>
+      <p:sp>
+        <p:nvSpPr>
+          <p:cNvPr id="8" name="Left Brace 7">
+            <a:extLst>
+              <a:ext uri="{FF2B5EF4-FFF2-40B4-BE49-F238E27FC236}">
+                <a16:creationId xmlns:a16="http://schemas.microsoft.com/office/drawing/2014/main" id="{225DC22B-FCE0-497B-9F36-3D7F926FB470}"/>
+              </a:ext>
+            </a:extLst>
+          </p:cNvPr>
+          <p:cNvSpPr/>
+          <p:nvPr/>
+        </p:nvSpPr>
+        <p:spPr>
+          <a:xfrm>
+            <a:off x="3106057" y="4725905"/>
+            <a:ext cx="188686" cy="653143"/>
+          </a:xfrm>
+          <a:prstGeom prst="leftBrace">
+            <a:avLst/>
+          </a:prstGeom>
+        </p:spPr>
+        <p:style>
+          <a:lnRef idx="1">
+            <a:schemeClr val="accent1"/>
+          </a:lnRef>
+          <a:fillRef idx="0">
+            <a:schemeClr val="accent1"/>
+          </a:fillRef>
+          <a:effectRef idx="0">
+            <a:schemeClr val="accent1"/>
+          </a:effectRef>
+          <a:fontRef idx="minor">
+            <a:schemeClr val="tx1"/>
+          </a:fontRef>
+        </p:style>
+        <p:txBody>
+          <a:bodyPr rtlCol="0" anchor="ctr"/>
+          <a:lstStyle/>
+          <a:p>
+            <a:pPr algn="ctr"/>
+            <a:endParaRPr lang="es-MX"/>
           </a:p>
         </p:txBody>
       </p:sp>
     </p:spTree>
     <p:extLst>
       <p:ext uri="{BB962C8B-B14F-4D97-AF65-F5344CB8AC3E}">
-        <p14:creationId xmlns:p14="http://schemas.microsoft.com/office/powerpoint/2010/main" val="3365775483"/>
+        <p14:creationId xmlns:p14="http://schemas.microsoft.com/office/powerpoint/2010/main" val="1064455975"/>
       </p:ext>
     </p:extLst>
   </p:cSld>

--- a/SISTEMAS CONSTRUCTIVOS EN ALBAÑILERIÁ.pptx
+++ b/SISTEMAS CONSTRUCTIVOS EN ALBAÑILERIÁ.pptx
@@ -10,20 +10,21 @@
     <p:sldId id="259" r:id="rId4"/>
     <p:sldId id="260" r:id="rId5"/>
     <p:sldId id="269" r:id="rId6"/>
-    <p:sldId id="262" r:id="rId7"/>
-    <p:sldId id="265" r:id="rId8"/>
-    <p:sldId id="270" r:id="rId9"/>
-    <p:sldId id="271" r:id="rId10"/>
-    <p:sldId id="272" r:id="rId11"/>
-    <p:sldId id="273" r:id="rId12"/>
-    <p:sldId id="274" r:id="rId13"/>
-    <p:sldId id="264" r:id="rId14"/>
-    <p:sldId id="275" r:id="rId15"/>
-    <p:sldId id="276" r:id="rId16"/>
-    <p:sldId id="277" r:id="rId17"/>
-    <p:sldId id="278" r:id="rId18"/>
-    <p:sldId id="267" r:id="rId19"/>
-    <p:sldId id="268" r:id="rId20"/>
+    <p:sldId id="267" r:id="rId7"/>
+    <p:sldId id="262" r:id="rId8"/>
+    <p:sldId id="265" r:id="rId9"/>
+    <p:sldId id="270" r:id="rId10"/>
+    <p:sldId id="279" r:id="rId11"/>
+    <p:sldId id="271" r:id="rId12"/>
+    <p:sldId id="272" r:id="rId13"/>
+    <p:sldId id="273" r:id="rId14"/>
+    <p:sldId id="274" r:id="rId15"/>
+    <p:sldId id="264" r:id="rId16"/>
+    <p:sldId id="275" r:id="rId17"/>
+    <p:sldId id="276" r:id="rId18"/>
+    <p:sldId id="277" r:id="rId19"/>
+    <p:sldId id="278" r:id="rId20"/>
+    <p:sldId id="268" r:id="rId21"/>
   </p:sldIdLst>
   <p:sldSz cx="12192000" cy="6858000"/>
   <p:notesSz cx="6858000" cy="9144000"/>
@@ -225,7 +226,7 @@
           <a:effectLst/>
           <a:extLst>
             <a:ext uri="{91240B29-F687-4f45-9708-019B960494DF}">
-              <a14:hiddenLine xmlns:a14="http://schemas.microsoft.com/office/drawing/2010/main" xmlns="" w="9525">
+              <a14:hiddenLine xmlns="" xmlns:a14="http://schemas.microsoft.com/office/drawing/2010/main" w="9525">
                 <a:solidFill>
                   <a:srgbClr val="000000"/>
                 </a:solidFill>
@@ -1747,7 +1748,7 @@
           <a:ln/>
           <a:extLst>
             <a:ext uri="{91240B29-F687-4f45-9708-019B960494DF}">
-              <a14:hiddenLine xmlns:a14="http://schemas.microsoft.com/office/drawing/2010/main" xmlns="" w="9525">
+              <a14:hiddenLine xmlns="" xmlns:a14="http://schemas.microsoft.com/office/drawing/2010/main" w="9525">
                 <a:solidFill>
                   <a:srgbClr val="000000"/>
                 </a:solidFill>
@@ -2022,7 +2023,7 @@
           <a:ln/>
           <a:extLst>
             <a:ext uri="{91240B29-F687-4f45-9708-019B960494DF}">
-              <a14:hiddenLine xmlns:a14="http://schemas.microsoft.com/office/drawing/2010/main" xmlns="" w="9525">
+              <a14:hiddenLine xmlns="" xmlns:a14="http://schemas.microsoft.com/office/drawing/2010/main" w="9525">
                 <a:solidFill>
                   <a:srgbClr val="000000"/>
                 </a:solidFill>
@@ -2305,7 +2306,7 @@
           <a:ln/>
           <a:extLst>
             <a:ext uri="{91240B29-F687-4f45-9708-019B960494DF}">
-              <a14:hiddenLine xmlns:a14="http://schemas.microsoft.com/office/drawing/2010/main" xmlns="" w="9525">
+              <a14:hiddenLine xmlns="" xmlns:a14="http://schemas.microsoft.com/office/drawing/2010/main" w="9525">
                 <a:solidFill>
                   <a:srgbClr val="000000"/>
                 </a:solidFill>
@@ -2931,7 +2932,7 @@
           <a:ln/>
           <a:extLst>
             <a:ext uri="{91240B29-F687-4f45-9708-019B960494DF}">
-              <a14:hiddenLine xmlns:a14="http://schemas.microsoft.com/office/drawing/2010/main" xmlns="" w="9525">
+              <a14:hiddenLine xmlns="" xmlns:a14="http://schemas.microsoft.com/office/drawing/2010/main" w="9525">
                 <a:solidFill>
                   <a:srgbClr val="000000"/>
                 </a:solidFill>
@@ -3270,7 +3271,7 @@
           <a:ln/>
           <a:extLst>
             <a:ext uri="{91240B29-F687-4f45-9708-019B960494DF}">
-              <a14:hiddenLine xmlns:a14="http://schemas.microsoft.com/office/drawing/2010/main" xmlns="" w="9525">
+              <a14:hiddenLine xmlns="" xmlns:a14="http://schemas.microsoft.com/office/drawing/2010/main" w="9525">
                 <a:solidFill>
                   <a:srgbClr val="000000"/>
                 </a:solidFill>
@@ -3747,7 +3748,7 @@
           <a:ln/>
           <a:extLst>
             <a:ext uri="{91240B29-F687-4f45-9708-019B960494DF}">
-              <a14:hiddenLine xmlns:a14="http://schemas.microsoft.com/office/drawing/2010/main" xmlns="" w="9525">
+              <a14:hiddenLine xmlns="" xmlns:a14="http://schemas.microsoft.com/office/drawing/2010/main" w="9525">
                 <a:solidFill>
                   <a:srgbClr val="000000"/>
                 </a:solidFill>
@@ -4176,7 +4177,7 @@
           <a:ln/>
           <a:extLst>
             <a:ext uri="{91240B29-F687-4f45-9708-019B960494DF}">
-              <a14:hiddenLine xmlns:a14="http://schemas.microsoft.com/office/drawing/2010/main" xmlns="" w="9525">
+              <a14:hiddenLine xmlns="" xmlns:a14="http://schemas.microsoft.com/office/drawing/2010/main" w="9525">
                 <a:solidFill>
                   <a:srgbClr val="000000"/>
                 </a:solidFill>
@@ -5570,525 +5571,12 @@
           <a:chExt cx="0" cy="0"/>
         </a:xfrm>
       </p:grpSpPr>
-      <p:sp>
-        <p:nvSpPr>
-          <p:cNvPr id="4" name="Title 1">
-            <a:extLst>
-              <a:ext uri="{FF2B5EF4-FFF2-40B4-BE49-F238E27FC236}">
-                <a16:creationId xmlns:a16="http://schemas.microsoft.com/office/drawing/2014/main" id="{B2945E88-F542-47CA-8EC5-B4AE0EA70314}"/>
-              </a:ext>
-            </a:extLst>
-          </p:cNvPr>
-          <p:cNvSpPr>
-            <a:spLocks noGrp="1"/>
-          </p:cNvSpPr>
-          <p:nvPr>
-            <p:ph type="title"/>
-          </p:nvPr>
-        </p:nvSpPr>
-        <p:spPr>
-          <a:xfrm>
-            <a:off x="810000" y="447188"/>
-            <a:ext cx="10571998" cy="970450"/>
-          </a:xfrm>
-        </p:spPr>
-        <p:txBody>
-          <a:bodyPr/>
-          <a:lstStyle/>
-          <a:p>
-            <a:r>
-              <a:rPr lang="es-CL" dirty="0"/>
-              <a:t>USO EN CHILE</a:t>
-            </a:r>
-            <a:endParaRPr lang="es-MX" dirty="0"/>
-          </a:p>
-        </p:txBody>
-      </p:sp>
-      <p:pic>
-        <p:nvPicPr>
-          <p:cNvPr id="6" name="Content Placeholder 5">
-            <a:extLst>
-              <a:ext uri="{FF2B5EF4-FFF2-40B4-BE49-F238E27FC236}">
-                <a16:creationId xmlns:a16="http://schemas.microsoft.com/office/drawing/2014/main" id="{AB623279-9D42-4E97-BA93-FA698E4F3F4E}"/>
-              </a:ext>
-            </a:extLst>
-          </p:cNvPr>
-          <p:cNvPicPr>
-            <a:picLocks noGrp="1" noChangeAspect="1"/>
-          </p:cNvPicPr>
-          <p:nvPr>
-            <p:ph idx="1"/>
-          </p:nvPr>
-        </p:nvPicPr>
-        <p:blipFill rotWithShape="1">
-          <a:blip r:embed="rId2">
-            <a:extLst>
-              <a:ext uri="{28A0092B-C50C-407E-A947-70E740481C1C}">
-                <a14:useLocalDpi xmlns:a14="http://schemas.microsoft.com/office/drawing/2010/main" val="0"/>
-              </a:ext>
-            </a:extLst>
-          </a:blip>
-          <a:srcRect t="19958"/>
-          <a:stretch/>
-        </p:blipFill>
-        <p:spPr>
-          <a:xfrm>
-            <a:off x="2495998" y="2349000"/>
-            <a:ext cx="7426878" cy="3960000"/>
-          </a:xfrm>
-          <a:prstGeom prst="rect">
-            <a:avLst/>
-          </a:prstGeom>
-        </p:spPr>
-      </p:pic>
-      <p:sp>
-        <p:nvSpPr>
-          <p:cNvPr id="11" name="TextBox 10">
-            <a:extLst>
-              <a:ext uri="{FF2B5EF4-FFF2-40B4-BE49-F238E27FC236}">
-                <a16:creationId xmlns:a16="http://schemas.microsoft.com/office/drawing/2014/main" id="{F0B110A5-529C-420E-967E-B6FA5F077918}"/>
-              </a:ext>
-            </a:extLst>
-          </p:cNvPr>
-          <p:cNvSpPr txBox="1"/>
-          <p:nvPr/>
-        </p:nvSpPr>
-        <p:spPr>
-          <a:xfrm>
-            <a:off x="4403869" y="6410812"/>
-            <a:ext cx="3384261" cy="307777"/>
-          </a:xfrm>
-          <a:prstGeom prst="rect">
-            <a:avLst/>
-          </a:prstGeom>
-          <a:noFill/>
-        </p:spPr>
-        <p:txBody>
-          <a:bodyPr wrap="none" rtlCol="0">
-            <a:spAutoFit/>
-          </a:bodyPr>
-          <a:lstStyle/>
-          <a:p>
-            <a:pPr algn="ctr"/>
-            <a:r>
-              <a:rPr lang="es-CL" sz="1400" dirty="0">
-                <a:solidFill>
-                  <a:schemeClr val="tx2">
-                    <a:lumMod val="50000"/>
-                  </a:schemeClr>
-                </a:solidFill>
-              </a:rPr>
-              <a:t>Edificio ex arsenales de guerra. 1985.</a:t>
-            </a:r>
-            <a:endParaRPr lang="es-MX" sz="1400" dirty="0">
-              <a:solidFill>
-                <a:schemeClr val="tx2">
-                  <a:lumMod val="50000"/>
-                </a:schemeClr>
-              </a:solidFill>
-            </a:endParaRPr>
-          </a:p>
-        </p:txBody>
-      </p:sp>
-    </p:spTree>
-    <p:extLst>
-      <p:ext uri="{BB962C8B-B14F-4D97-AF65-F5344CB8AC3E}">
-        <p14:creationId xmlns:p14="http://schemas.microsoft.com/office/powerpoint/2010/main" val="1685380237"/>
-      </p:ext>
-    </p:extLst>
-  </p:cSld>
-  <p:clrMapOvr>
-    <a:masterClrMapping/>
-  </p:clrMapOvr>
-</p:sld>
-</file>
-
-<file path=ppt/slides/slide11.xml><?xml version="1.0" encoding="utf-8"?>
-<p:sld xmlns:a="http://schemas.openxmlformats.org/drawingml/2006/main" xmlns:r="http://schemas.openxmlformats.org/officeDocument/2006/relationships" xmlns:p="http://schemas.openxmlformats.org/presentationml/2006/main">
-  <p:cSld>
-    <p:spTree>
-      <p:nvGrpSpPr>
-        <p:cNvPr id="1" name=""/>
-        <p:cNvGrpSpPr/>
-        <p:nvPr/>
-      </p:nvGrpSpPr>
-      <p:grpSpPr>
-        <a:xfrm>
-          <a:off x="0" y="0"/>
-          <a:ext cx="0" cy="0"/>
-          <a:chOff x="0" y="0"/>
-          <a:chExt cx="0" cy="0"/>
-        </a:xfrm>
-      </p:grpSpPr>
       <p:pic>
         <p:nvPicPr>
           <p:cNvPr id="4" name="Picture 3">
             <a:extLst>
               <a:ext uri="{FF2B5EF4-FFF2-40B4-BE49-F238E27FC236}">
-                <a16:creationId xmlns:a16="http://schemas.microsoft.com/office/drawing/2014/main" id="{77ABA89A-CE3A-43C0-9FE0-07324529052A}"/>
-              </a:ext>
-            </a:extLst>
-          </p:cNvPr>
-          <p:cNvPicPr>
-            <a:picLocks noChangeAspect="1"/>
-          </p:cNvPicPr>
-          <p:nvPr/>
-        </p:nvPicPr>
-        <p:blipFill rotWithShape="1">
-          <a:blip r:embed="rId2">
-            <a:extLst>
-              <a:ext uri="{28A0092B-C50C-407E-A947-70E740481C1C}">
-                <a14:useLocalDpi xmlns:a14="http://schemas.microsoft.com/office/drawing/2010/main" val="0"/>
-              </a:ext>
-            </a:extLst>
-          </a:blip>
-          <a:srcRect t="3854" b="10881"/>
-          <a:stretch/>
-        </p:blipFill>
-        <p:spPr>
-          <a:xfrm>
-            <a:off x="2495998" y="2349000"/>
-            <a:ext cx="7379309" cy="3960000"/>
-          </a:xfrm>
-          <a:prstGeom prst="rect">
-            <a:avLst/>
-          </a:prstGeom>
-        </p:spPr>
-      </p:pic>
-      <p:sp>
-        <p:nvSpPr>
-          <p:cNvPr id="5" name="TextBox 4">
-            <a:extLst>
-              <a:ext uri="{FF2B5EF4-FFF2-40B4-BE49-F238E27FC236}">
-                <a16:creationId xmlns:a16="http://schemas.microsoft.com/office/drawing/2014/main" id="{CBA1368A-3808-40CE-B601-39BE633B4B23}"/>
-              </a:ext>
-            </a:extLst>
-          </p:cNvPr>
-          <p:cNvSpPr txBox="1"/>
-          <p:nvPr/>
-        </p:nvSpPr>
-        <p:spPr>
-          <a:xfrm>
-            <a:off x="4131359" y="6410325"/>
-            <a:ext cx="3929281" cy="307777"/>
-          </a:xfrm>
-          <a:prstGeom prst="rect">
-            <a:avLst/>
-          </a:prstGeom>
-          <a:noFill/>
-        </p:spPr>
-        <p:txBody>
-          <a:bodyPr wrap="none" rtlCol="0">
-            <a:spAutoFit/>
-          </a:bodyPr>
-          <a:lstStyle/>
-          <a:p>
-            <a:pPr algn="ctr"/>
-            <a:r>
-              <a:rPr lang="es-CL" sz="1400" dirty="0">
-                <a:solidFill>
-                  <a:schemeClr val="tx2">
-                    <a:lumMod val="50000"/>
-                  </a:schemeClr>
-                </a:solidFill>
-              </a:rPr>
-              <a:t>Iglesia y Convento de San Francisco. 1618. </a:t>
-            </a:r>
-            <a:endParaRPr lang="es-MX" sz="1400" dirty="0">
-              <a:solidFill>
-                <a:schemeClr val="tx2">
-                  <a:lumMod val="50000"/>
-                </a:schemeClr>
-              </a:solidFill>
-            </a:endParaRPr>
-          </a:p>
-        </p:txBody>
-      </p:sp>
-      <p:sp>
-        <p:nvSpPr>
-          <p:cNvPr id="6" name="Title 1">
-            <a:extLst>
-              <a:ext uri="{FF2B5EF4-FFF2-40B4-BE49-F238E27FC236}">
-                <a16:creationId xmlns:a16="http://schemas.microsoft.com/office/drawing/2014/main" id="{84D9D71C-C2E3-4446-966A-B17F4DE05698}"/>
-              </a:ext>
-            </a:extLst>
-          </p:cNvPr>
-          <p:cNvSpPr>
-            <a:spLocks noGrp="1"/>
-          </p:cNvSpPr>
-          <p:nvPr>
-            <p:ph type="title"/>
-          </p:nvPr>
-        </p:nvSpPr>
-        <p:spPr>
-          <a:xfrm>
-            <a:off x="809625" y="447675"/>
-            <a:ext cx="10572750" cy="969963"/>
-          </a:xfrm>
-        </p:spPr>
-        <p:txBody>
-          <a:bodyPr/>
-          <a:lstStyle/>
-          <a:p>
-            <a:r>
-              <a:rPr lang="es-CL" dirty="0"/>
-              <a:t>USO EN CHILE</a:t>
-            </a:r>
-            <a:endParaRPr lang="es-MX" dirty="0"/>
-          </a:p>
-        </p:txBody>
-      </p:sp>
-    </p:spTree>
-    <p:extLst>
-      <p:ext uri="{BB962C8B-B14F-4D97-AF65-F5344CB8AC3E}">
-        <p14:creationId xmlns:p14="http://schemas.microsoft.com/office/powerpoint/2010/main" val="3650914507"/>
-      </p:ext>
-    </p:extLst>
-  </p:cSld>
-  <p:clrMapOvr>
-    <a:masterClrMapping/>
-  </p:clrMapOvr>
-</p:sld>
-</file>
-
-<file path=ppt/slides/slide12.xml><?xml version="1.0" encoding="utf-8"?>
-<p:sld xmlns:a="http://schemas.openxmlformats.org/drawingml/2006/main" xmlns:r="http://schemas.openxmlformats.org/officeDocument/2006/relationships" xmlns:p="http://schemas.openxmlformats.org/presentationml/2006/main">
-  <p:cSld>
-    <p:spTree>
-      <p:nvGrpSpPr>
-        <p:cNvPr id="1" name=""/>
-        <p:cNvGrpSpPr/>
-        <p:nvPr/>
-      </p:nvGrpSpPr>
-      <p:grpSpPr>
-        <a:xfrm>
-          <a:off x="0" y="0"/>
-          <a:ext cx="0" cy="0"/>
-          <a:chOff x="0" y="0"/>
-          <a:chExt cx="0" cy="0"/>
-        </a:xfrm>
-      </p:grpSpPr>
-      <p:pic>
-        <p:nvPicPr>
-          <p:cNvPr id="4" name="Picture 3">
-            <a:extLst>
-              <a:ext uri="{FF2B5EF4-FFF2-40B4-BE49-F238E27FC236}">
-                <a16:creationId xmlns:a16="http://schemas.microsoft.com/office/drawing/2014/main" id="{E24A22A6-B7E4-49D6-AB0A-2F23A09E4965}"/>
-              </a:ext>
-            </a:extLst>
-          </p:cNvPr>
-          <p:cNvPicPr>
-            <a:picLocks noChangeAspect="1"/>
-          </p:cNvPicPr>
-          <p:nvPr/>
-        </p:nvPicPr>
-        <p:blipFill rotWithShape="1">
-          <a:blip r:embed="rId2">
-            <a:extLst>
-              <a:ext uri="{28A0092B-C50C-407E-A947-70E740481C1C}">
-                <a14:useLocalDpi xmlns:a14="http://schemas.microsoft.com/office/drawing/2010/main" val="0"/>
-              </a:ext>
-            </a:extLst>
-          </a:blip>
-          <a:srcRect t="3998" b="2859"/>
-          <a:stretch/>
-        </p:blipFill>
-        <p:spPr>
-          <a:xfrm>
-            <a:off x="2496000" y="2349000"/>
-            <a:ext cx="7555420" cy="3960000"/>
-          </a:xfrm>
-          <a:prstGeom prst="rect">
-            <a:avLst/>
-          </a:prstGeom>
-        </p:spPr>
-      </p:pic>
-      <p:sp>
-        <p:nvSpPr>
-          <p:cNvPr id="6" name="Title 1">
-            <a:extLst>
-              <a:ext uri="{FF2B5EF4-FFF2-40B4-BE49-F238E27FC236}">
-                <a16:creationId xmlns:a16="http://schemas.microsoft.com/office/drawing/2014/main" id="{31BB28F8-8614-4253-A96F-CB2EE9A9DE19}"/>
-              </a:ext>
-            </a:extLst>
-          </p:cNvPr>
-          <p:cNvSpPr>
-            <a:spLocks noGrp="1"/>
-          </p:cNvSpPr>
-          <p:nvPr>
-            <p:ph type="title"/>
-          </p:nvPr>
-        </p:nvSpPr>
-        <p:spPr>
-          <a:xfrm>
-            <a:off x="810000" y="447188"/>
-            <a:ext cx="10571998" cy="970450"/>
-          </a:xfrm>
-        </p:spPr>
-        <p:txBody>
-          <a:bodyPr/>
-          <a:lstStyle/>
-          <a:p>
-            <a:r>
-              <a:rPr lang="es-CL" dirty="0"/>
-              <a:t>USO EN CHILE</a:t>
-            </a:r>
-            <a:endParaRPr lang="es-MX" dirty="0"/>
-          </a:p>
-        </p:txBody>
-      </p:sp>
-      <p:sp>
-        <p:nvSpPr>
-          <p:cNvPr id="7" name="TextBox 6">
-            <a:extLst>
-              <a:ext uri="{FF2B5EF4-FFF2-40B4-BE49-F238E27FC236}">
-                <a16:creationId xmlns:a16="http://schemas.microsoft.com/office/drawing/2014/main" id="{2897AB38-AB48-4BEE-90C8-806C0A34F351}"/>
-              </a:ext>
-            </a:extLst>
-          </p:cNvPr>
-          <p:cNvSpPr txBox="1"/>
-          <p:nvPr/>
-        </p:nvSpPr>
-        <p:spPr>
-          <a:xfrm>
-            <a:off x="4778972" y="6410812"/>
-            <a:ext cx="2634054" cy="307777"/>
-          </a:xfrm>
-          <a:prstGeom prst="rect">
-            <a:avLst/>
-          </a:prstGeom>
-          <a:noFill/>
-        </p:spPr>
-        <p:txBody>
-          <a:bodyPr wrap="none" rtlCol="0">
-            <a:spAutoFit/>
-          </a:bodyPr>
-          <a:lstStyle/>
-          <a:p>
-            <a:pPr algn="ctr"/>
-            <a:r>
-              <a:rPr lang="es-CL" sz="1400" dirty="0">
-                <a:solidFill>
-                  <a:schemeClr val="tx2">
-                    <a:lumMod val="50000"/>
-                  </a:schemeClr>
-                </a:solidFill>
-              </a:rPr>
-              <a:t>Catedral de Santiago. 1745.</a:t>
-            </a:r>
-            <a:endParaRPr lang="es-MX" sz="1400" dirty="0">
-              <a:solidFill>
-                <a:schemeClr val="tx2">
-                  <a:lumMod val="50000"/>
-                </a:schemeClr>
-              </a:solidFill>
-            </a:endParaRPr>
-          </a:p>
-        </p:txBody>
-      </p:sp>
-    </p:spTree>
-    <p:extLst>
-      <p:ext uri="{BB962C8B-B14F-4D97-AF65-F5344CB8AC3E}">
-        <p14:creationId xmlns:p14="http://schemas.microsoft.com/office/powerpoint/2010/main" val="1609964782"/>
-      </p:ext>
-    </p:extLst>
-  </p:cSld>
-  <p:clrMapOvr>
-    <a:masterClrMapping/>
-  </p:clrMapOvr>
-</p:sld>
-</file>
-
-<file path=ppt/slides/slide13.xml><?xml version="1.0" encoding="utf-8"?>
-<p:sld xmlns:a="http://schemas.openxmlformats.org/drawingml/2006/main" xmlns:r="http://schemas.openxmlformats.org/officeDocument/2006/relationships" xmlns:p="http://schemas.openxmlformats.org/presentationml/2006/main">
-  <p:cSld>
-    <p:spTree>
-      <p:nvGrpSpPr>
-        <p:cNvPr id="1" name=""/>
-        <p:cNvGrpSpPr/>
-        <p:nvPr/>
-      </p:nvGrpSpPr>
-      <p:grpSpPr>
-        <a:xfrm>
-          <a:off x="0" y="0"/>
-          <a:ext cx="0" cy="0"/>
-          <a:chOff x="0" y="0"/>
-          <a:chExt cx="0" cy="0"/>
-        </a:xfrm>
-      </p:grpSpPr>
-      <p:sp>
-        <p:nvSpPr>
-          <p:cNvPr id="2" name="Título 1">
-            <a:extLst>
-              <a:ext uri="{FF2B5EF4-FFF2-40B4-BE49-F238E27FC236}">
-                <a16:creationId xmlns:a16="http://schemas.microsoft.com/office/drawing/2014/main" id="{7963A088-C063-40F0-8AD2-8AAC6199450A}"/>
-              </a:ext>
-            </a:extLst>
-          </p:cNvPr>
-          <p:cNvSpPr>
-            <a:spLocks noGrp="1"/>
-          </p:cNvSpPr>
-          <p:nvPr>
-            <p:ph type="title"/>
-          </p:nvPr>
-        </p:nvSpPr>
-        <p:spPr/>
-        <p:txBody>
-          <a:bodyPr/>
-          <a:lstStyle/>
-          <a:p>
-            <a:r>
-              <a:rPr lang="es-CL" dirty="0"/>
-              <a:t>USO EN EL MUNDO</a:t>
-            </a:r>
-          </a:p>
-        </p:txBody>
-      </p:sp>
-      <p:sp>
-        <p:nvSpPr>
-          <p:cNvPr id="3" name="Marcador de contenido 2">
-            <a:extLst>
-              <a:ext uri="{FF2B5EF4-FFF2-40B4-BE49-F238E27FC236}">
-                <a16:creationId xmlns:a16="http://schemas.microsoft.com/office/drawing/2014/main" id="{22ABBA1F-64A6-4E9A-90FE-8AC824113733}"/>
-              </a:ext>
-            </a:extLst>
-          </p:cNvPr>
-          <p:cNvSpPr>
-            <a:spLocks noGrp="1"/>
-          </p:cNvSpPr>
-          <p:nvPr>
-            <p:ph idx="1"/>
-          </p:nvPr>
-        </p:nvSpPr>
-        <p:spPr>
-          <a:xfrm>
-            <a:off x="818712" y="2222287"/>
-            <a:ext cx="5669174" cy="3636511"/>
-          </a:xfrm>
-        </p:spPr>
-        <p:txBody>
-          <a:bodyPr/>
-          <a:lstStyle/>
-          <a:p>
-            <a:r>
-              <a:rPr lang="es-CL" dirty="0"/>
-              <a:t>India – 84.7% de los 249 millones de viviendas (Censo 2001)</a:t>
-            </a:r>
-          </a:p>
-          <a:p>
-            <a:r>
-              <a:rPr lang="es-CL" dirty="0"/>
-              <a:t>México – 80% de los 22 millones de viviendas (Censo 2000)</a:t>
-            </a:r>
-          </a:p>
-        </p:txBody>
-      </p:sp>
-      <p:pic>
-        <p:nvPicPr>
-          <p:cNvPr id="5" name="Picture 4">
-            <a:extLst>
-              <a:ext uri="{FF2B5EF4-FFF2-40B4-BE49-F238E27FC236}">
-                <a16:creationId xmlns:a16="http://schemas.microsoft.com/office/drawing/2014/main" id="{5D070CE7-8EA6-4620-B2B7-0CF4A3587806}"/>
+                <a16:creationId xmlns:a16="http://schemas.microsoft.com/office/drawing/2014/main" id="{7F5F8CC9-4A87-4149-924F-61D2112736F6}"/>
               </a:ext>
             </a:extLst>
           </p:cNvPr>
@@ -6111,18 +5599,92 @@
         </p:blipFill>
         <p:spPr>
           <a:xfrm>
-            <a:off x="6663871" y="2023053"/>
-            <a:ext cx="5400000" cy="4778491"/>
+            <a:off x="3564430" y="2364679"/>
+            <a:ext cx="5063138" cy="3711153"/>
           </a:xfrm>
           <a:prstGeom prst="rect">
             <a:avLst/>
           </a:prstGeom>
         </p:spPr>
       </p:pic>
+      <p:sp>
+        <p:nvSpPr>
+          <p:cNvPr id="5" name="TextBox 4">
+            <a:extLst>
+              <a:ext uri="{FF2B5EF4-FFF2-40B4-BE49-F238E27FC236}">
+                <a16:creationId xmlns:a16="http://schemas.microsoft.com/office/drawing/2014/main" id="{46D164F2-9263-467E-9D71-B18BBB230642}"/>
+              </a:ext>
+            </a:extLst>
+          </p:cNvPr>
+          <p:cNvSpPr txBox="1"/>
+          <p:nvPr/>
+        </p:nvSpPr>
+        <p:spPr>
+          <a:xfrm>
+            <a:off x="3381828" y="6075832"/>
+            <a:ext cx="5428342" cy="523220"/>
+          </a:xfrm>
+          <a:prstGeom prst="rect">
+            <a:avLst/>
+          </a:prstGeom>
+          <a:noFill/>
+        </p:spPr>
+        <p:txBody>
+          <a:bodyPr wrap="square" rtlCol="0">
+            <a:spAutoFit/>
+          </a:bodyPr>
+          <a:lstStyle/>
+          <a:p>
+            <a:r>
+              <a:rPr lang="es-CL" sz="1400" dirty="0">
+                <a:solidFill>
+                  <a:schemeClr val="tx2">
+                    <a:lumMod val="50000"/>
+                  </a:schemeClr>
+                </a:solidFill>
+              </a:rPr>
+              <a:t>Uso de albañilería, hormigón y madera en los últimos años (INE, 2002-2017).</a:t>
+            </a:r>
+          </a:p>
+        </p:txBody>
+      </p:sp>
+      <p:sp>
+        <p:nvSpPr>
+          <p:cNvPr id="7" name="Título 1">
+            <a:extLst>
+              <a:ext uri="{FF2B5EF4-FFF2-40B4-BE49-F238E27FC236}">
+                <a16:creationId xmlns:a16="http://schemas.microsoft.com/office/drawing/2014/main" id="{ACBF76EF-95D0-41B8-9AD5-BF3C2A8C96C7}"/>
+              </a:ext>
+            </a:extLst>
+          </p:cNvPr>
+          <p:cNvSpPr>
+            <a:spLocks noGrp="1"/>
+          </p:cNvSpPr>
+          <p:nvPr>
+            <p:ph type="title"/>
+          </p:nvPr>
+        </p:nvSpPr>
+        <p:spPr>
+          <a:xfrm>
+            <a:off x="809625" y="447675"/>
+            <a:ext cx="10572750" cy="969963"/>
+          </a:xfrm>
+        </p:spPr>
+        <p:txBody>
+          <a:bodyPr/>
+          <a:lstStyle/>
+          <a:p>
+            <a:r>
+              <a:rPr lang="es-CL" dirty="0"/>
+              <a:t>USO EN CHILE</a:t>
+            </a:r>
+          </a:p>
+        </p:txBody>
+      </p:sp>
     </p:spTree>
     <p:extLst>
       <p:ext uri="{BB962C8B-B14F-4D97-AF65-F5344CB8AC3E}">
-        <p14:creationId xmlns:p14="http://schemas.microsoft.com/office/powerpoint/2010/main" val="1223577235"/>
+        <p14:creationId xmlns:p14="http://schemas.microsoft.com/office/powerpoint/2010/main" val="1919089822"/>
       </p:ext>
     </p:extLst>
   </p:cSld>
@@ -6132,2040 +5694,7 @@
 </p:sld>
 </file>
 
-<file path=ppt/slides/slide14.xml><?xml version="1.0" encoding="utf-8"?>
-<p:sld xmlns:a="http://schemas.openxmlformats.org/drawingml/2006/main" xmlns:r="http://schemas.openxmlformats.org/officeDocument/2006/relationships" xmlns:p="http://schemas.openxmlformats.org/presentationml/2006/main">
-  <p:cSld>
-    <p:spTree>
-      <p:nvGrpSpPr>
-        <p:cNvPr id="1" name=""/>
-        <p:cNvGrpSpPr/>
-        <p:nvPr/>
-      </p:nvGrpSpPr>
-      <p:grpSpPr>
-        <a:xfrm>
-          <a:off x="0" y="0"/>
-          <a:ext cx="0" cy="0"/>
-          <a:chOff x="0" y="0"/>
-          <a:chExt cx="0" cy="0"/>
-        </a:xfrm>
-      </p:grpSpPr>
-      <p:pic>
-        <p:nvPicPr>
-          <p:cNvPr id="7" name="Content Placeholder 6">
-            <a:extLst>
-              <a:ext uri="{FF2B5EF4-FFF2-40B4-BE49-F238E27FC236}">
-                <a16:creationId xmlns:a16="http://schemas.microsoft.com/office/drawing/2014/main" id="{89BBC492-7091-4548-A170-30F4A8AD8468}"/>
-              </a:ext>
-            </a:extLst>
-          </p:cNvPr>
-          <p:cNvPicPr>
-            <a:picLocks noGrp="1" noChangeAspect="1"/>
-          </p:cNvPicPr>
-          <p:nvPr>
-            <p:ph idx="1"/>
-          </p:nvPr>
-        </p:nvPicPr>
-        <p:blipFill>
-          <a:blip r:embed="rId2">
-            <a:extLst>
-              <a:ext uri="{28A0092B-C50C-407E-A947-70E740481C1C}">
-                <a14:useLocalDpi xmlns:a14="http://schemas.microsoft.com/office/drawing/2010/main" val="0"/>
-              </a:ext>
-            </a:extLst>
-          </a:blip>
-          <a:stretch>
-            <a:fillRect/>
-          </a:stretch>
-        </p:blipFill>
-        <p:spPr>
-          <a:xfrm>
-            <a:off x="3149566" y="2349000"/>
-            <a:ext cx="5892865" cy="3960000"/>
-          </a:xfrm>
-        </p:spPr>
-      </p:pic>
-      <p:sp>
-        <p:nvSpPr>
-          <p:cNvPr id="4" name="Título 1">
-            <a:extLst>
-              <a:ext uri="{FF2B5EF4-FFF2-40B4-BE49-F238E27FC236}">
-                <a16:creationId xmlns:a16="http://schemas.microsoft.com/office/drawing/2014/main" id="{AF663B75-FE4D-466B-83D6-4E6417C766A1}"/>
-              </a:ext>
-            </a:extLst>
-          </p:cNvPr>
-          <p:cNvSpPr>
-            <a:spLocks noGrp="1"/>
-          </p:cNvSpPr>
-          <p:nvPr>
-            <p:ph type="title"/>
-          </p:nvPr>
-        </p:nvSpPr>
-        <p:spPr>
-          <a:xfrm>
-            <a:off x="809625" y="447675"/>
-            <a:ext cx="10572750" cy="969963"/>
-          </a:xfrm>
-        </p:spPr>
-        <p:txBody>
-          <a:bodyPr/>
-          <a:lstStyle/>
-          <a:p>
-            <a:r>
-              <a:rPr lang="es-CL" dirty="0"/>
-              <a:t>USO EN EL MUNDO</a:t>
-            </a:r>
-          </a:p>
-        </p:txBody>
-      </p:sp>
-      <p:sp>
-        <p:nvSpPr>
-          <p:cNvPr id="5" name="TextBox 4">
-            <a:extLst>
-              <a:ext uri="{FF2B5EF4-FFF2-40B4-BE49-F238E27FC236}">
-                <a16:creationId xmlns:a16="http://schemas.microsoft.com/office/drawing/2014/main" id="{5E983FE7-9FBA-4F76-9E08-C85BE4B1B9DE}"/>
-              </a:ext>
-            </a:extLst>
-          </p:cNvPr>
-          <p:cNvSpPr txBox="1"/>
-          <p:nvPr/>
-        </p:nvSpPr>
-        <p:spPr>
-          <a:xfrm>
-            <a:off x="4212312" y="6410812"/>
-            <a:ext cx="3767377" cy="307777"/>
-          </a:xfrm>
-          <a:prstGeom prst="rect">
-            <a:avLst/>
-          </a:prstGeom>
-          <a:noFill/>
-        </p:spPr>
-        <p:txBody>
-          <a:bodyPr wrap="none" rtlCol="0">
-            <a:spAutoFit/>
-          </a:bodyPr>
-          <a:lstStyle/>
-          <a:p>
-            <a:pPr algn="ctr"/>
-            <a:r>
-              <a:rPr lang="es-CL" sz="1400" dirty="0">
-                <a:solidFill>
-                  <a:schemeClr val="tx2">
-                    <a:lumMod val="50000"/>
-                  </a:schemeClr>
-                </a:solidFill>
-              </a:rPr>
-              <a:t>Ciudad amurallada de Shibam, Yemen.</a:t>
-            </a:r>
-            <a:endParaRPr lang="es-MX" sz="1400" dirty="0">
-              <a:solidFill>
-                <a:schemeClr val="tx2">
-                  <a:lumMod val="50000"/>
-                </a:schemeClr>
-              </a:solidFill>
-            </a:endParaRPr>
-          </a:p>
-        </p:txBody>
-      </p:sp>
-    </p:spTree>
-    <p:extLst>
-      <p:ext uri="{BB962C8B-B14F-4D97-AF65-F5344CB8AC3E}">
-        <p14:creationId xmlns:p14="http://schemas.microsoft.com/office/powerpoint/2010/main" val="2474401624"/>
-      </p:ext>
-    </p:extLst>
-  </p:cSld>
-  <p:clrMapOvr>
-    <a:masterClrMapping/>
-  </p:clrMapOvr>
-</p:sld>
-</file>
-
-<file path=ppt/slides/slide15.xml><?xml version="1.0" encoding="utf-8"?>
-<p:sld xmlns:a="http://schemas.openxmlformats.org/drawingml/2006/main" xmlns:r="http://schemas.openxmlformats.org/officeDocument/2006/relationships" xmlns:p="http://schemas.openxmlformats.org/presentationml/2006/main">
-  <p:cSld>
-    <p:spTree>
-      <p:nvGrpSpPr>
-        <p:cNvPr id="1" name=""/>
-        <p:cNvGrpSpPr/>
-        <p:nvPr/>
-      </p:nvGrpSpPr>
-      <p:grpSpPr>
-        <a:xfrm>
-          <a:off x="0" y="0"/>
-          <a:ext cx="0" cy="0"/>
-          <a:chOff x="0" y="0"/>
-          <a:chExt cx="0" cy="0"/>
-        </a:xfrm>
-      </p:grpSpPr>
-      <p:pic>
-        <p:nvPicPr>
-          <p:cNvPr id="7" name="Content Placeholder 6">
-            <a:extLst>
-              <a:ext uri="{FF2B5EF4-FFF2-40B4-BE49-F238E27FC236}">
-                <a16:creationId xmlns:a16="http://schemas.microsoft.com/office/drawing/2014/main" id="{735AF198-C2B6-4398-885E-65996DC38AD3}"/>
-              </a:ext>
-            </a:extLst>
-          </p:cNvPr>
-          <p:cNvPicPr>
-            <a:picLocks noGrp="1" noChangeAspect="1"/>
-          </p:cNvPicPr>
-          <p:nvPr>
-            <p:ph idx="1"/>
-          </p:nvPr>
-        </p:nvPicPr>
-        <p:blipFill>
-          <a:blip r:embed="rId2">
-            <a:extLst>
-              <a:ext uri="{28A0092B-C50C-407E-A947-70E740481C1C}">
-                <a14:useLocalDpi xmlns:a14="http://schemas.microsoft.com/office/drawing/2010/main" val="0"/>
-              </a:ext>
-            </a:extLst>
-          </a:blip>
-          <a:stretch>
-            <a:fillRect/>
-          </a:stretch>
-        </p:blipFill>
-        <p:spPr>
-          <a:xfrm>
-            <a:off x="3436691" y="2349000"/>
-            <a:ext cx="5318617" cy="3960000"/>
-          </a:xfrm>
-        </p:spPr>
-      </p:pic>
-      <p:sp>
-        <p:nvSpPr>
-          <p:cNvPr id="4" name="Título 1">
-            <a:extLst>
-              <a:ext uri="{FF2B5EF4-FFF2-40B4-BE49-F238E27FC236}">
-                <a16:creationId xmlns:a16="http://schemas.microsoft.com/office/drawing/2014/main" id="{31AAC927-8005-4692-9074-BEF9323C0B0E}"/>
-              </a:ext>
-            </a:extLst>
-          </p:cNvPr>
-          <p:cNvSpPr>
-            <a:spLocks noGrp="1"/>
-          </p:cNvSpPr>
-          <p:nvPr>
-            <p:ph type="title"/>
-          </p:nvPr>
-        </p:nvSpPr>
-        <p:spPr>
-          <a:xfrm>
-            <a:off x="809625" y="447675"/>
-            <a:ext cx="10572750" cy="969963"/>
-          </a:xfrm>
-        </p:spPr>
-        <p:txBody>
-          <a:bodyPr/>
-          <a:lstStyle/>
-          <a:p>
-            <a:r>
-              <a:rPr lang="es-CL" dirty="0"/>
-              <a:t>USO EN EL MUNDO</a:t>
-            </a:r>
-          </a:p>
-        </p:txBody>
-      </p:sp>
-      <p:sp>
-        <p:nvSpPr>
-          <p:cNvPr id="5" name="TextBox 4">
-            <a:extLst>
-              <a:ext uri="{FF2B5EF4-FFF2-40B4-BE49-F238E27FC236}">
-                <a16:creationId xmlns:a16="http://schemas.microsoft.com/office/drawing/2014/main" id="{5EFFD271-0659-4DF5-B02E-6B0BD807F52A}"/>
-              </a:ext>
-            </a:extLst>
-          </p:cNvPr>
-          <p:cNvSpPr txBox="1"/>
-          <p:nvPr/>
-        </p:nvSpPr>
-        <p:spPr>
-          <a:xfrm>
-            <a:off x="4431123" y="6410325"/>
-            <a:ext cx="3329758" cy="307777"/>
-          </a:xfrm>
-          <a:prstGeom prst="rect">
-            <a:avLst/>
-          </a:prstGeom>
-          <a:noFill/>
-        </p:spPr>
-        <p:txBody>
-          <a:bodyPr wrap="none" rtlCol="0">
-            <a:spAutoFit/>
-          </a:bodyPr>
-          <a:lstStyle/>
-          <a:p>
-            <a:pPr algn="ctr"/>
-            <a:r>
-              <a:rPr lang="es-CL" sz="1400" dirty="0">
-                <a:solidFill>
-                  <a:schemeClr val="tx2">
-                    <a:lumMod val="50000"/>
-                  </a:schemeClr>
-                </a:solidFill>
-              </a:rPr>
-              <a:t>Edificio Monadnock, Chicago. 1981.</a:t>
-            </a:r>
-            <a:endParaRPr lang="es-MX" sz="1400" dirty="0">
-              <a:solidFill>
-                <a:schemeClr val="tx2">
-                  <a:lumMod val="50000"/>
-                </a:schemeClr>
-              </a:solidFill>
-            </a:endParaRPr>
-          </a:p>
-        </p:txBody>
-      </p:sp>
-    </p:spTree>
-    <p:extLst>
-      <p:ext uri="{BB962C8B-B14F-4D97-AF65-F5344CB8AC3E}">
-        <p14:creationId xmlns:p14="http://schemas.microsoft.com/office/powerpoint/2010/main" val="2745863721"/>
-      </p:ext>
-    </p:extLst>
-  </p:cSld>
-  <p:clrMapOvr>
-    <a:masterClrMapping/>
-  </p:clrMapOvr>
-</p:sld>
-</file>
-
-<file path=ppt/slides/slide16.xml><?xml version="1.0" encoding="utf-8"?>
-<p:sld xmlns:a="http://schemas.openxmlformats.org/drawingml/2006/main" xmlns:r="http://schemas.openxmlformats.org/officeDocument/2006/relationships" xmlns:p="http://schemas.openxmlformats.org/presentationml/2006/main">
-  <p:cSld>
-    <p:spTree>
-      <p:nvGrpSpPr>
-        <p:cNvPr id="1" name=""/>
-        <p:cNvGrpSpPr/>
-        <p:nvPr/>
-      </p:nvGrpSpPr>
-      <p:grpSpPr>
-        <a:xfrm>
-          <a:off x="0" y="0"/>
-          <a:ext cx="0" cy="0"/>
-          <a:chOff x="0" y="0"/>
-          <a:chExt cx="0" cy="0"/>
-        </a:xfrm>
-      </p:grpSpPr>
-      <p:sp>
-        <p:nvSpPr>
-          <p:cNvPr id="4" name="Título 1">
-            <a:extLst>
-              <a:ext uri="{FF2B5EF4-FFF2-40B4-BE49-F238E27FC236}">
-                <a16:creationId xmlns:a16="http://schemas.microsoft.com/office/drawing/2014/main" id="{41C5A8C7-7AE3-492F-AF8A-097B5AF713CD}"/>
-              </a:ext>
-            </a:extLst>
-          </p:cNvPr>
-          <p:cNvSpPr>
-            <a:spLocks noGrp="1"/>
-          </p:cNvSpPr>
-          <p:nvPr>
-            <p:ph type="title"/>
-          </p:nvPr>
-        </p:nvSpPr>
-        <p:spPr>
-          <a:xfrm>
-            <a:off x="809625" y="447675"/>
-            <a:ext cx="10572750" cy="969963"/>
-          </a:xfrm>
-        </p:spPr>
-        <p:txBody>
-          <a:bodyPr/>
-          <a:lstStyle/>
-          <a:p>
-            <a:r>
-              <a:rPr lang="es-CL" dirty="0"/>
-              <a:t>USO EN EL MUNDO</a:t>
-            </a:r>
-          </a:p>
-        </p:txBody>
-      </p:sp>
-      <p:sp>
-        <p:nvSpPr>
-          <p:cNvPr id="5" name="TextBox 4">
-            <a:extLst>
-              <a:ext uri="{FF2B5EF4-FFF2-40B4-BE49-F238E27FC236}">
-                <a16:creationId xmlns:a16="http://schemas.microsoft.com/office/drawing/2014/main" id="{40915CB3-0140-408F-B249-4ADFAF02F3C6}"/>
-              </a:ext>
-            </a:extLst>
-          </p:cNvPr>
-          <p:cNvSpPr txBox="1"/>
-          <p:nvPr/>
-        </p:nvSpPr>
-        <p:spPr>
-          <a:xfrm>
-            <a:off x="4722872" y="6410812"/>
-            <a:ext cx="2746266" cy="307777"/>
-          </a:xfrm>
-          <a:prstGeom prst="rect">
-            <a:avLst/>
-          </a:prstGeom>
-          <a:noFill/>
-        </p:spPr>
-        <p:txBody>
-          <a:bodyPr wrap="none" rtlCol="0">
-            <a:spAutoFit/>
-          </a:bodyPr>
-          <a:lstStyle/>
-          <a:p>
-            <a:pPr algn="ctr"/>
-            <a:r>
-              <a:rPr lang="es-CL" sz="1400" dirty="0">
-                <a:solidFill>
-                  <a:schemeClr val="tx2">
-                    <a:lumMod val="50000"/>
-                  </a:schemeClr>
-                </a:solidFill>
-              </a:rPr>
-              <a:t>Catedral de San Vito, Praga. </a:t>
-            </a:r>
-            <a:endParaRPr lang="es-MX" sz="1400" dirty="0">
-              <a:solidFill>
-                <a:schemeClr val="tx2">
-                  <a:lumMod val="50000"/>
-                </a:schemeClr>
-              </a:solidFill>
-            </a:endParaRPr>
-          </a:p>
-        </p:txBody>
-      </p:sp>
-      <p:pic>
-        <p:nvPicPr>
-          <p:cNvPr id="11" name="Content Placeholder 10">
-            <a:extLst>
-              <a:ext uri="{FF2B5EF4-FFF2-40B4-BE49-F238E27FC236}">
-                <a16:creationId xmlns:a16="http://schemas.microsoft.com/office/drawing/2014/main" id="{369A47B0-64AC-43D0-A8B8-D63C04AB72E2}"/>
-              </a:ext>
-            </a:extLst>
-          </p:cNvPr>
-          <p:cNvPicPr>
-            <a:picLocks noGrp="1" noChangeAspect="1"/>
-          </p:cNvPicPr>
-          <p:nvPr>
-            <p:ph idx="1"/>
-          </p:nvPr>
-        </p:nvPicPr>
-        <p:blipFill>
-          <a:blip r:embed="rId2">
-            <a:extLst>
-              <a:ext uri="{28A0092B-C50C-407E-A947-70E740481C1C}">
-                <a14:useLocalDpi xmlns:a14="http://schemas.microsoft.com/office/drawing/2010/main" val="0"/>
-              </a:ext>
-            </a:extLst>
-          </a:blip>
-          <a:stretch>
-            <a:fillRect/>
-          </a:stretch>
-        </p:blipFill>
-        <p:spPr>
-          <a:xfrm>
-            <a:off x="2585359" y="2349000"/>
-            <a:ext cx="7021279" cy="3960000"/>
-          </a:xfrm>
-        </p:spPr>
-      </p:pic>
-    </p:spTree>
-    <p:extLst>
-      <p:ext uri="{BB962C8B-B14F-4D97-AF65-F5344CB8AC3E}">
-        <p14:creationId xmlns:p14="http://schemas.microsoft.com/office/powerpoint/2010/main" val="900002428"/>
-      </p:ext>
-    </p:extLst>
-  </p:cSld>
-  <p:clrMapOvr>
-    <a:masterClrMapping/>
-  </p:clrMapOvr>
-</p:sld>
-</file>
-
-<file path=ppt/slides/slide17.xml><?xml version="1.0" encoding="utf-8"?>
-<p:sld xmlns:a="http://schemas.openxmlformats.org/drawingml/2006/main" xmlns:r="http://schemas.openxmlformats.org/officeDocument/2006/relationships" xmlns:p="http://schemas.openxmlformats.org/presentationml/2006/main">
-  <p:cSld>
-    <p:spTree>
-      <p:nvGrpSpPr>
-        <p:cNvPr id="1" name=""/>
-        <p:cNvGrpSpPr/>
-        <p:nvPr/>
-      </p:nvGrpSpPr>
-      <p:grpSpPr>
-        <a:xfrm>
-          <a:off x="0" y="0"/>
-          <a:ext cx="0" cy="0"/>
-          <a:chOff x="0" y="0"/>
-          <a:chExt cx="0" cy="0"/>
-        </a:xfrm>
-      </p:grpSpPr>
-      <p:pic>
-        <p:nvPicPr>
-          <p:cNvPr id="7" name="Content Placeholder 6">
-            <a:extLst>
-              <a:ext uri="{FF2B5EF4-FFF2-40B4-BE49-F238E27FC236}">
-                <a16:creationId xmlns:a16="http://schemas.microsoft.com/office/drawing/2014/main" id="{CDF5B293-ABE9-4857-BF86-6C9774B57C84}"/>
-              </a:ext>
-            </a:extLst>
-          </p:cNvPr>
-          <p:cNvPicPr>
-            <a:picLocks noGrp="1" noChangeAspect="1"/>
-          </p:cNvPicPr>
-          <p:nvPr>
-            <p:ph idx="1"/>
-          </p:nvPr>
-        </p:nvPicPr>
-        <p:blipFill>
-          <a:blip r:embed="rId2">
-            <a:extLst>
-              <a:ext uri="{28A0092B-C50C-407E-A947-70E740481C1C}">
-                <a14:useLocalDpi xmlns:a14="http://schemas.microsoft.com/office/drawing/2010/main" val="0"/>
-              </a:ext>
-            </a:extLst>
-          </a:blip>
-          <a:stretch>
-            <a:fillRect/>
-          </a:stretch>
-        </p:blipFill>
-        <p:spPr>
-          <a:xfrm>
-            <a:off x="400686" y="2952000"/>
-            <a:ext cx="11390626" cy="2916000"/>
-          </a:xfrm>
-        </p:spPr>
-      </p:pic>
-      <p:sp>
-        <p:nvSpPr>
-          <p:cNvPr id="4" name="Título 1">
-            <a:extLst>
-              <a:ext uri="{FF2B5EF4-FFF2-40B4-BE49-F238E27FC236}">
-                <a16:creationId xmlns:a16="http://schemas.microsoft.com/office/drawing/2014/main" id="{123C2692-B572-4835-88B7-04E347E4D3F8}"/>
-              </a:ext>
-            </a:extLst>
-          </p:cNvPr>
-          <p:cNvSpPr>
-            <a:spLocks noGrp="1"/>
-          </p:cNvSpPr>
-          <p:nvPr>
-            <p:ph type="title"/>
-          </p:nvPr>
-        </p:nvSpPr>
-        <p:spPr>
-          <a:xfrm>
-            <a:off x="809625" y="447675"/>
-            <a:ext cx="10572750" cy="969963"/>
-          </a:xfrm>
-        </p:spPr>
-        <p:txBody>
-          <a:bodyPr/>
-          <a:lstStyle/>
-          <a:p>
-            <a:r>
-              <a:rPr lang="es-CL" dirty="0"/>
-              <a:t>USO EN EL MUNDO</a:t>
-            </a:r>
-          </a:p>
-        </p:txBody>
-      </p:sp>
-      <p:sp>
-        <p:nvSpPr>
-          <p:cNvPr id="5" name="TextBox 4">
-            <a:extLst>
-              <a:ext uri="{FF2B5EF4-FFF2-40B4-BE49-F238E27FC236}">
-                <a16:creationId xmlns:a16="http://schemas.microsoft.com/office/drawing/2014/main" id="{5868180A-6D80-471B-88EE-0AECE2644E27}"/>
-              </a:ext>
-            </a:extLst>
-          </p:cNvPr>
-          <p:cNvSpPr txBox="1"/>
-          <p:nvPr/>
-        </p:nvSpPr>
-        <p:spPr>
-          <a:xfrm>
-            <a:off x="4637109" y="6126587"/>
-            <a:ext cx="2917786" cy="307777"/>
-          </a:xfrm>
-          <a:prstGeom prst="rect">
-            <a:avLst/>
-          </a:prstGeom>
-          <a:noFill/>
-        </p:spPr>
-        <p:txBody>
-          <a:bodyPr wrap="none" rtlCol="0">
-            <a:spAutoFit/>
-          </a:bodyPr>
-          <a:lstStyle/>
-          <a:p>
-            <a:pPr algn="ctr"/>
-            <a:r>
-              <a:rPr lang="es-CL" sz="1400" dirty="0">
-                <a:solidFill>
-                  <a:schemeClr val="tx2">
-                    <a:lumMod val="50000"/>
-                  </a:schemeClr>
-                </a:solidFill>
-              </a:rPr>
-              <a:t>Ciudad de Dubrovnik, Croacia.</a:t>
-            </a:r>
-            <a:endParaRPr lang="es-MX" sz="1400" dirty="0">
-              <a:solidFill>
-                <a:schemeClr val="tx2">
-                  <a:lumMod val="50000"/>
-                </a:schemeClr>
-              </a:solidFill>
-            </a:endParaRPr>
-          </a:p>
-        </p:txBody>
-      </p:sp>
-    </p:spTree>
-    <p:extLst>
-      <p:ext uri="{BB962C8B-B14F-4D97-AF65-F5344CB8AC3E}">
-        <p14:creationId xmlns:p14="http://schemas.microsoft.com/office/powerpoint/2010/main" val="929219740"/>
-      </p:ext>
-    </p:extLst>
-  </p:cSld>
-  <p:clrMapOvr>
-    <a:masterClrMapping/>
-  </p:clrMapOvr>
-</p:sld>
-</file>
-
-<file path=ppt/slides/slide18.xml><?xml version="1.0" encoding="utf-8"?>
-<p:sld xmlns:a="http://schemas.openxmlformats.org/drawingml/2006/main" xmlns:r="http://schemas.openxmlformats.org/officeDocument/2006/relationships" xmlns:p="http://schemas.openxmlformats.org/presentationml/2006/main">
-  <p:cSld>
-    <p:spTree>
-      <p:nvGrpSpPr>
-        <p:cNvPr id="1" name=""/>
-        <p:cNvGrpSpPr/>
-        <p:nvPr/>
-      </p:nvGrpSpPr>
-      <p:grpSpPr>
-        <a:xfrm>
-          <a:off x="0" y="0"/>
-          <a:ext cx="0" cy="0"/>
-          <a:chOff x="0" y="0"/>
-          <a:chExt cx="0" cy="0"/>
-        </a:xfrm>
-      </p:grpSpPr>
-      <p:sp>
-        <p:nvSpPr>
-          <p:cNvPr id="2" name="Título 1">
-            <a:extLst>
-              <a:ext uri="{FF2B5EF4-FFF2-40B4-BE49-F238E27FC236}">
-                <a16:creationId xmlns:a16="http://schemas.microsoft.com/office/drawing/2014/main" id="{269D34A6-CEA9-4551-A486-097F07B05AD9}"/>
-              </a:ext>
-            </a:extLst>
-          </p:cNvPr>
-          <p:cNvSpPr>
-            <a:spLocks noGrp="1"/>
-          </p:cNvSpPr>
-          <p:nvPr>
-            <p:ph type="title"/>
-          </p:nvPr>
-        </p:nvSpPr>
-        <p:spPr/>
-        <p:txBody>
-          <a:bodyPr/>
-          <a:lstStyle/>
-          <a:p>
-            <a:r>
-              <a:rPr lang="es-CL" dirty="0"/>
-              <a:t>CUBICACIONES</a:t>
-            </a:r>
-          </a:p>
-        </p:txBody>
-      </p:sp>
-      <p:sp>
-        <p:nvSpPr>
-          <p:cNvPr id="3" name="Marcador de contenido 2">
-            <a:extLst>
-              <a:ext uri="{FF2B5EF4-FFF2-40B4-BE49-F238E27FC236}">
-                <a16:creationId xmlns:a16="http://schemas.microsoft.com/office/drawing/2014/main" id="{0AFA8CF1-302B-4FA8-8928-4F60FD8E8582}"/>
-              </a:ext>
-            </a:extLst>
-          </p:cNvPr>
-          <p:cNvSpPr>
-            <a:spLocks noGrp="1"/>
-          </p:cNvSpPr>
-          <p:nvPr>
-            <p:ph idx="1"/>
-          </p:nvPr>
-        </p:nvSpPr>
-        <p:spPr/>
-        <p:txBody>
-          <a:bodyPr/>
-          <a:lstStyle/>
-          <a:p>
-            <a:endParaRPr lang="es-CL"/>
-          </a:p>
-        </p:txBody>
-      </p:sp>
-    </p:spTree>
-    <p:extLst>
-      <p:ext uri="{BB962C8B-B14F-4D97-AF65-F5344CB8AC3E}">
-        <p14:creationId xmlns:p14="http://schemas.microsoft.com/office/powerpoint/2010/main" val="2217409196"/>
-      </p:ext>
-    </p:extLst>
-  </p:cSld>
-  <p:clrMapOvr>
-    <a:masterClrMapping/>
-  </p:clrMapOvr>
-</p:sld>
-</file>
-
-<file path=ppt/slides/slide19.xml><?xml version="1.0" encoding="utf-8"?>
-<p:sld xmlns:a="http://schemas.openxmlformats.org/drawingml/2006/main" xmlns:r="http://schemas.openxmlformats.org/officeDocument/2006/relationships" xmlns:p="http://schemas.openxmlformats.org/presentationml/2006/main">
-  <p:cSld>
-    <p:spTree>
-      <p:nvGrpSpPr>
-        <p:cNvPr id="1" name=""/>
-        <p:cNvGrpSpPr/>
-        <p:nvPr/>
-      </p:nvGrpSpPr>
-      <p:grpSpPr>
-        <a:xfrm>
-          <a:off x="0" y="0"/>
-          <a:ext cx="0" cy="0"/>
-          <a:chOff x="0" y="0"/>
-          <a:chExt cx="0" cy="0"/>
-        </a:xfrm>
-      </p:grpSpPr>
-      <p:sp>
-        <p:nvSpPr>
-          <p:cNvPr id="2" name="Título 1">
-            <a:extLst>
-              <a:ext uri="{FF2B5EF4-FFF2-40B4-BE49-F238E27FC236}">
-                <a16:creationId xmlns:a16="http://schemas.microsoft.com/office/drawing/2014/main" id="{496D7017-4296-4FEF-A1E9-17E1492CD5B4}"/>
-              </a:ext>
-            </a:extLst>
-          </p:cNvPr>
-          <p:cNvSpPr>
-            <a:spLocks noGrp="1"/>
-          </p:cNvSpPr>
-          <p:nvPr>
-            <p:ph type="title"/>
-          </p:nvPr>
-        </p:nvSpPr>
-        <p:spPr/>
-        <p:txBody>
-          <a:bodyPr/>
-          <a:lstStyle/>
-          <a:p>
-            <a:r>
-              <a:rPr lang="es-CL" dirty="0"/>
-              <a:t>REFERENCIAS</a:t>
-            </a:r>
-          </a:p>
-        </p:txBody>
-      </p:sp>
-      <p:sp>
-        <p:nvSpPr>
-          <p:cNvPr id="3" name="Marcador de contenido 2">
-            <a:extLst>
-              <a:ext uri="{FF2B5EF4-FFF2-40B4-BE49-F238E27FC236}">
-                <a16:creationId xmlns:a16="http://schemas.microsoft.com/office/drawing/2014/main" id="{C1B38C8A-1EB6-4DBA-963A-648AE4A45BE9}"/>
-              </a:ext>
-            </a:extLst>
-          </p:cNvPr>
-          <p:cNvSpPr>
-            <a:spLocks noGrp="1"/>
-          </p:cNvSpPr>
-          <p:nvPr>
-            <p:ph idx="1"/>
-          </p:nvPr>
-        </p:nvSpPr>
-        <p:spPr>
-          <a:xfrm>
-            <a:off x="551544" y="2235199"/>
-            <a:ext cx="11161486" cy="4513943"/>
-          </a:xfrm>
-        </p:spPr>
-        <p:txBody>
-          <a:bodyPr>
-            <a:normAutofit fontScale="70000" lnSpcReduction="20000"/>
-          </a:bodyPr>
-          <a:lstStyle/>
-          <a:p>
-            <a:r>
-              <a:rPr lang="es-CL" sz="2000" dirty="0"/>
-              <a:t>[1] Thomas Sturm M, 2018. Apuntes de cátedra curso CI5223 Diseño de Albañilería Estructural, Facultad de Ciencias Físicas y 	Matemáticas, U. de Chile.</a:t>
-            </a:r>
-          </a:p>
-          <a:p>
-            <a:r>
-              <a:rPr lang="es-CL" sz="2000" dirty="0"/>
-              <a:t>[2] NCh353.Of2000. Construcción - Cubicación de obras de edificación - Requisitos. (2000)</a:t>
-            </a:r>
-          </a:p>
-          <a:p>
-            <a:r>
-              <a:rPr lang="es-CL" sz="2000" dirty="0"/>
-              <a:t>[3] NCh1928.Of93. Albañilería armada - Requisitos para el diseño y cálculo. (1993)</a:t>
-            </a:r>
-          </a:p>
-          <a:p>
-            <a:r>
-              <a:rPr lang="es-CL" sz="2000" dirty="0"/>
-              <a:t>[4] NCh2123.Of97. Albañilería confinada - Requisitos de diseño y cálculo. (1997)</a:t>
-            </a:r>
-          </a:p>
-          <a:p>
-            <a:r>
-              <a:rPr lang="es-CL" sz="2000" dirty="0"/>
-              <a:t>[5] Censo Chile 2002. www.ine.cl/estadisticas/censos/censos-de-poblacion-y-vivienda [Consulta: 02/12/2018]</a:t>
-            </a:r>
-          </a:p>
-          <a:p>
-            <a:r>
-              <a:rPr lang="es-CL" sz="2000" dirty="0"/>
-              <a:t>[6] Ordenanza General de Urbanismo y Construcción. Ministerio de vivienda y urbanismo. (1992)</a:t>
-            </a:r>
-          </a:p>
-          <a:p>
-            <a:r>
-              <a:rPr lang="es-CL" sz="2000" dirty="0"/>
-              <a:t>[7] Edificio ex arsenales de guerra. www.monumentos.cl/monumentos-historicos/edificio-ex-arsenales-guerra [Consulta: 		02/12/2018]</a:t>
-            </a:r>
-          </a:p>
-          <a:p>
-            <a:r>
-              <a:rPr lang="es-CL" sz="2000" dirty="0"/>
-              <a:t>[8] Iglesia y convento de San Francisco. www.monumentos.cl/monumentos-historicos/iglesia-convento-san-francisco 			[Consulta: 02/12/2018]</a:t>
-            </a:r>
-          </a:p>
-          <a:p>
-            <a:r>
-              <a:rPr lang="es-CL" sz="2000" dirty="0"/>
-              <a:t>[9] Catedral de Santiago. www.monumentos.cl/monumentos-historicos/catedral-santiago [Consulta: 03/12/2018]</a:t>
-            </a:r>
-          </a:p>
-          <a:p>
-            <a:r>
-              <a:rPr lang="es-CL" sz="2000" dirty="0"/>
-              <a:t>[10] Ciudad de amurallada de Shibam. whc.unesco.org/en/list/192/ [Consulta: 03/12/2018]</a:t>
-            </a:r>
-          </a:p>
-          <a:p>
-            <a:r>
-              <a:rPr lang="es-CL" sz="2000" dirty="0"/>
-              <a:t>[11] Edificio Monadnock. npgallery.nps.gov/NRHP/monadnock-block [Consulta: 03/12/2018]</a:t>
-            </a:r>
-          </a:p>
-          <a:p>
-            <a:r>
-              <a:rPr lang="es-CL" sz="2000" dirty="0"/>
-              <a:t>[12] Catedral de San Vito. www.prague.eu/castillo-de-praga-catedral-de-san-vito [Consulta: 03/12/2018]</a:t>
-            </a:r>
-          </a:p>
-          <a:p>
-            <a:r>
-              <a:rPr lang="es-CL" sz="2000" dirty="0"/>
-              <a:t>[13] Ciudad vieja de Dubrovnik. whc.unesco.org/en/list/95/ [Consulta: 03/12/2018]</a:t>
-            </a:r>
-          </a:p>
-          <a:p>
-            <a:endParaRPr lang="es-CL" dirty="0"/>
-          </a:p>
-        </p:txBody>
-      </p:sp>
-    </p:spTree>
-    <p:extLst>
-      <p:ext uri="{BB962C8B-B14F-4D97-AF65-F5344CB8AC3E}">
-        <p14:creationId xmlns:p14="http://schemas.microsoft.com/office/powerpoint/2010/main" val="646963770"/>
-      </p:ext>
-    </p:extLst>
-  </p:cSld>
-  <p:clrMapOvr>
-    <a:masterClrMapping/>
-  </p:clrMapOvr>
-</p:sld>
-</file>
-
-<file path=ppt/slides/slide2.xml><?xml version="1.0" encoding="utf-8"?>
-<p:sld xmlns:a="http://schemas.openxmlformats.org/drawingml/2006/main" xmlns:r="http://schemas.openxmlformats.org/officeDocument/2006/relationships" xmlns:p="http://schemas.openxmlformats.org/presentationml/2006/main">
-  <p:cSld>
-    <p:spTree>
-      <p:nvGrpSpPr>
-        <p:cNvPr id="1" name=""/>
-        <p:cNvGrpSpPr/>
-        <p:nvPr/>
-      </p:nvGrpSpPr>
-      <p:grpSpPr>
-        <a:xfrm>
-          <a:off x="0" y="0"/>
-          <a:ext cx="0" cy="0"/>
-          <a:chOff x="0" y="0"/>
-          <a:chExt cx="0" cy="0"/>
-        </a:xfrm>
-      </p:grpSpPr>
-      <p:sp>
-        <p:nvSpPr>
-          <p:cNvPr id="2" name="Título 1">
-            <a:extLst>
-              <a:ext uri="{FF2B5EF4-FFF2-40B4-BE49-F238E27FC236}">
-                <a16:creationId xmlns:a16="http://schemas.microsoft.com/office/drawing/2014/main" id="{E7739303-633A-4164-AE18-0DC9260A8610}"/>
-              </a:ext>
-            </a:extLst>
-          </p:cNvPr>
-          <p:cNvSpPr>
-            <a:spLocks noGrp="1"/>
-          </p:cNvSpPr>
-          <p:nvPr>
-            <p:ph type="title"/>
-          </p:nvPr>
-        </p:nvSpPr>
-        <p:spPr/>
-        <p:txBody>
-          <a:bodyPr/>
-          <a:lstStyle/>
-          <a:p>
-            <a:r>
-              <a:rPr lang="es-CL" dirty="0"/>
-              <a:t>¿QUÉ ES LA ALBAÑILERÍA?</a:t>
-            </a:r>
-          </a:p>
-        </p:txBody>
-      </p:sp>
-      <p:sp>
-        <p:nvSpPr>
-          <p:cNvPr id="3" name="Marcador de contenido 2">
-            <a:extLst>
-              <a:ext uri="{FF2B5EF4-FFF2-40B4-BE49-F238E27FC236}">
-                <a16:creationId xmlns:a16="http://schemas.microsoft.com/office/drawing/2014/main" id="{11B36BF6-3E0A-46E7-AB88-0B93AC5B39D5}"/>
-              </a:ext>
-            </a:extLst>
-          </p:cNvPr>
-          <p:cNvSpPr>
-            <a:spLocks noGrp="1"/>
-          </p:cNvSpPr>
-          <p:nvPr>
-            <p:ph idx="1"/>
-          </p:nvPr>
-        </p:nvSpPr>
-        <p:spPr/>
-        <p:txBody>
-          <a:bodyPr>
-            <a:normAutofit/>
-          </a:bodyPr>
-          <a:lstStyle/>
-          <a:p>
-            <a:r>
-              <a:rPr lang="es-CL" dirty="0"/>
-              <a:t>Según la norma NCh353.Of200:</a:t>
-            </a:r>
-          </a:p>
-          <a:p>
-            <a:pPr marL="0" indent="0">
-              <a:buNone/>
-            </a:pPr>
-            <a:endParaRPr lang="es-CL" dirty="0"/>
-          </a:p>
-          <a:p>
-            <a:pPr marL="457200" lvl="1" indent="0" algn="just">
-              <a:buNone/>
-            </a:pPr>
-            <a:r>
-              <a:rPr lang="es-ES" dirty="0"/>
-              <a:t>Albañilería: toda aquella obra formada por </a:t>
-            </a:r>
-            <a:r>
-              <a:rPr lang="es-ES" b="1" dirty="0"/>
-              <a:t>elementos unitarios prefabricados</a:t>
-            </a:r>
-            <a:r>
-              <a:rPr lang="es-ES" dirty="0"/>
-              <a:t>, de dimensiones manejables por un solo operario, constituidos por materiales naturales o artificiales, como piedra, adobe, arcilla cocida, mortero u hormigón de cemento, o cualquier otro material compactado, que tenga forma y dimensiones definidas, sea hueco o lleno. </a:t>
-            </a:r>
-            <a:r>
-              <a:rPr lang="es-ES" b="1" dirty="0"/>
-              <a:t>Las obras se forman por la yuxtaposición de estos elementos </a:t>
-            </a:r>
-            <a:r>
-              <a:rPr lang="es-ES" b="1" dirty="0">
-                <a:solidFill>
-                  <a:srgbClr val="FF0000"/>
-                </a:solidFill>
-              </a:rPr>
-              <a:t>individuales, unidos, en general, por un aglomerante adecuado y eventualmente reforzado por otros elementos de naturaleza similar o heterogénea.</a:t>
-            </a:r>
-            <a:endParaRPr lang="es-CL" b="1" dirty="0">
-              <a:solidFill>
-                <a:srgbClr val="FF0000"/>
-              </a:solidFill>
-            </a:endParaRPr>
-          </a:p>
-        </p:txBody>
-      </p:sp>
-    </p:spTree>
-    <p:extLst>
-      <p:ext uri="{BB962C8B-B14F-4D97-AF65-F5344CB8AC3E}">
-        <p14:creationId xmlns:p14="http://schemas.microsoft.com/office/powerpoint/2010/main" val="959635261"/>
-      </p:ext>
-    </p:extLst>
-  </p:cSld>
-  <p:clrMapOvr>
-    <a:masterClrMapping/>
-  </p:clrMapOvr>
-</p:sld>
-</file>
-
-<file path=ppt/slides/slide3.xml><?xml version="1.0" encoding="utf-8"?>
-<p:sld xmlns:a="http://schemas.openxmlformats.org/drawingml/2006/main" xmlns:r="http://schemas.openxmlformats.org/officeDocument/2006/relationships" xmlns:p="http://schemas.openxmlformats.org/presentationml/2006/main">
-  <p:cSld>
-    <p:spTree>
-      <p:nvGrpSpPr>
-        <p:cNvPr id="1" name=""/>
-        <p:cNvGrpSpPr/>
-        <p:nvPr/>
-      </p:nvGrpSpPr>
-      <p:grpSpPr>
-        <a:xfrm>
-          <a:off x="0" y="0"/>
-          <a:ext cx="0" cy="0"/>
-          <a:chOff x="0" y="0"/>
-          <a:chExt cx="0" cy="0"/>
-        </a:xfrm>
-      </p:grpSpPr>
-      <p:sp>
-        <p:nvSpPr>
-          <p:cNvPr id="2" name="Título 1">
-            <a:extLst>
-              <a:ext uri="{FF2B5EF4-FFF2-40B4-BE49-F238E27FC236}">
-                <a16:creationId xmlns:a16="http://schemas.microsoft.com/office/drawing/2014/main" id="{1E8C71A8-9A07-4634-9151-44EA38629B9A}"/>
-              </a:ext>
-            </a:extLst>
-          </p:cNvPr>
-          <p:cNvSpPr>
-            <a:spLocks noGrp="1"/>
-          </p:cNvSpPr>
-          <p:nvPr>
-            <p:ph type="title"/>
-          </p:nvPr>
-        </p:nvSpPr>
-        <p:spPr/>
-        <p:txBody>
-          <a:bodyPr/>
-          <a:lstStyle/>
-          <a:p>
-            <a:r>
-              <a:rPr lang="es-CL" dirty="0"/>
-              <a:t>TIPOS DE LADRILLOS</a:t>
-            </a:r>
-          </a:p>
-        </p:txBody>
-      </p:sp>
-      <p:sp>
-        <p:nvSpPr>
-          <p:cNvPr id="3" name="Marcador de contenido 2">
-            <a:extLst>
-              <a:ext uri="{FF2B5EF4-FFF2-40B4-BE49-F238E27FC236}">
-                <a16:creationId xmlns:a16="http://schemas.microsoft.com/office/drawing/2014/main" id="{BCFEC4D7-D5B6-470A-9732-AF39FB6576FC}"/>
-              </a:ext>
-            </a:extLst>
-          </p:cNvPr>
-          <p:cNvSpPr>
-            <a:spLocks noGrp="1"/>
-          </p:cNvSpPr>
-          <p:nvPr>
-            <p:ph idx="1"/>
-          </p:nvPr>
-        </p:nvSpPr>
-        <p:spPr>
-          <a:xfrm>
-            <a:off x="1771212" y="2349739"/>
-            <a:ext cx="10554574" cy="3636511"/>
-          </a:xfrm>
-        </p:spPr>
-        <p:txBody>
-          <a:bodyPr anchor="t"/>
-          <a:lstStyle/>
-          <a:p>
-            <a:r>
-              <a:rPr lang="es-CL" dirty="0"/>
-              <a:t>Piedra</a:t>
-            </a:r>
-          </a:p>
-          <a:p>
-            <a:endParaRPr lang="es-CL" dirty="0"/>
-          </a:p>
-          <a:p>
-            <a:endParaRPr lang="es-CL" dirty="0"/>
-          </a:p>
-          <a:p>
-            <a:endParaRPr lang="es-CL" dirty="0"/>
-          </a:p>
-          <a:p>
-            <a:r>
-              <a:rPr lang="es-CL" dirty="0"/>
-              <a:t>Cerámico</a:t>
-            </a:r>
-          </a:p>
-          <a:p>
-            <a:endParaRPr lang="es-CL" dirty="0"/>
-          </a:p>
-          <a:p>
-            <a:endParaRPr lang="es-CL" dirty="0"/>
-          </a:p>
-          <a:p>
-            <a:endParaRPr lang="es-CL" dirty="0"/>
-          </a:p>
-          <a:p>
-            <a:r>
-              <a:rPr lang="es-CL" dirty="0"/>
-              <a:t>Hormigón</a:t>
-            </a:r>
-          </a:p>
-        </p:txBody>
-      </p:sp>
-      <p:pic>
-        <p:nvPicPr>
-          <p:cNvPr id="5" name="Imagen 4">
-            <a:extLst>
-              <a:ext uri="{FF2B5EF4-FFF2-40B4-BE49-F238E27FC236}">
-                <a16:creationId xmlns:a16="http://schemas.microsoft.com/office/drawing/2014/main" id="{27B72ACA-C283-4925-81B4-0754D3BF0090}"/>
-              </a:ext>
-            </a:extLst>
-          </p:cNvPr>
-          <p:cNvPicPr>
-            <a:picLocks noChangeAspect="1"/>
-          </p:cNvPicPr>
-          <p:nvPr/>
-        </p:nvPicPr>
-        <p:blipFill>
-          <a:blip r:embed="rId2">
-            <a:extLst>
-              <a:ext uri="{28A0092B-C50C-407E-A947-70E740481C1C}">
-                <a14:useLocalDpi xmlns:a14="http://schemas.microsoft.com/office/drawing/2010/main" val="0"/>
-              </a:ext>
-            </a:extLst>
-          </a:blip>
-          <a:stretch>
-            <a:fillRect/>
-          </a:stretch>
-        </p:blipFill>
-        <p:spPr>
-          <a:xfrm>
-            <a:off x="3786187" y="3556452"/>
-            <a:ext cx="1647825" cy="1647825"/>
-          </a:xfrm>
-          <a:prstGeom prst="rect">
-            <a:avLst/>
-          </a:prstGeom>
-        </p:spPr>
-      </p:pic>
-      <p:pic>
-        <p:nvPicPr>
-          <p:cNvPr id="7" name="Imagen 6">
-            <a:extLst>
-              <a:ext uri="{FF2B5EF4-FFF2-40B4-BE49-F238E27FC236}">
-                <a16:creationId xmlns:a16="http://schemas.microsoft.com/office/drawing/2014/main" id="{35E3C929-49AB-446A-B581-5358911225E3}"/>
-              </a:ext>
-            </a:extLst>
-          </p:cNvPr>
-          <p:cNvPicPr>
-            <a:picLocks noChangeAspect="1"/>
-          </p:cNvPicPr>
-          <p:nvPr/>
-        </p:nvPicPr>
-        <p:blipFill>
-          <a:blip r:embed="rId3">
-            <a:extLst>
-              <a:ext uri="{28A0092B-C50C-407E-A947-70E740481C1C}">
-                <a14:useLocalDpi xmlns:a14="http://schemas.microsoft.com/office/drawing/2010/main" val="0"/>
-              </a:ext>
-            </a:extLst>
-          </a:blip>
-          <a:stretch>
-            <a:fillRect/>
-          </a:stretch>
-        </p:blipFill>
-        <p:spPr>
-          <a:xfrm>
-            <a:off x="3786187" y="2122810"/>
-            <a:ext cx="1838324" cy="1433642"/>
-          </a:xfrm>
-          <a:prstGeom prst="rect">
-            <a:avLst/>
-          </a:prstGeom>
-        </p:spPr>
-      </p:pic>
-      <p:pic>
-        <p:nvPicPr>
-          <p:cNvPr id="9" name="Imagen 8">
-            <a:extLst>
-              <a:ext uri="{FF2B5EF4-FFF2-40B4-BE49-F238E27FC236}">
-                <a16:creationId xmlns:a16="http://schemas.microsoft.com/office/drawing/2014/main" id="{1962AD90-93EE-4AD8-9FC1-2EE03523F8A2}"/>
-              </a:ext>
-            </a:extLst>
-          </p:cNvPr>
-          <p:cNvPicPr>
-            <a:picLocks noChangeAspect="1"/>
-          </p:cNvPicPr>
-          <p:nvPr/>
-        </p:nvPicPr>
-        <p:blipFill>
-          <a:blip r:embed="rId4">
-            <a:extLst>
-              <a:ext uri="{28A0092B-C50C-407E-A947-70E740481C1C}">
-                <a14:useLocalDpi xmlns:a14="http://schemas.microsoft.com/office/drawing/2010/main" val="0"/>
-              </a:ext>
-            </a:extLst>
-          </a:blip>
-          <a:stretch>
-            <a:fillRect/>
-          </a:stretch>
-        </p:blipFill>
-        <p:spPr>
-          <a:xfrm>
-            <a:off x="3954511" y="5307007"/>
-            <a:ext cx="1400919" cy="1083662"/>
-          </a:xfrm>
-          <a:prstGeom prst="rect">
-            <a:avLst/>
-          </a:prstGeom>
-        </p:spPr>
-      </p:pic>
-      <p:pic>
-        <p:nvPicPr>
-          <p:cNvPr id="11" name="Imagen 10">
-            <a:extLst>
-              <a:ext uri="{FF2B5EF4-FFF2-40B4-BE49-F238E27FC236}">
-                <a16:creationId xmlns:a16="http://schemas.microsoft.com/office/drawing/2014/main" id="{6C222598-8A83-4AF0-A5D2-39162B9551A9}"/>
-              </a:ext>
-            </a:extLst>
-          </p:cNvPr>
-          <p:cNvPicPr>
-            <a:picLocks noChangeAspect="1"/>
-          </p:cNvPicPr>
-          <p:nvPr/>
-        </p:nvPicPr>
-        <p:blipFill>
-          <a:blip r:embed="rId5">
-            <a:extLst>
-              <a:ext uri="{28A0092B-C50C-407E-A947-70E740481C1C}">
-                <a14:useLocalDpi xmlns:a14="http://schemas.microsoft.com/office/drawing/2010/main" val="0"/>
-              </a:ext>
-            </a:extLst>
-          </a:blip>
-          <a:stretch>
-            <a:fillRect/>
-          </a:stretch>
-        </p:blipFill>
-        <p:spPr>
-          <a:xfrm>
-            <a:off x="6095999" y="2276320"/>
-            <a:ext cx="1888191" cy="1126621"/>
-          </a:xfrm>
-          <a:prstGeom prst="rect">
-            <a:avLst/>
-          </a:prstGeom>
-        </p:spPr>
-      </p:pic>
-      <p:pic>
-        <p:nvPicPr>
-          <p:cNvPr id="13" name="Imagen 12">
-            <a:extLst>
-              <a:ext uri="{FF2B5EF4-FFF2-40B4-BE49-F238E27FC236}">
-                <a16:creationId xmlns:a16="http://schemas.microsoft.com/office/drawing/2014/main" id="{DDA77027-1814-42B1-8263-8EF898B9CE6B}"/>
-              </a:ext>
-            </a:extLst>
-          </p:cNvPr>
-          <p:cNvPicPr>
-            <a:picLocks noChangeAspect="1"/>
-          </p:cNvPicPr>
-          <p:nvPr/>
-        </p:nvPicPr>
-        <p:blipFill>
-          <a:blip r:embed="rId6">
-            <a:extLst>
-              <a:ext uri="{28A0092B-C50C-407E-A947-70E740481C1C}">
-                <a14:useLocalDpi xmlns:a14="http://schemas.microsoft.com/office/drawing/2010/main" val="0"/>
-              </a:ext>
-            </a:extLst>
-          </a:blip>
-          <a:stretch>
-            <a:fillRect/>
-          </a:stretch>
-        </p:blipFill>
-        <p:spPr>
-          <a:xfrm>
-            <a:off x="6217177" y="3777523"/>
-            <a:ext cx="1647825" cy="1261865"/>
-          </a:xfrm>
-          <a:prstGeom prst="rect">
-            <a:avLst/>
-          </a:prstGeom>
-        </p:spPr>
-      </p:pic>
-      <p:pic>
-        <p:nvPicPr>
-          <p:cNvPr id="15" name="Imagen 14">
-            <a:extLst>
-              <a:ext uri="{FF2B5EF4-FFF2-40B4-BE49-F238E27FC236}">
-                <a16:creationId xmlns:a16="http://schemas.microsoft.com/office/drawing/2014/main" id="{31CDFA67-6724-43D3-ACBD-A55711CD51C6}"/>
-              </a:ext>
-            </a:extLst>
-          </p:cNvPr>
-          <p:cNvPicPr>
-            <a:picLocks noChangeAspect="1"/>
-          </p:cNvPicPr>
-          <p:nvPr/>
-        </p:nvPicPr>
-        <p:blipFill>
-          <a:blip r:embed="rId7">
-            <a:extLst>
-              <a:ext uri="{28A0092B-C50C-407E-A947-70E740481C1C}">
-                <a14:useLocalDpi xmlns:a14="http://schemas.microsoft.com/office/drawing/2010/main" val="0"/>
-              </a:ext>
-            </a:extLst>
-          </a:blip>
-          <a:stretch>
-            <a:fillRect/>
-          </a:stretch>
-        </p:blipFill>
-        <p:spPr>
-          <a:xfrm>
-            <a:off x="6224586" y="5204277"/>
-            <a:ext cx="1647825" cy="1412881"/>
-          </a:xfrm>
-          <a:prstGeom prst="rect">
-            <a:avLst/>
-          </a:prstGeom>
-        </p:spPr>
-      </p:pic>
-      <p:pic>
-        <p:nvPicPr>
-          <p:cNvPr id="17" name="Imagen 16">
-            <a:extLst>
-              <a:ext uri="{FF2B5EF4-FFF2-40B4-BE49-F238E27FC236}">
-                <a16:creationId xmlns:a16="http://schemas.microsoft.com/office/drawing/2014/main" id="{356F02F2-F69C-445F-AEC5-268BBE83E788}"/>
-              </a:ext>
-            </a:extLst>
-          </p:cNvPr>
-          <p:cNvPicPr>
-            <a:picLocks noChangeAspect="1"/>
-          </p:cNvPicPr>
-          <p:nvPr/>
-        </p:nvPicPr>
-        <p:blipFill>
-          <a:blip r:embed="rId8">
-            <a:extLst>
-              <a:ext uri="{28A0092B-C50C-407E-A947-70E740481C1C}">
-                <a14:useLocalDpi xmlns:a14="http://schemas.microsoft.com/office/drawing/2010/main" val="0"/>
-              </a:ext>
-            </a:extLst>
-          </a:blip>
-          <a:stretch>
-            <a:fillRect/>
-          </a:stretch>
-        </p:blipFill>
-        <p:spPr>
-          <a:xfrm>
-            <a:off x="8962764" y="3878812"/>
-            <a:ext cx="2090499" cy="1325465"/>
-          </a:xfrm>
-          <a:prstGeom prst="rect">
-            <a:avLst/>
-          </a:prstGeom>
-        </p:spPr>
-      </p:pic>
-      <p:pic>
-        <p:nvPicPr>
-          <p:cNvPr id="19" name="Imagen 18">
-            <a:extLst>
-              <a:ext uri="{FF2B5EF4-FFF2-40B4-BE49-F238E27FC236}">
-                <a16:creationId xmlns:a16="http://schemas.microsoft.com/office/drawing/2014/main" id="{71F4C943-3789-4DDF-BB25-E5AC7A100A2F}"/>
-              </a:ext>
-            </a:extLst>
-          </p:cNvPr>
-          <p:cNvPicPr>
-            <a:picLocks noChangeAspect="1"/>
-          </p:cNvPicPr>
-          <p:nvPr/>
-        </p:nvPicPr>
-        <p:blipFill>
-          <a:blip r:embed="rId9">
-            <a:extLst>
-              <a:ext uri="{28A0092B-C50C-407E-A947-70E740481C1C}">
-                <a14:useLocalDpi xmlns:a14="http://schemas.microsoft.com/office/drawing/2010/main" val="0"/>
-              </a:ext>
-            </a:extLst>
-          </a:blip>
-          <a:stretch>
-            <a:fillRect/>
-          </a:stretch>
-        </p:blipFill>
-        <p:spPr>
-          <a:xfrm>
-            <a:off x="8962764" y="2461141"/>
-            <a:ext cx="1644231" cy="1095311"/>
-          </a:xfrm>
-          <a:prstGeom prst="rect">
-            <a:avLst/>
-          </a:prstGeom>
-        </p:spPr>
-      </p:pic>
-    </p:spTree>
-    <p:extLst>
-      <p:ext uri="{BB962C8B-B14F-4D97-AF65-F5344CB8AC3E}">
-        <p14:creationId xmlns:p14="http://schemas.microsoft.com/office/powerpoint/2010/main" val="2966852601"/>
-      </p:ext>
-    </p:extLst>
-  </p:cSld>
-  <p:clrMapOvr>
-    <a:masterClrMapping/>
-  </p:clrMapOvr>
-</p:sld>
-</file>
-
-<file path=ppt/slides/slide4.xml><?xml version="1.0" encoding="utf-8"?>
-<p:sld xmlns:a="http://schemas.openxmlformats.org/drawingml/2006/main" xmlns:r="http://schemas.openxmlformats.org/officeDocument/2006/relationships" xmlns:p="http://schemas.openxmlformats.org/presentationml/2006/main">
-  <p:cSld>
-    <p:spTree>
-      <p:nvGrpSpPr>
-        <p:cNvPr id="1" name=""/>
-        <p:cNvGrpSpPr/>
-        <p:nvPr/>
-      </p:nvGrpSpPr>
-      <p:grpSpPr>
-        <a:xfrm>
-          <a:off x="0" y="0"/>
-          <a:ext cx="0" cy="0"/>
-          <a:chOff x="0" y="0"/>
-          <a:chExt cx="0" cy="0"/>
-        </a:xfrm>
-      </p:grpSpPr>
-      <p:sp>
-        <p:nvSpPr>
-          <p:cNvPr id="2" name="Título 1">
-            <a:extLst>
-              <a:ext uri="{FF2B5EF4-FFF2-40B4-BE49-F238E27FC236}">
-                <a16:creationId xmlns:a16="http://schemas.microsoft.com/office/drawing/2014/main" id="{DB1ED351-3555-4404-86D9-3ED42A4EE6F6}"/>
-              </a:ext>
-            </a:extLst>
-          </p:cNvPr>
-          <p:cNvSpPr>
-            <a:spLocks noGrp="1"/>
-          </p:cNvSpPr>
-          <p:nvPr>
-            <p:ph type="title"/>
-          </p:nvPr>
-        </p:nvSpPr>
-        <p:spPr>
-          <a:xfrm>
-            <a:off x="619500" y="513977"/>
-            <a:ext cx="10571998" cy="970450"/>
-          </a:xfrm>
-        </p:spPr>
-        <p:txBody>
-          <a:bodyPr/>
-          <a:lstStyle/>
-          <a:p>
-            <a:r>
-              <a:rPr lang="es-CL" dirty="0"/>
-              <a:t>PROPIEDADES</a:t>
-            </a:r>
-          </a:p>
-        </p:txBody>
-      </p:sp>
-      <p:sp>
-        <p:nvSpPr>
-          <p:cNvPr id="3" name="Marcador de contenido 2">
-            <a:extLst>
-              <a:ext uri="{FF2B5EF4-FFF2-40B4-BE49-F238E27FC236}">
-                <a16:creationId xmlns:a16="http://schemas.microsoft.com/office/drawing/2014/main" id="{34789A7F-DFDE-4E9E-AD6C-C1AE91391181}"/>
-              </a:ext>
-            </a:extLst>
-          </p:cNvPr>
-          <p:cNvSpPr>
-            <a:spLocks noGrp="1"/>
-          </p:cNvSpPr>
-          <p:nvPr>
-            <p:ph idx="1"/>
-          </p:nvPr>
-        </p:nvSpPr>
-        <p:spPr/>
-        <p:txBody>
-          <a:bodyPr/>
-          <a:lstStyle/>
-          <a:p>
-            <a:endParaRPr lang="es-CL"/>
-          </a:p>
-        </p:txBody>
-      </p:sp>
-    </p:spTree>
-    <p:extLst>
-      <p:ext uri="{BB962C8B-B14F-4D97-AF65-F5344CB8AC3E}">
-        <p14:creationId xmlns:p14="http://schemas.microsoft.com/office/powerpoint/2010/main" val="1012820634"/>
-      </p:ext>
-    </p:extLst>
-  </p:cSld>
-  <p:clrMapOvr>
-    <a:masterClrMapping/>
-  </p:clrMapOvr>
-</p:sld>
-</file>
-
-<file path=ppt/slides/slide5.xml><?xml version="1.0" encoding="utf-8"?>
-<p:sld xmlns:a="http://schemas.openxmlformats.org/drawingml/2006/main" xmlns:r="http://schemas.openxmlformats.org/officeDocument/2006/relationships" xmlns:p="http://schemas.openxmlformats.org/presentationml/2006/main">
-  <p:cSld>
-    <p:spTree>
-      <p:nvGrpSpPr>
-        <p:cNvPr id="1" name=""/>
-        <p:cNvGrpSpPr/>
-        <p:nvPr/>
-      </p:nvGrpSpPr>
-      <p:grpSpPr>
-        <a:xfrm>
-          <a:off x="0" y="0"/>
-          <a:ext cx="0" cy="0"/>
-          <a:chOff x="0" y="0"/>
-          <a:chExt cx="0" cy="0"/>
-        </a:xfrm>
-      </p:grpSpPr>
-      <p:sp>
-        <p:nvSpPr>
-          <p:cNvPr id="2" name="Title 1">
-            <a:extLst>
-              <a:ext uri="{FF2B5EF4-FFF2-40B4-BE49-F238E27FC236}">
-                <a16:creationId xmlns:a16="http://schemas.microsoft.com/office/drawing/2014/main" id="{712C55EE-6F74-4F8C-82DD-2B4A55C6A14D}"/>
-              </a:ext>
-            </a:extLst>
-          </p:cNvPr>
-          <p:cNvSpPr>
-            <a:spLocks noGrp="1"/>
-          </p:cNvSpPr>
-          <p:nvPr>
-            <p:ph type="title"/>
-          </p:nvPr>
-        </p:nvSpPr>
-        <p:spPr/>
-        <p:txBody>
-          <a:bodyPr/>
-          <a:lstStyle/>
-          <a:p>
-            <a:r>
-              <a:rPr lang="es-MX" dirty="0"/>
-              <a:t>RECOMENDACIONES DE DISEÑO</a:t>
-            </a:r>
-          </a:p>
-        </p:txBody>
-      </p:sp>
-      <p:sp>
-        <p:nvSpPr>
-          <p:cNvPr id="3" name="Content Placeholder 2">
-            <a:extLst>
-              <a:ext uri="{FF2B5EF4-FFF2-40B4-BE49-F238E27FC236}">
-                <a16:creationId xmlns:a16="http://schemas.microsoft.com/office/drawing/2014/main" id="{F1252A40-D53B-4B54-9E16-7CC866760F94}"/>
-              </a:ext>
-            </a:extLst>
-          </p:cNvPr>
-          <p:cNvSpPr>
-            <a:spLocks noGrp="1"/>
-          </p:cNvSpPr>
-          <p:nvPr>
-            <p:ph idx="1"/>
-          </p:nvPr>
-        </p:nvSpPr>
-        <p:spPr/>
-        <p:txBody>
-          <a:bodyPr/>
-          <a:lstStyle/>
-          <a:p>
-            <a:endParaRPr lang="es-MX"/>
-          </a:p>
-        </p:txBody>
-      </p:sp>
-    </p:spTree>
-    <p:extLst>
-      <p:ext uri="{BB962C8B-B14F-4D97-AF65-F5344CB8AC3E}">
-        <p14:creationId xmlns:p14="http://schemas.microsoft.com/office/powerpoint/2010/main" val="780976413"/>
-      </p:ext>
-    </p:extLst>
-  </p:cSld>
-  <p:clrMapOvr>
-    <a:masterClrMapping/>
-  </p:clrMapOvr>
-</p:sld>
-</file>
-
-<file path=ppt/slides/slide6.xml><?xml version="1.0" encoding="utf-8"?>
-<p:sld xmlns:a="http://schemas.openxmlformats.org/drawingml/2006/main" xmlns:r="http://schemas.openxmlformats.org/officeDocument/2006/relationships" xmlns:p="http://schemas.openxmlformats.org/presentationml/2006/main">
-  <p:cSld>
-    <p:spTree>
-      <p:nvGrpSpPr>
-        <p:cNvPr id="1" name=""/>
-        <p:cNvGrpSpPr/>
-        <p:nvPr/>
-      </p:nvGrpSpPr>
-      <p:grpSpPr>
-        <a:xfrm>
-          <a:off x="0" y="0"/>
-          <a:ext cx="0" cy="0"/>
-          <a:chOff x="0" y="0"/>
-          <a:chExt cx="0" cy="0"/>
-        </a:xfrm>
-      </p:grpSpPr>
-      <p:sp>
-        <p:nvSpPr>
-          <p:cNvPr id="2" name="Título 1">
-            <a:extLst>
-              <a:ext uri="{FF2B5EF4-FFF2-40B4-BE49-F238E27FC236}">
-                <a16:creationId xmlns:a16="http://schemas.microsoft.com/office/drawing/2014/main" id="{4D2BFA70-A516-49C4-BD43-FD50C324B468}"/>
-              </a:ext>
-            </a:extLst>
-          </p:cNvPr>
-          <p:cNvSpPr>
-            <a:spLocks noGrp="1"/>
-          </p:cNvSpPr>
-          <p:nvPr>
-            <p:ph type="title"/>
-          </p:nvPr>
-        </p:nvSpPr>
-        <p:spPr/>
-        <p:txBody>
-          <a:bodyPr/>
-          <a:lstStyle/>
-          <a:p>
-            <a:r>
-              <a:rPr lang="es-CL" dirty="0"/>
-              <a:t>ESTRUCTURAS DE ALBAÑILERÍA</a:t>
-            </a:r>
-          </a:p>
-        </p:txBody>
-      </p:sp>
-      <p:sp>
-        <p:nvSpPr>
-          <p:cNvPr id="3" name="Marcador de contenido 2">
-            <a:extLst>
-              <a:ext uri="{FF2B5EF4-FFF2-40B4-BE49-F238E27FC236}">
-                <a16:creationId xmlns:a16="http://schemas.microsoft.com/office/drawing/2014/main" id="{3C4C0D07-31D7-407F-AA68-CB95F534447F}"/>
-              </a:ext>
-            </a:extLst>
-          </p:cNvPr>
-          <p:cNvSpPr>
-            <a:spLocks noGrp="1"/>
-          </p:cNvSpPr>
-          <p:nvPr>
-            <p:ph idx="1"/>
-          </p:nvPr>
-        </p:nvSpPr>
-        <p:spPr/>
-        <p:txBody>
-          <a:bodyPr/>
-          <a:lstStyle/>
-          <a:p>
-            <a:pPr marL="0" indent="0">
-              <a:buNone/>
-            </a:pPr>
-            <a:r>
-              <a:rPr lang="es-CL" dirty="0" err="1"/>
-              <a:t>sdgsgsgsfgsgsfgsfgsfgsf</a:t>
-            </a:r>
-            <a:endParaRPr lang="es-CL" dirty="0"/>
-          </a:p>
-        </p:txBody>
-      </p:sp>
-    </p:spTree>
-    <p:extLst>
-      <p:ext uri="{BB962C8B-B14F-4D97-AF65-F5344CB8AC3E}">
-        <p14:creationId xmlns:p14="http://schemas.microsoft.com/office/powerpoint/2010/main" val="1647384673"/>
-      </p:ext>
-    </p:extLst>
-  </p:cSld>
-  <p:clrMapOvr>
-    <a:masterClrMapping/>
-  </p:clrMapOvr>
-</p:sld>
-</file>
-
-<file path=ppt/slides/slide7.xml><?xml version="1.0" encoding="utf-8"?>
-<p:sld xmlns:a="http://schemas.openxmlformats.org/drawingml/2006/main" xmlns:r="http://schemas.openxmlformats.org/officeDocument/2006/relationships" xmlns:p="http://schemas.openxmlformats.org/presentationml/2006/main">
-  <p:cSld>
-    <p:spTree>
-      <p:nvGrpSpPr>
-        <p:cNvPr id="1" name=""/>
-        <p:cNvGrpSpPr/>
-        <p:nvPr/>
-      </p:nvGrpSpPr>
-      <p:grpSpPr>
-        <a:xfrm>
-          <a:off x="0" y="0"/>
-          <a:ext cx="0" cy="0"/>
-          <a:chOff x="0" y="0"/>
-          <a:chExt cx="0" cy="0"/>
-        </a:xfrm>
-      </p:grpSpPr>
-      <p:sp>
-        <p:nvSpPr>
-          <p:cNvPr id="2" name="Título 1">
-            <a:extLst>
-              <a:ext uri="{FF2B5EF4-FFF2-40B4-BE49-F238E27FC236}">
-                <a16:creationId xmlns:a16="http://schemas.microsoft.com/office/drawing/2014/main" id="{7963A088-C063-40F0-8AD2-8AAC6199450A}"/>
-              </a:ext>
-            </a:extLst>
-          </p:cNvPr>
-          <p:cNvSpPr>
-            <a:spLocks noGrp="1"/>
-          </p:cNvSpPr>
-          <p:nvPr>
-            <p:ph type="title"/>
-          </p:nvPr>
-        </p:nvSpPr>
-        <p:spPr/>
-        <p:txBody>
-          <a:bodyPr/>
-          <a:lstStyle/>
-          <a:p>
-            <a:r>
-              <a:rPr lang="es-CL" dirty="0"/>
-              <a:t>USO EN CHILE</a:t>
-            </a:r>
-          </a:p>
-        </p:txBody>
-      </p:sp>
-      <p:sp>
-        <p:nvSpPr>
-          <p:cNvPr id="3" name="Marcador de contenido 2">
-            <a:extLst>
-              <a:ext uri="{FF2B5EF4-FFF2-40B4-BE49-F238E27FC236}">
-                <a16:creationId xmlns:a16="http://schemas.microsoft.com/office/drawing/2014/main" id="{22ABBA1F-64A6-4E9A-90FE-8AC824113733}"/>
-              </a:ext>
-            </a:extLst>
-          </p:cNvPr>
-          <p:cNvSpPr>
-            <a:spLocks noGrp="1"/>
-          </p:cNvSpPr>
-          <p:nvPr>
-            <p:ph idx="1"/>
-          </p:nvPr>
-        </p:nvSpPr>
-        <p:spPr>
-          <a:xfrm>
-            <a:off x="818712" y="2222287"/>
-            <a:ext cx="4145174" cy="4188525"/>
-          </a:xfrm>
-        </p:spPr>
-        <p:txBody>
-          <a:bodyPr/>
-          <a:lstStyle/>
-          <a:p>
-            <a:pPr algn="just"/>
-            <a:r>
-              <a:rPr lang="es-CL" dirty="0"/>
-              <a:t>Principalmente en edificios de tipo unifamiliar y multifamiliar de uso habitacional, en su mayoría viviendas sociales. </a:t>
-            </a:r>
-          </a:p>
-          <a:p>
-            <a:pPr algn="just"/>
-            <a:endParaRPr lang="es-CL" dirty="0"/>
-          </a:p>
-        </p:txBody>
-      </p:sp>
-      <p:pic>
-        <p:nvPicPr>
-          <p:cNvPr id="5" name="Picture 4">
-            <a:extLst>
-              <a:ext uri="{FF2B5EF4-FFF2-40B4-BE49-F238E27FC236}">
-                <a16:creationId xmlns:a16="http://schemas.microsoft.com/office/drawing/2014/main" id="{CE0FF64E-1B11-4990-B2EF-96FFD4D45105}"/>
-              </a:ext>
-            </a:extLst>
-          </p:cNvPr>
-          <p:cNvPicPr>
-            <a:picLocks noChangeAspect="1"/>
-          </p:cNvPicPr>
-          <p:nvPr/>
-        </p:nvPicPr>
-        <p:blipFill>
-          <a:blip r:embed="rId2">
-            <a:extLst>
-              <a:ext uri="{28A0092B-C50C-407E-A947-70E740481C1C}">
-                <a14:useLocalDpi xmlns:a14="http://schemas.microsoft.com/office/drawing/2010/main" val="0"/>
-              </a:ext>
-            </a:extLst>
-          </a:blip>
-          <a:stretch>
-            <a:fillRect/>
-          </a:stretch>
-        </p:blipFill>
-        <p:spPr>
-          <a:xfrm>
-            <a:off x="6095999" y="2565737"/>
-            <a:ext cx="5309735" cy="3501624"/>
-          </a:xfrm>
-          <a:prstGeom prst="rect">
-            <a:avLst/>
-          </a:prstGeom>
-        </p:spPr>
-      </p:pic>
-    </p:spTree>
-    <p:extLst>
-      <p:ext uri="{BB962C8B-B14F-4D97-AF65-F5344CB8AC3E}">
-        <p14:creationId xmlns:p14="http://schemas.microsoft.com/office/powerpoint/2010/main" val="3365775483"/>
-      </p:ext>
-    </p:extLst>
-  </p:cSld>
-  <p:clrMapOvr>
-    <a:masterClrMapping/>
-  </p:clrMapOvr>
-</p:sld>
-</file>
-
-<file path=ppt/slides/slide8.xml><?xml version="1.0" encoding="utf-8"?>
-<p:sld xmlns:a="http://schemas.openxmlformats.org/drawingml/2006/main" xmlns:r="http://schemas.openxmlformats.org/officeDocument/2006/relationships" xmlns:p="http://schemas.openxmlformats.org/presentationml/2006/main">
-  <p:cSld>
-    <p:spTree>
-      <p:nvGrpSpPr>
-        <p:cNvPr id="1" name=""/>
-        <p:cNvGrpSpPr/>
-        <p:nvPr/>
-      </p:nvGrpSpPr>
-      <p:grpSpPr>
-        <a:xfrm>
-          <a:off x="0" y="0"/>
-          <a:ext cx="0" cy="0"/>
-          <a:chOff x="0" y="0"/>
-          <a:chExt cx="0" cy="0"/>
-        </a:xfrm>
-      </p:grpSpPr>
-      <p:sp>
-        <p:nvSpPr>
-          <p:cNvPr id="3" name="Content Placeholder 2">
-            <a:extLst>
-              <a:ext uri="{FF2B5EF4-FFF2-40B4-BE49-F238E27FC236}">
-                <a16:creationId xmlns:a16="http://schemas.microsoft.com/office/drawing/2014/main" id="{9AB0772D-26FD-480D-9962-B8235BB84C22}"/>
-              </a:ext>
-            </a:extLst>
-          </p:cNvPr>
-          <p:cNvSpPr>
-            <a:spLocks noGrp="1"/>
-          </p:cNvSpPr>
-          <p:nvPr>
-            <p:ph idx="1"/>
-          </p:nvPr>
-        </p:nvSpPr>
-        <p:spPr>
-          <a:xfrm>
-            <a:off x="810000" y="2129430"/>
-            <a:ext cx="11083002" cy="970450"/>
-          </a:xfrm>
-        </p:spPr>
-        <p:txBody>
-          <a:bodyPr/>
-          <a:lstStyle/>
-          <a:p>
-            <a:r>
-              <a:rPr lang="es-MX" dirty="0"/>
-              <a:t>Según </a:t>
-            </a:r>
-            <a:r>
-              <a:rPr lang="es-CL" dirty="0"/>
-              <a:t>CENSO 2002, 62 % viviendas albañilería.  En descenso en la actualidad</a:t>
-            </a:r>
-          </a:p>
-          <a:p>
-            <a:endParaRPr lang="es-MX" dirty="0"/>
-          </a:p>
-        </p:txBody>
-      </p:sp>
-      <p:sp>
-        <p:nvSpPr>
-          <p:cNvPr id="4" name="Título 1">
-            <a:extLst>
-              <a:ext uri="{FF2B5EF4-FFF2-40B4-BE49-F238E27FC236}">
-                <a16:creationId xmlns:a16="http://schemas.microsoft.com/office/drawing/2014/main" id="{42EDE288-8568-4696-BD15-9F3882D3D65A}"/>
-              </a:ext>
-            </a:extLst>
-          </p:cNvPr>
-          <p:cNvSpPr>
-            <a:spLocks noGrp="1"/>
-          </p:cNvSpPr>
-          <p:nvPr>
-            <p:ph type="title"/>
-          </p:nvPr>
-        </p:nvSpPr>
-        <p:spPr>
-          <a:xfrm>
-            <a:off x="810000" y="447188"/>
-            <a:ext cx="10571998" cy="970450"/>
-          </a:xfrm>
-        </p:spPr>
-        <p:txBody>
-          <a:bodyPr/>
-          <a:lstStyle/>
-          <a:p>
-            <a:r>
-              <a:rPr lang="es-CL" dirty="0"/>
-              <a:t>USO EN CHILE</a:t>
-            </a:r>
-          </a:p>
-        </p:txBody>
-      </p:sp>
-      <p:pic>
-        <p:nvPicPr>
-          <p:cNvPr id="6" name="Picture 5">
-            <a:extLst>
-              <a:ext uri="{FF2B5EF4-FFF2-40B4-BE49-F238E27FC236}">
-                <a16:creationId xmlns:a16="http://schemas.microsoft.com/office/drawing/2014/main" id="{60579362-F617-49C7-87BB-467B050FABBF}"/>
-              </a:ext>
-            </a:extLst>
-          </p:cNvPr>
-          <p:cNvPicPr>
-            <a:picLocks noChangeAspect="1"/>
-          </p:cNvPicPr>
-          <p:nvPr/>
-        </p:nvPicPr>
-        <p:blipFill>
-          <a:blip r:embed="rId2">
-            <a:extLst>
-              <a:ext uri="{28A0092B-C50C-407E-A947-70E740481C1C}">
-                <a14:useLocalDpi xmlns:a14="http://schemas.microsoft.com/office/drawing/2010/main" val="0"/>
-              </a:ext>
-            </a:extLst>
-          </a:blip>
-          <a:stretch>
-            <a:fillRect/>
-          </a:stretch>
-        </p:blipFill>
-        <p:spPr>
-          <a:xfrm>
-            <a:off x="-18351" y="2962275"/>
-            <a:ext cx="6506737" cy="2916011"/>
-          </a:xfrm>
-          <a:prstGeom prst="rect">
-            <a:avLst/>
-          </a:prstGeom>
-        </p:spPr>
-      </p:pic>
-      <p:pic>
-        <p:nvPicPr>
-          <p:cNvPr id="8" name="Picture 7">
-            <a:extLst>
-              <a:ext uri="{FF2B5EF4-FFF2-40B4-BE49-F238E27FC236}">
-                <a16:creationId xmlns:a16="http://schemas.microsoft.com/office/drawing/2014/main" id="{4EB77AA2-AB56-446A-9C7B-A89551AAA0C3}"/>
-              </a:ext>
-            </a:extLst>
-          </p:cNvPr>
-          <p:cNvPicPr>
-            <a:picLocks noChangeAspect="1"/>
-          </p:cNvPicPr>
-          <p:nvPr/>
-        </p:nvPicPr>
-        <p:blipFill>
-          <a:blip r:embed="rId3">
-            <a:extLst>
-              <a:ext uri="{28A0092B-C50C-407E-A947-70E740481C1C}">
-                <a14:useLocalDpi xmlns:a14="http://schemas.microsoft.com/office/drawing/2010/main" val="0"/>
-              </a:ext>
-            </a:extLst>
-          </a:blip>
-          <a:stretch>
-            <a:fillRect/>
-          </a:stretch>
-        </p:blipFill>
-        <p:spPr>
-          <a:xfrm>
-            <a:off x="6659125" y="2699659"/>
-            <a:ext cx="5063138" cy="3711153"/>
-          </a:xfrm>
-          <a:prstGeom prst="rect">
-            <a:avLst/>
-          </a:prstGeom>
-        </p:spPr>
-      </p:pic>
-      <p:sp>
-        <p:nvSpPr>
-          <p:cNvPr id="9" name="TextBox 8">
-            <a:extLst>
-              <a:ext uri="{FF2B5EF4-FFF2-40B4-BE49-F238E27FC236}">
-                <a16:creationId xmlns:a16="http://schemas.microsoft.com/office/drawing/2014/main" id="{8EB5BA46-B80C-4BD2-ABC1-F2D1736C5B3D}"/>
-              </a:ext>
-            </a:extLst>
-          </p:cNvPr>
-          <p:cNvSpPr txBox="1"/>
-          <p:nvPr/>
-        </p:nvSpPr>
-        <p:spPr>
-          <a:xfrm>
-            <a:off x="896075" y="5878286"/>
-            <a:ext cx="4677884" cy="307777"/>
-          </a:xfrm>
-          <a:prstGeom prst="rect">
-            <a:avLst/>
-          </a:prstGeom>
-          <a:noFill/>
-        </p:spPr>
-        <p:txBody>
-          <a:bodyPr wrap="none" rtlCol="0">
-            <a:spAutoFit/>
-          </a:bodyPr>
-          <a:lstStyle/>
-          <a:p>
-            <a:r>
-              <a:rPr lang="es-CL" sz="1400" dirty="0">
-                <a:solidFill>
-                  <a:schemeClr val="tx2">
-                    <a:lumMod val="50000"/>
-                  </a:schemeClr>
-                </a:solidFill>
-              </a:rPr>
-              <a:t>Distribución de viviendas por material (Censo 2002).</a:t>
-            </a:r>
-            <a:endParaRPr lang="es-MX" sz="1400" dirty="0">
-              <a:solidFill>
-                <a:schemeClr val="tx2">
-                  <a:lumMod val="50000"/>
-                </a:schemeClr>
-              </a:solidFill>
-            </a:endParaRPr>
-          </a:p>
-        </p:txBody>
-      </p:sp>
-      <p:sp>
-        <p:nvSpPr>
-          <p:cNvPr id="10" name="TextBox 9">
-            <a:extLst>
-              <a:ext uri="{FF2B5EF4-FFF2-40B4-BE49-F238E27FC236}">
-                <a16:creationId xmlns:a16="http://schemas.microsoft.com/office/drawing/2014/main" id="{3D87D2CF-0C5B-4FD3-B0B1-9C7F1A7F519E}"/>
-              </a:ext>
-            </a:extLst>
-          </p:cNvPr>
-          <p:cNvSpPr txBox="1"/>
-          <p:nvPr/>
-        </p:nvSpPr>
-        <p:spPr>
-          <a:xfrm>
-            <a:off x="6659125" y="6334780"/>
-            <a:ext cx="5428342" cy="523220"/>
-          </a:xfrm>
-          <a:prstGeom prst="rect">
-            <a:avLst/>
-          </a:prstGeom>
-          <a:noFill/>
-        </p:spPr>
-        <p:txBody>
-          <a:bodyPr wrap="square" rtlCol="0">
-            <a:spAutoFit/>
-          </a:bodyPr>
-          <a:lstStyle/>
-          <a:p>
-            <a:r>
-              <a:rPr lang="es-CL" sz="1400" dirty="0">
-                <a:solidFill>
-                  <a:schemeClr val="tx2">
-                    <a:lumMod val="50000"/>
-                  </a:schemeClr>
-                </a:solidFill>
-              </a:rPr>
-              <a:t>Uso de albañilería, hormigón y madera en los últimos años (INE, 2002-2017).</a:t>
-            </a:r>
-          </a:p>
-        </p:txBody>
-      </p:sp>
-    </p:spTree>
-    <p:extLst>
-      <p:ext uri="{BB962C8B-B14F-4D97-AF65-F5344CB8AC3E}">
-        <p14:creationId xmlns:p14="http://schemas.microsoft.com/office/powerpoint/2010/main" val="3139984690"/>
-      </p:ext>
-    </p:extLst>
-  </p:cSld>
-  <p:clrMapOvr>
-    <a:masterClrMapping/>
-  </p:clrMapOvr>
-</p:sld>
-</file>
-
-<file path=ppt/slides/slide9.xml><?xml version="1.0" encoding="utf-8"?>
+<file path=ppt/slides/slide11.xml><?xml version="1.0" encoding="utf-8"?>
 <p:sld xmlns:a="http://schemas.openxmlformats.org/drawingml/2006/main" xmlns:r="http://schemas.openxmlformats.org/officeDocument/2006/relationships" xmlns:p="http://schemas.openxmlformats.org/presentationml/2006/main">
   <p:cSld>
     <p:spTree>
@@ -8862,6 +6391,2706 @@
     <p:extLst>
       <p:ext uri="{BB962C8B-B14F-4D97-AF65-F5344CB8AC3E}">
         <p14:creationId xmlns:p14="http://schemas.microsoft.com/office/powerpoint/2010/main" val="1064455975"/>
+      </p:ext>
+    </p:extLst>
+  </p:cSld>
+  <p:clrMapOvr>
+    <a:masterClrMapping/>
+  </p:clrMapOvr>
+</p:sld>
+</file>
+
+<file path=ppt/slides/slide12.xml><?xml version="1.0" encoding="utf-8"?>
+<p:sld xmlns:a="http://schemas.openxmlformats.org/drawingml/2006/main" xmlns:r="http://schemas.openxmlformats.org/officeDocument/2006/relationships" xmlns:p="http://schemas.openxmlformats.org/presentationml/2006/main">
+  <p:cSld>
+    <p:spTree>
+      <p:nvGrpSpPr>
+        <p:cNvPr id="1" name=""/>
+        <p:cNvGrpSpPr/>
+        <p:nvPr/>
+      </p:nvGrpSpPr>
+      <p:grpSpPr>
+        <a:xfrm>
+          <a:off x="0" y="0"/>
+          <a:ext cx="0" cy="0"/>
+          <a:chOff x="0" y="0"/>
+          <a:chExt cx="0" cy="0"/>
+        </a:xfrm>
+      </p:grpSpPr>
+      <p:sp>
+        <p:nvSpPr>
+          <p:cNvPr id="4" name="Title 1">
+            <a:extLst>
+              <a:ext uri="{FF2B5EF4-FFF2-40B4-BE49-F238E27FC236}">
+                <a16:creationId xmlns:a16="http://schemas.microsoft.com/office/drawing/2014/main" id="{B2945E88-F542-47CA-8EC5-B4AE0EA70314}"/>
+              </a:ext>
+            </a:extLst>
+          </p:cNvPr>
+          <p:cNvSpPr>
+            <a:spLocks noGrp="1"/>
+          </p:cNvSpPr>
+          <p:nvPr>
+            <p:ph type="title"/>
+          </p:nvPr>
+        </p:nvSpPr>
+        <p:spPr>
+          <a:xfrm>
+            <a:off x="810000" y="447188"/>
+            <a:ext cx="10571998" cy="970450"/>
+          </a:xfrm>
+        </p:spPr>
+        <p:txBody>
+          <a:bodyPr/>
+          <a:lstStyle/>
+          <a:p>
+            <a:r>
+              <a:rPr lang="es-CL" dirty="0"/>
+              <a:t>USO EN CHILE</a:t>
+            </a:r>
+            <a:endParaRPr lang="es-MX" dirty="0"/>
+          </a:p>
+        </p:txBody>
+      </p:sp>
+      <p:pic>
+        <p:nvPicPr>
+          <p:cNvPr id="6" name="Content Placeholder 5">
+            <a:extLst>
+              <a:ext uri="{FF2B5EF4-FFF2-40B4-BE49-F238E27FC236}">
+                <a16:creationId xmlns:a16="http://schemas.microsoft.com/office/drawing/2014/main" id="{AB623279-9D42-4E97-BA93-FA698E4F3F4E}"/>
+              </a:ext>
+            </a:extLst>
+          </p:cNvPr>
+          <p:cNvPicPr>
+            <a:picLocks noGrp="1" noChangeAspect="1"/>
+          </p:cNvPicPr>
+          <p:nvPr>
+            <p:ph idx="1"/>
+          </p:nvPr>
+        </p:nvPicPr>
+        <p:blipFill rotWithShape="1">
+          <a:blip r:embed="rId2">
+            <a:extLst>
+              <a:ext uri="{28A0092B-C50C-407E-A947-70E740481C1C}">
+                <a14:useLocalDpi xmlns:a14="http://schemas.microsoft.com/office/drawing/2010/main" val="0"/>
+              </a:ext>
+            </a:extLst>
+          </a:blip>
+          <a:srcRect t="19958"/>
+          <a:stretch/>
+        </p:blipFill>
+        <p:spPr>
+          <a:xfrm>
+            <a:off x="2495998" y="2349000"/>
+            <a:ext cx="7426878" cy="3960000"/>
+          </a:xfrm>
+          <a:prstGeom prst="rect">
+            <a:avLst/>
+          </a:prstGeom>
+        </p:spPr>
+      </p:pic>
+      <p:sp>
+        <p:nvSpPr>
+          <p:cNvPr id="11" name="TextBox 10">
+            <a:extLst>
+              <a:ext uri="{FF2B5EF4-FFF2-40B4-BE49-F238E27FC236}">
+                <a16:creationId xmlns:a16="http://schemas.microsoft.com/office/drawing/2014/main" id="{F0B110A5-529C-420E-967E-B6FA5F077918}"/>
+              </a:ext>
+            </a:extLst>
+          </p:cNvPr>
+          <p:cNvSpPr txBox="1"/>
+          <p:nvPr/>
+        </p:nvSpPr>
+        <p:spPr>
+          <a:xfrm>
+            <a:off x="4403869" y="6410812"/>
+            <a:ext cx="3384261" cy="307777"/>
+          </a:xfrm>
+          <a:prstGeom prst="rect">
+            <a:avLst/>
+          </a:prstGeom>
+          <a:noFill/>
+        </p:spPr>
+        <p:txBody>
+          <a:bodyPr wrap="none" rtlCol="0">
+            <a:spAutoFit/>
+          </a:bodyPr>
+          <a:lstStyle/>
+          <a:p>
+            <a:pPr algn="ctr"/>
+            <a:r>
+              <a:rPr lang="es-CL" sz="1400" dirty="0">
+                <a:solidFill>
+                  <a:schemeClr val="tx2">
+                    <a:lumMod val="50000"/>
+                  </a:schemeClr>
+                </a:solidFill>
+              </a:rPr>
+              <a:t>Edificio ex arsenales de guerra. 1985.</a:t>
+            </a:r>
+            <a:endParaRPr lang="es-MX" sz="1400" dirty="0">
+              <a:solidFill>
+                <a:schemeClr val="tx2">
+                  <a:lumMod val="50000"/>
+                </a:schemeClr>
+              </a:solidFill>
+            </a:endParaRPr>
+          </a:p>
+        </p:txBody>
+      </p:sp>
+    </p:spTree>
+    <p:extLst>
+      <p:ext uri="{BB962C8B-B14F-4D97-AF65-F5344CB8AC3E}">
+        <p14:creationId xmlns:p14="http://schemas.microsoft.com/office/powerpoint/2010/main" val="1685380237"/>
+      </p:ext>
+    </p:extLst>
+  </p:cSld>
+  <p:clrMapOvr>
+    <a:masterClrMapping/>
+  </p:clrMapOvr>
+</p:sld>
+</file>
+
+<file path=ppt/slides/slide13.xml><?xml version="1.0" encoding="utf-8"?>
+<p:sld xmlns:a="http://schemas.openxmlformats.org/drawingml/2006/main" xmlns:r="http://schemas.openxmlformats.org/officeDocument/2006/relationships" xmlns:p="http://schemas.openxmlformats.org/presentationml/2006/main">
+  <p:cSld>
+    <p:spTree>
+      <p:nvGrpSpPr>
+        <p:cNvPr id="1" name=""/>
+        <p:cNvGrpSpPr/>
+        <p:nvPr/>
+      </p:nvGrpSpPr>
+      <p:grpSpPr>
+        <a:xfrm>
+          <a:off x="0" y="0"/>
+          <a:ext cx="0" cy="0"/>
+          <a:chOff x="0" y="0"/>
+          <a:chExt cx="0" cy="0"/>
+        </a:xfrm>
+      </p:grpSpPr>
+      <p:pic>
+        <p:nvPicPr>
+          <p:cNvPr id="4" name="Picture 3">
+            <a:extLst>
+              <a:ext uri="{FF2B5EF4-FFF2-40B4-BE49-F238E27FC236}">
+                <a16:creationId xmlns:a16="http://schemas.microsoft.com/office/drawing/2014/main" id="{77ABA89A-CE3A-43C0-9FE0-07324529052A}"/>
+              </a:ext>
+            </a:extLst>
+          </p:cNvPr>
+          <p:cNvPicPr>
+            <a:picLocks noChangeAspect="1"/>
+          </p:cNvPicPr>
+          <p:nvPr/>
+        </p:nvPicPr>
+        <p:blipFill rotWithShape="1">
+          <a:blip r:embed="rId2">
+            <a:extLst>
+              <a:ext uri="{28A0092B-C50C-407E-A947-70E740481C1C}">
+                <a14:useLocalDpi xmlns:a14="http://schemas.microsoft.com/office/drawing/2010/main" val="0"/>
+              </a:ext>
+            </a:extLst>
+          </a:blip>
+          <a:srcRect t="3854" b="10881"/>
+          <a:stretch/>
+        </p:blipFill>
+        <p:spPr>
+          <a:xfrm>
+            <a:off x="2495998" y="2349000"/>
+            <a:ext cx="7379309" cy="3960000"/>
+          </a:xfrm>
+          <a:prstGeom prst="rect">
+            <a:avLst/>
+          </a:prstGeom>
+        </p:spPr>
+      </p:pic>
+      <p:sp>
+        <p:nvSpPr>
+          <p:cNvPr id="5" name="TextBox 4">
+            <a:extLst>
+              <a:ext uri="{FF2B5EF4-FFF2-40B4-BE49-F238E27FC236}">
+                <a16:creationId xmlns:a16="http://schemas.microsoft.com/office/drawing/2014/main" id="{CBA1368A-3808-40CE-B601-39BE633B4B23}"/>
+              </a:ext>
+            </a:extLst>
+          </p:cNvPr>
+          <p:cNvSpPr txBox="1"/>
+          <p:nvPr/>
+        </p:nvSpPr>
+        <p:spPr>
+          <a:xfrm>
+            <a:off x="4131359" y="6410325"/>
+            <a:ext cx="3929281" cy="307777"/>
+          </a:xfrm>
+          <a:prstGeom prst="rect">
+            <a:avLst/>
+          </a:prstGeom>
+          <a:noFill/>
+        </p:spPr>
+        <p:txBody>
+          <a:bodyPr wrap="none" rtlCol="0">
+            <a:spAutoFit/>
+          </a:bodyPr>
+          <a:lstStyle/>
+          <a:p>
+            <a:pPr algn="ctr"/>
+            <a:r>
+              <a:rPr lang="es-CL" sz="1400" dirty="0">
+                <a:solidFill>
+                  <a:schemeClr val="tx2">
+                    <a:lumMod val="50000"/>
+                  </a:schemeClr>
+                </a:solidFill>
+              </a:rPr>
+              <a:t>Iglesia y Convento de San Francisco. 1618. </a:t>
+            </a:r>
+            <a:endParaRPr lang="es-MX" sz="1400" dirty="0">
+              <a:solidFill>
+                <a:schemeClr val="tx2">
+                  <a:lumMod val="50000"/>
+                </a:schemeClr>
+              </a:solidFill>
+            </a:endParaRPr>
+          </a:p>
+        </p:txBody>
+      </p:sp>
+      <p:sp>
+        <p:nvSpPr>
+          <p:cNvPr id="6" name="Title 1">
+            <a:extLst>
+              <a:ext uri="{FF2B5EF4-FFF2-40B4-BE49-F238E27FC236}">
+                <a16:creationId xmlns:a16="http://schemas.microsoft.com/office/drawing/2014/main" id="{84D9D71C-C2E3-4446-966A-B17F4DE05698}"/>
+              </a:ext>
+            </a:extLst>
+          </p:cNvPr>
+          <p:cNvSpPr>
+            <a:spLocks noGrp="1"/>
+          </p:cNvSpPr>
+          <p:nvPr>
+            <p:ph type="title"/>
+          </p:nvPr>
+        </p:nvSpPr>
+        <p:spPr>
+          <a:xfrm>
+            <a:off x="809625" y="447675"/>
+            <a:ext cx="10572750" cy="969963"/>
+          </a:xfrm>
+        </p:spPr>
+        <p:txBody>
+          <a:bodyPr/>
+          <a:lstStyle/>
+          <a:p>
+            <a:r>
+              <a:rPr lang="es-CL" dirty="0"/>
+              <a:t>USO EN CHILE</a:t>
+            </a:r>
+            <a:endParaRPr lang="es-MX" dirty="0"/>
+          </a:p>
+        </p:txBody>
+      </p:sp>
+    </p:spTree>
+    <p:extLst>
+      <p:ext uri="{BB962C8B-B14F-4D97-AF65-F5344CB8AC3E}">
+        <p14:creationId xmlns:p14="http://schemas.microsoft.com/office/powerpoint/2010/main" val="3650914507"/>
+      </p:ext>
+    </p:extLst>
+  </p:cSld>
+  <p:clrMapOvr>
+    <a:masterClrMapping/>
+  </p:clrMapOvr>
+</p:sld>
+</file>
+
+<file path=ppt/slides/slide14.xml><?xml version="1.0" encoding="utf-8"?>
+<p:sld xmlns:a="http://schemas.openxmlformats.org/drawingml/2006/main" xmlns:r="http://schemas.openxmlformats.org/officeDocument/2006/relationships" xmlns:p="http://schemas.openxmlformats.org/presentationml/2006/main">
+  <p:cSld>
+    <p:spTree>
+      <p:nvGrpSpPr>
+        <p:cNvPr id="1" name=""/>
+        <p:cNvGrpSpPr/>
+        <p:nvPr/>
+      </p:nvGrpSpPr>
+      <p:grpSpPr>
+        <a:xfrm>
+          <a:off x="0" y="0"/>
+          <a:ext cx="0" cy="0"/>
+          <a:chOff x="0" y="0"/>
+          <a:chExt cx="0" cy="0"/>
+        </a:xfrm>
+      </p:grpSpPr>
+      <p:pic>
+        <p:nvPicPr>
+          <p:cNvPr id="4" name="Picture 3">
+            <a:extLst>
+              <a:ext uri="{FF2B5EF4-FFF2-40B4-BE49-F238E27FC236}">
+                <a16:creationId xmlns:a16="http://schemas.microsoft.com/office/drawing/2014/main" id="{E24A22A6-B7E4-49D6-AB0A-2F23A09E4965}"/>
+              </a:ext>
+            </a:extLst>
+          </p:cNvPr>
+          <p:cNvPicPr>
+            <a:picLocks noChangeAspect="1"/>
+          </p:cNvPicPr>
+          <p:nvPr/>
+        </p:nvPicPr>
+        <p:blipFill rotWithShape="1">
+          <a:blip r:embed="rId2">
+            <a:extLst>
+              <a:ext uri="{28A0092B-C50C-407E-A947-70E740481C1C}">
+                <a14:useLocalDpi xmlns:a14="http://schemas.microsoft.com/office/drawing/2010/main" val="0"/>
+              </a:ext>
+            </a:extLst>
+          </a:blip>
+          <a:srcRect t="3998" b="2859"/>
+          <a:stretch/>
+        </p:blipFill>
+        <p:spPr>
+          <a:xfrm>
+            <a:off x="2496000" y="2349000"/>
+            <a:ext cx="7555420" cy="3960000"/>
+          </a:xfrm>
+          <a:prstGeom prst="rect">
+            <a:avLst/>
+          </a:prstGeom>
+        </p:spPr>
+      </p:pic>
+      <p:sp>
+        <p:nvSpPr>
+          <p:cNvPr id="6" name="Title 1">
+            <a:extLst>
+              <a:ext uri="{FF2B5EF4-FFF2-40B4-BE49-F238E27FC236}">
+                <a16:creationId xmlns:a16="http://schemas.microsoft.com/office/drawing/2014/main" id="{31BB28F8-8614-4253-A96F-CB2EE9A9DE19}"/>
+              </a:ext>
+            </a:extLst>
+          </p:cNvPr>
+          <p:cNvSpPr>
+            <a:spLocks noGrp="1"/>
+          </p:cNvSpPr>
+          <p:nvPr>
+            <p:ph type="title"/>
+          </p:nvPr>
+        </p:nvSpPr>
+        <p:spPr>
+          <a:xfrm>
+            <a:off x="810000" y="447188"/>
+            <a:ext cx="10571998" cy="970450"/>
+          </a:xfrm>
+        </p:spPr>
+        <p:txBody>
+          <a:bodyPr/>
+          <a:lstStyle/>
+          <a:p>
+            <a:r>
+              <a:rPr lang="es-CL" dirty="0"/>
+              <a:t>USO EN CHILE</a:t>
+            </a:r>
+            <a:endParaRPr lang="es-MX" dirty="0"/>
+          </a:p>
+        </p:txBody>
+      </p:sp>
+      <p:sp>
+        <p:nvSpPr>
+          <p:cNvPr id="7" name="TextBox 6">
+            <a:extLst>
+              <a:ext uri="{FF2B5EF4-FFF2-40B4-BE49-F238E27FC236}">
+                <a16:creationId xmlns:a16="http://schemas.microsoft.com/office/drawing/2014/main" id="{2897AB38-AB48-4BEE-90C8-806C0A34F351}"/>
+              </a:ext>
+            </a:extLst>
+          </p:cNvPr>
+          <p:cNvSpPr txBox="1"/>
+          <p:nvPr/>
+        </p:nvSpPr>
+        <p:spPr>
+          <a:xfrm>
+            <a:off x="4778972" y="6410812"/>
+            <a:ext cx="2634054" cy="307777"/>
+          </a:xfrm>
+          <a:prstGeom prst="rect">
+            <a:avLst/>
+          </a:prstGeom>
+          <a:noFill/>
+        </p:spPr>
+        <p:txBody>
+          <a:bodyPr wrap="none" rtlCol="0">
+            <a:spAutoFit/>
+          </a:bodyPr>
+          <a:lstStyle/>
+          <a:p>
+            <a:pPr algn="ctr"/>
+            <a:r>
+              <a:rPr lang="es-CL" sz="1400" dirty="0">
+                <a:solidFill>
+                  <a:schemeClr val="tx2">
+                    <a:lumMod val="50000"/>
+                  </a:schemeClr>
+                </a:solidFill>
+              </a:rPr>
+              <a:t>Catedral de Santiago. 1745.</a:t>
+            </a:r>
+            <a:endParaRPr lang="es-MX" sz="1400" dirty="0">
+              <a:solidFill>
+                <a:schemeClr val="tx2">
+                  <a:lumMod val="50000"/>
+                </a:schemeClr>
+              </a:solidFill>
+            </a:endParaRPr>
+          </a:p>
+        </p:txBody>
+      </p:sp>
+    </p:spTree>
+    <p:extLst>
+      <p:ext uri="{BB962C8B-B14F-4D97-AF65-F5344CB8AC3E}">
+        <p14:creationId xmlns:p14="http://schemas.microsoft.com/office/powerpoint/2010/main" val="1609964782"/>
+      </p:ext>
+    </p:extLst>
+  </p:cSld>
+  <p:clrMapOvr>
+    <a:masterClrMapping/>
+  </p:clrMapOvr>
+</p:sld>
+</file>
+
+<file path=ppt/slides/slide15.xml><?xml version="1.0" encoding="utf-8"?>
+<p:sld xmlns:a="http://schemas.openxmlformats.org/drawingml/2006/main" xmlns:r="http://schemas.openxmlformats.org/officeDocument/2006/relationships" xmlns:p="http://schemas.openxmlformats.org/presentationml/2006/main">
+  <p:cSld>
+    <p:spTree>
+      <p:nvGrpSpPr>
+        <p:cNvPr id="1" name=""/>
+        <p:cNvGrpSpPr/>
+        <p:nvPr/>
+      </p:nvGrpSpPr>
+      <p:grpSpPr>
+        <a:xfrm>
+          <a:off x="0" y="0"/>
+          <a:ext cx="0" cy="0"/>
+          <a:chOff x="0" y="0"/>
+          <a:chExt cx="0" cy="0"/>
+        </a:xfrm>
+      </p:grpSpPr>
+      <p:sp>
+        <p:nvSpPr>
+          <p:cNvPr id="2" name="Título 1">
+            <a:extLst>
+              <a:ext uri="{FF2B5EF4-FFF2-40B4-BE49-F238E27FC236}">
+                <a16:creationId xmlns:a16="http://schemas.microsoft.com/office/drawing/2014/main" id="{7963A088-C063-40F0-8AD2-8AAC6199450A}"/>
+              </a:ext>
+            </a:extLst>
+          </p:cNvPr>
+          <p:cNvSpPr>
+            <a:spLocks noGrp="1"/>
+          </p:cNvSpPr>
+          <p:nvPr>
+            <p:ph type="title"/>
+          </p:nvPr>
+        </p:nvSpPr>
+        <p:spPr/>
+        <p:txBody>
+          <a:bodyPr/>
+          <a:lstStyle/>
+          <a:p>
+            <a:r>
+              <a:rPr lang="es-CL" dirty="0"/>
+              <a:t>USO EN EL MUNDO</a:t>
+            </a:r>
+          </a:p>
+        </p:txBody>
+      </p:sp>
+      <p:sp>
+        <p:nvSpPr>
+          <p:cNvPr id="3" name="Marcador de contenido 2">
+            <a:extLst>
+              <a:ext uri="{FF2B5EF4-FFF2-40B4-BE49-F238E27FC236}">
+                <a16:creationId xmlns:a16="http://schemas.microsoft.com/office/drawing/2014/main" id="{22ABBA1F-64A6-4E9A-90FE-8AC824113733}"/>
+              </a:ext>
+            </a:extLst>
+          </p:cNvPr>
+          <p:cNvSpPr>
+            <a:spLocks noGrp="1"/>
+          </p:cNvSpPr>
+          <p:nvPr>
+            <p:ph idx="1"/>
+          </p:nvPr>
+        </p:nvSpPr>
+        <p:spPr>
+          <a:xfrm>
+            <a:off x="818712" y="2222287"/>
+            <a:ext cx="5669174" cy="3636511"/>
+          </a:xfrm>
+        </p:spPr>
+        <p:txBody>
+          <a:bodyPr/>
+          <a:lstStyle/>
+          <a:p>
+            <a:r>
+              <a:rPr lang="es-CL" dirty="0"/>
+              <a:t>India – 84.7% de los 249 millones de viviendas (Censo 2001)</a:t>
+            </a:r>
+          </a:p>
+          <a:p>
+            <a:r>
+              <a:rPr lang="es-CL" dirty="0"/>
+              <a:t>México – 80% de los 22 millones de viviendas (Censo 2000)</a:t>
+            </a:r>
+          </a:p>
+        </p:txBody>
+      </p:sp>
+      <p:pic>
+        <p:nvPicPr>
+          <p:cNvPr id="5" name="Picture 4">
+            <a:extLst>
+              <a:ext uri="{FF2B5EF4-FFF2-40B4-BE49-F238E27FC236}">
+                <a16:creationId xmlns:a16="http://schemas.microsoft.com/office/drawing/2014/main" id="{5D070CE7-8EA6-4620-B2B7-0CF4A3587806}"/>
+              </a:ext>
+            </a:extLst>
+          </p:cNvPr>
+          <p:cNvPicPr>
+            <a:picLocks noChangeAspect="1"/>
+          </p:cNvPicPr>
+          <p:nvPr/>
+        </p:nvPicPr>
+        <p:blipFill>
+          <a:blip r:embed="rId2">
+            <a:extLst>
+              <a:ext uri="{28A0092B-C50C-407E-A947-70E740481C1C}">
+                <a14:useLocalDpi xmlns:a14="http://schemas.microsoft.com/office/drawing/2010/main" val="0"/>
+              </a:ext>
+            </a:extLst>
+          </a:blip>
+          <a:stretch>
+            <a:fillRect/>
+          </a:stretch>
+        </p:blipFill>
+        <p:spPr>
+          <a:xfrm>
+            <a:off x="6663871" y="2023053"/>
+            <a:ext cx="5400000" cy="4778491"/>
+          </a:xfrm>
+          <a:prstGeom prst="rect">
+            <a:avLst/>
+          </a:prstGeom>
+        </p:spPr>
+      </p:pic>
+    </p:spTree>
+    <p:extLst>
+      <p:ext uri="{BB962C8B-B14F-4D97-AF65-F5344CB8AC3E}">
+        <p14:creationId xmlns:p14="http://schemas.microsoft.com/office/powerpoint/2010/main" val="1223577235"/>
+      </p:ext>
+    </p:extLst>
+  </p:cSld>
+  <p:clrMapOvr>
+    <a:masterClrMapping/>
+  </p:clrMapOvr>
+</p:sld>
+</file>
+
+<file path=ppt/slides/slide16.xml><?xml version="1.0" encoding="utf-8"?>
+<p:sld xmlns:a="http://schemas.openxmlformats.org/drawingml/2006/main" xmlns:r="http://schemas.openxmlformats.org/officeDocument/2006/relationships" xmlns:p="http://schemas.openxmlformats.org/presentationml/2006/main">
+  <p:cSld>
+    <p:spTree>
+      <p:nvGrpSpPr>
+        <p:cNvPr id="1" name=""/>
+        <p:cNvGrpSpPr/>
+        <p:nvPr/>
+      </p:nvGrpSpPr>
+      <p:grpSpPr>
+        <a:xfrm>
+          <a:off x="0" y="0"/>
+          <a:ext cx="0" cy="0"/>
+          <a:chOff x="0" y="0"/>
+          <a:chExt cx="0" cy="0"/>
+        </a:xfrm>
+      </p:grpSpPr>
+      <p:pic>
+        <p:nvPicPr>
+          <p:cNvPr id="7" name="Content Placeholder 6">
+            <a:extLst>
+              <a:ext uri="{FF2B5EF4-FFF2-40B4-BE49-F238E27FC236}">
+                <a16:creationId xmlns:a16="http://schemas.microsoft.com/office/drawing/2014/main" id="{89BBC492-7091-4548-A170-30F4A8AD8468}"/>
+              </a:ext>
+            </a:extLst>
+          </p:cNvPr>
+          <p:cNvPicPr>
+            <a:picLocks noGrp="1" noChangeAspect="1"/>
+          </p:cNvPicPr>
+          <p:nvPr>
+            <p:ph idx="1"/>
+          </p:nvPr>
+        </p:nvPicPr>
+        <p:blipFill>
+          <a:blip r:embed="rId2">
+            <a:extLst>
+              <a:ext uri="{28A0092B-C50C-407E-A947-70E740481C1C}">
+                <a14:useLocalDpi xmlns:a14="http://schemas.microsoft.com/office/drawing/2010/main" val="0"/>
+              </a:ext>
+            </a:extLst>
+          </a:blip>
+          <a:stretch>
+            <a:fillRect/>
+          </a:stretch>
+        </p:blipFill>
+        <p:spPr>
+          <a:xfrm>
+            <a:off x="3149566" y="2349000"/>
+            <a:ext cx="5892865" cy="3960000"/>
+          </a:xfrm>
+        </p:spPr>
+      </p:pic>
+      <p:sp>
+        <p:nvSpPr>
+          <p:cNvPr id="4" name="Título 1">
+            <a:extLst>
+              <a:ext uri="{FF2B5EF4-FFF2-40B4-BE49-F238E27FC236}">
+                <a16:creationId xmlns:a16="http://schemas.microsoft.com/office/drawing/2014/main" id="{AF663B75-FE4D-466B-83D6-4E6417C766A1}"/>
+              </a:ext>
+            </a:extLst>
+          </p:cNvPr>
+          <p:cNvSpPr>
+            <a:spLocks noGrp="1"/>
+          </p:cNvSpPr>
+          <p:nvPr>
+            <p:ph type="title"/>
+          </p:nvPr>
+        </p:nvSpPr>
+        <p:spPr>
+          <a:xfrm>
+            <a:off x="809625" y="447675"/>
+            <a:ext cx="10572750" cy="969963"/>
+          </a:xfrm>
+        </p:spPr>
+        <p:txBody>
+          <a:bodyPr/>
+          <a:lstStyle/>
+          <a:p>
+            <a:r>
+              <a:rPr lang="es-CL" dirty="0"/>
+              <a:t>USO EN EL MUNDO</a:t>
+            </a:r>
+          </a:p>
+        </p:txBody>
+      </p:sp>
+      <p:sp>
+        <p:nvSpPr>
+          <p:cNvPr id="5" name="TextBox 4">
+            <a:extLst>
+              <a:ext uri="{FF2B5EF4-FFF2-40B4-BE49-F238E27FC236}">
+                <a16:creationId xmlns:a16="http://schemas.microsoft.com/office/drawing/2014/main" id="{5E983FE7-9FBA-4F76-9E08-C85BE4B1B9DE}"/>
+              </a:ext>
+            </a:extLst>
+          </p:cNvPr>
+          <p:cNvSpPr txBox="1"/>
+          <p:nvPr/>
+        </p:nvSpPr>
+        <p:spPr>
+          <a:xfrm>
+            <a:off x="3620003" y="6410812"/>
+            <a:ext cx="4951998" cy="307777"/>
+          </a:xfrm>
+          <a:prstGeom prst="rect">
+            <a:avLst/>
+          </a:prstGeom>
+          <a:noFill/>
+        </p:spPr>
+        <p:txBody>
+          <a:bodyPr wrap="none" rtlCol="0">
+            <a:spAutoFit/>
+          </a:bodyPr>
+          <a:lstStyle/>
+          <a:p>
+            <a:pPr algn="ctr"/>
+            <a:r>
+              <a:rPr lang="es-CL" sz="1400" dirty="0">
+                <a:solidFill>
+                  <a:schemeClr val="tx2">
+                    <a:lumMod val="50000"/>
+                  </a:schemeClr>
+                </a:solidFill>
+              </a:rPr>
+              <a:t>Ciudad amurallada de Shibam, Yemen. UNESCO 1982.</a:t>
+            </a:r>
+            <a:endParaRPr lang="es-MX" sz="1400" dirty="0">
+              <a:solidFill>
+                <a:schemeClr val="tx2">
+                  <a:lumMod val="50000"/>
+                </a:schemeClr>
+              </a:solidFill>
+            </a:endParaRPr>
+          </a:p>
+        </p:txBody>
+      </p:sp>
+    </p:spTree>
+    <p:extLst>
+      <p:ext uri="{BB962C8B-B14F-4D97-AF65-F5344CB8AC3E}">
+        <p14:creationId xmlns:p14="http://schemas.microsoft.com/office/powerpoint/2010/main" val="2474401624"/>
+      </p:ext>
+    </p:extLst>
+  </p:cSld>
+  <p:clrMapOvr>
+    <a:masterClrMapping/>
+  </p:clrMapOvr>
+</p:sld>
+</file>
+
+<file path=ppt/slides/slide17.xml><?xml version="1.0" encoding="utf-8"?>
+<p:sld xmlns:a="http://schemas.openxmlformats.org/drawingml/2006/main" xmlns:r="http://schemas.openxmlformats.org/officeDocument/2006/relationships" xmlns:p="http://schemas.openxmlformats.org/presentationml/2006/main">
+  <p:cSld>
+    <p:spTree>
+      <p:nvGrpSpPr>
+        <p:cNvPr id="1" name=""/>
+        <p:cNvGrpSpPr/>
+        <p:nvPr/>
+      </p:nvGrpSpPr>
+      <p:grpSpPr>
+        <a:xfrm>
+          <a:off x="0" y="0"/>
+          <a:ext cx="0" cy="0"/>
+          <a:chOff x="0" y="0"/>
+          <a:chExt cx="0" cy="0"/>
+        </a:xfrm>
+      </p:grpSpPr>
+      <p:pic>
+        <p:nvPicPr>
+          <p:cNvPr id="7" name="Content Placeholder 6">
+            <a:extLst>
+              <a:ext uri="{FF2B5EF4-FFF2-40B4-BE49-F238E27FC236}">
+                <a16:creationId xmlns:a16="http://schemas.microsoft.com/office/drawing/2014/main" id="{735AF198-C2B6-4398-885E-65996DC38AD3}"/>
+              </a:ext>
+            </a:extLst>
+          </p:cNvPr>
+          <p:cNvPicPr>
+            <a:picLocks noGrp="1" noChangeAspect="1"/>
+          </p:cNvPicPr>
+          <p:nvPr>
+            <p:ph idx="1"/>
+          </p:nvPr>
+        </p:nvPicPr>
+        <p:blipFill>
+          <a:blip r:embed="rId2">
+            <a:extLst>
+              <a:ext uri="{28A0092B-C50C-407E-A947-70E740481C1C}">
+                <a14:useLocalDpi xmlns:a14="http://schemas.microsoft.com/office/drawing/2010/main" val="0"/>
+              </a:ext>
+            </a:extLst>
+          </a:blip>
+          <a:stretch>
+            <a:fillRect/>
+          </a:stretch>
+        </p:blipFill>
+        <p:spPr>
+          <a:xfrm>
+            <a:off x="3436691" y="2349000"/>
+            <a:ext cx="5318617" cy="3960000"/>
+          </a:xfrm>
+        </p:spPr>
+      </p:pic>
+      <p:sp>
+        <p:nvSpPr>
+          <p:cNvPr id="4" name="Título 1">
+            <a:extLst>
+              <a:ext uri="{FF2B5EF4-FFF2-40B4-BE49-F238E27FC236}">
+                <a16:creationId xmlns:a16="http://schemas.microsoft.com/office/drawing/2014/main" id="{31AAC927-8005-4692-9074-BEF9323C0B0E}"/>
+              </a:ext>
+            </a:extLst>
+          </p:cNvPr>
+          <p:cNvSpPr>
+            <a:spLocks noGrp="1"/>
+          </p:cNvSpPr>
+          <p:nvPr>
+            <p:ph type="title"/>
+          </p:nvPr>
+        </p:nvSpPr>
+        <p:spPr>
+          <a:xfrm>
+            <a:off x="809625" y="447675"/>
+            <a:ext cx="10572750" cy="969963"/>
+          </a:xfrm>
+        </p:spPr>
+        <p:txBody>
+          <a:bodyPr/>
+          <a:lstStyle/>
+          <a:p>
+            <a:r>
+              <a:rPr lang="es-CL" dirty="0"/>
+              <a:t>USO EN EL MUNDO</a:t>
+            </a:r>
+          </a:p>
+        </p:txBody>
+      </p:sp>
+      <p:sp>
+        <p:nvSpPr>
+          <p:cNvPr id="5" name="TextBox 4">
+            <a:extLst>
+              <a:ext uri="{FF2B5EF4-FFF2-40B4-BE49-F238E27FC236}">
+                <a16:creationId xmlns:a16="http://schemas.microsoft.com/office/drawing/2014/main" id="{5EFFD271-0659-4DF5-B02E-6B0BD807F52A}"/>
+              </a:ext>
+            </a:extLst>
+          </p:cNvPr>
+          <p:cNvSpPr txBox="1"/>
+          <p:nvPr/>
+        </p:nvSpPr>
+        <p:spPr>
+          <a:xfrm>
+            <a:off x="3922172" y="6410325"/>
+            <a:ext cx="4347665" cy="307777"/>
+          </a:xfrm>
+          <a:prstGeom prst="rect">
+            <a:avLst/>
+          </a:prstGeom>
+          <a:noFill/>
+        </p:spPr>
+        <p:txBody>
+          <a:bodyPr wrap="none" rtlCol="0">
+            <a:spAutoFit/>
+          </a:bodyPr>
+          <a:lstStyle/>
+          <a:p>
+            <a:pPr algn="ctr"/>
+            <a:r>
+              <a:rPr lang="es-CL" sz="1400" dirty="0">
+                <a:solidFill>
+                  <a:schemeClr val="tx2">
+                    <a:lumMod val="50000"/>
+                  </a:schemeClr>
+                </a:solidFill>
+              </a:rPr>
+              <a:t>Edificio Monadnock, Chicago. 1981. NRHP 1970.</a:t>
+            </a:r>
+            <a:endParaRPr lang="es-MX" sz="1400" dirty="0">
+              <a:solidFill>
+                <a:schemeClr val="tx2">
+                  <a:lumMod val="50000"/>
+                </a:schemeClr>
+              </a:solidFill>
+            </a:endParaRPr>
+          </a:p>
+        </p:txBody>
+      </p:sp>
+    </p:spTree>
+    <p:extLst>
+      <p:ext uri="{BB962C8B-B14F-4D97-AF65-F5344CB8AC3E}">
+        <p14:creationId xmlns:p14="http://schemas.microsoft.com/office/powerpoint/2010/main" val="2745863721"/>
+      </p:ext>
+    </p:extLst>
+  </p:cSld>
+  <p:clrMapOvr>
+    <a:masterClrMapping/>
+  </p:clrMapOvr>
+</p:sld>
+</file>
+
+<file path=ppt/slides/slide18.xml><?xml version="1.0" encoding="utf-8"?>
+<p:sld xmlns:a="http://schemas.openxmlformats.org/drawingml/2006/main" xmlns:r="http://schemas.openxmlformats.org/officeDocument/2006/relationships" xmlns:p="http://schemas.openxmlformats.org/presentationml/2006/main">
+  <p:cSld>
+    <p:spTree>
+      <p:nvGrpSpPr>
+        <p:cNvPr id="1" name=""/>
+        <p:cNvGrpSpPr/>
+        <p:nvPr/>
+      </p:nvGrpSpPr>
+      <p:grpSpPr>
+        <a:xfrm>
+          <a:off x="0" y="0"/>
+          <a:ext cx="0" cy="0"/>
+          <a:chOff x="0" y="0"/>
+          <a:chExt cx="0" cy="0"/>
+        </a:xfrm>
+      </p:grpSpPr>
+      <p:sp>
+        <p:nvSpPr>
+          <p:cNvPr id="4" name="Título 1">
+            <a:extLst>
+              <a:ext uri="{FF2B5EF4-FFF2-40B4-BE49-F238E27FC236}">
+                <a16:creationId xmlns:a16="http://schemas.microsoft.com/office/drawing/2014/main" id="{41C5A8C7-7AE3-492F-AF8A-097B5AF713CD}"/>
+              </a:ext>
+            </a:extLst>
+          </p:cNvPr>
+          <p:cNvSpPr>
+            <a:spLocks noGrp="1"/>
+          </p:cNvSpPr>
+          <p:nvPr>
+            <p:ph type="title"/>
+          </p:nvPr>
+        </p:nvSpPr>
+        <p:spPr>
+          <a:xfrm>
+            <a:off x="809625" y="447675"/>
+            <a:ext cx="10572750" cy="969963"/>
+          </a:xfrm>
+        </p:spPr>
+        <p:txBody>
+          <a:bodyPr/>
+          <a:lstStyle/>
+          <a:p>
+            <a:r>
+              <a:rPr lang="es-CL" dirty="0"/>
+              <a:t>USO EN EL MUNDO</a:t>
+            </a:r>
+          </a:p>
+        </p:txBody>
+      </p:sp>
+      <p:sp>
+        <p:nvSpPr>
+          <p:cNvPr id="5" name="TextBox 4">
+            <a:extLst>
+              <a:ext uri="{FF2B5EF4-FFF2-40B4-BE49-F238E27FC236}">
+                <a16:creationId xmlns:a16="http://schemas.microsoft.com/office/drawing/2014/main" id="{40915CB3-0140-408F-B249-4ADFAF02F3C6}"/>
+              </a:ext>
+            </a:extLst>
+          </p:cNvPr>
+          <p:cNvSpPr txBox="1"/>
+          <p:nvPr/>
+        </p:nvSpPr>
+        <p:spPr>
+          <a:xfrm>
+            <a:off x="4433531" y="6410812"/>
+            <a:ext cx="3324949" cy="307777"/>
+          </a:xfrm>
+          <a:prstGeom prst="rect">
+            <a:avLst/>
+          </a:prstGeom>
+          <a:noFill/>
+        </p:spPr>
+        <p:txBody>
+          <a:bodyPr wrap="none" rtlCol="0">
+            <a:spAutoFit/>
+          </a:bodyPr>
+          <a:lstStyle/>
+          <a:p>
+            <a:pPr algn="ctr"/>
+            <a:r>
+              <a:rPr lang="es-CL" sz="1400" dirty="0">
+                <a:solidFill>
+                  <a:schemeClr val="tx2">
+                    <a:lumMod val="50000"/>
+                  </a:schemeClr>
+                </a:solidFill>
+              </a:rPr>
+              <a:t>Catedral de San Vito, Praga. 	(1962) </a:t>
+            </a:r>
+            <a:endParaRPr lang="es-MX" sz="1400" dirty="0">
+              <a:solidFill>
+                <a:schemeClr val="tx2">
+                  <a:lumMod val="50000"/>
+                </a:schemeClr>
+              </a:solidFill>
+            </a:endParaRPr>
+          </a:p>
+        </p:txBody>
+      </p:sp>
+      <p:pic>
+        <p:nvPicPr>
+          <p:cNvPr id="11" name="Content Placeholder 10">
+            <a:extLst>
+              <a:ext uri="{FF2B5EF4-FFF2-40B4-BE49-F238E27FC236}">
+                <a16:creationId xmlns:a16="http://schemas.microsoft.com/office/drawing/2014/main" id="{369A47B0-64AC-43D0-A8B8-D63C04AB72E2}"/>
+              </a:ext>
+            </a:extLst>
+          </p:cNvPr>
+          <p:cNvPicPr>
+            <a:picLocks noGrp="1" noChangeAspect="1"/>
+          </p:cNvPicPr>
+          <p:nvPr>
+            <p:ph idx="1"/>
+          </p:nvPr>
+        </p:nvPicPr>
+        <p:blipFill>
+          <a:blip r:embed="rId2">
+            <a:extLst>
+              <a:ext uri="{28A0092B-C50C-407E-A947-70E740481C1C}">
+                <a14:useLocalDpi xmlns:a14="http://schemas.microsoft.com/office/drawing/2010/main" val="0"/>
+              </a:ext>
+            </a:extLst>
+          </a:blip>
+          <a:stretch>
+            <a:fillRect/>
+          </a:stretch>
+        </p:blipFill>
+        <p:spPr>
+          <a:xfrm>
+            <a:off x="809625" y="2450325"/>
+            <a:ext cx="7021279" cy="3960000"/>
+          </a:xfrm>
+        </p:spPr>
+      </p:pic>
+      <p:pic>
+        <p:nvPicPr>
+          <p:cNvPr id="3" name="Picture 2">
+            <a:extLst>
+              <a:ext uri="{FF2B5EF4-FFF2-40B4-BE49-F238E27FC236}">
+                <a16:creationId xmlns:a16="http://schemas.microsoft.com/office/drawing/2014/main" id="{54E8966B-21DA-44E3-83F9-78D774414E04}"/>
+              </a:ext>
+            </a:extLst>
+          </p:cNvPr>
+          <p:cNvPicPr>
+            <a:picLocks noChangeAspect="1"/>
+          </p:cNvPicPr>
+          <p:nvPr/>
+        </p:nvPicPr>
+        <p:blipFill rotWithShape="1">
+          <a:blip r:embed="rId3">
+            <a:extLst>
+              <a:ext uri="{28A0092B-C50C-407E-A947-70E740481C1C}">
+                <a14:useLocalDpi xmlns:a14="http://schemas.microsoft.com/office/drawing/2010/main" val="0"/>
+              </a:ext>
+            </a:extLst>
+          </a:blip>
+          <a:srcRect l="1867" t="1030" r="1668" b="908"/>
+          <a:stretch/>
+        </p:blipFill>
+        <p:spPr>
+          <a:xfrm>
+            <a:off x="8572500" y="2450325"/>
+            <a:ext cx="2989564" cy="3960000"/>
+          </a:xfrm>
+          <a:prstGeom prst="rect">
+            <a:avLst/>
+          </a:prstGeom>
+          <a:ln w="28575">
+            <a:solidFill>
+              <a:schemeClr val="tx1"/>
+            </a:solidFill>
+          </a:ln>
+        </p:spPr>
+      </p:pic>
+    </p:spTree>
+    <p:extLst>
+      <p:ext uri="{BB962C8B-B14F-4D97-AF65-F5344CB8AC3E}">
+        <p14:creationId xmlns:p14="http://schemas.microsoft.com/office/powerpoint/2010/main" val="900002428"/>
+      </p:ext>
+    </p:extLst>
+  </p:cSld>
+  <p:clrMapOvr>
+    <a:masterClrMapping/>
+  </p:clrMapOvr>
+</p:sld>
+</file>
+
+<file path=ppt/slides/slide19.xml><?xml version="1.0" encoding="utf-8"?>
+<p:sld xmlns:a="http://schemas.openxmlformats.org/drawingml/2006/main" xmlns:r="http://schemas.openxmlformats.org/officeDocument/2006/relationships" xmlns:p="http://schemas.openxmlformats.org/presentationml/2006/main">
+  <p:cSld>
+    <p:spTree>
+      <p:nvGrpSpPr>
+        <p:cNvPr id="1" name=""/>
+        <p:cNvGrpSpPr/>
+        <p:nvPr/>
+      </p:nvGrpSpPr>
+      <p:grpSpPr>
+        <a:xfrm>
+          <a:off x="0" y="0"/>
+          <a:ext cx="0" cy="0"/>
+          <a:chOff x="0" y="0"/>
+          <a:chExt cx="0" cy="0"/>
+        </a:xfrm>
+      </p:grpSpPr>
+      <p:pic>
+        <p:nvPicPr>
+          <p:cNvPr id="7" name="Content Placeholder 6">
+            <a:extLst>
+              <a:ext uri="{FF2B5EF4-FFF2-40B4-BE49-F238E27FC236}">
+                <a16:creationId xmlns:a16="http://schemas.microsoft.com/office/drawing/2014/main" id="{CDF5B293-ABE9-4857-BF86-6C9774B57C84}"/>
+              </a:ext>
+            </a:extLst>
+          </p:cNvPr>
+          <p:cNvPicPr>
+            <a:picLocks noGrp="1" noChangeAspect="1"/>
+          </p:cNvPicPr>
+          <p:nvPr>
+            <p:ph idx="1"/>
+          </p:nvPr>
+        </p:nvPicPr>
+        <p:blipFill>
+          <a:blip r:embed="rId2">
+            <a:extLst>
+              <a:ext uri="{28A0092B-C50C-407E-A947-70E740481C1C}">
+                <a14:useLocalDpi xmlns:a14="http://schemas.microsoft.com/office/drawing/2010/main" val="0"/>
+              </a:ext>
+            </a:extLst>
+          </a:blip>
+          <a:stretch>
+            <a:fillRect/>
+          </a:stretch>
+        </p:blipFill>
+        <p:spPr>
+          <a:xfrm>
+            <a:off x="400686" y="2952000"/>
+            <a:ext cx="11390626" cy="2916000"/>
+          </a:xfrm>
+        </p:spPr>
+      </p:pic>
+      <p:sp>
+        <p:nvSpPr>
+          <p:cNvPr id="4" name="Título 1">
+            <a:extLst>
+              <a:ext uri="{FF2B5EF4-FFF2-40B4-BE49-F238E27FC236}">
+                <a16:creationId xmlns:a16="http://schemas.microsoft.com/office/drawing/2014/main" id="{123C2692-B572-4835-88B7-04E347E4D3F8}"/>
+              </a:ext>
+            </a:extLst>
+          </p:cNvPr>
+          <p:cNvSpPr>
+            <a:spLocks noGrp="1"/>
+          </p:cNvSpPr>
+          <p:nvPr>
+            <p:ph type="title"/>
+          </p:nvPr>
+        </p:nvSpPr>
+        <p:spPr>
+          <a:xfrm>
+            <a:off x="809625" y="447675"/>
+            <a:ext cx="10572750" cy="969963"/>
+          </a:xfrm>
+        </p:spPr>
+        <p:txBody>
+          <a:bodyPr/>
+          <a:lstStyle/>
+          <a:p>
+            <a:r>
+              <a:rPr lang="es-CL" dirty="0"/>
+              <a:t>USO EN EL MUNDO</a:t>
+            </a:r>
+          </a:p>
+        </p:txBody>
+      </p:sp>
+      <p:sp>
+        <p:nvSpPr>
+          <p:cNvPr id="5" name="TextBox 4">
+            <a:extLst>
+              <a:ext uri="{FF2B5EF4-FFF2-40B4-BE49-F238E27FC236}">
+                <a16:creationId xmlns:a16="http://schemas.microsoft.com/office/drawing/2014/main" id="{5868180A-6D80-471B-88EE-0AECE2644E27}"/>
+              </a:ext>
+            </a:extLst>
+          </p:cNvPr>
+          <p:cNvSpPr txBox="1"/>
+          <p:nvPr/>
+        </p:nvSpPr>
+        <p:spPr>
+          <a:xfrm>
+            <a:off x="3995108" y="6126587"/>
+            <a:ext cx="4201792" cy="307777"/>
+          </a:xfrm>
+          <a:prstGeom prst="rect">
+            <a:avLst/>
+          </a:prstGeom>
+          <a:noFill/>
+        </p:spPr>
+        <p:txBody>
+          <a:bodyPr wrap="none" rtlCol="0">
+            <a:spAutoFit/>
+          </a:bodyPr>
+          <a:lstStyle/>
+          <a:p>
+            <a:pPr algn="ctr"/>
+            <a:r>
+              <a:rPr lang="es-CL" sz="1400" dirty="0">
+                <a:solidFill>
+                  <a:schemeClr val="tx2">
+                    <a:lumMod val="50000"/>
+                  </a:schemeClr>
+                </a:solidFill>
+              </a:rPr>
+              <a:t>Ciudad de Dubrovnik, Croacia. UNESCO 1994.</a:t>
+            </a:r>
+            <a:endParaRPr lang="es-MX" sz="1400" dirty="0">
+              <a:solidFill>
+                <a:schemeClr val="tx2">
+                  <a:lumMod val="50000"/>
+                </a:schemeClr>
+              </a:solidFill>
+            </a:endParaRPr>
+          </a:p>
+        </p:txBody>
+      </p:sp>
+    </p:spTree>
+    <p:extLst>
+      <p:ext uri="{BB962C8B-B14F-4D97-AF65-F5344CB8AC3E}">
+        <p14:creationId xmlns:p14="http://schemas.microsoft.com/office/powerpoint/2010/main" val="929219740"/>
+      </p:ext>
+    </p:extLst>
+  </p:cSld>
+  <p:clrMapOvr>
+    <a:masterClrMapping/>
+  </p:clrMapOvr>
+</p:sld>
+</file>
+
+<file path=ppt/slides/slide2.xml><?xml version="1.0" encoding="utf-8"?>
+<p:sld xmlns:a="http://schemas.openxmlformats.org/drawingml/2006/main" xmlns:r="http://schemas.openxmlformats.org/officeDocument/2006/relationships" xmlns:p="http://schemas.openxmlformats.org/presentationml/2006/main">
+  <p:cSld>
+    <p:spTree>
+      <p:nvGrpSpPr>
+        <p:cNvPr id="1" name=""/>
+        <p:cNvGrpSpPr/>
+        <p:nvPr/>
+      </p:nvGrpSpPr>
+      <p:grpSpPr>
+        <a:xfrm>
+          <a:off x="0" y="0"/>
+          <a:ext cx="0" cy="0"/>
+          <a:chOff x="0" y="0"/>
+          <a:chExt cx="0" cy="0"/>
+        </a:xfrm>
+      </p:grpSpPr>
+      <p:sp>
+        <p:nvSpPr>
+          <p:cNvPr id="2" name="Título 1">
+            <a:extLst>
+              <a:ext uri="{FF2B5EF4-FFF2-40B4-BE49-F238E27FC236}">
+                <a16:creationId xmlns:a16="http://schemas.microsoft.com/office/drawing/2014/main" id="{E7739303-633A-4164-AE18-0DC9260A8610}"/>
+              </a:ext>
+            </a:extLst>
+          </p:cNvPr>
+          <p:cNvSpPr>
+            <a:spLocks noGrp="1"/>
+          </p:cNvSpPr>
+          <p:nvPr>
+            <p:ph type="title"/>
+          </p:nvPr>
+        </p:nvSpPr>
+        <p:spPr/>
+        <p:txBody>
+          <a:bodyPr/>
+          <a:lstStyle/>
+          <a:p>
+            <a:r>
+              <a:rPr lang="es-CL" dirty="0"/>
+              <a:t>¿QUÉ ES LA ALBAÑILERÍA?</a:t>
+            </a:r>
+          </a:p>
+        </p:txBody>
+      </p:sp>
+      <p:sp>
+        <p:nvSpPr>
+          <p:cNvPr id="3" name="Marcador de contenido 2">
+            <a:extLst>
+              <a:ext uri="{FF2B5EF4-FFF2-40B4-BE49-F238E27FC236}">
+                <a16:creationId xmlns:a16="http://schemas.microsoft.com/office/drawing/2014/main" id="{11B36BF6-3E0A-46E7-AB88-0B93AC5B39D5}"/>
+              </a:ext>
+            </a:extLst>
+          </p:cNvPr>
+          <p:cNvSpPr>
+            <a:spLocks noGrp="1"/>
+          </p:cNvSpPr>
+          <p:nvPr>
+            <p:ph idx="1"/>
+          </p:nvPr>
+        </p:nvSpPr>
+        <p:spPr/>
+        <p:txBody>
+          <a:bodyPr>
+            <a:normAutofit/>
+          </a:bodyPr>
+          <a:lstStyle/>
+          <a:p>
+            <a:r>
+              <a:rPr lang="es-CL" dirty="0"/>
+              <a:t>Según la norma NCh353.Of200:</a:t>
+            </a:r>
+          </a:p>
+          <a:p>
+            <a:pPr marL="0" indent="0">
+              <a:buNone/>
+            </a:pPr>
+            <a:endParaRPr lang="es-CL" dirty="0"/>
+          </a:p>
+          <a:p>
+            <a:pPr marL="457200" lvl="1" indent="0" algn="just">
+              <a:buNone/>
+            </a:pPr>
+            <a:r>
+              <a:rPr lang="es-ES" dirty="0"/>
+              <a:t>Albañilería: toda aquella obra formada por </a:t>
+            </a:r>
+            <a:r>
+              <a:rPr lang="es-ES" b="1" dirty="0"/>
+              <a:t>elementos unitarios prefabricados</a:t>
+            </a:r>
+            <a:r>
+              <a:rPr lang="es-ES" dirty="0"/>
+              <a:t>, de dimensiones manejables por un solo operario, constituidos por materiales naturales o artificiales, como piedra, adobe, arcilla cocida, mortero u hormigón de cemento, o cualquier otro material compactado, que tenga forma y dimensiones definidas, sea hueco o lleno. </a:t>
+            </a:r>
+            <a:r>
+              <a:rPr lang="es-ES" b="1" dirty="0"/>
+              <a:t>Las obras se forman por la yuxtaposición de estos elementos </a:t>
+            </a:r>
+            <a:r>
+              <a:rPr lang="es-ES" b="1" dirty="0">
+                <a:solidFill>
+                  <a:srgbClr val="FF0000"/>
+                </a:solidFill>
+              </a:rPr>
+              <a:t>individuales, unidos, en general, por un aglomerante adecuado y eventualmente reforzado por otros elementos de naturaleza similar o heterogénea.</a:t>
+            </a:r>
+            <a:endParaRPr lang="es-CL" b="1" dirty="0">
+              <a:solidFill>
+                <a:srgbClr val="FF0000"/>
+              </a:solidFill>
+            </a:endParaRPr>
+          </a:p>
+        </p:txBody>
+      </p:sp>
+    </p:spTree>
+    <p:extLst>
+      <p:ext uri="{BB962C8B-B14F-4D97-AF65-F5344CB8AC3E}">
+        <p14:creationId xmlns:p14="http://schemas.microsoft.com/office/powerpoint/2010/main" val="959635261"/>
+      </p:ext>
+    </p:extLst>
+  </p:cSld>
+  <p:clrMapOvr>
+    <a:masterClrMapping/>
+  </p:clrMapOvr>
+</p:sld>
+</file>
+
+<file path=ppt/slides/slide20.xml><?xml version="1.0" encoding="utf-8"?>
+<p:sld xmlns:a="http://schemas.openxmlformats.org/drawingml/2006/main" xmlns:r="http://schemas.openxmlformats.org/officeDocument/2006/relationships" xmlns:p="http://schemas.openxmlformats.org/presentationml/2006/main">
+  <p:cSld>
+    <p:spTree>
+      <p:nvGrpSpPr>
+        <p:cNvPr id="1" name=""/>
+        <p:cNvGrpSpPr/>
+        <p:nvPr/>
+      </p:nvGrpSpPr>
+      <p:grpSpPr>
+        <a:xfrm>
+          <a:off x="0" y="0"/>
+          <a:ext cx="0" cy="0"/>
+          <a:chOff x="0" y="0"/>
+          <a:chExt cx="0" cy="0"/>
+        </a:xfrm>
+      </p:grpSpPr>
+      <p:sp>
+        <p:nvSpPr>
+          <p:cNvPr id="2" name="Título 1">
+            <a:extLst>
+              <a:ext uri="{FF2B5EF4-FFF2-40B4-BE49-F238E27FC236}">
+                <a16:creationId xmlns:a16="http://schemas.microsoft.com/office/drawing/2014/main" id="{496D7017-4296-4FEF-A1E9-17E1492CD5B4}"/>
+              </a:ext>
+            </a:extLst>
+          </p:cNvPr>
+          <p:cNvSpPr>
+            <a:spLocks noGrp="1"/>
+          </p:cNvSpPr>
+          <p:nvPr>
+            <p:ph type="title"/>
+          </p:nvPr>
+        </p:nvSpPr>
+        <p:spPr/>
+        <p:txBody>
+          <a:bodyPr/>
+          <a:lstStyle/>
+          <a:p>
+            <a:r>
+              <a:rPr lang="es-CL" dirty="0"/>
+              <a:t>REFERENCIAS</a:t>
+            </a:r>
+          </a:p>
+        </p:txBody>
+      </p:sp>
+      <p:sp>
+        <p:nvSpPr>
+          <p:cNvPr id="3" name="Marcador de contenido 2">
+            <a:extLst>
+              <a:ext uri="{FF2B5EF4-FFF2-40B4-BE49-F238E27FC236}">
+                <a16:creationId xmlns:a16="http://schemas.microsoft.com/office/drawing/2014/main" id="{C1B38C8A-1EB6-4DBA-963A-648AE4A45BE9}"/>
+              </a:ext>
+            </a:extLst>
+          </p:cNvPr>
+          <p:cNvSpPr>
+            <a:spLocks noGrp="1"/>
+          </p:cNvSpPr>
+          <p:nvPr>
+            <p:ph idx="1"/>
+          </p:nvPr>
+        </p:nvSpPr>
+        <p:spPr>
+          <a:xfrm>
+            <a:off x="551544" y="2235199"/>
+            <a:ext cx="11161486" cy="4513943"/>
+          </a:xfrm>
+        </p:spPr>
+        <p:txBody>
+          <a:bodyPr>
+            <a:normAutofit fontScale="70000" lnSpcReduction="20000"/>
+          </a:bodyPr>
+          <a:lstStyle/>
+          <a:p>
+            <a:r>
+              <a:rPr lang="es-CL" sz="2000" dirty="0"/>
+              <a:t>[1] Thomas Sturm M, 2018. Apuntes de cátedra curso CI5223 Diseño de Albañilería Estructural, Facultad de Ciencias Físicas y 	Matemáticas, U. de Chile.</a:t>
+            </a:r>
+          </a:p>
+          <a:p>
+            <a:r>
+              <a:rPr lang="es-CL" sz="2000" dirty="0"/>
+              <a:t>[2] NCh353.Of2000. Construcción - Cubicación de obras de edificación - Requisitos. (2000)</a:t>
+            </a:r>
+          </a:p>
+          <a:p>
+            <a:r>
+              <a:rPr lang="es-CL" sz="2000" dirty="0"/>
+              <a:t>[3] NCh1928.Of93. Albañilería armada - Requisitos para el diseño y cálculo. (1993)</a:t>
+            </a:r>
+          </a:p>
+          <a:p>
+            <a:r>
+              <a:rPr lang="es-CL" sz="2000" dirty="0"/>
+              <a:t>[4] NCh2123.Of97. Albañilería confinada - Requisitos de diseño y cálculo. (1997)</a:t>
+            </a:r>
+          </a:p>
+          <a:p>
+            <a:r>
+              <a:rPr lang="es-CL" sz="2000" dirty="0"/>
+              <a:t>[5] Censo Chile 2002. www.ine.cl/estadisticas/censos/censos-de-poblacion-y-vivienda [Consulta: 02/12/2018]</a:t>
+            </a:r>
+          </a:p>
+          <a:p>
+            <a:r>
+              <a:rPr lang="es-CL" sz="2000" dirty="0"/>
+              <a:t>[6] Ordenanza General de Urbanismo y Construcción. Ministerio de vivienda y urbanismo. (1992)</a:t>
+            </a:r>
+          </a:p>
+          <a:p>
+            <a:r>
+              <a:rPr lang="es-CL" sz="2000" dirty="0"/>
+              <a:t>[7] Edificio ex arsenales de guerra. www.monumentos.cl/monumentos-historicos/edificio-ex-arsenales-guerra [Consulta: 		02/12/2018]</a:t>
+            </a:r>
+          </a:p>
+          <a:p>
+            <a:r>
+              <a:rPr lang="es-CL" sz="2000" dirty="0"/>
+              <a:t>[8] Iglesia y convento de San Francisco. www.monumentos.cl/monumentos-historicos/iglesia-convento-san-francisco 			[Consulta: 02/12/2018]</a:t>
+            </a:r>
+          </a:p>
+          <a:p>
+            <a:r>
+              <a:rPr lang="es-CL" sz="2000" dirty="0"/>
+              <a:t>[9] Catedral de Santiago. www.monumentos.cl/monumentos-historicos/catedral-santiago [Consulta: 03/12/2018]</a:t>
+            </a:r>
+          </a:p>
+          <a:p>
+            <a:r>
+              <a:rPr lang="es-CL" sz="2000" dirty="0"/>
+              <a:t>[10] Ciudad de amurallada de Shibam. whc.unesco.org/en/list/192/ [Consulta: 03/12/2018]</a:t>
+            </a:r>
+          </a:p>
+          <a:p>
+            <a:r>
+              <a:rPr lang="es-CL" sz="2000" dirty="0"/>
+              <a:t>[11] Edificio Monadnock. npgallery.nps.gov/NRHP/monadnock-block [Consulta: 03/12/2018]</a:t>
+            </a:r>
+          </a:p>
+          <a:p>
+            <a:r>
+              <a:rPr lang="es-CL" sz="2000" dirty="0"/>
+              <a:t>[12] Catedral de San Vito. www.prague.eu/castillo-de-praga-catedral-de-san-vito [Consulta: 03/12/2018]</a:t>
+            </a:r>
+          </a:p>
+          <a:p>
+            <a:r>
+              <a:rPr lang="es-CL" sz="2000" dirty="0"/>
+              <a:t>[13] Ciudad vieja de Dubrovnik. whc.unesco.org/en/list/95/ [Consulta: 03/12/2018]</a:t>
+            </a:r>
+          </a:p>
+          <a:p>
+            <a:endParaRPr lang="es-CL" dirty="0"/>
+          </a:p>
+        </p:txBody>
+      </p:sp>
+    </p:spTree>
+    <p:extLst>
+      <p:ext uri="{BB962C8B-B14F-4D97-AF65-F5344CB8AC3E}">
+        <p14:creationId xmlns:p14="http://schemas.microsoft.com/office/powerpoint/2010/main" val="646963770"/>
+      </p:ext>
+    </p:extLst>
+  </p:cSld>
+  <p:clrMapOvr>
+    <a:masterClrMapping/>
+  </p:clrMapOvr>
+</p:sld>
+</file>
+
+<file path=ppt/slides/slide3.xml><?xml version="1.0" encoding="utf-8"?>
+<p:sld xmlns:a="http://schemas.openxmlformats.org/drawingml/2006/main" xmlns:r="http://schemas.openxmlformats.org/officeDocument/2006/relationships" xmlns:p="http://schemas.openxmlformats.org/presentationml/2006/main">
+  <p:cSld>
+    <p:spTree>
+      <p:nvGrpSpPr>
+        <p:cNvPr id="1" name=""/>
+        <p:cNvGrpSpPr/>
+        <p:nvPr/>
+      </p:nvGrpSpPr>
+      <p:grpSpPr>
+        <a:xfrm>
+          <a:off x="0" y="0"/>
+          <a:ext cx="0" cy="0"/>
+          <a:chOff x="0" y="0"/>
+          <a:chExt cx="0" cy="0"/>
+        </a:xfrm>
+      </p:grpSpPr>
+      <p:sp>
+        <p:nvSpPr>
+          <p:cNvPr id="2" name="Título 1">
+            <a:extLst>
+              <a:ext uri="{FF2B5EF4-FFF2-40B4-BE49-F238E27FC236}">
+                <a16:creationId xmlns:a16="http://schemas.microsoft.com/office/drawing/2014/main" id="{1E8C71A8-9A07-4634-9151-44EA38629B9A}"/>
+              </a:ext>
+            </a:extLst>
+          </p:cNvPr>
+          <p:cNvSpPr>
+            <a:spLocks noGrp="1"/>
+          </p:cNvSpPr>
+          <p:nvPr>
+            <p:ph type="title"/>
+          </p:nvPr>
+        </p:nvSpPr>
+        <p:spPr/>
+        <p:txBody>
+          <a:bodyPr/>
+          <a:lstStyle/>
+          <a:p>
+            <a:r>
+              <a:rPr lang="es-CL" dirty="0"/>
+              <a:t>TIPOS DE LADRILLOS</a:t>
+            </a:r>
+          </a:p>
+        </p:txBody>
+      </p:sp>
+      <p:sp>
+        <p:nvSpPr>
+          <p:cNvPr id="3" name="Marcador de contenido 2">
+            <a:extLst>
+              <a:ext uri="{FF2B5EF4-FFF2-40B4-BE49-F238E27FC236}">
+                <a16:creationId xmlns:a16="http://schemas.microsoft.com/office/drawing/2014/main" id="{BCFEC4D7-D5B6-470A-9732-AF39FB6576FC}"/>
+              </a:ext>
+            </a:extLst>
+          </p:cNvPr>
+          <p:cNvSpPr>
+            <a:spLocks noGrp="1"/>
+          </p:cNvSpPr>
+          <p:nvPr>
+            <p:ph idx="1"/>
+          </p:nvPr>
+        </p:nvSpPr>
+        <p:spPr>
+          <a:xfrm>
+            <a:off x="1771212" y="2349739"/>
+            <a:ext cx="10554574" cy="3636511"/>
+          </a:xfrm>
+        </p:spPr>
+        <p:txBody>
+          <a:bodyPr anchor="t"/>
+          <a:lstStyle/>
+          <a:p>
+            <a:r>
+              <a:rPr lang="es-CL" dirty="0"/>
+              <a:t>Piedra</a:t>
+            </a:r>
+          </a:p>
+          <a:p>
+            <a:endParaRPr lang="es-CL" dirty="0"/>
+          </a:p>
+          <a:p>
+            <a:endParaRPr lang="es-CL" dirty="0"/>
+          </a:p>
+          <a:p>
+            <a:endParaRPr lang="es-CL" dirty="0"/>
+          </a:p>
+          <a:p>
+            <a:r>
+              <a:rPr lang="es-CL" dirty="0"/>
+              <a:t>Cerámico</a:t>
+            </a:r>
+          </a:p>
+          <a:p>
+            <a:endParaRPr lang="es-CL" dirty="0"/>
+          </a:p>
+          <a:p>
+            <a:endParaRPr lang="es-CL" dirty="0"/>
+          </a:p>
+          <a:p>
+            <a:endParaRPr lang="es-CL" dirty="0"/>
+          </a:p>
+          <a:p>
+            <a:r>
+              <a:rPr lang="es-CL" dirty="0"/>
+              <a:t>Hormigón</a:t>
+            </a:r>
+          </a:p>
+        </p:txBody>
+      </p:sp>
+      <p:pic>
+        <p:nvPicPr>
+          <p:cNvPr id="5" name="Imagen 4">
+            <a:extLst>
+              <a:ext uri="{FF2B5EF4-FFF2-40B4-BE49-F238E27FC236}">
+                <a16:creationId xmlns:a16="http://schemas.microsoft.com/office/drawing/2014/main" id="{27B72ACA-C283-4925-81B4-0754D3BF0090}"/>
+              </a:ext>
+            </a:extLst>
+          </p:cNvPr>
+          <p:cNvPicPr>
+            <a:picLocks noChangeAspect="1"/>
+          </p:cNvPicPr>
+          <p:nvPr/>
+        </p:nvPicPr>
+        <p:blipFill>
+          <a:blip r:embed="rId2">
+            <a:extLst>
+              <a:ext uri="{28A0092B-C50C-407E-A947-70E740481C1C}">
+                <a14:useLocalDpi xmlns:a14="http://schemas.microsoft.com/office/drawing/2010/main" val="0"/>
+              </a:ext>
+            </a:extLst>
+          </a:blip>
+          <a:stretch>
+            <a:fillRect/>
+          </a:stretch>
+        </p:blipFill>
+        <p:spPr>
+          <a:xfrm>
+            <a:off x="3786187" y="3556452"/>
+            <a:ext cx="1647825" cy="1647825"/>
+          </a:xfrm>
+          <a:prstGeom prst="rect">
+            <a:avLst/>
+          </a:prstGeom>
+        </p:spPr>
+      </p:pic>
+      <p:pic>
+        <p:nvPicPr>
+          <p:cNvPr id="7" name="Imagen 6">
+            <a:extLst>
+              <a:ext uri="{FF2B5EF4-FFF2-40B4-BE49-F238E27FC236}">
+                <a16:creationId xmlns:a16="http://schemas.microsoft.com/office/drawing/2014/main" id="{35E3C929-49AB-446A-B581-5358911225E3}"/>
+              </a:ext>
+            </a:extLst>
+          </p:cNvPr>
+          <p:cNvPicPr>
+            <a:picLocks noChangeAspect="1"/>
+          </p:cNvPicPr>
+          <p:nvPr/>
+        </p:nvPicPr>
+        <p:blipFill>
+          <a:blip r:embed="rId3">
+            <a:extLst>
+              <a:ext uri="{28A0092B-C50C-407E-A947-70E740481C1C}">
+                <a14:useLocalDpi xmlns:a14="http://schemas.microsoft.com/office/drawing/2010/main" val="0"/>
+              </a:ext>
+            </a:extLst>
+          </a:blip>
+          <a:stretch>
+            <a:fillRect/>
+          </a:stretch>
+        </p:blipFill>
+        <p:spPr>
+          <a:xfrm>
+            <a:off x="3786187" y="2122810"/>
+            <a:ext cx="1838324" cy="1433642"/>
+          </a:xfrm>
+          <a:prstGeom prst="rect">
+            <a:avLst/>
+          </a:prstGeom>
+        </p:spPr>
+      </p:pic>
+      <p:pic>
+        <p:nvPicPr>
+          <p:cNvPr id="9" name="Imagen 8">
+            <a:extLst>
+              <a:ext uri="{FF2B5EF4-FFF2-40B4-BE49-F238E27FC236}">
+                <a16:creationId xmlns:a16="http://schemas.microsoft.com/office/drawing/2014/main" id="{1962AD90-93EE-4AD8-9FC1-2EE03523F8A2}"/>
+              </a:ext>
+            </a:extLst>
+          </p:cNvPr>
+          <p:cNvPicPr>
+            <a:picLocks noChangeAspect="1"/>
+          </p:cNvPicPr>
+          <p:nvPr/>
+        </p:nvPicPr>
+        <p:blipFill>
+          <a:blip r:embed="rId4">
+            <a:extLst>
+              <a:ext uri="{28A0092B-C50C-407E-A947-70E740481C1C}">
+                <a14:useLocalDpi xmlns:a14="http://schemas.microsoft.com/office/drawing/2010/main" val="0"/>
+              </a:ext>
+            </a:extLst>
+          </a:blip>
+          <a:stretch>
+            <a:fillRect/>
+          </a:stretch>
+        </p:blipFill>
+        <p:spPr>
+          <a:xfrm>
+            <a:off x="3954511" y="5307007"/>
+            <a:ext cx="1400919" cy="1083662"/>
+          </a:xfrm>
+          <a:prstGeom prst="rect">
+            <a:avLst/>
+          </a:prstGeom>
+        </p:spPr>
+      </p:pic>
+      <p:pic>
+        <p:nvPicPr>
+          <p:cNvPr id="11" name="Imagen 10">
+            <a:extLst>
+              <a:ext uri="{FF2B5EF4-FFF2-40B4-BE49-F238E27FC236}">
+                <a16:creationId xmlns:a16="http://schemas.microsoft.com/office/drawing/2014/main" id="{6C222598-8A83-4AF0-A5D2-39162B9551A9}"/>
+              </a:ext>
+            </a:extLst>
+          </p:cNvPr>
+          <p:cNvPicPr>
+            <a:picLocks noChangeAspect="1"/>
+          </p:cNvPicPr>
+          <p:nvPr/>
+        </p:nvPicPr>
+        <p:blipFill>
+          <a:blip r:embed="rId5">
+            <a:extLst>
+              <a:ext uri="{28A0092B-C50C-407E-A947-70E740481C1C}">
+                <a14:useLocalDpi xmlns:a14="http://schemas.microsoft.com/office/drawing/2010/main" val="0"/>
+              </a:ext>
+            </a:extLst>
+          </a:blip>
+          <a:stretch>
+            <a:fillRect/>
+          </a:stretch>
+        </p:blipFill>
+        <p:spPr>
+          <a:xfrm>
+            <a:off x="6095999" y="2276320"/>
+            <a:ext cx="1888191" cy="1126621"/>
+          </a:xfrm>
+          <a:prstGeom prst="rect">
+            <a:avLst/>
+          </a:prstGeom>
+        </p:spPr>
+      </p:pic>
+      <p:pic>
+        <p:nvPicPr>
+          <p:cNvPr id="13" name="Imagen 12">
+            <a:extLst>
+              <a:ext uri="{FF2B5EF4-FFF2-40B4-BE49-F238E27FC236}">
+                <a16:creationId xmlns:a16="http://schemas.microsoft.com/office/drawing/2014/main" id="{DDA77027-1814-42B1-8263-8EF898B9CE6B}"/>
+              </a:ext>
+            </a:extLst>
+          </p:cNvPr>
+          <p:cNvPicPr>
+            <a:picLocks noChangeAspect="1"/>
+          </p:cNvPicPr>
+          <p:nvPr/>
+        </p:nvPicPr>
+        <p:blipFill>
+          <a:blip r:embed="rId6">
+            <a:extLst>
+              <a:ext uri="{28A0092B-C50C-407E-A947-70E740481C1C}">
+                <a14:useLocalDpi xmlns:a14="http://schemas.microsoft.com/office/drawing/2010/main" val="0"/>
+              </a:ext>
+            </a:extLst>
+          </a:blip>
+          <a:stretch>
+            <a:fillRect/>
+          </a:stretch>
+        </p:blipFill>
+        <p:spPr>
+          <a:xfrm>
+            <a:off x="6217177" y="3777523"/>
+            <a:ext cx="1647825" cy="1261865"/>
+          </a:xfrm>
+          <a:prstGeom prst="rect">
+            <a:avLst/>
+          </a:prstGeom>
+        </p:spPr>
+      </p:pic>
+      <p:pic>
+        <p:nvPicPr>
+          <p:cNvPr id="15" name="Imagen 14">
+            <a:extLst>
+              <a:ext uri="{FF2B5EF4-FFF2-40B4-BE49-F238E27FC236}">
+                <a16:creationId xmlns:a16="http://schemas.microsoft.com/office/drawing/2014/main" id="{31CDFA67-6724-43D3-ACBD-A55711CD51C6}"/>
+              </a:ext>
+            </a:extLst>
+          </p:cNvPr>
+          <p:cNvPicPr>
+            <a:picLocks noChangeAspect="1"/>
+          </p:cNvPicPr>
+          <p:nvPr/>
+        </p:nvPicPr>
+        <p:blipFill>
+          <a:blip r:embed="rId7">
+            <a:extLst>
+              <a:ext uri="{28A0092B-C50C-407E-A947-70E740481C1C}">
+                <a14:useLocalDpi xmlns:a14="http://schemas.microsoft.com/office/drawing/2010/main" val="0"/>
+              </a:ext>
+            </a:extLst>
+          </a:blip>
+          <a:stretch>
+            <a:fillRect/>
+          </a:stretch>
+        </p:blipFill>
+        <p:spPr>
+          <a:xfrm>
+            <a:off x="6224586" y="5204277"/>
+            <a:ext cx="1647825" cy="1412881"/>
+          </a:xfrm>
+          <a:prstGeom prst="rect">
+            <a:avLst/>
+          </a:prstGeom>
+        </p:spPr>
+      </p:pic>
+      <p:pic>
+        <p:nvPicPr>
+          <p:cNvPr id="17" name="Imagen 16">
+            <a:extLst>
+              <a:ext uri="{FF2B5EF4-FFF2-40B4-BE49-F238E27FC236}">
+                <a16:creationId xmlns:a16="http://schemas.microsoft.com/office/drawing/2014/main" id="{356F02F2-F69C-445F-AEC5-268BBE83E788}"/>
+              </a:ext>
+            </a:extLst>
+          </p:cNvPr>
+          <p:cNvPicPr>
+            <a:picLocks noChangeAspect="1"/>
+          </p:cNvPicPr>
+          <p:nvPr/>
+        </p:nvPicPr>
+        <p:blipFill>
+          <a:blip r:embed="rId8">
+            <a:extLst>
+              <a:ext uri="{28A0092B-C50C-407E-A947-70E740481C1C}">
+                <a14:useLocalDpi xmlns:a14="http://schemas.microsoft.com/office/drawing/2010/main" val="0"/>
+              </a:ext>
+            </a:extLst>
+          </a:blip>
+          <a:stretch>
+            <a:fillRect/>
+          </a:stretch>
+        </p:blipFill>
+        <p:spPr>
+          <a:xfrm>
+            <a:off x="8962764" y="3878812"/>
+            <a:ext cx="2090499" cy="1325465"/>
+          </a:xfrm>
+          <a:prstGeom prst="rect">
+            <a:avLst/>
+          </a:prstGeom>
+        </p:spPr>
+      </p:pic>
+      <p:pic>
+        <p:nvPicPr>
+          <p:cNvPr id="19" name="Imagen 18">
+            <a:extLst>
+              <a:ext uri="{FF2B5EF4-FFF2-40B4-BE49-F238E27FC236}">
+                <a16:creationId xmlns:a16="http://schemas.microsoft.com/office/drawing/2014/main" id="{71F4C943-3789-4DDF-BB25-E5AC7A100A2F}"/>
+              </a:ext>
+            </a:extLst>
+          </p:cNvPr>
+          <p:cNvPicPr>
+            <a:picLocks noChangeAspect="1"/>
+          </p:cNvPicPr>
+          <p:nvPr/>
+        </p:nvPicPr>
+        <p:blipFill>
+          <a:blip r:embed="rId9">
+            <a:extLst>
+              <a:ext uri="{28A0092B-C50C-407E-A947-70E740481C1C}">
+                <a14:useLocalDpi xmlns:a14="http://schemas.microsoft.com/office/drawing/2010/main" val="0"/>
+              </a:ext>
+            </a:extLst>
+          </a:blip>
+          <a:stretch>
+            <a:fillRect/>
+          </a:stretch>
+        </p:blipFill>
+        <p:spPr>
+          <a:xfrm>
+            <a:off x="8962764" y="2461141"/>
+            <a:ext cx="1644231" cy="1095311"/>
+          </a:xfrm>
+          <a:prstGeom prst="rect">
+            <a:avLst/>
+          </a:prstGeom>
+        </p:spPr>
+      </p:pic>
+    </p:spTree>
+    <p:extLst>
+      <p:ext uri="{BB962C8B-B14F-4D97-AF65-F5344CB8AC3E}">
+        <p14:creationId xmlns:p14="http://schemas.microsoft.com/office/powerpoint/2010/main" val="2966852601"/>
+      </p:ext>
+    </p:extLst>
+  </p:cSld>
+  <p:clrMapOvr>
+    <a:masterClrMapping/>
+  </p:clrMapOvr>
+</p:sld>
+</file>
+
+<file path=ppt/slides/slide4.xml><?xml version="1.0" encoding="utf-8"?>
+<p:sld xmlns:a="http://schemas.openxmlformats.org/drawingml/2006/main" xmlns:r="http://schemas.openxmlformats.org/officeDocument/2006/relationships" xmlns:p="http://schemas.openxmlformats.org/presentationml/2006/main">
+  <p:cSld>
+    <p:spTree>
+      <p:nvGrpSpPr>
+        <p:cNvPr id="1" name=""/>
+        <p:cNvGrpSpPr/>
+        <p:nvPr/>
+      </p:nvGrpSpPr>
+      <p:grpSpPr>
+        <a:xfrm>
+          <a:off x="0" y="0"/>
+          <a:ext cx="0" cy="0"/>
+          <a:chOff x="0" y="0"/>
+          <a:chExt cx="0" cy="0"/>
+        </a:xfrm>
+      </p:grpSpPr>
+      <p:sp>
+        <p:nvSpPr>
+          <p:cNvPr id="2" name="Título 1">
+            <a:extLst>
+              <a:ext uri="{FF2B5EF4-FFF2-40B4-BE49-F238E27FC236}">
+                <a16:creationId xmlns:a16="http://schemas.microsoft.com/office/drawing/2014/main" id="{DB1ED351-3555-4404-86D9-3ED42A4EE6F6}"/>
+              </a:ext>
+            </a:extLst>
+          </p:cNvPr>
+          <p:cNvSpPr>
+            <a:spLocks noGrp="1"/>
+          </p:cNvSpPr>
+          <p:nvPr>
+            <p:ph type="title"/>
+          </p:nvPr>
+        </p:nvSpPr>
+        <p:spPr>
+          <a:xfrm>
+            <a:off x="619500" y="513977"/>
+            <a:ext cx="10571998" cy="970450"/>
+          </a:xfrm>
+        </p:spPr>
+        <p:txBody>
+          <a:bodyPr/>
+          <a:lstStyle/>
+          <a:p>
+            <a:r>
+              <a:rPr lang="es-CL" dirty="0"/>
+              <a:t>PROPIEDADES</a:t>
+            </a:r>
+          </a:p>
+        </p:txBody>
+      </p:sp>
+      <p:sp>
+        <p:nvSpPr>
+          <p:cNvPr id="3" name="Marcador de contenido 2">
+            <a:extLst>
+              <a:ext uri="{FF2B5EF4-FFF2-40B4-BE49-F238E27FC236}">
+                <a16:creationId xmlns:a16="http://schemas.microsoft.com/office/drawing/2014/main" id="{34789A7F-DFDE-4E9E-AD6C-C1AE91391181}"/>
+              </a:ext>
+            </a:extLst>
+          </p:cNvPr>
+          <p:cNvSpPr>
+            <a:spLocks noGrp="1"/>
+          </p:cNvSpPr>
+          <p:nvPr>
+            <p:ph idx="1"/>
+          </p:nvPr>
+        </p:nvSpPr>
+        <p:spPr/>
+        <p:txBody>
+          <a:bodyPr/>
+          <a:lstStyle/>
+          <a:p>
+            <a:endParaRPr lang="es-CL"/>
+          </a:p>
+        </p:txBody>
+      </p:sp>
+    </p:spTree>
+    <p:extLst>
+      <p:ext uri="{BB962C8B-B14F-4D97-AF65-F5344CB8AC3E}">
+        <p14:creationId xmlns:p14="http://schemas.microsoft.com/office/powerpoint/2010/main" val="1012820634"/>
+      </p:ext>
+    </p:extLst>
+  </p:cSld>
+  <p:clrMapOvr>
+    <a:masterClrMapping/>
+  </p:clrMapOvr>
+</p:sld>
+</file>
+
+<file path=ppt/slides/slide5.xml><?xml version="1.0" encoding="utf-8"?>
+<p:sld xmlns:a="http://schemas.openxmlformats.org/drawingml/2006/main" xmlns:r="http://schemas.openxmlformats.org/officeDocument/2006/relationships" xmlns:p="http://schemas.openxmlformats.org/presentationml/2006/main">
+  <p:cSld>
+    <p:spTree>
+      <p:nvGrpSpPr>
+        <p:cNvPr id="1" name=""/>
+        <p:cNvGrpSpPr/>
+        <p:nvPr/>
+      </p:nvGrpSpPr>
+      <p:grpSpPr>
+        <a:xfrm>
+          <a:off x="0" y="0"/>
+          <a:ext cx="0" cy="0"/>
+          <a:chOff x="0" y="0"/>
+          <a:chExt cx="0" cy="0"/>
+        </a:xfrm>
+      </p:grpSpPr>
+      <p:sp>
+        <p:nvSpPr>
+          <p:cNvPr id="2" name="Title 1">
+            <a:extLst>
+              <a:ext uri="{FF2B5EF4-FFF2-40B4-BE49-F238E27FC236}">
+                <a16:creationId xmlns:a16="http://schemas.microsoft.com/office/drawing/2014/main" id="{712C55EE-6F74-4F8C-82DD-2B4A55C6A14D}"/>
+              </a:ext>
+            </a:extLst>
+          </p:cNvPr>
+          <p:cNvSpPr>
+            <a:spLocks noGrp="1"/>
+          </p:cNvSpPr>
+          <p:nvPr>
+            <p:ph type="title"/>
+          </p:nvPr>
+        </p:nvSpPr>
+        <p:spPr/>
+        <p:txBody>
+          <a:bodyPr/>
+          <a:lstStyle/>
+          <a:p>
+            <a:r>
+              <a:rPr lang="es-MX" dirty="0"/>
+              <a:t>RECOMENDACIONES DE DISEÑO</a:t>
+            </a:r>
+          </a:p>
+        </p:txBody>
+      </p:sp>
+      <p:sp>
+        <p:nvSpPr>
+          <p:cNvPr id="3" name="Content Placeholder 2">
+            <a:extLst>
+              <a:ext uri="{FF2B5EF4-FFF2-40B4-BE49-F238E27FC236}">
+                <a16:creationId xmlns:a16="http://schemas.microsoft.com/office/drawing/2014/main" id="{F1252A40-D53B-4B54-9E16-7CC866760F94}"/>
+              </a:ext>
+            </a:extLst>
+          </p:cNvPr>
+          <p:cNvSpPr>
+            <a:spLocks noGrp="1"/>
+          </p:cNvSpPr>
+          <p:nvPr>
+            <p:ph idx="1"/>
+          </p:nvPr>
+        </p:nvSpPr>
+        <p:spPr/>
+        <p:txBody>
+          <a:bodyPr/>
+          <a:lstStyle/>
+          <a:p>
+            <a:endParaRPr lang="es-MX"/>
+          </a:p>
+        </p:txBody>
+      </p:sp>
+    </p:spTree>
+    <p:extLst>
+      <p:ext uri="{BB962C8B-B14F-4D97-AF65-F5344CB8AC3E}">
+        <p14:creationId xmlns:p14="http://schemas.microsoft.com/office/powerpoint/2010/main" val="780976413"/>
+      </p:ext>
+    </p:extLst>
+  </p:cSld>
+  <p:clrMapOvr>
+    <a:masterClrMapping/>
+  </p:clrMapOvr>
+</p:sld>
+</file>
+
+<file path=ppt/slides/slide6.xml><?xml version="1.0" encoding="utf-8"?>
+<p:sld xmlns:a="http://schemas.openxmlformats.org/drawingml/2006/main" xmlns:r="http://schemas.openxmlformats.org/officeDocument/2006/relationships" xmlns:p="http://schemas.openxmlformats.org/presentationml/2006/main">
+  <p:cSld>
+    <p:spTree>
+      <p:nvGrpSpPr>
+        <p:cNvPr id="1" name=""/>
+        <p:cNvGrpSpPr/>
+        <p:nvPr/>
+      </p:nvGrpSpPr>
+      <p:grpSpPr>
+        <a:xfrm>
+          <a:off x="0" y="0"/>
+          <a:ext cx="0" cy="0"/>
+          <a:chOff x="0" y="0"/>
+          <a:chExt cx="0" cy="0"/>
+        </a:xfrm>
+      </p:grpSpPr>
+      <p:sp>
+        <p:nvSpPr>
+          <p:cNvPr id="2" name="Título 1">
+            <a:extLst>
+              <a:ext uri="{FF2B5EF4-FFF2-40B4-BE49-F238E27FC236}">
+                <a16:creationId xmlns:a16="http://schemas.microsoft.com/office/drawing/2014/main" id="{269D34A6-CEA9-4551-A486-097F07B05AD9}"/>
+              </a:ext>
+            </a:extLst>
+          </p:cNvPr>
+          <p:cNvSpPr>
+            <a:spLocks noGrp="1"/>
+          </p:cNvSpPr>
+          <p:nvPr>
+            <p:ph type="title"/>
+          </p:nvPr>
+        </p:nvSpPr>
+        <p:spPr/>
+        <p:txBody>
+          <a:bodyPr/>
+          <a:lstStyle/>
+          <a:p>
+            <a:r>
+              <a:rPr lang="es-CL" dirty="0"/>
+              <a:t>CUBICACIONES</a:t>
+            </a:r>
+          </a:p>
+        </p:txBody>
+      </p:sp>
+      <p:sp>
+        <p:nvSpPr>
+          <p:cNvPr id="3" name="Marcador de contenido 2">
+            <a:extLst>
+              <a:ext uri="{FF2B5EF4-FFF2-40B4-BE49-F238E27FC236}">
+                <a16:creationId xmlns:a16="http://schemas.microsoft.com/office/drawing/2014/main" id="{0AFA8CF1-302B-4FA8-8928-4F60FD8E8582}"/>
+              </a:ext>
+            </a:extLst>
+          </p:cNvPr>
+          <p:cNvSpPr>
+            <a:spLocks noGrp="1"/>
+          </p:cNvSpPr>
+          <p:nvPr>
+            <p:ph idx="1"/>
+          </p:nvPr>
+        </p:nvSpPr>
+        <p:spPr/>
+        <p:txBody>
+          <a:bodyPr/>
+          <a:lstStyle/>
+          <a:p>
+            <a:r>
+              <a:rPr lang="es-CL" dirty="0"/>
+              <a:t>Según </a:t>
+            </a:r>
+            <a:r>
+              <a:rPr lang="es-CL" dirty="0" err="1"/>
+              <a:t>NCh</a:t>
+            </a:r>
+            <a:r>
+              <a:rPr lang="es-CL" dirty="0"/>
+              <a:t> 353:</a:t>
+            </a:r>
+          </a:p>
+          <a:p>
+            <a:pPr lvl="1">
+              <a:buFont typeface="Arial" panose="020B0604020202020204" pitchFamily="34" charset="0"/>
+              <a:buChar char="•"/>
+            </a:pPr>
+            <a:r>
+              <a:rPr lang="es-CL" dirty="0"/>
+              <a:t>Muros y tabiques			: superficie efectiva, descontando porción de vanos según 									  dimensión, tipo de unidad, ejecución y pilar de HA.</a:t>
+            </a:r>
+          </a:p>
+          <a:p>
+            <a:pPr lvl="1">
+              <a:buFont typeface="Arial" panose="020B0604020202020204" pitchFamily="34" charset="0"/>
+              <a:buChar char="•"/>
+            </a:pPr>
+            <a:r>
+              <a:rPr lang="es-CL" dirty="0"/>
+              <a:t>Arcos , bóvedas y cúpulas	: volumen efectivo.</a:t>
+            </a:r>
+          </a:p>
+          <a:p>
+            <a:pPr lvl="1">
+              <a:buFont typeface="Arial" panose="020B0604020202020204" pitchFamily="34" charset="0"/>
+              <a:buChar char="•"/>
+            </a:pPr>
+            <a:r>
+              <a:rPr lang="es-CL" dirty="0"/>
+              <a:t>Juntas de dilatación		: longitud.</a:t>
+            </a:r>
+          </a:p>
+        </p:txBody>
+      </p:sp>
+    </p:spTree>
+    <p:extLst>
+      <p:ext uri="{BB962C8B-B14F-4D97-AF65-F5344CB8AC3E}">
+        <p14:creationId xmlns:p14="http://schemas.microsoft.com/office/powerpoint/2010/main" val="3061194798"/>
+      </p:ext>
+    </p:extLst>
+  </p:cSld>
+  <p:clrMapOvr>
+    <a:masterClrMapping/>
+  </p:clrMapOvr>
+</p:sld>
+</file>
+
+<file path=ppt/slides/slide7.xml><?xml version="1.0" encoding="utf-8"?>
+<p:sld xmlns:a="http://schemas.openxmlformats.org/drawingml/2006/main" xmlns:r="http://schemas.openxmlformats.org/officeDocument/2006/relationships" xmlns:p="http://schemas.openxmlformats.org/presentationml/2006/main">
+  <p:cSld>
+    <p:spTree>
+      <p:nvGrpSpPr>
+        <p:cNvPr id="1" name=""/>
+        <p:cNvGrpSpPr/>
+        <p:nvPr/>
+      </p:nvGrpSpPr>
+      <p:grpSpPr>
+        <a:xfrm>
+          <a:off x="0" y="0"/>
+          <a:ext cx="0" cy="0"/>
+          <a:chOff x="0" y="0"/>
+          <a:chExt cx="0" cy="0"/>
+        </a:xfrm>
+      </p:grpSpPr>
+      <p:sp>
+        <p:nvSpPr>
+          <p:cNvPr id="2" name="Título 1">
+            <a:extLst>
+              <a:ext uri="{FF2B5EF4-FFF2-40B4-BE49-F238E27FC236}">
+                <a16:creationId xmlns:a16="http://schemas.microsoft.com/office/drawing/2014/main" id="{4D2BFA70-A516-49C4-BD43-FD50C324B468}"/>
+              </a:ext>
+            </a:extLst>
+          </p:cNvPr>
+          <p:cNvSpPr>
+            <a:spLocks noGrp="1"/>
+          </p:cNvSpPr>
+          <p:nvPr>
+            <p:ph type="title"/>
+          </p:nvPr>
+        </p:nvSpPr>
+        <p:spPr/>
+        <p:txBody>
+          <a:bodyPr/>
+          <a:lstStyle/>
+          <a:p>
+            <a:r>
+              <a:rPr lang="es-CL" dirty="0"/>
+              <a:t>ESTRUCTURAS DE ALBAÑILERÍA</a:t>
+            </a:r>
+          </a:p>
+        </p:txBody>
+      </p:sp>
+      <p:sp>
+        <p:nvSpPr>
+          <p:cNvPr id="3" name="Marcador de contenido 2">
+            <a:extLst>
+              <a:ext uri="{FF2B5EF4-FFF2-40B4-BE49-F238E27FC236}">
+                <a16:creationId xmlns:a16="http://schemas.microsoft.com/office/drawing/2014/main" id="{3C4C0D07-31D7-407F-AA68-CB95F534447F}"/>
+              </a:ext>
+            </a:extLst>
+          </p:cNvPr>
+          <p:cNvSpPr>
+            <a:spLocks noGrp="1"/>
+          </p:cNvSpPr>
+          <p:nvPr>
+            <p:ph idx="1"/>
+          </p:nvPr>
+        </p:nvSpPr>
+        <p:spPr/>
+        <p:txBody>
+          <a:bodyPr/>
+          <a:lstStyle/>
+          <a:p>
+            <a:pPr marL="0" indent="0">
+              <a:buNone/>
+            </a:pPr>
+            <a:r>
+              <a:rPr lang="es-CL" dirty="0" err="1"/>
+              <a:t>sdgsgsgsfgsgsfgsfgsfgsf</a:t>
+            </a:r>
+            <a:endParaRPr lang="es-CL" dirty="0"/>
+          </a:p>
+        </p:txBody>
+      </p:sp>
+    </p:spTree>
+    <p:extLst>
+      <p:ext uri="{BB962C8B-B14F-4D97-AF65-F5344CB8AC3E}">
+        <p14:creationId xmlns:p14="http://schemas.microsoft.com/office/powerpoint/2010/main" val="1647384673"/>
+      </p:ext>
+    </p:extLst>
+  </p:cSld>
+  <p:clrMapOvr>
+    <a:masterClrMapping/>
+  </p:clrMapOvr>
+</p:sld>
+</file>
+
+<file path=ppt/slides/slide8.xml><?xml version="1.0" encoding="utf-8"?>
+<p:sld xmlns:a="http://schemas.openxmlformats.org/drawingml/2006/main" xmlns:r="http://schemas.openxmlformats.org/officeDocument/2006/relationships" xmlns:p="http://schemas.openxmlformats.org/presentationml/2006/main">
+  <p:cSld>
+    <p:spTree>
+      <p:nvGrpSpPr>
+        <p:cNvPr id="1" name=""/>
+        <p:cNvGrpSpPr/>
+        <p:nvPr/>
+      </p:nvGrpSpPr>
+      <p:grpSpPr>
+        <a:xfrm>
+          <a:off x="0" y="0"/>
+          <a:ext cx="0" cy="0"/>
+          <a:chOff x="0" y="0"/>
+          <a:chExt cx="0" cy="0"/>
+        </a:xfrm>
+      </p:grpSpPr>
+      <p:sp>
+        <p:nvSpPr>
+          <p:cNvPr id="2" name="Título 1">
+            <a:extLst>
+              <a:ext uri="{FF2B5EF4-FFF2-40B4-BE49-F238E27FC236}">
+                <a16:creationId xmlns:a16="http://schemas.microsoft.com/office/drawing/2014/main" id="{7963A088-C063-40F0-8AD2-8AAC6199450A}"/>
+              </a:ext>
+            </a:extLst>
+          </p:cNvPr>
+          <p:cNvSpPr>
+            <a:spLocks noGrp="1"/>
+          </p:cNvSpPr>
+          <p:nvPr>
+            <p:ph type="title"/>
+          </p:nvPr>
+        </p:nvSpPr>
+        <p:spPr/>
+        <p:txBody>
+          <a:bodyPr/>
+          <a:lstStyle/>
+          <a:p>
+            <a:r>
+              <a:rPr lang="es-CL" dirty="0"/>
+              <a:t>USO EN CHILE</a:t>
+            </a:r>
+          </a:p>
+        </p:txBody>
+      </p:sp>
+      <p:sp>
+        <p:nvSpPr>
+          <p:cNvPr id="3" name="Marcador de contenido 2">
+            <a:extLst>
+              <a:ext uri="{FF2B5EF4-FFF2-40B4-BE49-F238E27FC236}">
+                <a16:creationId xmlns:a16="http://schemas.microsoft.com/office/drawing/2014/main" id="{22ABBA1F-64A6-4E9A-90FE-8AC824113733}"/>
+              </a:ext>
+            </a:extLst>
+          </p:cNvPr>
+          <p:cNvSpPr>
+            <a:spLocks noGrp="1"/>
+          </p:cNvSpPr>
+          <p:nvPr>
+            <p:ph idx="1"/>
+          </p:nvPr>
+        </p:nvSpPr>
+        <p:spPr>
+          <a:xfrm>
+            <a:off x="818712" y="2222287"/>
+            <a:ext cx="4145174" cy="4188525"/>
+          </a:xfrm>
+        </p:spPr>
+        <p:txBody>
+          <a:bodyPr/>
+          <a:lstStyle/>
+          <a:p>
+            <a:pPr algn="just"/>
+            <a:r>
+              <a:rPr lang="es-CL" dirty="0"/>
+              <a:t>Principalmente en edificios de tipo unifamiliar y multifamiliar de uso habitacional, en su mayoría viviendas sociales. </a:t>
+            </a:r>
+          </a:p>
+          <a:p>
+            <a:pPr algn="just"/>
+            <a:endParaRPr lang="es-CL" dirty="0"/>
+          </a:p>
+        </p:txBody>
+      </p:sp>
+      <p:pic>
+        <p:nvPicPr>
+          <p:cNvPr id="5" name="Picture 4">
+            <a:extLst>
+              <a:ext uri="{FF2B5EF4-FFF2-40B4-BE49-F238E27FC236}">
+                <a16:creationId xmlns:a16="http://schemas.microsoft.com/office/drawing/2014/main" id="{CE0FF64E-1B11-4990-B2EF-96FFD4D45105}"/>
+              </a:ext>
+            </a:extLst>
+          </p:cNvPr>
+          <p:cNvPicPr>
+            <a:picLocks noChangeAspect="1"/>
+          </p:cNvPicPr>
+          <p:nvPr/>
+        </p:nvPicPr>
+        <p:blipFill>
+          <a:blip r:embed="rId2">
+            <a:extLst>
+              <a:ext uri="{28A0092B-C50C-407E-A947-70E740481C1C}">
+                <a14:useLocalDpi xmlns:a14="http://schemas.microsoft.com/office/drawing/2010/main" val="0"/>
+              </a:ext>
+            </a:extLst>
+          </a:blip>
+          <a:stretch>
+            <a:fillRect/>
+          </a:stretch>
+        </p:blipFill>
+        <p:spPr>
+          <a:xfrm>
+            <a:off x="5735384" y="2450812"/>
+            <a:ext cx="6004799" cy="3960000"/>
+          </a:xfrm>
+          <a:prstGeom prst="rect">
+            <a:avLst/>
+          </a:prstGeom>
+        </p:spPr>
+      </p:pic>
+    </p:spTree>
+    <p:extLst>
+      <p:ext uri="{BB962C8B-B14F-4D97-AF65-F5344CB8AC3E}">
+        <p14:creationId xmlns:p14="http://schemas.microsoft.com/office/powerpoint/2010/main" val="3365775483"/>
+      </p:ext>
+    </p:extLst>
+  </p:cSld>
+  <p:clrMapOvr>
+    <a:masterClrMapping/>
+  </p:clrMapOvr>
+</p:sld>
+</file>
+
+<file path=ppt/slides/slide9.xml><?xml version="1.0" encoding="utf-8"?>
+<p:sld xmlns:a="http://schemas.openxmlformats.org/drawingml/2006/main" xmlns:r="http://schemas.openxmlformats.org/officeDocument/2006/relationships" xmlns:p="http://schemas.openxmlformats.org/presentationml/2006/main">
+  <p:cSld>
+    <p:spTree>
+      <p:nvGrpSpPr>
+        <p:cNvPr id="1" name=""/>
+        <p:cNvGrpSpPr/>
+        <p:nvPr/>
+      </p:nvGrpSpPr>
+      <p:grpSpPr>
+        <a:xfrm>
+          <a:off x="0" y="0"/>
+          <a:ext cx="0" cy="0"/>
+          <a:chOff x="0" y="0"/>
+          <a:chExt cx="0" cy="0"/>
+        </a:xfrm>
+      </p:grpSpPr>
+      <p:sp>
+        <p:nvSpPr>
+          <p:cNvPr id="3" name="Content Placeholder 2">
+            <a:extLst>
+              <a:ext uri="{FF2B5EF4-FFF2-40B4-BE49-F238E27FC236}">
+                <a16:creationId xmlns:a16="http://schemas.microsoft.com/office/drawing/2014/main" id="{9AB0772D-26FD-480D-9962-B8235BB84C22}"/>
+              </a:ext>
+            </a:extLst>
+          </p:cNvPr>
+          <p:cNvSpPr>
+            <a:spLocks noGrp="1"/>
+          </p:cNvSpPr>
+          <p:nvPr>
+            <p:ph idx="1"/>
+          </p:nvPr>
+        </p:nvSpPr>
+        <p:spPr>
+          <a:xfrm>
+            <a:off x="810000" y="2129430"/>
+            <a:ext cx="11083002" cy="970450"/>
+          </a:xfrm>
+        </p:spPr>
+        <p:txBody>
+          <a:bodyPr/>
+          <a:lstStyle/>
+          <a:p>
+            <a:r>
+              <a:rPr lang="es-MX" dirty="0"/>
+              <a:t>Según </a:t>
+            </a:r>
+            <a:r>
+              <a:rPr lang="es-CL" dirty="0"/>
+              <a:t>CENSO 2002, 62 % viviendas albañilería.  En descenso en la actualidad</a:t>
+            </a:r>
+          </a:p>
+          <a:p>
+            <a:endParaRPr lang="es-MX" dirty="0"/>
+          </a:p>
+        </p:txBody>
+      </p:sp>
+      <p:sp>
+        <p:nvSpPr>
+          <p:cNvPr id="4" name="Título 1">
+            <a:extLst>
+              <a:ext uri="{FF2B5EF4-FFF2-40B4-BE49-F238E27FC236}">
+                <a16:creationId xmlns:a16="http://schemas.microsoft.com/office/drawing/2014/main" id="{42EDE288-8568-4696-BD15-9F3882D3D65A}"/>
+              </a:ext>
+            </a:extLst>
+          </p:cNvPr>
+          <p:cNvSpPr>
+            <a:spLocks noGrp="1"/>
+          </p:cNvSpPr>
+          <p:nvPr>
+            <p:ph type="title"/>
+          </p:nvPr>
+        </p:nvSpPr>
+        <p:spPr>
+          <a:xfrm>
+            <a:off x="810000" y="447188"/>
+            <a:ext cx="10571998" cy="970450"/>
+          </a:xfrm>
+        </p:spPr>
+        <p:txBody>
+          <a:bodyPr/>
+          <a:lstStyle/>
+          <a:p>
+            <a:r>
+              <a:rPr lang="es-CL" dirty="0"/>
+              <a:t>USO EN CHILE</a:t>
+            </a:r>
+          </a:p>
+        </p:txBody>
+      </p:sp>
+      <p:pic>
+        <p:nvPicPr>
+          <p:cNvPr id="6" name="Picture 5">
+            <a:extLst>
+              <a:ext uri="{FF2B5EF4-FFF2-40B4-BE49-F238E27FC236}">
+                <a16:creationId xmlns:a16="http://schemas.microsoft.com/office/drawing/2014/main" id="{60579362-F617-49C7-87BB-467B050FABBF}"/>
+              </a:ext>
+            </a:extLst>
+          </p:cNvPr>
+          <p:cNvPicPr>
+            <a:picLocks noChangeAspect="1"/>
+          </p:cNvPicPr>
+          <p:nvPr/>
+        </p:nvPicPr>
+        <p:blipFill>
+          <a:blip r:embed="rId2">
+            <a:extLst>
+              <a:ext uri="{28A0092B-C50C-407E-A947-70E740481C1C}">
+                <a14:useLocalDpi xmlns:a14="http://schemas.microsoft.com/office/drawing/2010/main" val="0"/>
+              </a:ext>
+            </a:extLst>
+          </a:blip>
+          <a:stretch>
+            <a:fillRect/>
+          </a:stretch>
+        </p:blipFill>
+        <p:spPr>
+          <a:xfrm>
+            <a:off x="-18350" y="2962275"/>
+            <a:ext cx="6251726" cy="2916011"/>
+          </a:xfrm>
+          <a:prstGeom prst="rect">
+            <a:avLst/>
+          </a:prstGeom>
+        </p:spPr>
+      </p:pic>
+      <p:sp>
+        <p:nvSpPr>
+          <p:cNvPr id="9" name="TextBox 8">
+            <a:extLst>
+              <a:ext uri="{FF2B5EF4-FFF2-40B4-BE49-F238E27FC236}">
+                <a16:creationId xmlns:a16="http://schemas.microsoft.com/office/drawing/2014/main" id="{8EB5BA46-B80C-4BD2-ABC1-F2D1736C5B3D}"/>
+              </a:ext>
+            </a:extLst>
+          </p:cNvPr>
+          <p:cNvSpPr txBox="1"/>
+          <p:nvPr/>
+        </p:nvSpPr>
+        <p:spPr>
+          <a:xfrm>
+            <a:off x="896075" y="5878286"/>
+            <a:ext cx="4677884" cy="307777"/>
+          </a:xfrm>
+          <a:prstGeom prst="rect">
+            <a:avLst/>
+          </a:prstGeom>
+          <a:noFill/>
+        </p:spPr>
+        <p:txBody>
+          <a:bodyPr wrap="none" rtlCol="0">
+            <a:spAutoFit/>
+          </a:bodyPr>
+          <a:lstStyle/>
+          <a:p>
+            <a:r>
+              <a:rPr lang="es-CL" sz="1400" dirty="0">
+                <a:solidFill>
+                  <a:schemeClr val="tx2">
+                    <a:lumMod val="50000"/>
+                  </a:schemeClr>
+                </a:solidFill>
+              </a:rPr>
+              <a:t>Distribución de viviendas por material (Censo 2002).</a:t>
+            </a:r>
+            <a:endParaRPr lang="es-MX" sz="1400" dirty="0">
+              <a:solidFill>
+                <a:schemeClr val="tx2">
+                  <a:lumMod val="50000"/>
+                </a:schemeClr>
+              </a:solidFill>
+            </a:endParaRPr>
+          </a:p>
+        </p:txBody>
+      </p:sp>
+      <p:pic>
+        <p:nvPicPr>
+          <p:cNvPr id="5" name="Picture 4">
+            <a:extLst>
+              <a:ext uri="{FF2B5EF4-FFF2-40B4-BE49-F238E27FC236}">
+                <a16:creationId xmlns:a16="http://schemas.microsoft.com/office/drawing/2014/main" id="{9161846D-2B15-4862-A216-42F0D859EF89}"/>
+              </a:ext>
+            </a:extLst>
+          </p:cNvPr>
+          <p:cNvPicPr>
+            <a:picLocks noChangeAspect="1"/>
+          </p:cNvPicPr>
+          <p:nvPr/>
+        </p:nvPicPr>
+        <p:blipFill>
+          <a:blip r:embed="rId3">
+            <a:extLst>
+              <a:ext uri="{28A0092B-C50C-407E-A947-70E740481C1C}">
+                <a14:useLocalDpi xmlns:a14="http://schemas.microsoft.com/office/drawing/2010/main" val="0"/>
+              </a:ext>
+            </a:extLst>
+          </a:blip>
+          <a:stretch>
+            <a:fillRect/>
+          </a:stretch>
+        </p:blipFill>
+        <p:spPr>
+          <a:xfrm>
+            <a:off x="5813599" y="2527058"/>
+            <a:ext cx="6378401" cy="3924050"/>
+          </a:xfrm>
+          <a:prstGeom prst="rect">
+            <a:avLst/>
+          </a:prstGeom>
+        </p:spPr>
+      </p:pic>
+      <p:sp>
+        <p:nvSpPr>
+          <p:cNvPr id="11" name="TextBox 10">
+            <a:extLst>
+              <a:ext uri="{FF2B5EF4-FFF2-40B4-BE49-F238E27FC236}">
+                <a16:creationId xmlns:a16="http://schemas.microsoft.com/office/drawing/2014/main" id="{6F0009A4-0763-4486-94E6-6EE401F5EFBC}"/>
+              </a:ext>
+            </a:extLst>
+          </p:cNvPr>
+          <p:cNvSpPr txBox="1"/>
+          <p:nvPr/>
+        </p:nvSpPr>
+        <p:spPr>
+          <a:xfrm>
+            <a:off x="6663857" y="6451108"/>
+            <a:ext cx="4677884" cy="307777"/>
+          </a:xfrm>
+          <a:prstGeom prst="rect">
+            <a:avLst/>
+          </a:prstGeom>
+          <a:noFill/>
+        </p:spPr>
+        <p:txBody>
+          <a:bodyPr wrap="none" rtlCol="0">
+            <a:spAutoFit/>
+          </a:bodyPr>
+          <a:lstStyle/>
+          <a:p>
+            <a:r>
+              <a:rPr lang="es-CL" sz="1400" dirty="0">
+                <a:solidFill>
+                  <a:schemeClr val="tx2">
+                    <a:lumMod val="50000"/>
+                  </a:schemeClr>
+                </a:solidFill>
+              </a:rPr>
+              <a:t>Distribución de viviendas por material (Censo 2002).</a:t>
+            </a:r>
+            <a:endParaRPr lang="es-MX" sz="1400" dirty="0">
+              <a:solidFill>
+                <a:schemeClr val="tx2">
+                  <a:lumMod val="50000"/>
+                </a:schemeClr>
+              </a:solidFill>
+            </a:endParaRPr>
+          </a:p>
+        </p:txBody>
+      </p:sp>
+    </p:spTree>
+    <p:extLst>
+      <p:ext uri="{BB962C8B-B14F-4D97-AF65-F5344CB8AC3E}">
+        <p14:creationId xmlns:p14="http://schemas.microsoft.com/office/powerpoint/2010/main" val="3139984690"/>
       </p:ext>
     </p:extLst>
   </p:cSld>

--- a/SISTEMAS CONSTRUCTIVOS EN ALBAÑILERIÁ.pptx
+++ b/SISTEMAS CONSTRUCTIVOS EN ALBAÑILERIÁ.pptx
@@ -12,19 +12,23 @@
     <p:sldId id="269" r:id="rId6"/>
     <p:sldId id="267" r:id="rId7"/>
     <p:sldId id="262" r:id="rId8"/>
-    <p:sldId id="265" r:id="rId9"/>
-    <p:sldId id="270" r:id="rId10"/>
-    <p:sldId id="279" r:id="rId11"/>
-    <p:sldId id="271" r:id="rId12"/>
-    <p:sldId id="272" r:id="rId13"/>
-    <p:sldId id="273" r:id="rId14"/>
-    <p:sldId id="274" r:id="rId15"/>
-    <p:sldId id="264" r:id="rId16"/>
-    <p:sldId id="275" r:id="rId17"/>
-    <p:sldId id="276" r:id="rId18"/>
-    <p:sldId id="277" r:id="rId19"/>
-    <p:sldId id="278" r:id="rId20"/>
-    <p:sldId id="268" r:id="rId21"/>
+    <p:sldId id="280" r:id="rId9"/>
+    <p:sldId id="281" r:id="rId10"/>
+    <p:sldId id="282" r:id="rId11"/>
+    <p:sldId id="283" r:id="rId12"/>
+    <p:sldId id="265" r:id="rId13"/>
+    <p:sldId id="270" r:id="rId14"/>
+    <p:sldId id="279" r:id="rId15"/>
+    <p:sldId id="271" r:id="rId16"/>
+    <p:sldId id="272" r:id="rId17"/>
+    <p:sldId id="273" r:id="rId18"/>
+    <p:sldId id="274" r:id="rId19"/>
+    <p:sldId id="264" r:id="rId20"/>
+    <p:sldId id="275" r:id="rId21"/>
+    <p:sldId id="276" r:id="rId22"/>
+    <p:sldId id="277" r:id="rId23"/>
+    <p:sldId id="278" r:id="rId24"/>
+    <p:sldId id="268" r:id="rId25"/>
   </p:sldIdLst>
   <p:sldSz cx="12192000" cy="6858000"/>
   <p:notesSz cx="6858000" cy="9144000"/>
@@ -226,7 +230,7 @@
           <a:effectLst/>
           <a:extLst>
             <a:ext uri="{91240B29-F687-4f45-9708-019B960494DF}">
-              <a14:hiddenLine xmlns="" xmlns:a14="http://schemas.microsoft.com/office/drawing/2010/main" w="9525">
+              <a14:hiddenLine xmlns:a14="http://schemas.microsoft.com/office/drawing/2010/main" xmlns="" w="9525">
                 <a:solidFill>
                   <a:srgbClr val="000000"/>
                 </a:solidFill>
@@ -1748,7 +1752,7 @@
           <a:ln/>
           <a:extLst>
             <a:ext uri="{91240B29-F687-4f45-9708-019B960494DF}">
-              <a14:hiddenLine xmlns="" xmlns:a14="http://schemas.microsoft.com/office/drawing/2010/main" w="9525">
+              <a14:hiddenLine xmlns:a14="http://schemas.microsoft.com/office/drawing/2010/main" xmlns="" w="9525">
                 <a:solidFill>
                   <a:srgbClr val="000000"/>
                 </a:solidFill>
@@ -2023,7 +2027,7 @@
           <a:ln/>
           <a:extLst>
             <a:ext uri="{91240B29-F687-4f45-9708-019B960494DF}">
-              <a14:hiddenLine xmlns="" xmlns:a14="http://schemas.microsoft.com/office/drawing/2010/main" w="9525">
+              <a14:hiddenLine xmlns:a14="http://schemas.microsoft.com/office/drawing/2010/main" xmlns="" w="9525">
                 <a:solidFill>
                   <a:srgbClr val="000000"/>
                 </a:solidFill>
@@ -2306,7 +2310,7 @@
           <a:ln/>
           <a:extLst>
             <a:ext uri="{91240B29-F687-4f45-9708-019B960494DF}">
-              <a14:hiddenLine xmlns="" xmlns:a14="http://schemas.microsoft.com/office/drawing/2010/main" w="9525">
+              <a14:hiddenLine xmlns:a14="http://schemas.microsoft.com/office/drawing/2010/main" xmlns="" w="9525">
                 <a:solidFill>
                   <a:srgbClr val="000000"/>
                 </a:solidFill>
@@ -2932,7 +2936,7 @@
           <a:ln/>
           <a:extLst>
             <a:ext uri="{91240B29-F687-4f45-9708-019B960494DF}">
-              <a14:hiddenLine xmlns="" xmlns:a14="http://schemas.microsoft.com/office/drawing/2010/main" w="9525">
+              <a14:hiddenLine xmlns:a14="http://schemas.microsoft.com/office/drawing/2010/main" xmlns="" w="9525">
                 <a:solidFill>
                   <a:srgbClr val="000000"/>
                 </a:solidFill>
@@ -3271,7 +3275,7 @@
           <a:ln/>
           <a:extLst>
             <a:ext uri="{91240B29-F687-4f45-9708-019B960494DF}">
-              <a14:hiddenLine xmlns="" xmlns:a14="http://schemas.microsoft.com/office/drawing/2010/main" w="9525">
+              <a14:hiddenLine xmlns:a14="http://schemas.microsoft.com/office/drawing/2010/main" xmlns="" w="9525">
                 <a:solidFill>
                   <a:srgbClr val="000000"/>
                 </a:solidFill>
@@ -3748,7 +3752,7 @@
           <a:ln/>
           <a:extLst>
             <a:ext uri="{91240B29-F687-4f45-9708-019B960494DF}">
-              <a14:hiddenLine xmlns="" xmlns:a14="http://schemas.microsoft.com/office/drawing/2010/main" w="9525">
+              <a14:hiddenLine xmlns:a14="http://schemas.microsoft.com/office/drawing/2010/main" xmlns="" w="9525">
                 <a:solidFill>
                   <a:srgbClr val="000000"/>
                 </a:solidFill>
@@ -4177,7 +4181,7 @@
           <a:ln/>
           <a:extLst>
             <a:ext uri="{91240B29-F687-4f45-9708-019B960494DF}">
-              <a14:hiddenLine xmlns="" xmlns:a14="http://schemas.microsoft.com/office/drawing/2010/main" w="9525">
+              <a14:hiddenLine xmlns:a14="http://schemas.microsoft.com/office/drawing/2010/main" xmlns="" w="9525">
                 <a:solidFill>
                   <a:srgbClr val="000000"/>
                 </a:solidFill>
@@ -5573,10 +5577,262 @@
       </p:grpSpPr>
       <p:pic>
         <p:nvPicPr>
-          <p:cNvPr id="4" name="Picture 3">
+          <p:cNvPr id="7" name="Content Placeholder 6">
             <a:extLst>
               <a:ext uri="{FF2B5EF4-FFF2-40B4-BE49-F238E27FC236}">
-                <a16:creationId xmlns:a16="http://schemas.microsoft.com/office/drawing/2014/main" id="{7F5F8CC9-4A87-4149-924F-61D2112736F6}"/>
+                <a16:creationId xmlns:a16="http://schemas.microsoft.com/office/drawing/2014/main" id="{B7172E27-2F31-45B8-9BE9-13438E9DD280}"/>
+              </a:ext>
+            </a:extLst>
+          </p:cNvPr>
+          <p:cNvPicPr>
+            <a:picLocks noGrp="1" noChangeAspect="1"/>
+          </p:cNvPicPr>
+          <p:nvPr>
+            <p:ph idx="1"/>
+          </p:nvPr>
+        </p:nvPicPr>
+        <p:blipFill>
+          <a:blip r:embed="rId2">
+            <a:extLst>
+              <a:ext uri="{28A0092B-C50C-407E-A947-70E740481C1C}">
+                <a14:useLocalDpi xmlns:a14="http://schemas.microsoft.com/office/drawing/2010/main" val="0"/>
+              </a:ext>
+            </a:extLst>
+          </a:blip>
+          <a:stretch>
+            <a:fillRect/>
+          </a:stretch>
+        </p:blipFill>
+        <p:spPr>
+          <a:xfrm>
+            <a:off x="3434118" y="2261135"/>
+            <a:ext cx="5323763" cy="4320000"/>
+          </a:xfrm>
+        </p:spPr>
+      </p:pic>
+      <p:sp>
+        <p:nvSpPr>
+          <p:cNvPr id="5" name="Title 1">
+            <a:extLst>
+              <a:ext uri="{FF2B5EF4-FFF2-40B4-BE49-F238E27FC236}">
+                <a16:creationId xmlns:a16="http://schemas.microsoft.com/office/drawing/2014/main" id="{3940B076-961F-41E7-BCEC-F6DCCDFF88D2}"/>
+              </a:ext>
+            </a:extLst>
+          </p:cNvPr>
+          <p:cNvSpPr>
+            <a:spLocks noGrp="1"/>
+          </p:cNvSpPr>
+          <p:nvPr>
+            <p:ph type="title"/>
+          </p:nvPr>
+        </p:nvSpPr>
+        <p:spPr>
+          <a:xfrm>
+            <a:off x="809625" y="447675"/>
+            <a:ext cx="10572750" cy="969963"/>
+          </a:xfrm>
+        </p:spPr>
+        <p:txBody>
+          <a:bodyPr/>
+          <a:lstStyle/>
+          <a:p>
+            <a:r>
+              <a:rPr lang="es-MX" dirty="0"/>
+              <a:t>PRÁCTICAS CONSTRUCTIVAS</a:t>
+            </a:r>
+          </a:p>
+        </p:txBody>
+      </p:sp>
+    </p:spTree>
+    <p:extLst>
+      <p:ext uri="{BB962C8B-B14F-4D97-AF65-F5344CB8AC3E}">
+        <p14:creationId xmlns:p14="http://schemas.microsoft.com/office/powerpoint/2010/main" val="568051580"/>
+      </p:ext>
+    </p:extLst>
+  </p:cSld>
+  <p:clrMapOvr>
+    <a:masterClrMapping/>
+  </p:clrMapOvr>
+</p:sld>
+</file>
+
+<file path=ppt/slides/slide11.xml><?xml version="1.0" encoding="utf-8"?>
+<p:sld xmlns:a="http://schemas.openxmlformats.org/drawingml/2006/main" xmlns:r="http://schemas.openxmlformats.org/officeDocument/2006/relationships" xmlns:p="http://schemas.openxmlformats.org/presentationml/2006/main">
+  <p:cSld>
+    <p:spTree>
+      <p:nvGrpSpPr>
+        <p:cNvPr id="1" name=""/>
+        <p:cNvGrpSpPr/>
+        <p:nvPr/>
+      </p:nvGrpSpPr>
+      <p:grpSpPr>
+        <a:xfrm>
+          <a:off x="0" y="0"/>
+          <a:ext cx="0" cy="0"/>
+          <a:chOff x="0" y="0"/>
+          <a:chExt cx="0" cy="0"/>
+        </a:xfrm>
+      </p:grpSpPr>
+      <p:sp>
+        <p:nvSpPr>
+          <p:cNvPr id="3" name="Content Placeholder 2">
+            <a:extLst>
+              <a:ext uri="{FF2B5EF4-FFF2-40B4-BE49-F238E27FC236}">
+                <a16:creationId xmlns:a16="http://schemas.microsoft.com/office/drawing/2014/main" id="{66C9678E-6086-47B1-8730-81147ADC3BA6}"/>
+              </a:ext>
+            </a:extLst>
+          </p:cNvPr>
+          <p:cNvSpPr>
+            <a:spLocks noGrp="1"/>
+          </p:cNvSpPr>
+          <p:nvPr>
+            <p:ph idx="1"/>
+          </p:nvPr>
+        </p:nvSpPr>
+        <p:spPr/>
+        <p:txBody>
+          <a:bodyPr/>
+          <a:lstStyle/>
+          <a:p>
+            <a:endParaRPr lang="es-MX" dirty="0"/>
+          </a:p>
+        </p:txBody>
+      </p:sp>
+      <p:sp>
+        <p:nvSpPr>
+          <p:cNvPr id="4" name="Title 1">
+            <a:extLst>
+              <a:ext uri="{FF2B5EF4-FFF2-40B4-BE49-F238E27FC236}">
+                <a16:creationId xmlns:a16="http://schemas.microsoft.com/office/drawing/2014/main" id="{DCC3C3BA-898A-42EA-A8F0-A0B140B75C03}"/>
+              </a:ext>
+            </a:extLst>
+          </p:cNvPr>
+          <p:cNvSpPr>
+            <a:spLocks noGrp="1"/>
+          </p:cNvSpPr>
+          <p:nvPr>
+            <p:ph type="title"/>
+          </p:nvPr>
+        </p:nvSpPr>
+        <p:spPr>
+          <a:xfrm>
+            <a:off x="809625" y="447675"/>
+            <a:ext cx="10572750" cy="969963"/>
+          </a:xfrm>
+        </p:spPr>
+        <p:txBody>
+          <a:bodyPr/>
+          <a:lstStyle/>
+          <a:p>
+            <a:r>
+              <a:rPr lang="es-MX" dirty="0"/>
+              <a:t>PRÁCTICAS CONSTRUCTIVAS</a:t>
+            </a:r>
+          </a:p>
+        </p:txBody>
+      </p:sp>
+    </p:spTree>
+    <p:extLst>
+      <p:ext uri="{BB962C8B-B14F-4D97-AF65-F5344CB8AC3E}">
+        <p14:creationId xmlns:p14="http://schemas.microsoft.com/office/powerpoint/2010/main" val="744255299"/>
+      </p:ext>
+    </p:extLst>
+  </p:cSld>
+  <p:clrMapOvr>
+    <a:masterClrMapping/>
+  </p:clrMapOvr>
+</p:sld>
+</file>
+
+<file path=ppt/slides/slide12.xml><?xml version="1.0" encoding="utf-8"?>
+<p:sld xmlns:a="http://schemas.openxmlformats.org/drawingml/2006/main" xmlns:r="http://schemas.openxmlformats.org/officeDocument/2006/relationships" xmlns:p="http://schemas.openxmlformats.org/presentationml/2006/main">
+  <p:cSld>
+    <p:spTree>
+      <p:nvGrpSpPr>
+        <p:cNvPr id="1" name=""/>
+        <p:cNvGrpSpPr/>
+        <p:nvPr/>
+      </p:nvGrpSpPr>
+      <p:grpSpPr>
+        <a:xfrm>
+          <a:off x="0" y="0"/>
+          <a:ext cx="0" cy="0"/>
+          <a:chOff x="0" y="0"/>
+          <a:chExt cx="0" cy="0"/>
+        </a:xfrm>
+      </p:grpSpPr>
+      <p:sp>
+        <p:nvSpPr>
+          <p:cNvPr id="2" name="Título 1">
+            <a:extLst>
+              <a:ext uri="{FF2B5EF4-FFF2-40B4-BE49-F238E27FC236}">
+                <a16:creationId xmlns:a16="http://schemas.microsoft.com/office/drawing/2014/main" id="{7963A088-C063-40F0-8AD2-8AAC6199450A}"/>
+              </a:ext>
+            </a:extLst>
+          </p:cNvPr>
+          <p:cNvSpPr>
+            <a:spLocks noGrp="1"/>
+          </p:cNvSpPr>
+          <p:nvPr>
+            <p:ph type="title"/>
+          </p:nvPr>
+        </p:nvSpPr>
+        <p:spPr/>
+        <p:txBody>
+          <a:bodyPr/>
+          <a:lstStyle/>
+          <a:p>
+            <a:r>
+              <a:rPr lang="es-CL" dirty="0"/>
+              <a:t>USO EN CHILE</a:t>
+            </a:r>
+          </a:p>
+        </p:txBody>
+      </p:sp>
+      <p:sp>
+        <p:nvSpPr>
+          <p:cNvPr id="3" name="Marcador de contenido 2">
+            <a:extLst>
+              <a:ext uri="{FF2B5EF4-FFF2-40B4-BE49-F238E27FC236}">
+                <a16:creationId xmlns:a16="http://schemas.microsoft.com/office/drawing/2014/main" id="{22ABBA1F-64A6-4E9A-90FE-8AC824113733}"/>
+              </a:ext>
+            </a:extLst>
+          </p:cNvPr>
+          <p:cNvSpPr>
+            <a:spLocks noGrp="1"/>
+          </p:cNvSpPr>
+          <p:nvPr>
+            <p:ph idx="1"/>
+          </p:nvPr>
+        </p:nvSpPr>
+        <p:spPr>
+          <a:xfrm>
+            <a:off x="818712" y="2222287"/>
+            <a:ext cx="4145174" cy="4188525"/>
+          </a:xfrm>
+        </p:spPr>
+        <p:txBody>
+          <a:bodyPr/>
+          <a:lstStyle/>
+          <a:p>
+            <a:pPr algn="just"/>
+            <a:r>
+              <a:rPr lang="es-CL" dirty="0"/>
+              <a:t>Principalmente en edificios de tipo unifamiliar y multifamiliar de uso habitacional, en su mayoría viviendas sociales. </a:t>
+            </a:r>
+          </a:p>
+          <a:p>
+            <a:pPr algn="just"/>
+            <a:endParaRPr lang="es-CL" dirty="0"/>
+          </a:p>
+        </p:txBody>
+      </p:sp>
+      <p:pic>
+        <p:nvPicPr>
+          <p:cNvPr id="5" name="Picture 4">
+            <a:extLst>
+              <a:ext uri="{FF2B5EF4-FFF2-40B4-BE49-F238E27FC236}">
+                <a16:creationId xmlns:a16="http://schemas.microsoft.com/office/drawing/2014/main" id="{CE0FF64E-1B11-4990-B2EF-96FFD4D45105}"/>
               </a:ext>
             </a:extLst>
           </p:cNvPr>
@@ -5599,20 +5855,159 @@
         </p:blipFill>
         <p:spPr>
           <a:xfrm>
-            <a:off x="3564430" y="2364679"/>
-            <a:ext cx="5063138" cy="3711153"/>
+            <a:off x="5735384" y="2450812"/>
+            <a:ext cx="6004799" cy="3960000"/>
           </a:xfrm>
           <a:prstGeom prst="rect">
             <a:avLst/>
           </a:prstGeom>
         </p:spPr>
       </p:pic>
-      <p:sp>
-        <p:nvSpPr>
-          <p:cNvPr id="5" name="TextBox 4">
+    </p:spTree>
+    <p:extLst>
+      <p:ext uri="{BB962C8B-B14F-4D97-AF65-F5344CB8AC3E}">
+        <p14:creationId xmlns:p14="http://schemas.microsoft.com/office/powerpoint/2010/main" val="3365775483"/>
+      </p:ext>
+    </p:extLst>
+  </p:cSld>
+  <p:clrMapOvr>
+    <a:masterClrMapping/>
+  </p:clrMapOvr>
+</p:sld>
+</file>
+
+<file path=ppt/slides/slide13.xml><?xml version="1.0" encoding="utf-8"?>
+<p:sld xmlns:a="http://schemas.openxmlformats.org/drawingml/2006/main" xmlns:r="http://schemas.openxmlformats.org/officeDocument/2006/relationships" xmlns:p="http://schemas.openxmlformats.org/presentationml/2006/main">
+  <p:cSld>
+    <p:spTree>
+      <p:nvGrpSpPr>
+        <p:cNvPr id="1" name=""/>
+        <p:cNvGrpSpPr/>
+        <p:nvPr/>
+      </p:nvGrpSpPr>
+      <p:grpSpPr>
+        <a:xfrm>
+          <a:off x="0" y="0"/>
+          <a:ext cx="0" cy="0"/>
+          <a:chOff x="0" y="0"/>
+          <a:chExt cx="0" cy="0"/>
+        </a:xfrm>
+      </p:grpSpPr>
+      <p:sp>
+        <p:nvSpPr>
+          <p:cNvPr id="3" name="Content Placeholder 2">
             <a:extLst>
               <a:ext uri="{FF2B5EF4-FFF2-40B4-BE49-F238E27FC236}">
-                <a16:creationId xmlns:a16="http://schemas.microsoft.com/office/drawing/2014/main" id="{46D164F2-9263-467E-9D71-B18BBB230642}"/>
+                <a16:creationId xmlns:a16="http://schemas.microsoft.com/office/drawing/2014/main" id="{9AB0772D-26FD-480D-9962-B8235BB84C22}"/>
+              </a:ext>
+            </a:extLst>
+          </p:cNvPr>
+          <p:cNvSpPr>
+            <a:spLocks noGrp="1"/>
+          </p:cNvSpPr>
+          <p:nvPr>
+            <p:ph idx="1"/>
+          </p:nvPr>
+        </p:nvSpPr>
+        <p:spPr>
+          <a:xfrm>
+            <a:off x="810000" y="2129430"/>
+            <a:ext cx="11083002" cy="970450"/>
+          </a:xfrm>
+        </p:spPr>
+        <p:txBody>
+          <a:bodyPr/>
+          <a:lstStyle/>
+          <a:p>
+            <a:r>
+              <a:rPr lang="es-MX" dirty="0"/>
+              <a:t>Según </a:t>
+            </a:r>
+            <a:r>
+              <a:rPr lang="es-CL" dirty="0"/>
+              <a:t>CENSO 2002, 62 % viviendas albañilería.  En descenso en la actualidad</a:t>
+            </a:r>
+          </a:p>
+          <a:p>
+            <a:endParaRPr lang="es-MX" dirty="0"/>
+          </a:p>
+        </p:txBody>
+      </p:sp>
+      <p:sp>
+        <p:nvSpPr>
+          <p:cNvPr id="4" name="Título 1">
+            <a:extLst>
+              <a:ext uri="{FF2B5EF4-FFF2-40B4-BE49-F238E27FC236}">
+                <a16:creationId xmlns:a16="http://schemas.microsoft.com/office/drawing/2014/main" id="{42EDE288-8568-4696-BD15-9F3882D3D65A}"/>
+              </a:ext>
+            </a:extLst>
+          </p:cNvPr>
+          <p:cNvSpPr>
+            <a:spLocks noGrp="1"/>
+          </p:cNvSpPr>
+          <p:nvPr>
+            <p:ph type="title"/>
+          </p:nvPr>
+        </p:nvSpPr>
+        <p:spPr>
+          <a:xfrm>
+            <a:off x="810000" y="447188"/>
+            <a:ext cx="10571998" cy="970450"/>
+          </a:xfrm>
+        </p:spPr>
+        <p:txBody>
+          <a:bodyPr/>
+          <a:lstStyle/>
+          <a:p>
+            <a:r>
+              <a:rPr lang="es-CL" dirty="0"/>
+              <a:t>USO EN CHILE</a:t>
+            </a:r>
+          </a:p>
+        </p:txBody>
+      </p:sp>
+      <p:pic>
+        <p:nvPicPr>
+          <p:cNvPr id="6" name="Picture 5">
+            <a:extLst>
+              <a:ext uri="{FF2B5EF4-FFF2-40B4-BE49-F238E27FC236}">
+                <a16:creationId xmlns:a16="http://schemas.microsoft.com/office/drawing/2014/main" id="{60579362-F617-49C7-87BB-467B050FABBF}"/>
+              </a:ext>
+            </a:extLst>
+          </p:cNvPr>
+          <p:cNvPicPr>
+            <a:picLocks noChangeAspect="1"/>
+          </p:cNvPicPr>
+          <p:nvPr/>
+        </p:nvPicPr>
+        <p:blipFill>
+          <a:blip r:embed="rId2">
+            <a:extLst>
+              <a:ext uri="{28A0092B-C50C-407E-A947-70E740481C1C}">
+                <a14:useLocalDpi xmlns:a14="http://schemas.microsoft.com/office/drawing/2010/main" val="0"/>
+              </a:ext>
+            </a:extLst>
+          </a:blip>
+          <a:stretch>
+            <a:fillRect/>
+          </a:stretch>
+        </p:blipFill>
+        <p:spPr>
+          <a:xfrm>
+            <a:off x="-18350" y="2962275"/>
+            <a:ext cx="6251726" cy="2916011"/>
+          </a:xfrm>
+          <a:prstGeom prst="rect">
+            <a:avLst/>
+          </a:prstGeom>
+        </p:spPr>
+      </p:pic>
+      <p:sp>
+        <p:nvSpPr>
+          <p:cNvPr id="9" name="TextBox 8">
+            <a:extLst>
+              <a:ext uri="{FF2B5EF4-FFF2-40B4-BE49-F238E27FC236}">
+                <a16:creationId xmlns:a16="http://schemas.microsoft.com/office/drawing/2014/main" id="{8EB5BA46-B80C-4BD2-ABC1-F2D1736C5B3D}"/>
               </a:ext>
             </a:extLst>
           </p:cNvPr>
@@ -5621,8 +6016,8 @@
         </p:nvSpPr>
         <p:spPr>
           <a:xfrm>
-            <a:off x="3381828" y="6075832"/>
-            <a:ext cx="5428342" cy="523220"/>
+            <a:off x="896075" y="5878286"/>
+            <a:ext cx="4677884" cy="307777"/>
           </a:xfrm>
           <a:prstGeom prst="rect">
             <a:avLst/>
@@ -5630,7 +6025,7 @@
           <a:noFill/>
         </p:spPr>
         <p:txBody>
-          <a:bodyPr wrap="square" rtlCol="0">
+          <a:bodyPr wrap="none" rtlCol="0">
             <a:spAutoFit/>
           </a:bodyPr>
           <a:lstStyle/>
@@ -5643,7 +6038,205 @@
                   </a:schemeClr>
                 </a:solidFill>
               </a:rPr>
-              <a:t>Uso de albañilería, hormigón y madera en los últimos años (INE, 2002-2017).</a:t>
+              <a:t>Distribución de viviendas por material (Censo 2002).</a:t>
+            </a:r>
+            <a:endParaRPr lang="es-MX" sz="1400" dirty="0">
+              <a:solidFill>
+                <a:schemeClr val="tx2">
+                  <a:lumMod val="50000"/>
+                </a:schemeClr>
+              </a:solidFill>
+            </a:endParaRPr>
+          </a:p>
+        </p:txBody>
+      </p:sp>
+      <p:pic>
+        <p:nvPicPr>
+          <p:cNvPr id="5" name="Picture 4">
+            <a:extLst>
+              <a:ext uri="{FF2B5EF4-FFF2-40B4-BE49-F238E27FC236}">
+                <a16:creationId xmlns:a16="http://schemas.microsoft.com/office/drawing/2014/main" id="{9161846D-2B15-4862-A216-42F0D859EF89}"/>
+              </a:ext>
+            </a:extLst>
+          </p:cNvPr>
+          <p:cNvPicPr>
+            <a:picLocks noChangeAspect="1"/>
+          </p:cNvPicPr>
+          <p:nvPr/>
+        </p:nvPicPr>
+        <p:blipFill>
+          <a:blip r:embed="rId3">
+            <a:extLst>
+              <a:ext uri="{28A0092B-C50C-407E-A947-70E740481C1C}">
+                <a14:useLocalDpi xmlns:a14="http://schemas.microsoft.com/office/drawing/2010/main" val="0"/>
+              </a:ext>
+            </a:extLst>
+          </a:blip>
+          <a:stretch>
+            <a:fillRect/>
+          </a:stretch>
+        </p:blipFill>
+        <p:spPr>
+          <a:xfrm>
+            <a:off x="5813599" y="2527058"/>
+            <a:ext cx="6378401" cy="3924050"/>
+          </a:xfrm>
+          <a:prstGeom prst="rect">
+            <a:avLst/>
+          </a:prstGeom>
+        </p:spPr>
+      </p:pic>
+      <p:sp>
+        <p:nvSpPr>
+          <p:cNvPr id="11" name="TextBox 10">
+            <a:extLst>
+              <a:ext uri="{FF2B5EF4-FFF2-40B4-BE49-F238E27FC236}">
+                <a16:creationId xmlns:a16="http://schemas.microsoft.com/office/drawing/2014/main" id="{6F0009A4-0763-4486-94E6-6EE401F5EFBC}"/>
+              </a:ext>
+            </a:extLst>
+          </p:cNvPr>
+          <p:cNvSpPr txBox="1"/>
+          <p:nvPr/>
+        </p:nvSpPr>
+        <p:spPr>
+          <a:xfrm>
+            <a:off x="6663857" y="6451108"/>
+            <a:ext cx="4677884" cy="307777"/>
+          </a:xfrm>
+          <a:prstGeom prst="rect">
+            <a:avLst/>
+          </a:prstGeom>
+          <a:noFill/>
+        </p:spPr>
+        <p:txBody>
+          <a:bodyPr wrap="none" rtlCol="0">
+            <a:spAutoFit/>
+          </a:bodyPr>
+          <a:lstStyle/>
+          <a:p>
+            <a:r>
+              <a:rPr lang="es-CL" sz="1400" dirty="0">
+                <a:solidFill>
+                  <a:schemeClr val="tx2">
+                    <a:lumMod val="50000"/>
+                  </a:schemeClr>
+                </a:solidFill>
+              </a:rPr>
+              <a:t>Distribución de viviendas por material (Censo 2016).</a:t>
+            </a:r>
+            <a:endParaRPr lang="es-MX" sz="1400" dirty="0">
+              <a:solidFill>
+                <a:schemeClr val="tx2">
+                  <a:lumMod val="50000"/>
+                </a:schemeClr>
+              </a:solidFill>
+            </a:endParaRPr>
+          </a:p>
+        </p:txBody>
+      </p:sp>
+    </p:spTree>
+    <p:extLst>
+      <p:ext uri="{BB962C8B-B14F-4D97-AF65-F5344CB8AC3E}">
+        <p14:creationId xmlns:p14="http://schemas.microsoft.com/office/powerpoint/2010/main" val="3139984690"/>
+      </p:ext>
+    </p:extLst>
+  </p:cSld>
+  <p:clrMapOvr>
+    <a:masterClrMapping/>
+  </p:clrMapOvr>
+</p:sld>
+</file>
+
+<file path=ppt/slides/slide14.xml><?xml version="1.0" encoding="utf-8"?>
+<p:sld xmlns:a="http://schemas.openxmlformats.org/drawingml/2006/main" xmlns:r="http://schemas.openxmlformats.org/officeDocument/2006/relationships" xmlns:p="http://schemas.openxmlformats.org/presentationml/2006/main">
+  <p:cSld>
+    <p:spTree>
+      <p:nvGrpSpPr>
+        <p:cNvPr id="1" name=""/>
+        <p:cNvGrpSpPr/>
+        <p:nvPr/>
+      </p:nvGrpSpPr>
+      <p:grpSpPr>
+        <a:xfrm>
+          <a:off x="0" y="0"/>
+          <a:ext cx="0" cy="0"/>
+          <a:chOff x="0" y="0"/>
+          <a:chExt cx="0" cy="0"/>
+        </a:xfrm>
+      </p:grpSpPr>
+      <p:pic>
+        <p:nvPicPr>
+          <p:cNvPr id="4" name="Picture 3">
+            <a:extLst>
+              <a:ext uri="{FF2B5EF4-FFF2-40B4-BE49-F238E27FC236}">
+                <a16:creationId xmlns:a16="http://schemas.microsoft.com/office/drawing/2014/main" id="{7F5F8CC9-4A87-4149-924F-61D2112736F6}"/>
+              </a:ext>
+            </a:extLst>
+          </p:cNvPr>
+          <p:cNvPicPr>
+            <a:picLocks noChangeAspect="1"/>
+          </p:cNvPicPr>
+          <p:nvPr/>
+        </p:nvPicPr>
+        <p:blipFill>
+          <a:blip r:embed="rId2">
+            <a:extLst>
+              <a:ext uri="{28A0092B-C50C-407E-A947-70E740481C1C}">
+                <a14:useLocalDpi xmlns:a14="http://schemas.microsoft.com/office/drawing/2010/main" val="0"/>
+              </a:ext>
+            </a:extLst>
+          </a:blip>
+          <a:stretch>
+            <a:fillRect/>
+          </a:stretch>
+        </p:blipFill>
+        <p:spPr>
+          <a:xfrm>
+            <a:off x="3564430" y="2364679"/>
+            <a:ext cx="5063138" cy="3711153"/>
+          </a:xfrm>
+          <a:prstGeom prst="rect">
+            <a:avLst/>
+          </a:prstGeom>
+        </p:spPr>
+      </p:pic>
+      <p:sp>
+        <p:nvSpPr>
+          <p:cNvPr id="5" name="TextBox 4">
+            <a:extLst>
+              <a:ext uri="{FF2B5EF4-FFF2-40B4-BE49-F238E27FC236}">
+                <a16:creationId xmlns:a16="http://schemas.microsoft.com/office/drawing/2014/main" id="{46D164F2-9263-467E-9D71-B18BBB230642}"/>
+              </a:ext>
+            </a:extLst>
+          </p:cNvPr>
+          <p:cNvSpPr txBox="1"/>
+          <p:nvPr/>
+        </p:nvSpPr>
+        <p:spPr>
+          <a:xfrm>
+            <a:off x="3381828" y="6075832"/>
+            <a:ext cx="5428342" cy="523220"/>
+          </a:xfrm>
+          <a:prstGeom prst="rect">
+            <a:avLst/>
+          </a:prstGeom>
+          <a:noFill/>
+        </p:spPr>
+        <p:txBody>
+          <a:bodyPr wrap="square" rtlCol="0">
+            <a:spAutoFit/>
+          </a:bodyPr>
+          <a:lstStyle/>
+          <a:p>
+            <a:r>
+              <a:rPr lang="es-CL" sz="1400" dirty="0">
+                <a:solidFill>
+                  <a:schemeClr val="tx2">
+                    <a:lumMod val="50000"/>
+                  </a:schemeClr>
+                </a:solidFill>
+              </a:rPr>
+              <a:t>Uso de albañilería, hormigón y madera en los últimos años (INE, 2001-2016).</a:t>
             </a:r>
           </a:p>
         </p:txBody>
@@ -5694,7 +6287,7 @@
 </p:sld>
 </file>
 
-<file path=ppt/slides/slide11.xml><?xml version="1.0" encoding="utf-8"?>
+<file path=ppt/slides/slide15.xml><?xml version="1.0" encoding="utf-8"?>
 <p:sld xmlns:a="http://schemas.openxmlformats.org/drawingml/2006/main" xmlns:r="http://schemas.openxmlformats.org/officeDocument/2006/relationships" xmlns:p="http://schemas.openxmlformats.org/presentationml/2006/main">
   <p:cSld>
     <p:spTree>
@@ -6400,585 +6993,6 @@
 </p:sld>
 </file>
 
-<file path=ppt/slides/slide12.xml><?xml version="1.0" encoding="utf-8"?>
-<p:sld xmlns:a="http://schemas.openxmlformats.org/drawingml/2006/main" xmlns:r="http://schemas.openxmlformats.org/officeDocument/2006/relationships" xmlns:p="http://schemas.openxmlformats.org/presentationml/2006/main">
-  <p:cSld>
-    <p:spTree>
-      <p:nvGrpSpPr>
-        <p:cNvPr id="1" name=""/>
-        <p:cNvGrpSpPr/>
-        <p:nvPr/>
-      </p:nvGrpSpPr>
-      <p:grpSpPr>
-        <a:xfrm>
-          <a:off x="0" y="0"/>
-          <a:ext cx="0" cy="0"/>
-          <a:chOff x="0" y="0"/>
-          <a:chExt cx="0" cy="0"/>
-        </a:xfrm>
-      </p:grpSpPr>
-      <p:sp>
-        <p:nvSpPr>
-          <p:cNvPr id="4" name="Title 1">
-            <a:extLst>
-              <a:ext uri="{FF2B5EF4-FFF2-40B4-BE49-F238E27FC236}">
-                <a16:creationId xmlns:a16="http://schemas.microsoft.com/office/drawing/2014/main" id="{B2945E88-F542-47CA-8EC5-B4AE0EA70314}"/>
-              </a:ext>
-            </a:extLst>
-          </p:cNvPr>
-          <p:cNvSpPr>
-            <a:spLocks noGrp="1"/>
-          </p:cNvSpPr>
-          <p:nvPr>
-            <p:ph type="title"/>
-          </p:nvPr>
-        </p:nvSpPr>
-        <p:spPr>
-          <a:xfrm>
-            <a:off x="810000" y="447188"/>
-            <a:ext cx="10571998" cy="970450"/>
-          </a:xfrm>
-        </p:spPr>
-        <p:txBody>
-          <a:bodyPr/>
-          <a:lstStyle/>
-          <a:p>
-            <a:r>
-              <a:rPr lang="es-CL" dirty="0"/>
-              <a:t>USO EN CHILE</a:t>
-            </a:r>
-            <a:endParaRPr lang="es-MX" dirty="0"/>
-          </a:p>
-        </p:txBody>
-      </p:sp>
-      <p:pic>
-        <p:nvPicPr>
-          <p:cNvPr id="6" name="Content Placeholder 5">
-            <a:extLst>
-              <a:ext uri="{FF2B5EF4-FFF2-40B4-BE49-F238E27FC236}">
-                <a16:creationId xmlns:a16="http://schemas.microsoft.com/office/drawing/2014/main" id="{AB623279-9D42-4E97-BA93-FA698E4F3F4E}"/>
-              </a:ext>
-            </a:extLst>
-          </p:cNvPr>
-          <p:cNvPicPr>
-            <a:picLocks noGrp="1" noChangeAspect="1"/>
-          </p:cNvPicPr>
-          <p:nvPr>
-            <p:ph idx="1"/>
-          </p:nvPr>
-        </p:nvPicPr>
-        <p:blipFill rotWithShape="1">
-          <a:blip r:embed="rId2">
-            <a:extLst>
-              <a:ext uri="{28A0092B-C50C-407E-A947-70E740481C1C}">
-                <a14:useLocalDpi xmlns:a14="http://schemas.microsoft.com/office/drawing/2010/main" val="0"/>
-              </a:ext>
-            </a:extLst>
-          </a:blip>
-          <a:srcRect t="19958"/>
-          <a:stretch/>
-        </p:blipFill>
-        <p:spPr>
-          <a:xfrm>
-            <a:off x="2495998" y="2349000"/>
-            <a:ext cx="7426878" cy="3960000"/>
-          </a:xfrm>
-          <a:prstGeom prst="rect">
-            <a:avLst/>
-          </a:prstGeom>
-        </p:spPr>
-      </p:pic>
-      <p:sp>
-        <p:nvSpPr>
-          <p:cNvPr id="11" name="TextBox 10">
-            <a:extLst>
-              <a:ext uri="{FF2B5EF4-FFF2-40B4-BE49-F238E27FC236}">
-                <a16:creationId xmlns:a16="http://schemas.microsoft.com/office/drawing/2014/main" id="{F0B110A5-529C-420E-967E-B6FA5F077918}"/>
-              </a:ext>
-            </a:extLst>
-          </p:cNvPr>
-          <p:cNvSpPr txBox="1"/>
-          <p:nvPr/>
-        </p:nvSpPr>
-        <p:spPr>
-          <a:xfrm>
-            <a:off x="4403869" y="6410812"/>
-            <a:ext cx="3384261" cy="307777"/>
-          </a:xfrm>
-          <a:prstGeom prst="rect">
-            <a:avLst/>
-          </a:prstGeom>
-          <a:noFill/>
-        </p:spPr>
-        <p:txBody>
-          <a:bodyPr wrap="none" rtlCol="0">
-            <a:spAutoFit/>
-          </a:bodyPr>
-          <a:lstStyle/>
-          <a:p>
-            <a:pPr algn="ctr"/>
-            <a:r>
-              <a:rPr lang="es-CL" sz="1400" dirty="0">
-                <a:solidFill>
-                  <a:schemeClr val="tx2">
-                    <a:lumMod val="50000"/>
-                  </a:schemeClr>
-                </a:solidFill>
-              </a:rPr>
-              <a:t>Edificio ex arsenales de guerra. 1985.</a:t>
-            </a:r>
-            <a:endParaRPr lang="es-MX" sz="1400" dirty="0">
-              <a:solidFill>
-                <a:schemeClr val="tx2">
-                  <a:lumMod val="50000"/>
-                </a:schemeClr>
-              </a:solidFill>
-            </a:endParaRPr>
-          </a:p>
-        </p:txBody>
-      </p:sp>
-    </p:spTree>
-    <p:extLst>
-      <p:ext uri="{BB962C8B-B14F-4D97-AF65-F5344CB8AC3E}">
-        <p14:creationId xmlns:p14="http://schemas.microsoft.com/office/powerpoint/2010/main" val="1685380237"/>
-      </p:ext>
-    </p:extLst>
-  </p:cSld>
-  <p:clrMapOvr>
-    <a:masterClrMapping/>
-  </p:clrMapOvr>
-</p:sld>
-</file>
-
-<file path=ppt/slides/slide13.xml><?xml version="1.0" encoding="utf-8"?>
-<p:sld xmlns:a="http://schemas.openxmlformats.org/drawingml/2006/main" xmlns:r="http://schemas.openxmlformats.org/officeDocument/2006/relationships" xmlns:p="http://schemas.openxmlformats.org/presentationml/2006/main">
-  <p:cSld>
-    <p:spTree>
-      <p:nvGrpSpPr>
-        <p:cNvPr id="1" name=""/>
-        <p:cNvGrpSpPr/>
-        <p:nvPr/>
-      </p:nvGrpSpPr>
-      <p:grpSpPr>
-        <a:xfrm>
-          <a:off x="0" y="0"/>
-          <a:ext cx="0" cy="0"/>
-          <a:chOff x="0" y="0"/>
-          <a:chExt cx="0" cy="0"/>
-        </a:xfrm>
-      </p:grpSpPr>
-      <p:pic>
-        <p:nvPicPr>
-          <p:cNvPr id="4" name="Picture 3">
-            <a:extLst>
-              <a:ext uri="{FF2B5EF4-FFF2-40B4-BE49-F238E27FC236}">
-                <a16:creationId xmlns:a16="http://schemas.microsoft.com/office/drawing/2014/main" id="{77ABA89A-CE3A-43C0-9FE0-07324529052A}"/>
-              </a:ext>
-            </a:extLst>
-          </p:cNvPr>
-          <p:cNvPicPr>
-            <a:picLocks noChangeAspect="1"/>
-          </p:cNvPicPr>
-          <p:nvPr/>
-        </p:nvPicPr>
-        <p:blipFill rotWithShape="1">
-          <a:blip r:embed="rId2">
-            <a:extLst>
-              <a:ext uri="{28A0092B-C50C-407E-A947-70E740481C1C}">
-                <a14:useLocalDpi xmlns:a14="http://schemas.microsoft.com/office/drawing/2010/main" val="0"/>
-              </a:ext>
-            </a:extLst>
-          </a:blip>
-          <a:srcRect t="3854" b="10881"/>
-          <a:stretch/>
-        </p:blipFill>
-        <p:spPr>
-          <a:xfrm>
-            <a:off x="2495998" y="2349000"/>
-            <a:ext cx="7379309" cy="3960000"/>
-          </a:xfrm>
-          <a:prstGeom prst="rect">
-            <a:avLst/>
-          </a:prstGeom>
-        </p:spPr>
-      </p:pic>
-      <p:sp>
-        <p:nvSpPr>
-          <p:cNvPr id="5" name="TextBox 4">
-            <a:extLst>
-              <a:ext uri="{FF2B5EF4-FFF2-40B4-BE49-F238E27FC236}">
-                <a16:creationId xmlns:a16="http://schemas.microsoft.com/office/drawing/2014/main" id="{CBA1368A-3808-40CE-B601-39BE633B4B23}"/>
-              </a:ext>
-            </a:extLst>
-          </p:cNvPr>
-          <p:cNvSpPr txBox="1"/>
-          <p:nvPr/>
-        </p:nvSpPr>
-        <p:spPr>
-          <a:xfrm>
-            <a:off x="4131359" y="6410325"/>
-            <a:ext cx="3929281" cy="307777"/>
-          </a:xfrm>
-          <a:prstGeom prst="rect">
-            <a:avLst/>
-          </a:prstGeom>
-          <a:noFill/>
-        </p:spPr>
-        <p:txBody>
-          <a:bodyPr wrap="none" rtlCol="0">
-            <a:spAutoFit/>
-          </a:bodyPr>
-          <a:lstStyle/>
-          <a:p>
-            <a:pPr algn="ctr"/>
-            <a:r>
-              <a:rPr lang="es-CL" sz="1400" dirty="0">
-                <a:solidFill>
-                  <a:schemeClr val="tx2">
-                    <a:lumMod val="50000"/>
-                  </a:schemeClr>
-                </a:solidFill>
-              </a:rPr>
-              <a:t>Iglesia y Convento de San Francisco. 1618. </a:t>
-            </a:r>
-            <a:endParaRPr lang="es-MX" sz="1400" dirty="0">
-              <a:solidFill>
-                <a:schemeClr val="tx2">
-                  <a:lumMod val="50000"/>
-                </a:schemeClr>
-              </a:solidFill>
-            </a:endParaRPr>
-          </a:p>
-        </p:txBody>
-      </p:sp>
-      <p:sp>
-        <p:nvSpPr>
-          <p:cNvPr id="6" name="Title 1">
-            <a:extLst>
-              <a:ext uri="{FF2B5EF4-FFF2-40B4-BE49-F238E27FC236}">
-                <a16:creationId xmlns:a16="http://schemas.microsoft.com/office/drawing/2014/main" id="{84D9D71C-C2E3-4446-966A-B17F4DE05698}"/>
-              </a:ext>
-            </a:extLst>
-          </p:cNvPr>
-          <p:cNvSpPr>
-            <a:spLocks noGrp="1"/>
-          </p:cNvSpPr>
-          <p:nvPr>
-            <p:ph type="title"/>
-          </p:nvPr>
-        </p:nvSpPr>
-        <p:spPr>
-          <a:xfrm>
-            <a:off x="809625" y="447675"/>
-            <a:ext cx="10572750" cy="969963"/>
-          </a:xfrm>
-        </p:spPr>
-        <p:txBody>
-          <a:bodyPr/>
-          <a:lstStyle/>
-          <a:p>
-            <a:r>
-              <a:rPr lang="es-CL" dirty="0"/>
-              <a:t>USO EN CHILE</a:t>
-            </a:r>
-            <a:endParaRPr lang="es-MX" dirty="0"/>
-          </a:p>
-        </p:txBody>
-      </p:sp>
-    </p:spTree>
-    <p:extLst>
-      <p:ext uri="{BB962C8B-B14F-4D97-AF65-F5344CB8AC3E}">
-        <p14:creationId xmlns:p14="http://schemas.microsoft.com/office/powerpoint/2010/main" val="3650914507"/>
-      </p:ext>
-    </p:extLst>
-  </p:cSld>
-  <p:clrMapOvr>
-    <a:masterClrMapping/>
-  </p:clrMapOvr>
-</p:sld>
-</file>
-
-<file path=ppt/slides/slide14.xml><?xml version="1.0" encoding="utf-8"?>
-<p:sld xmlns:a="http://schemas.openxmlformats.org/drawingml/2006/main" xmlns:r="http://schemas.openxmlformats.org/officeDocument/2006/relationships" xmlns:p="http://schemas.openxmlformats.org/presentationml/2006/main">
-  <p:cSld>
-    <p:spTree>
-      <p:nvGrpSpPr>
-        <p:cNvPr id="1" name=""/>
-        <p:cNvGrpSpPr/>
-        <p:nvPr/>
-      </p:nvGrpSpPr>
-      <p:grpSpPr>
-        <a:xfrm>
-          <a:off x="0" y="0"/>
-          <a:ext cx="0" cy="0"/>
-          <a:chOff x="0" y="0"/>
-          <a:chExt cx="0" cy="0"/>
-        </a:xfrm>
-      </p:grpSpPr>
-      <p:pic>
-        <p:nvPicPr>
-          <p:cNvPr id="4" name="Picture 3">
-            <a:extLst>
-              <a:ext uri="{FF2B5EF4-FFF2-40B4-BE49-F238E27FC236}">
-                <a16:creationId xmlns:a16="http://schemas.microsoft.com/office/drawing/2014/main" id="{E24A22A6-B7E4-49D6-AB0A-2F23A09E4965}"/>
-              </a:ext>
-            </a:extLst>
-          </p:cNvPr>
-          <p:cNvPicPr>
-            <a:picLocks noChangeAspect="1"/>
-          </p:cNvPicPr>
-          <p:nvPr/>
-        </p:nvPicPr>
-        <p:blipFill rotWithShape="1">
-          <a:blip r:embed="rId2">
-            <a:extLst>
-              <a:ext uri="{28A0092B-C50C-407E-A947-70E740481C1C}">
-                <a14:useLocalDpi xmlns:a14="http://schemas.microsoft.com/office/drawing/2010/main" val="0"/>
-              </a:ext>
-            </a:extLst>
-          </a:blip>
-          <a:srcRect t="3998" b="2859"/>
-          <a:stretch/>
-        </p:blipFill>
-        <p:spPr>
-          <a:xfrm>
-            <a:off x="2496000" y="2349000"/>
-            <a:ext cx="7555420" cy="3960000"/>
-          </a:xfrm>
-          <a:prstGeom prst="rect">
-            <a:avLst/>
-          </a:prstGeom>
-        </p:spPr>
-      </p:pic>
-      <p:sp>
-        <p:nvSpPr>
-          <p:cNvPr id="6" name="Title 1">
-            <a:extLst>
-              <a:ext uri="{FF2B5EF4-FFF2-40B4-BE49-F238E27FC236}">
-                <a16:creationId xmlns:a16="http://schemas.microsoft.com/office/drawing/2014/main" id="{31BB28F8-8614-4253-A96F-CB2EE9A9DE19}"/>
-              </a:ext>
-            </a:extLst>
-          </p:cNvPr>
-          <p:cNvSpPr>
-            <a:spLocks noGrp="1"/>
-          </p:cNvSpPr>
-          <p:nvPr>
-            <p:ph type="title"/>
-          </p:nvPr>
-        </p:nvSpPr>
-        <p:spPr>
-          <a:xfrm>
-            <a:off x="810000" y="447188"/>
-            <a:ext cx="10571998" cy="970450"/>
-          </a:xfrm>
-        </p:spPr>
-        <p:txBody>
-          <a:bodyPr/>
-          <a:lstStyle/>
-          <a:p>
-            <a:r>
-              <a:rPr lang="es-CL" dirty="0"/>
-              <a:t>USO EN CHILE</a:t>
-            </a:r>
-            <a:endParaRPr lang="es-MX" dirty="0"/>
-          </a:p>
-        </p:txBody>
-      </p:sp>
-      <p:sp>
-        <p:nvSpPr>
-          <p:cNvPr id="7" name="TextBox 6">
-            <a:extLst>
-              <a:ext uri="{FF2B5EF4-FFF2-40B4-BE49-F238E27FC236}">
-                <a16:creationId xmlns:a16="http://schemas.microsoft.com/office/drawing/2014/main" id="{2897AB38-AB48-4BEE-90C8-806C0A34F351}"/>
-              </a:ext>
-            </a:extLst>
-          </p:cNvPr>
-          <p:cNvSpPr txBox="1"/>
-          <p:nvPr/>
-        </p:nvSpPr>
-        <p:spPr>
-          <a:xfrm>
-            <a:off x="4778972" y="6410812"/>
-            <a:ext cx="2634054" cy="307777"/>
-          </a:xfrm>
-          <a:prstGeom prst="rect">
-            <a:avLst/>
-          </a:prstGeom>
-          <a:noFill/>
-        </p:spPr>
-        <p:txBody>
-          <a:bodyPr wrap="none" rtlCol="0">
-            <a:spAutoFit/>
-          </a:bodyPr>
-          <a:lstStyle/>
-          <a:p>
-            <a:pPr algn="ctr"/>
-            <a:r>
-              <a:rPr lang="es-CL" sz="1400" dirty="0">
-                <a:solidFill>
-                  <a:schemeClr val="tx2">
-                    <a:lumMod val="50000"/>
-                  </a:schemeClr>
-                </a:solidFill>
-              </a:rPr>
-              <a:t>Catedral de Santiago. 1745.</a:t>
-            </a:r>
-            <a:endParaRPr lang="es-MX" sz="1400" dirty="0">
-              <a:solidFill>
-                <a:schemeClr val="tx2">
-                  <a:lumMod val="50000"/>
-                </a:schemeClr>
-              </a:solidFill>
-            </a:endParaRPr>
-          </a:p>
-        </p:txBody>
-      </p:sp>
-    </p:spTree>
-    <p:extLst>
-      <p:ext uri="{BB962C8B-B14F-4D97-AF65-F5344CB8AC3E}">
-        <p14:creationId xmlns:p14="http://schemas.microsoft.com/office/powerpoint/2010/main" val="1609964782"/>
-      </p:ext>
-    </p:extLst>
-  </p:cSld>
-  <p:clrMapOvr>
-    <a:masterClrMapping/>
-  </p:clrMapOvr>
-</p:sld>
-</file>
-
-<file path=ppt/slides/slide15.xml><?xml version="1.0" encoding="utf-8"?>
-<p:sld xmlns:a="http://schemas.openxmlformats.org/drawingml/2006/main" xmlns:r="http://schemas.openxmlformats.org/officeDocument/2006/relationships" xmlns:p="http://schemas.openxmlformats.org/presentationml/2006/main">
-  <p:cSld>
-    <p:spTree>
-      <p:nvGrpSpPr>
-        <p:cNvPr id="1" name=""/>
-        <p:cNvGrpSpPr/>
-        <p:nvPr/>
-      </p:nvGrpSpPr>
-      <p:grpSpPr>
-        <a:xfrm>
-          <a:off x="0" y="0"/>
-          <a:ext cx="0" cy="0"/>
-          <a:chOff x="0" y="0"/>
-          <a:chExt cx="0" cy="0"/>
-        </a:xfrm>
-      </p:grpSpPr>
-      <p:sp>
-        <p:nvSpPr>
-          <p:cNvPr id="2" name="Título 1">
-            <a:extLst>
-              <a:ext uri="{FF2B5EF4-FFF2-40B4-BE49-F238E27FC236}">
-                <a16:creationId xmlns:a16="http://schemas.microsoft.com/office/drawing/2014/main" id="{7963A088-C063-40F0-8AD2-8AAC6199450A}"/>
-              </a:ext>
-            </a:extLst>
-          </p:cNvPr>
-          <p:cNvSpPr>
-            <a:spLocks noGrp="1"/>
-          </p:cNvSpPr>
-          <p:nvPr>
-            <p:ph type="title"/>
-          </p:nvPr>
-        </p:nvSpPr>
-        <p:spPr/>
-        <p:txBody>
-          <a:bodyPr/>
-          <a:lstStyle/>
-          <a:p>
-            <a:r>
-              <a:rPr lang="es-CL" dirty="0"/>
-              <a:t>USO EN EL MUNDO</a:t>
-            </a:r>
-          </a:p>
-        </p:txBody>
-      </p:sp>
-      <p:sp>
-        <p:nvSpPr>
-          <p:cNvPr id="3" name="Marcador de contenido 2">
-            <a:extLst>
-              <a:ext uri="{FF2B5EF4-FFF2-40B4-BE49-F238E27FC236}">
-                <a16:creationId xmlns:a16="http://schemas.microsoft.com/office/drawing/2014/main" id="{22ABBA1F-64A6-4E9A-90FE-8AC824113733}"/>
-              </a:ext>
-            </a:extLst>
-          </p:cNvPr>
-          <p:cNvSpPr>
-            <a:spLocks noGrp="1"/>
-          </p:cNvSpPr>
-          <p:nvPr>
-            <p:ph idx="1"/>
-          </p:nvPr>
-        </p:nvSpPr>
-        <p:spPr>
-          <a:xfrm>
-            <a:off x="818712" y="2222287"/>
-            <a:ext cx="5669174" cy="3636511"/>
-          </a:xfrm>
-        </p:spPr>
-        <p:txBody>
-          <a:bodyPr/>
-          <a:lstStyle/>
-          <a:p>
-            <a:r>
-              <a:rPr lang="es-CL" dirty="0"/>
-              <a:t>India – 84.7% de los 249 millones de viviendas (Censo 2001)</a:t>
-            </a:r>
-          </a:p>
-          <a:p>
-            <a:r>
-              <a:rPr lang="es-CL" dirty="0"/>
-              <a:t>México – 80% de los 22 millones de viviendas (Censo 2000)</a:t>
-            </a:r>
-          </a:p>
-        </p:txBody>
-      </p:sp>
-      <p:pic>
-        <p:nvPicPr>
-          <p:cNvPr id="5" name="Picture 4">
-            <a:extLst>
-              <a:ext uri="{FF2B5EF4-FFF2-40B4-BE49-F238E27FC236}">
-                <a16:creationId xmlns:a16="http://schemas.microsoft.com/office/drawing/2014/main" id="{5D070CE7-8EA6-4620-B2B7-0CF4A3587806}"/>
-              </a:ext>
-            </a:extLst>
-          </p:cNvPr>
-          <p:cNvPicPr>
-            <a:picLocks noChangeAspect="1"/>
-          </p:cNvPicPr>
-          <p:nvPr/>
-        </p:nvPicPr>
-        <p:blipFill>
-          <a:blip r:embed="rId2">
-            <a:extLst>
-              <a:ext uri="{28A0092B-C50C-407E-A947-70E740481C1C}">
-                <a14:useLocalDpi xmlns:a14="http://schemas.microsoft.com/office/drawing/2010/main" val="0"/>
-              </a:ext>
-            </a:extLst>
-          </a:blip>
-          <a:stretch>
-            <a:fillRect/>
-          </a:stretch>
-        </p:blipFill>
-        <p:spPr>
-          <a:xfrm>
-            <a:off x="6663871" y="2023053"/>
-            <a:ext cx="5400000" cy="4778491"/>
-          </a:xfrm>
-          <a:prstGeom prst="rect">
-            <a:avLst/>
-          </a:prstGeom>
-        </p:spPr>
-      </p:pic>
-    </p:spTree>
-    <p:extLst>
-      <p:ext uri="{BB962C8B-B14F-4D97-AF65-F5344CB8AC3E}">
-        <p14:creationId xmlns:p14="http://schemas.microsoft.com/office/powerpoint/2010/main" val="1223577235"/>
-      </p:ext>
-    </p:extLst>
-  </p:cSld>
-  <p:clrMapOvr>
-    <a:masterClrMapping/>
-  </p:clrMapOvr>
-</p:sld>
-</file>
-
 <file path=ppt/slides/slide16.xml><?xml version="1.0" encoding="utf-8"?>
 <p:sld xmlns:a="http://schemas.openxmlformats.org/drawingml/2006/main" xmlns:r="http://schemas.openxmlformats.org/officeDocument/2006/relationships" xmlns:p="http://schemas.openxmlformats.org/presentationml/2006/main">
   <p:cSld>
@@ -6996,12 +7010,46 @@
           <a:chExt cx="0" cy="0"/>
         </a:xfrm>
       </p:grpSpPr>
+      <p:sp>
+        <p:nvSpPr>
+          <p:cNvPr id="4" name="Title 1">
+            <a:extLst>
+              <a:ext uri="{FF2B5EF4-FFF2-40B4-BE49-F238E27FC236}">
+                <a16:creationId xmlns:a16="http://schemas.microsoft.com/office/drawing/2014/main" id="{B2945E88-F542-47CA-8EC5-B4AE0EA70314}"/>
+              </a:ext>
+            </a:extLst>
+          </p:cNvPr>
+          <p:cNvSpPr>
+            <a:spLocks noGrp="1"/>
+          </p:cNvSpPr>
+          <p:nvPr>
+            <p:ph type="title"/>
+          </p:nvPr>
+        </p:nvSpPr>
+        <p:spPr>
+          <a:xfrm>
+            <a:off x="810000" y="447188"/>
+            <a:ext cx="10571998" cy="970450"/>
+          </a:xfrm>
+        </p:spPr>
+        <p:txBody>
+          <a:bodyPr/>
+          <a:lstStyle/>
+          <a:p>
+            <a:r>
+              <a:rPr lang="es-CL" dirty="0"/>
+              <a:t>USO EN CHILE</a:t>
+            </a:r>
+            <a:endParaRPr lang="es-MX" dirty="0"/>
+          </a:p>
+        </p:txBody>
+      </p:sp>
       <p:pic>
         <p:nvPicPr>
-          <p:cNvPr id="7" name="Content Placeholder 6">
+          <p:cNvPr id="6" name="Content Placeholder 5">
             <a:extLst>
               <a:ext uri="{FF2B5EF4-FFF2-40B4-BE49-F238E27FC236}">
-                <a16:creationId xmlns:a16="http://schemas.microsoft.com/office/drawing/2014/main" id="{89BBC492-7091-4548-A170-30F4A8AD8468}"/>
+                <a16:creationId xmlns:a16="http://schemas.microsoft.com/office/drawing/2014/main" id="{AB623279-9D42-4E97-BA93-FA698E4F3F4E}"/>
               </a:ext>
             </a:extLst>
           </p:cNvPr>
@@ -7012,7 +7060,7 @@
             <p:ph idx="1"/>
           </p:nvPr>
         </p:nvPicPr>
-        <p:blipFill>
+        <p:blipFill rotWithShape="1">
           <a:blip r:embed="rId2">
             <a:extLst>
               <a:ext uri="{28A0092B-C50C-407E-A947-70E740481C1C}">
@@ -7020,56 +7068,25 @@
               </a:ext>
             </a:extLst>
           </a:blip>
-          <a:stretch>
-            <a:fillRect/>
-          </a:stretch>
+          <a:srcRect t="19958"/>
+          <a:stretch/>
         </p:blipFill>
         <p:spPr>
           <a:xfrm>
-            <a:off x="3149566" y="2349000"/>
-            <a:ext cx="5892865" cy="3960000"/>
-          </a:xfrm>
+            <a:off x="2495998" y="2349000"/>
+            <a:ext cx="7426878" cy="3960000"/>
+          </a:xfrm>
+          <a:prstGeom prst="rect">
+            <a:avLst/>
+          </a:prstGeom>
         </p:spPr>
       </p:pic>
       <p:sp>
         <p:nvSpPr>
-          <p:cNvPr id="4" name="Título 1">
+          <p:cNvPr id="11" name="TextBox 10">
             <a:extLst>
               <a:ext uri="{FF2B5EF4-FFF2-40B4-BE49-F238E27FC236}">
-                <a16:creationId xmlns:a16="http://schemas.microsoft.com/office/drawing/2014/main" id="{AF663B75-FE4D-466B-83D6-4E6417C766A1}"/>
-              </a:ext>
-            </a:extLst>
-          </p:cNvPr>
-          <p:cNvSpPr>
-            <a:spLocks noGrp="1"/>
-          </p:cNvSpPr>
-          <p:nvPr>
-            <p:ph type="title"/>
-          </p:nvPr>
-        </p:nvSpPr>
-        <p:spPr>
-          <a:xfrm>
-            <a:off x="809625" y="447675"/>
-            <a:ext cx="10572750" cy="969963"/>
-          </a:xfrm>
-        </p:spPr>
-        <p:txBody>
-          <a:bodyPr/>
-          <a:lstStyle/>
-          <a:p>
-            <a:r>
-              <a:rPr lang="es-CL" dirty="0"/>
-              <a:t>USO EN EL MUNDO</a:t>
-            </a:r>
-          </a:p>
-        </p:txBody>
-      </p:sp>
-      <p:sp>
-        <p:nvSpPr>
-          <p:cNvPr id="5" name="TextBox 4">
-            <a:extLst>
-              <a:ext uri="{FF2B5EF4-FFF2-40B4-BE49-F238E27FC236}">
-                <a16:creationId xmlns:a16="http://schemas.microsoft.com/office/drawing/2014/main" id="{5E983FE7-9FBA-4F76-9E08-C85BE4B1B9DE}"/>
+                <a16:creationId xmlns:a16="http://schemas.microsoft.com/office/drawing/2014/main" id="{F0B110A5-529C-420E-967E-B6FA5F077918}"/>
               </a:ext>
             </a:extLst>
           </p:cNvPr>
@@ -7078,8 +7095,8 @@
         </p:nvSpPr>
         <p:spPr>
           <a:xfrm>
-            <a:off x="3620003" y="6410812"/>
-            <a:ext cx="4951998" cy="307777"/>
+            <a:off x="4403869" y="6410812"/>
+            <a:ext cx="3384261" cy="307777"/>
           </a:xfrm>
           <a:prstGeom prst="rect">
             <a:avLst/>
@@ -7101,7 +7118,7 @@
                   </a:schemeClr>
                 </a:solidFill>
               </a:rPr>
-              <a:t>Ciudad amurallada de Shibam, Yemen. UNESCO 1982.</a:t>
+              <a:t>Edificio ex arsenales de guerra. 1985.</a:t>
             </a:r>
             <a:endParaRPr lang="es-MX" sz="1400" dirty="0">
               <a:solidFill>
@@ -7116,7 +7133,7 @@
     </p:spTree>
     <p:extLst>
       <p:ext uri="{BB962C8B-B14F-4D97-AF65-F5344CB8AC3E}">
-        <p14:creationId xmlns:p14="http://schemas.microsoft.com/office/powerpoint/2010/main" val="2474401624"/>
+        <p14:creationId xmlns:p14="http://schemas.microsoft.com/office/powerpoint/2010/main" val="1685380237"/>
       </p:ext>
     </p:extLst>
   </p:cSld>
@@ -7145,21 +7162,19 @@
       </p:grpSpPr>
       <p:pic>
         <p:nvPicPr>
-          <p:cNvPr id="7" name="Content Placeholder 6">
+          <p:cNvPr id="4" name="Picture 3">
             <a:extLst>
               <a:ext uri="{FF2B5EF4-FFF2-40B4-BE49-F238E27FC236}">
-                <a16:creationId xmlns:a16="http://schemas.microsoft.com/office/drawing/2014/main" id="{735AF198-C2B6-4398-885E-65996DC38AD3}"/>
+                <a16:creationId xmlns:a16="http://schemas.microsoft.com/office/drawing/2014/main" id="{77ABA89A-CE3A-43C0-9FE0-07324529052A}"/>
               </a:ext>
             </a:extLst>
           </p:cNvPr>
           <p:cNvPicPr>
-            <a:picLocks noGrp="1" noChangeAspect="1"/>
+            <a:picLocks noChangeAspect="1"/>
           </p:cNvPicPr>
-          <p:nvPr>
-            <p:ph idx="1"/>
-          </p:nvPr>
+          <p:nvPr/>
         </p:nvPicPr>
-        <p:blipFill>
+        <p:blipFill rotWithShape="1">
           <a:blip r:embed="rId2">
             <a:extLst>
               <a:ext uri="{28A0092B-C50C-407E-A947-70E740481C1C}">
@@ -7167,56 +7182,25 @@
               </a:ext>
             </a:extLst>
           </a:blip>
-          <a:stretch>
-            <a:fillRect/>
-          </a:stretch>
+          <a:srcRect t="3854" b="10881"/>
+          <a:stretch/>
         </p:blipFill>
         <p:spPr>
           <a:xfrm>
-            <a:off x="3436691" y="2349000"/>
-            <a:ext cx="5318617" cy="3960000"/>
-          </a:xfrm>
+            <a:off x="2495998" y="2349000"/>
+            <a:ext cx="7379309" cy="3960000"/>
+          </a:xfrm>
+          <a:prstGeom prst="rect">
+            <a:avLst/>
+          </a:prstGeom>
         </p:spPr>
       </p:pic>
       <p:sp>
         <p:nvSpPr>
-          <p:cNvPr id="4" name="Título 1">
+          <p:cNvPr id="5" name="TextBox 4">
             <a:extLst>
               <a:ext uri="{FF2B5EF4-FFF2-40B4-BE49-F238E27FC236}">
-                <a16:creationId xmlns:a16="http://schemas.microsoft.com/office/drawing/2014/main" id="{31AAC927-8005-4692-9074-BEF9323C0B0E}"/>
-              </a:ext>
-            </a:extLst>
-          </p:cNvPr>
-          <p:cNvSpPr>
-            <a:spLocks noGrp="1"/>
-          </p:cNvSpPr>
-          <p:nvPr>
-            <p:ph type="title"/>
-          </p:nvPr>
-        </p:nvSpPr>
-        <p:spPr>
-          <a:xfrm>
-            <a:off x="809625" y="447675"/>
-            <a:ext cx="10572750" cy="969963"/>
-          </a:xfrm>
-        </p:spPr>
-        <p:txBody>
-          <a:bodyPr/>
-          <a:lstStyle/>
-          <a:p>
-            <a:r>
-              <a:rPr lang="es-CL" dirty="0"/>
-              <a:t>USO EN EL MUNDO</a:t>
-            </a:r>
-          </a:p>
-        </p:txBody>
-      </p:sp>
-      <p:sp>
-        <p:nvSpPr>
-          <p:cNvPr id="5" name="TextBox 4">
-            <a:extLst>
-              <a:ext uri="{FF2B5EF4-FFF2-40B4-BE49-F238E27FC236}">
-                <a16:creationId xmlns:a16="http://schemas.microsoft.com/office/drawing/2014/main" id="{5EFFD271-0659-4DF5-B02E-6B0BD807F52A}"/>
+                <a16:creationId xmlns:a16="http://schemas.microsoft.com/office/drawing/2014/main" id="{CBA1368A-3808-40CE-B601-39BE633B4B23}"/>
               </a:ext>
             </a:extLst>
           </p:cNvPr>
@@ -7225,8 +7209,8 @@
         </p:nvSpPr>
         <p:spPr>
           <a:xfrm>
-            <a:off x="3922172" y="6410325"/>
-            <a:ext cx="4347665" cy="307777"/>
+            <a:off x="4131359" y="6410325"/>
+            <a:ext cx="3929281" cy="307777"/>
           </a:xfrm>
           <a:prstGeom prst="rect">
             <a:avLst/>
@@ -7248,7 +7232,7 @@
                   </a:schemeClr>
                 </a:solidFill>
               </a:rPr>
-              <a:t>Edificio Monadnock, Chicago. 1981. NRHP 1970.</a:t>
+              <a:t>Iglesia y Convento de San Francisco. 1618. </a:t>
             </a:r>
             <a:endParaRPr lang="es-MX" sz="1400" dirty="0">
               <a:solidFill>
@@ -7260,10 +7244,44 @@
           </a:p>
         </p:txBody>
       </p:sp>
+      <p:sp>
+        <p:nvSpPr>
+          <p:cNvPr id="6" name="Title 1">
+            <a:extLst>
+              <a:ext uri="{FF2B5EF4-FFF2-40B4-BE49-F238E27FC236}">
+                <a16:creationId xmlns:a16="http://schemas.microsoft.com/office/drawing/2014/main" id="{84D9D71C-C2E3-4446-966A-B17F4DE05698}"/>
+              </a:ext>
+            </a:extLst>
+          </p:cNvPr>
+          <p:cNvSpPr>
+            <a:spLocks noGrp="1"/>
+          </p:cNvSpPr>
+          <p:nvPr>
+            <p:ph type="title"/>
+          </p:nvPr>
+        </p:nvSpPr>
+        <p:spPr>
+          <a:xfrm>
+            <a:off x="809625" y="447675"/>
+            <a:ext cx="10572750" cy="969963"/>
+          </a:xfrm>
+        </p:spPr>
+        <p:txBody>
+          <a:bodyPr/>
+          <a:lstStyle/>
+          <a:p>
+            <a:r>
+              <a:rPr lang="es-CL" dirty="0"/>
+              <a:t>USO EN CHILE</a:t>
+            </a:r>
+            <a:endParaRPr lang="es-MX" dirty="0"/>
+          </a:p>
+        </p:txBody>
+      </p:sp>
     </p:spTree>
     <p:extLst>
       <p:ext uri="{BB962C8B-B14F-4D97-AF65-F5344CB8AC3E}">
-        <p14:creationId xmlns:p14="http://schemas.microsoft.com/office/powerpoint/2010/main" val="2745863721"/>
+        <p14:creationId xmlns:p14="http://schemas.microsoft.com/office/powerpoint/2010/main" val="3650914507"/>
       </p:ext>
     </p:extLst>
   </p:cSld>
@@ -7290,15 +7308,50 @@
           <a:chExt cx="0" cy="0"/>
         </a:xfrm>
       </p:grpSpPr>
-      <p:sp>
-        <p:nvSpPr>
-          <p:cNvPr id="4" name="Título 1">
+      <p:pic>
+        <p:nvPicPr>
+          <p:cNvPr id="4" name="Picture 3">
             <a:extLst>
               <a:ext uri="{FF2B5EF4-FFF2-40B4-BE49-F238E27FC236}">
-                <a16:creationId xmlns:a16="http://schemas.microsoft.com/office/drawing/2014/main" id="{41C5A8C7-7AE3-492F-AF8A-097B5AF713CD}"/>
+                <a16:creationId xmlns:a16="http://schemas.microsoft.com/office/drawing/2014/main" id="{E24A22A6-B7E4-49D6-AB0A-2F23A09E4965}"/>
               </a:ext>
             </a:extLst>
           </p:cNvPr>
+          <p:cNvPicPr>
+            <a:picLocks noChangeAspect="1"/>
+          </p:cNvPicPr>
+          <p:nvPr/>
+        </p:nvPicPr>
+        <p:blipFill rotWithShape="1">
+          <a:blip r:embed="rId2">
+            <a:extLst>
+              <a:ext uri="{28A0092B-C50C-407E-A947-70E740481C1C}">
+                <a14:useLocalDpi xmlns:a14="http://schemas.microsoft.com/office/drawing/2010/main" val="0"/>
+              </a:ext>
+            </a:extLst>
+          </a:blip>
+          <a:srcRect t="3998" b="2859"/>
+          <a:stretch/>
+        </p:blipFill>
+        <p:spPr>
+          <a:xfrm>
+            <a:off x="2496000" y="2349000"/>
+            <a:ext cx="7555420" cy="3960000"/>
+          </a:xfrm>
+          <a:prstGeom prst="rect">
+            <a:avLst/>
+          </a:prstGeom>
+        </p:spPr>
+      </p:pic>
+      <p:sp>
+        <p:nvSpPr>
+          <p:cNvPr id="6" name="Title 1">
+            <a:extLst>
+              <a:ext uri="{FF2B5EF4-FFF2-40B4-BE49-F238E27FC236}">
+                <a16:creationId xmlns:a16="http://schemas.microsoft.com/office/drawing/2014/main" id="{31BB28F8-8614-4253-A96F-CB2EE9A9DE19}"/>
+              </a:ext>
+            </a:extLst>
+          </p:cNvPr>
           <p:cNvSpPr>
             <a:spLocks noGrp="1"/>
           </p:cNvSpPr>
@@ -7308,8 +7361,8 @@
         </p:nvSpPr>
         <p:spPr>
           <a:xfrm>
-            <a:off x="809625" y="447675"/>
-            <a:ext cx="10572750" cy="969963"/>
+            <a:off x="810000" y="447188"/>
+            <a:ext cx="10571998" cy="970450"/>
           </a:xfrm>
         </p:spPr>
         <p:txBody>
@@ -7318,17 +7371,18 @@
           <a:p>
             <a:r>
               <a:rPr lang="es-CL" dirty="0"/>
-              <a:t>USO EN EL MUNDO</a:t>
-            </a:r>
-          </a:p>
-        </p:txBody>
-      </p:sp>
-      <p:sp>
-        <p:nvSpPr>
-          <p:cNvPr id="5" name="TextBox 4">
+              <a:t>USO EN CHILE</a:t>
+            </a:r>
+            <a:endParaRPr lang="es-MX" dirty="0"/>
+          </a:p>
+        </p:txBody>
+      </p:sp>
+      <p:sp>
+        <p:nvSpPr>
+          <p:cNvPr id="7" name="TextBox 6">
             <a:extLst>
               <a:ext uri="{FF2B5EF4-FFF2-40B4-BE49-F238E27FC236}">
-                <a16:creationId xmlns:a16="http://schemas.microsoft.com/office/drawing/2014/main" id="{40915CB3-0140-408F-B249-4ADFAF02F3C6}"/>
+                <a16:creationId xmlns:a16="http://schemas.microsoft.com/office/drawing/2014/main" id="{2897AB38-AB48-4BEE-90C8-806C0A34F351}"/>
               </a:ext>
             </a:extLst>
           </p:cNvPr>
@@ -7337,8 +7391,8 @@
         </p:nvSpPr>
         <p:spPr>
           <a:xfrm>
-            <a:off x="4433531" y="6410812"/>
-            <a:ext cx="3324949" cy="307777"/>
+            <a:off x="4778972" y="6410812"/>
+            <a:ext cx="2634054" cy="307777"/>
           </a:xfrm>
           <a:prstGeom prst="rect">
             <a:avLst/>
@@ -7360,7 +7414,7 @@
                   </a:schemeClr>
                 </a:solidFill>
               </a:rPr>
-              <a:t>Catedral de San Vito, Praga. 	(1962) </a:t>
+              <a:t>Catedral de Santiago. 1745.</a:t>
             </a:r>
             <a:endParaRPr lang="es-MX" sz="1400" dirty="0">
               <a:solidFill>
@@ -7372,85 +7426,10 @@
           </a:p>
         </p:txBody>
       </p:sp>
-      <p:pic>
-        <p:nvPicPr>
-          <p:cNvPr id="11" name="Content Placeholder 10">
-            <a:extLst>
-              <a:ext uri="{FF2B5EF4-FFF2-40B4-BE49-F238E27FC236}">
-                <a16:creationId xmlns:a16="http://schemas.microsoft.com/office/drawing/2014/main" id="{369A47B0-64AC-43D0-A8B8-D63C04AB72E2}"/>
-              </a:ext>
-            </a:extLst>
-          </p:cNvPr>
-          <p:cNvPicPr>
-            <a:picLocks noGrp="1" noChangeAspect="1"/>
-          </p:cNvPicPr>
-          <p:nvPr>
-            <p:ph idx="1"/>
-          </p:nvPr>
-        </p:nvPicPr>
-        <p:blipFill>
-          <a:blip r:embed="rId2">
-            <a:extLst>
-              <a:ext uri="{28A0092B-C50C-407E-A947-70E740481C1C}">
-                <a14:useLocalDpi xmlns:a14="http://schemas.microsoft.com/office/drawing/2010/main" val="0"/>
-              </a:ext>
-            </a:extLst>
-          </a:blip>
-          <a:stretch>
-            <a:fillRect/>
-          </a:stretch>
-        </p:blipFill>
-        <p:spPr>
-          <a:xfrm>
-            <a:off x="809625" y="2450325"/>
-            <a:ext cx="7021279" cy="3960000"/>
-          </a:xfrm>
-        </p:spPr>
-      </p:pic>
-      <p:pic>
-        <p:nvPicPr>
-          <p:cNvPr id="3" name="Picture 2">
-            <a:extLst>
-              <a:ext uri="{FF2B5EF4-FFF2-40B4-BE49-F238E27FC236}">
-                <a16:creationId xmlns:a16="http://schemas.microsoft.com/office/drawing/2014/main" id="{54E8966B-21DA-44E3-83F9-78D774414E04}"/>
-              </a:ext>
-            </a:extLst>
-          </p:cNvPr>
-          <p:cNvPicPr>
-            <a:picLocks noChangeAspect="1"/>
-          </p:cNvPicPr>
-          <p:nvPr/>
-        </p:nvPicPr>
-        <p:blipFill rotWithShape="1">
-          <a:blip r:embed="rId3">
-            <a:extLst>
-              <a:ext uri="{28A0092B-C50C-407E-A947-70E740481C1C}">
-                <a14:useLocalDpi xmlns:a14="http://schemas.microsoft.com/office/drawing/2010/main" val="0"/>
-              </a:ext>
-            </a:extLst>
-          </a:blip>
-          <a:srcRect l="1867" t="1030" r="1668" b="908"/>
-          <a:stretch/>
-        </p:blipFill>
-        <p:spPr>
-          <a:xfrm>
-            <a:off x="8572500" y="2450325"/>
-            <a:ext cx="2989564" cy="3960000"/>
-          </a:xfrm>
-          <a:prstGeom prst="rect">
-            <a:avLst/>
-          </a:prstGeom>
-          <a:ln w="28575">
-            <a:solidFill>
-              <a:schemeClr val="tx1"/>
-            </a:solidFill>
-          </a:ln>
-        </p:spPr>
-      </p:pic>
     </p:spTree>
     <p:extLst>
       <p:ext uri="{BB962C8B-B14F-4D97-AF65-F5344CB8AC3E}">
-        <p14:creationId xmlns:p14="http://schemas.microsoft.com/office/powerpoint/2010/main" val="900002428"/>
+        <p14:creationId xmlns:p14="http://schemas.microsoft.com/office/powerpoint/2010/main" val="1609964782"/>
       </p:ext>
     </p:extLst>
   </p:cSld>
@@ -7477,21 +7456,86 @@
           <a:chExt cx="0" cy="0"/>
         </a:xfrm>
       </p:grpSpPr>
+      <p:sp>
+        <p:nvSpPr>
+          <p:cNvPr id="2" name="Título 1">
+            <a:extLst>
+              <a:ext uri="{FF2B5EF4-FFF2-40B4-BE49-F238E27FC236}">
+                <a16:creationId xmlns:a16="http://schemas.microsoft.com/office/drawing/2014/main" id="{7963A088-C063-40F0-8AD2-8AAC6199450A}"/>
+              </a:ext>
+            </a:extLst>
+          </p:cNvPr>
+          <p:cNvSpPr>
+            <a:spLocks noGrp="1"/>
+          </p:cNvSpPr>
+          <p:nvPr>
+            <p:ph type="title"/>
+          </p:nvPr>
+        </p:nvSpPr>
+        <p:spPr/>
+        <p:txBody>
+          <a:bodyPr/>
+          <a:lstStyle/>
+          <a:p>
+            <a:r>
+              <a:rPr lang="es-CL" dirty="0"/>
+              <a:t>USO EN EL MUNDO</a:t>
+            </a:r>
+          </a:p>
+        </p:txBody>
+      </p:sp>
+      <p:sp>
+        <p:nvSpPr>
+          <p:cNvPr id="3" name="Marcador de contenido 2">
+            <a:extLst>
+              <a:ext uri="{FF2B5EF4-FFF2-40B4-BE49-F238E27FC236}">
+                <a16:creationId xmlns:a16="http://schemas.microsoft.com/office/drawing/2014/main" id="{22ABBA1F-64A6-4E9A-90FE-8AC824113733}"/>
+              </a:ext>
+            </a:extLst>
+          </p:cNvPr>
+          <p:cNvSpPr>
+            <a:spLocks noGrp="1"/>
+          </p:cNvSpPr>
+          <p:nvPr>
+            <p:ph idx="1"/>
+          </p:nvPr>
+        </p:nvSpPr>
+        <p:spPr>
+          <a:xfrm>
+            <a:off x="818712" y="2222287"/>
+            <a:ext cx="5669174" cy="3636511"/>
+          </a:xfrm>
+        </p:spPr>
+        <p:txBody>
+          <a:bodyPr/>
+          <a:lstStyle/>
+          <a:p>
+            <a:r>
+              <a:rPr lang="es-CL" dirty="0"/>
+              <a:t>India – 84.7% de los 249 millones de viviendas (Censo 2001)</a:t>
+            </a:r>
+          </a:p>
+          <a:p>
+            <a:r>
+              <a:rPr lang="es-CL" dirty="0"/>
+              <a:t>México – 80% de los 22 millones de viviendas (Censo 2000)</a:t>
+            </a:r>
+          </a:p>
+        </p:txBody>
+      </p:sp>
       <p:pic>
         <p:nvPicPr>
-          <p:cNvPr id="7" name="Content Placeholder 6">
+          <p:cNvPr id="5" name="Picture 4">
             <a:extLst>
               <a:ext uri="{FF2B5EF4-FFF2-40B4-BE49-F238E27FC236}">
-                <a16:creationId xmlns:a16="http://schemas.microsoft.com/office/drawing/2014/main" id="{CDF5B293-ABE9-4857-BF86-6C9774B57C84}"/>
+                <a16:creationId xmlns:a16="http://schemas.microsoft.com/office/drawing/2014/main" id="{5D070CE7-8EA6-4620-B2B7-0CF4A3587806}"/>
               </a:ext>
             </a:extLst>
           </p:cNvPr>
           <p:cNvPicPr>
-            <a:picLocks noGrp="1" noChangeAspect="1"/>
+            <a:picLocks noChangeAspect="1"/>
           </p:cNvPicPr>
-          <p:nvPr>
-            <p:ph idx="1"/>
-          </p:nvPr>
+          <p:nvPr/>
         </p:nvPicPr>
         <p:blipFill>
           <a:blip r:embed="rId2">
@@ -7507,97 +7551,18 @@
         </p:blipFill>
         <p:spPr>
           <a:xfrm>
-            <a:off x="400686" y="2952000"/>
-            <a:ext cx="11390626" cy="2916000"/>
-          </a:xfrm>
-        </p:spPr>
-      </p:pic>
-      <p:sp>
-        <p:nvSpPr>
-          <p:cNvPr id="4" name="Título 1">
-            <a:extLst>
-              <a:ext uri="{FF2B5EF4-FFF2-40B4-BE49-F238E27FC236}">
-                <a16:creationId xmlns:a16="http://schemas.microsoft.com/office/drawing/2014/main" id="{123C2692-B572-4835-88B7-04E347E4D3F8}"/>
-              </a:ext>
-            </a:extLst>
-          </p:cNvPr>
-          <p:cNvSpPr>
-            <a:spLocks noGrp="1"/>
-          </p:cNvSpPr>
-          <p:nvPr>
-            <p:ph type="title"/>
-          </p:nvPr>
-        </p:nvSpPr>
-        <p:spPr>
-          <a:xfrm>
-            <a:off x="809625" y="447675"/>
-            <a:ext cx="10572750" cy="969963"/>
-          </a:xfrm>
-        </p:spPr>
-        <p:txBody>
-          <a:bodyPr/>
-          <a:lstStyle/>
-          <a:p>
-            <a:r>
-              <a:rPr lang="es-CL" dirty="0"/>
-              <a:t>USO EN EL MUNDO</a:t>
-            </a:r>
-          </a:p>
-        </p:txBody>
-      </p:sp>
-      <p:sp>
-        <p:nvSpPr>
-          <p:cNvPr id="5" name="TextBox 4">
-            <a:extLst>
-              <a:ext uri="{FF2B5EF4-FFF2-40B4-BE49-F238E27FC236}">
-                <a16:creationId xmlns:a16="http://schemas.microsoft.com/office/drawing/2014/main" id="{5868180A-6D80-471B-88EE-0AECE2644E27}"/>
-              </a:ext>
-            </a:extLst>
-          </p:cNvPr>
-          <p:cNvSpPr txBox="1"/>
-          <p:nvPr/>
-        </p:nvSpPr>
-        <p:spPr>
-          <a:xfrm>
-            <a:off x="3995108" y="6126587"/>
-            <a:ext cx="4201792" cy="307777"/>
+            <a:off x="6663871" y="2023053"/>
+            <a:ext cx="5400000" cy="4778491"/>
           </a:xfrm>
           <a:prstGeom prst="rect">
             <a:avLst/>
           </a:prstGeom>
-          <a:noFill/>
-        </p:spPr>
-        <p:txBody>
-          <a:bodyPr wrap="none" rtlCol="0">
-            <a:spAutoFit/>
-          </a:bodyPr>
-          <a:lstStyle/>
-          <a:p>
-            <a:pPr algn="ctr"/>
-            <a:r>
-              <a:rPr lang="es-CL" sz="1400" dirty="0">
-                <a:solidFill>
-                  <a:schemeClr val="tx2">
-                    <a:lumMod val="50000"/>
-                  </a:schemeClr>
-                </a:solidFill>
-              </a:rPr>
-              <a:t>Ciudad de Dubrovnik, Croacia. UNESCO 1994.</a:t>
-            </a:r>
-            <a:endParaRPr lang="es-MX" sz="1400" dirty="0">
-              <a:solidFill>
-                <a:schemeClr val="tx2">
-                  <a:lumMod val="50000"/>
-                </a:schemeClr>
-              </a:solidFill>
-            </a:endParaRPr>
-          </a:p>
-        </p:txBody>
-      </p:sp>
+        </p:spPr>
+      </p:pic>
     </p:spTree>
     <p:extLst>
       <p:ext uri="{BB962C8B-B14F-4D97-AF65-F5344CB8AC3E}">
-        <p14:creationId xmlns:p14="http://schemas.microsoft.com/office/powerpoint/2010/main" val="929219740"/>
+        <p14:creationId xmlns:p14="http://schemas.microsoft.com/office/powerpoint/2010/main" val="1223577235"/>
       </p:ext>
     </p:extLst>
   </p:cSld>
@@ -7736,6 +7701,634 @@
 </file>
 
 <file path=ppt/slides/slide20.xml><?xml version="1.0" encoding="utf-8"?>
+<p:sld xmlns:a="http://schemas.openxmlformats.org/drawingml/2006/main" xmlns:r="http://schemas.openxmlformats.org/officeDocument/2006/relationships" xmlns:p="http://schemas.openxmlformats.org/presentationml/2006/main">
+  <p:cSld>
+    <p:spTree>
+      <p:nvGrpSpPr>
+        <p:cNvPr id="1" name=""/>
+        <p:cNvGrpSpPr/>
+        <p:nvPr/>
+      </p:nvGrpSpPr>
+      <p:grpSpPr>
+        <a:xfrm>
+          <a:off x="0" y="0"/>
+          <a:ext cx="0" cy="0"/>
+          <a:chOff x="0" y="0"/>
+          <a:chExt cx="0" cy="0"/>
+        </a:xfrm>
+      </p:grpSpPr>
+      <p:pic>
+        <p:nvPicPr>
+          <p:cNvPr id="7" name="Content Placeholder 6">
+            <a:extLst>
+              <a:ext uri="{FF2B5EF4-FFF2-40B4-BE49-F238E27FC236}">
+                <a16:creationId xmlns:a16="http://schemas.microsoft.com/office/drawing/2014/main" id="{89BBC492-7091-4548-A170-30F4A8AD8468}"/>
+              </a:ext>
+            </a:extLst>
+          </p:cNvPr>
+          <p:cNvPicPr>
+            <a:picLocks noGrp="1" noChangeAspect="1"/>
+          </p:cNvPicPr>
+          <p:nvPr>
+            <p:ph idx="1"/>
+          </p:nvPr>
+        </p:nvPicPr>
+        <p:blipFill>
+          <a:blip r:embed="rId2">
+            <a:extLst>
+              <a:ext uri="{28A0092B-C50C-407E-A947-70E740481C1C}">
+                <a14:useLocalDpi xmlns:a14="http://schemas.microsoft.com/office/drawing/2010/main" val="0"/>
+              </a:ext>
+            </a:extLst>
+          </a:blip>
+          <a:stretch>
+            <a:fillRect/>
+          </a:stretch>
+        </p:blipFill>
+        <p:spPr>
+          <a:xfrm>
+            <a:off x="3149566" y="2349000"/>
+            <a:ext cx="5892865" cy="3960000"/>
+          </a:xfrm>
+        </p:spPr>
+      </p:pic>
+      <p:sp>
+        <p:nvSpPr>
+          <p:cNvPr id="4" name="Título 1">
+            <a:extLst>
+              <a:ext uri="{FF2B5EF4-FFF2-40B4-BE49-F238E27FC236}">
+                <a16:creationId xmlns:a16="http://schemas.microsoft.com/office/drawing/2014/main" id="{AF663B75-FE4D-466B-83D6-4E6417C766A1}"/>
+              </a:ext>
+            </a:extLst>
+          </p:cNvPr>
+          <p:cNvSpPr>
+            <a:spLocks noGrp="1"/>
+          </p:cNvSpPr>
+          <p:nvPr>
+            <p:ph type="title"/>
+          </p:nvPr>
+        </p:nvSpPr>
+        <p:spPr>
+          <a:xfrm>
+            <a:off x="809625" y="447675"/>
+            <a:ext cx="10572750" cy="969963"/>
+          </a:xfrm>
+        </p:spPr>
+        <p:txBody>
+          <a:bodyPr/>
+          <a:lstStyle/>
+          <a:p>
+            <a:r>
+              <a:rPr lang="es-CL" dirty="0"/>
+              <a:t>USO EN EL MUNDO</a:t>
+            </a:r>
+          </a:p>
+        </p:txBody>
+      </p:sp>
+      <p:sp>
+        <p:nvSpPr>
+          <p:cNvPr id="5" name="TextBox 4">
+            <a:extLst>
+              <a:ext uri="{FF2B5EF4-FFF2-40B4-BE49-F238E27FC236}">
+                <a16:creationId xmlns:a16="http://schemas.microsoft.com/office/drawing/2014/main" id="{5E983FE7-9FBA-4F76-9E08-C85BE4B1B9DE}"/>
+              </a:ext>
+            </a:extLst>
+          </p:cNvPr>
+          <p:cNvSpPr txBox="1"/>
+          <p:nvPr/>
+        </p:nvSpPr>
+        <p:spPr>
+          <a:xfrm>
+            <a:off x="3620003" y="6410812"/>
+            <a:ext cx="4951998" cy="307777"/>
+          </a:xfrm>
+          <a:prstGeom prst="rect">
+            <a:avLst/>
+          </a:prstGeom>
+          <a:noFill/>
+        </p:spPr>
+        <p:txBody>
+          <a:bodyPr wrap="none" rtlCol="0">
+            <a:spAutoFit/>
+          </a:bodyPr>
+          <a:lstStyle/>
+          <a:p>
+            <a:pPr algn="ctr"/>
+            <a:r>
+              <a:rPr lang="es-CL" sz="1400" dirty="0">
+                <a:solidFill>
+                  <a:schemeClr val="tx2">
+                    <a:lumMod val="50000"/>
+                  </a:schemeClr>
+                </a:solidFill>
+              </a:rPr>
+              <a:t>Ciudad amurallada de Shibam, Yemen. UNESCO 1982.</a:t>
+            </a:r>
+            <a:endParaRPr lang="es-MX" sz="1400" dirty="0">
+              <a:solidFill>
+                <a:schemeClr val="tx2">
+                  <a:lumMod val="50000"/>
+                </a:schemeClr>
+              </a:solidFill>
+            </a:endParaRPr>
+          </a:p>
+        </p:txBody>
+      </p:sp>
+    </p:spTree>
+    <p:extLst>
+      <p:ext uri="{BB962C8B-B14F-4D97-AF65-F5344CB8AC3E}">
+        <p14:creationId xmlns:p14="http://schemas.microsoft.com/office/powerpoint/2010/main" val="2474401624"/>
+      </p:ext>
+    </p:extLst>
+  </p:cSld>
+  <p:clrMapOvr>
+    <a:masterClrMapping/>
+  </p:clrMapOvr>
+</p:sld>
+</file>
+
+<file path=ppt/slides/slide21.xml><?xml version="1.0" encoding="utf-8"?>
+<p:sld xmlns:a="http://schemas.openxmlformats.org/drawingml/2006/main" xmlns:r="http://schemas.openxmlformats.org/officeDocument/2006/relationships" xmlns:p="http://schemas.openxmlformats.org/presentationml/2006/main">
+  <p:cSld>
+    <p:spTree>
+      <p:nvGrpSpPr>
+        <p:cNvPr id="1" name=""/>
+        <p:cNvGrpSpPr/>
+        <p:nvPr/>
+      </p:nvGrpSpPr>
+      <p:grpSpPr>
+        <a:xfrm>
+          <a:off x="0" y="0"/>
+          <a:ext cx="0" cy="0"/>
+          <a:chOff x="0" y="0"/>
+          <a:chExt cx="0" cy="0"/>
+        </a:xfrm>
+      </p:grpSpPr>
+      <p:pic>
+        <p:nvPicPr>
+          <p:cNvPr id="7" name="Content Placeholder 6">
+            <a:extLst>
+              <a:ext uri="{FF2B5EF4-FFF2-40B4-BE49-F238E27FC236}">
+                <a16:creationId xmlns:a16="http://schemas.microsoft.com/office/drawing/2014/main" id="{735AF198-C2B6-4398-885E-65996DC38AD3}"/>
+              </a:ext>
+            </a:extLst>
+          </p:cNvPr>
+          <p:cNvPicPr>
+            <a:picLocks noGrp="1" noChangeAspect="1"/>
+          </p:cNvPicPr>
+          <p:nvPr>
+            <p:ph idx="1"/>
+          </p:nvPr>
+        </p:nvPicPr>
+        <p:blipFill>
+          <a:blip r:embed="rId2">
+            <a:extLst>
+              <a:ext uri="{28A0092B-C50C-407E-A947-70E740481C1C}">
+                <a14:useLocalDpi xmlns:a14="http://schemas.microsoft.com/office/drawing/2010/main" val="0"/>
+              </a:ext>
+            </a:extLst>
+          </a:blip>
+          <a:stretch>
+            <a:fillRect/>
+          </a:stretch>
+        </p:blipFill>
+        <p:spPr>
+          <a:xfrm>
+            <a:off x="3436691" y="2349000"/>
+            <a:ext cx="5318617" cy="3960000"/>
+          </a:xfrm>
+        </p:spPr>
+      </p:pic>
+      <p:sp>
+        <p:nvSpPr>
+          <p:cNvPr id="4" name="Título 1">
+            <a:extLst>
+              <a:ext uri="{FF2B5EF4-FFF2-40B4-BE49-F238E27FC236}">
+                <a16:creationId xmlns:a16="http://schemas.microsoft.com/office/drawing/2014/main" id="{31AAC927-8005-4692-9074-BEF9323C0B0E}"/>
+              </a:ext>
+            </a:extLst>
+          </p:cNvPr>
+          <p:cNvSpPr>
+            <a:spLocks noGrp="1"/>
+          </p:cNvSpPr>
+          <p:nvPr>
+            <p:ph type="title"/>
+          </p:nvPr>
+        </p:nvSpPr>
+        <p:spPr>
+          <a:xfrm>
+            <a:off x="809625" y="447675"/>
+            <a:ext cx="10572750" cy="969963"/>
+          </a:xfrm>
+        </p:spPr>
+        <p:txBody>
+          <a:bodyPr/>
+          <a:lstStyle/>
+          <a:p>
+            <a:r>
+              <a:rPr lang="es-CL" dirty="0"/>
+              <a:t>USO EN EL MUNDO</a:t>
+            </a:r>
+          </a:p>
+        </p:txBody>
+      </p:sp>
+      <p:sp>
+        <p:nvSpPr>
+          <p:cNvPr id="5" name="TextBox 4">
+            <a:extLst>
+              <a:ext uri="{FF2B5EF4-FFF2-40B4-BE49-F238E27FC236}">
+                <a16:creationId xmlns:a16="http://schemas.microsoft.com/office/drawing/2014/main" id="{5EFFD271-0659-4DF5-B02E-6B0BD807F52A}"/>
+              </a:ext>
+            </a:extLst>
+          </p:cNvPr>
+          <p:cNvSpPr txBox="1"/>
+          <p:nvPr/>
+        </p:nvSpPr>
+        <p:spPr>
+          <a:xfrm>
+            <a:off x="3922172" y="6410325"/>
+            <a:ext cx="4347665" cy="307777"/>
+          </a:xfrm>
+          <a:prstGeom prst="rect">
+            <a:avLst/>
+          </a:prstGeom>
+          <a:noFill/>
+        </p:spPr>
+        <p:txBody>
+          <a:bodyPr wrap="none" rtlCol="0">
+            <a:spAutoFit/>
+          </a:bodyPr>
+          <a:lstStyle/>
+          <a:p>
+            <a:pPr algn="ctr"/>
+            <a:r>
+              <a:rPr lang="es-CL" sz="1400" dirty="0">
+                <a:solidFill>
+                  <a:schemeClr val="tx2">
+                    <a:lumMod val="50000"/>
+                  </a:schemeClr>
+                </a:solidFill>
+              </a:rPr>
+              <a:t>Edificio Monadnock, Chicago. 1981. NRHP 1970.</a:t>
+            </a:r>
+            <a:endParaRPr lang="es-MX" sz="1400" dirty="0">
+              <a:solidFill>
+                <a:schemeClr val="tx2">
+                  <a:lumMod val="50000"/>
+                </a:schemeClr>
+              </a:solidFill>
+            </a:endParaRPr>
+          </a:p>
+        </p:txBody>
+      </p:sp>
+    </p:spTree>
+    <p:extLst>
+      <p:ext uri="{BB962C8B-B14F-4D97-AF65-F5344CB8AC3E}">
+        <p14:creationId xmlns:p14="http://schemas.microsoft.com/office/powerpoint/2010/main" val="2745863721"/>
+      </p:ext>
+    </p:extLst>
+  </p:cSld>
+  <p:clrMapOvr>
+    <a:masterClrMapping/>
+  </p:clrMapOvr>
+</p:sld>
+</file>
+
+<file path=ppt/slides/slide22.xml><?xml version="1.0" encoding="utf-8"?>
+<p:sld xmlns:a="http://schemas.openxmlformats.org/drawingml/2006/main" xmlns:r="http://schemas.openxmlformats.org/officeDocument/2006/relationships" xmlns:p="http://schemas.openxmlformats.org/presentationml/2006/main">
+  <p:cSld>
+    <p:spTree>
+      <p:nvGrpSpPr>
+        <p:cNvPr id="1" name=""/>
+        <p:cNvGrpSpPr/>
+        <p:nvPr/>
+      </p:nvGrpSpPr>
+      <p:grpSpPr>
+        <a:xfrm>
+          <a:off x="0" y="0"/>
+          <a:ext cx="0" cy="0"/>
+          <a:chOff x="0" y="0"/>
+          <a:chExt cx="0" cy="0"/>
+        </a:xfrm>
+      </p:grpSpPr>
+      <p:sp>
+        <p:nvSpPr>
+          <p:cNvPr id="4" name="Título 1">
+            <a:extLst>
+              <a:ext uri="{FF2B5EF4-FFF2-40B4-BE49-F238E27FC236}">
+                <a16:creationId xmlns:a16="http://schemas.microsoft.com/office/drawing/2014/main" id="{41C5A8C7-7AE3-492F-AF8A-097B5AF713CD}"/>
+              </a:ext>
+            </a:extLst>
+          </p:cNvPr>
+          <p:cNvSpPr>
+            <a:spLocks noGrp="1"/>
+          </p:cNvSpPr>
+          <p:nvPr>
+            <p:ph type="title"/>
+          </p:nvPr>
+        </p:nvSpPr>
+        <p:spPr>
+          <a:xfrm>
+            <a:off x="809625" y="447675"/>
+            <a:ext cx="10572750" cy="969963"/>
+          </a:xfrm>
+        </p:spPr>
+        <p:txBody>
+          <a:bodyPr/>
+          <a:lstStyle/>
+          <a:p>
+            <a:r>
+              <a:rPr lang="es-CL" dirty="0"/>
+              <a:t>USO EN EL MUNDO</a:t>
+            </a:r>
+          </a:p>
+        </p:txBody>
+      </p:sp>
+      <p:sp>
+        <p:nvSpPr>
+          <p:cNvPr id="5" name="TextBox 4">
+            <a:extLst>
+              <a:ext uri="{FF2B5EF4-FFF2-40B4-BE49-F238E27FC236}">
+                <a16:creationId xmlns:a16="http://schemas.microsoft.com/office/drawing/2014/main" id="{40915CB3-0140-408F-B249-4ADFAF02F3C6}"/>
+              </a:ext>
+            </a:extLst>
+          </p:cNvPr>
+          <p:cNvSpPr txBox="1"/>
+          <p:nvPr/>
+        </p:nvSpPr>
+        <p:spPr>
+          <a:xfrm>
+            <a:off x="4433531" y="6410812"/>
+            <a:ext cx="3324949" cy="307777"/>
+          </a:xfrm>
+          <a:prstGeom prst="rect">
+            <a:avLst/>
+          </a:prstGeom>
+          <a:noFill/>
+        </p:spPr>
+        <p:txBody>
+          <a:bodyPr wrap="none" rtlCol="0">
+            <a:spAutoFit/>
+          </a:bodyPr>
+          <a:lstStyle/>
+          <a:p>
+            <a:pPr algn="ctr"/>
+            <a:r>
+              <a:rPr lang="es-CL" sz="1400" dirty="0">
+                <a:solidFill>
+                  <a:schemeClr val="tx2">
+                    <a:lumMod val="50000"/>
+                  </a:schemeClr>
+                </a:solidFill>
+              </a:rPr>
+              <a:t>Catedral de San Vito, Praga. 	(1962) </a:t>
+            </a:r>
+            <a:endParaRPr lang="es-MX" sz="1400" dirty="0">
+              <a:solidFill>
+                <a:schemeClr val="tx2">
+                  <a:lumMod val="50000"/>
+                </a:schemeClr>
+              </a:solidFill>
+            </a:endParaRPr>
+          </a:p>
+        </p:txBody>
+      </p:sp>
+      <p:pic>
+        <p:nvPicPr>
+          <p:cNvPr id="11" name="Content Placeholder 10">
+            <a:extLst>
+              <a:ext uri="{FF2B5EF4-FFF2-40B4-BE49-F238E27FC236}">
+                <a16:creationId xmlns:a16="http://schemas.microsoft.com/office/drawing/2014/main" id="{369A47B0-64AC-43D0-A8B8-D63C04AB72E2}"/>
+              </a:ext>
+            </a:extLst>
+          </p:cNvPr>
+          <p:cNvPicPr>
+            <a:picLocks noGrp="1" noChangeAspect="1"/>
+          </p:cNvPicPr>
+          <p:nvPr>
+            <p:ph idx="1"/>
+          </p:nvPr>
+        </p:nvPicPr>
+        <p:blipFill>
+          <a:blip r:embed="rId2">
+            <a:extLst>
+              <a:ext uri="{28A0092B-C50C-407E-A947-70E740481C1C}">
+                <a14:useLocalDpi xmlns:a14="http://schemas.microsoft.com/office/drawing/2010/main" val="0"/>
+              </a:ext>
+            </a:extLst>
+          </a:blip>
+          <a:stretch>
+            <a:fillRect/>
+          </a:stretch>
+        </p:blipFill>
+        <p:spPr>
+          <a:xfrm>
+            <a:off x="809625" y="2450325"/>
+            <a:ext cx="7021279" cy="3960000"/>
+          </a:xfrm>
+        </p:spPr>
+      </p:pic>
+      <p:pic>
+        <p:nvPicPr>
+          <p:cNvPr id="3" name="Picture 2">
+            <a:extLst>
+              <a:ext uri="{FF2B5EF4-FFF2-40B4-BE49-F238E27FC236}">
+                <a16:creationId xmlns:a16="http://schemas.microsoft.com/office/drawing/2014/main" id="{54E8966B-21DA-44E3-83F9-78D774414E04}"/>
+              </a:ext>
+            </a:extLst>
+          </p:cNvPr>
+          <p:cNvPicPr>
+            <a:picLocks noChangeAspect="1"/>
+          </p:cNvPicPr>
+          <p:nvPr/>
+        </p:nvPicPr>
+        <p:blipFill rotWithShape="1">
+          <a:blip r:embed="rId3">
+            <a:extLst>
+              <a:ext uri="{28A0092B-C50C-407E-A947-70E740481C1C}">
+                <a14:useLocalDpi xmlns:a14="http://schemas.microsoft.com/office/drawing/2010/main" val="0"/>
+              </a:ext>
+            </a:extLst>
+          </a:blip>
+          <a:srcRect l="1867" t="1030" r="1668" b="908"/>
+          <a:stretch/>
+        </p:blipFill>
+        <p:spPr>
+          <a:xfrm>
+            <a:off x="8572500" y="2450325"/>
+            <a:ext cx="2989564" cy="3960000"/>
+          </a:xfrm>
+          <a:prstGeom prst="rect">
+            <a:avLst/>
+          </a:prstGeom>
+          <a:ln w="28575">
+            <a:solidFill>
+              <a:schemeClr val="tx1"/>
+            </a:solidFill>
+          </a:ln>
+        </p:spPr>
+      </p:pic>
+    </p:spTree>
+    <p:extLst>
+      <p:ext uri="{BB962C8B-B14F-4D97-AF65-F5344CB8AC3E}">
+        <p14:creationId xmlns:p14="http://schemas.microsoft.com/office/powerpoint/2010/main" val="900002428"/>
+      </p:ext>
+    </p:extLst>
+  </p:cSld>
+  <p:clrMapOvr>
+    <a:masterClrMapping/>
+  </p:clrMapOvr>
+</p:sld>
+</file>
+
+<file path=ppt/slides/slide23.xml><?xml version="1.0" encoding="utf-8"?>
+<p:sld xmlns:a="http://schemas.openxmlformats.org/drawingml/2006/main" xmlns:r="http://schemas.openxmlformats.org/officeDocument/2006/relationships" xmlns:p="http://schemas.openxmlformats.org/presentationml/2006/main">
+  <p:cSld>
+    <p:spTree>
+      <p:nvGrpSpPr>
+        <p:cNvPr id="1" name=""/>
+        <p:cNvGrpSpPr/>
+        <p:nvPr/>
+      </p:nvGrpSpPr>
+      <p:grpSpPr>
+        <a:xfrm>
+          <a:off x="0" y="0"/>
+          <a:ext cx="0" cy="0"/>
+          <a:chOff x="0" y="0"/>
+          <a:chExt cx="0" cy="0"/>
+        </a:xfrm>
+      </p:grpSpPr>
+      <p:pic>
+        <p:nvPicPr>
+          <p:cNvPr id="7" name="Content Placeholder 6">
+            <a:extLst>
+              <a:ext uri="{FF2B5EF4-FFF2-40B4-BE49-F238E27FC236}">
+                <a16:creationId xmlns:a16="http://schemas.microsoft.com/office/drawing/2014/main" id="{CDF5B293-ABE9-4857-BF86-6C9774B57C84}"/>
+              </a:ext>
+            </a:extLst>
+          </p:cNvPr>
+          <p:cNvPicPr>
+            <a:picLocks noGrp="1" noChangeAspect="1"/>
+          </p:cNvPicPr>
+          <p:nvPr>
+            <p:ph idx="1"/>
+          </p:nvPr>
+        </p:nvPicPr>
+        <p:blipFill>
+          <a:blip r:embed="rId2">
+            <a:extLst>
+              <a:ext uri="{28A0092B-C50C-407E-A947-70E740481C1C}">
+                <a14:useLocalDpi xmlns:a14="http://schemas.microsoft.com/office/drawing/2010/main" val="0"/>
+              </a:ext>
+            </a:extLst>
+          </a:blip>
+          <a:stretch>
+            <a:fillRect/>
+          </a:stretch>
+        </p:blipFill>
+        <p:spPr>
+          <a:xfrm>
+            <a:off x="400686" y="2952000"/>
+            <a:ext cx="11390626" cy="2916000"/>
+          </a:xfrm>
+        </p:spPr>
+      </p:pic>
+      <p:sp>
+        <p:nvSpPr>
+          <p:cNvPr id="4" name="Título 1">
+            <a:extLst>
+              <a:ext uri="{FF2B5EF4-FFF2-40B4-BE49-F238E27FC236}">
+                <a16:creationId xmlns:a16="http://schemas.microsoft.com/office/drawing/2014/main" id="{123C2692-B572-4835-88B7-04E347E4D3F8}"/>
+              </a:ext>
+            </a:extLst>
+          </p:cNvPr>
+          <p:cNvSpPr>
+            <a:spLocks noGrp="1"/>
+          </p:cNvSpPr>
+          <p:nvPr>
+            <p:ph type="title"/>
+          </p:nvPr>
+        </p:nvSpPr>
+        <p:spPr>
+          <a:xfrm>
+            <a:off x="809625" y="447675"/>
+            <a:ext cx="10572750" cy="969963"/>
+          </a:xfrm>
+        </p:spPr>
+        <p:txBody>
+          <a:bodyPr/>
+          <a:lstStyle/>
+          <a:p>
+            <a:r>
+              <a:rPr lang="es-CL" dirty="0"/>
+              <a:t>USO EN EL MUNDO</a:t>
+            </a:r>
+          </a:p>
+        </p:txBody>
+      </p:sp>
+      <p:sp>
+        <p:nvSpPr>
+          <p:cNvPr id="5" name="TextBox 4">
+            <a:extLst>
+              <a:ext uri="{FF2B5EF4-FFF2-40B4-BE49-F238E27FC236}">
+                <a16:creationId xmlns:a16="http://schemas.microsoft.com/office/drawing/2014/main" id="{5868180A-6D80-471B-88EE-0AECE2644E27}"/>
+              </a:ext>
+            </a:extLst>
+          </p:cNvPr>
+          <p:cNvSpPr txBox="1"/>
+          <p:nvPr/>
+        </p:nvSpPr>
+        <p:spPr>
+          <a:xfrm>
+            <a:off x="3995108" y="6126587"/>
+            <a:ext cx="4201792" cy="307777"/>
+          </a:xfrm>
+          <a:prstGeom prst="rect">
+            <a:avLst/>
+          </a:prstGeom>
+          <a:noFill/>
+        </p:spPr>
+        <p:txBody>
+          <a:bodyPr wrap="none" rtlCol="0">
+            <a:spAutoFit/>
+          </a:bodyPr>
+          <a:lstStyle/>
+          <a:p>
+            <a:pPr algn="ctr"/>
+            <a:r>
+              <a:rPr lang="es-CL" sz="1400" dirty="0">
+                <a:solidFill>
+                  <a:schemeClr val="tx2">
+                    <a:lumMod val="50000"/>
+                  </a:schemeClr>
+                </a:solidFill>
+              </a:rPr>
+              <a:t>Ciudad de Dubrovnik, Croacia. UNESCO 1994.</a:t>
+            </a:r>
+            <a:endParaRPr lang="es-MX" sz="1400" dirty="0">
+              <a:solidFill>
+                <a:schemeClr val="tx2">
+                  <a:lumMod val="50000"/>
+                </a:schemeClr>
+              </a:solidFill>
+            </a:endParaRPr>
+          </a:p>
+        </p:txBody>
+      </p:sp>
+    </p:spTree>
+    <p:extLst>
+      <p:ext uri="{BB962C8B-B14F-4D97-AF65-F5344CB8AC3E}">
+        <p14:creationId xmlns:p14="http://schemas.microsoft.com/office/powerpoint/2010/main" val="929219740"/>
+      </p:ext>
+    </p:extLst>
+  </p:cSld>
+  <p:clrMapOvr>
+    <a:masterClrMapping/>
+  </p:clrMapOvr>
+</p:sld>
+</file>
+
+<file path=ppt/slides/slide24.xml><?xml version="1.0" encoding="utf-8"?>
 <p:sld xmlns:a="http://schemas.openxmlformats.org/drawingml/2006/main" xmlns:r="http://schemas.openxmlformats.org/officeDocument/2006/relationships" xmlns:p="http://schemas.openxmlformats.org/presentationml/2006/main">
   <p:cSld>
     <p:spTree>
@@ -8716,10 +9309,10 @@
       </p:grpSpPr>
       <p:sp>
         <p:nvSpPr>
-          <p:cNvPr id="2" name="Título 1">
+          <p:cNvPr id="2" name="Title 1">
             <a:extLst>
               <a:ext uri="{FF2B5EF4-FFF2-40B4-BE49-F238E27FC236}">
-                <a16:creationId xmlns:a16="http://schemas.microsoft.com/office/drawing/2014/main" id="{7963A088-C063-40F0-8AD2-8AAC6199450A}"/>
+                <a16:creationId xmlns:a16="http://schemas.microsoft.com/office/drawing/2014/main" id="{301ADBA9-39C5-4010-8613-DA525036359A}"/>
               </a:ext>
             </a:extLst>
           </p:cNvPr>
@@ -8736,80 +9329,38 @@
           <a:lstStyle/>
           <a:p>
             <a:r>
-              <a:rPr lang="es-CL" dirty="0"/>
-              <a:t>USO EN CHILE</a:t>
-            </a:r>
-          </a:p>
-        </p:txBody>
-      </p:sp>
-      <p:sp>
-        <p:nvSpPr>
-          <p:cNvPr id="3" name="Marcador de contenido 2">
-            <a:extLst>
-              <a:ext uri="{FF2B5EF4-FFF2-40B4-BE49-F238E27FC236}">
-                <a16:creationId xmlns:a16="http://schemas.microsoft.com/office/drawing/2014/main" id="{22ABBA1F-64A6-4E9A-90FE-8AC824113733}"/>
-              </a:ext>
-            </a:extLst>
-          </p:cNvPr>
-          <p:cNvSpPr>
-            <a:spLocks noGrp="1"/>
-          </p:cNvSpPr>
-          <p:nvPr>
-            <p:ph idx="1"/>
-          </p:nvPr>
-        </p:nvSpPr>
-        <p:spPr>
-          <a:xfrm>
-            <a:off x="818712" y="2222287"/>
-            <a:ext cx="4145174" cy="4188525"/>
-          </a:xfrm>
-        </p:spPr>
-        <p:txBody>
-          <a:bodyPr/>
-          <a:lstStyle/>
-          <a:p>
-            <a:pPr algn="just"/>
-            <a:r>
-              <a:rPr lang="es-CL" dirty="0"/>
-              <a:t>Principalmente en edificios de tipo unifamiliar y multifamiliar de uso habitacional, en su mayoría viviendas sociales. </a:t>
-            </a:r>
-          </a:p>
-          <a:p>
-            <a:pPr algn="just"/>
-            <a:endParaRPr lang="es-CL" dirty="0"/>
+              <a:rPr lang="es-MX" dirty="0"/>
+              <a:t>PRÁCTICAS CONSTRUCTIVAS</a:t>
+            </a:r>
           </a:p>
         </p:txBody>
       </p:sp>
       <p:pic>
         <p:nvPicPr>
-          <p:cNvPr id="5" name="Picture 4">
+          <p:cNvPr id="4" name="Content Placeholder 3">
             <a:extLst>
               <a:ext uri="{FF2B5EF4-FFF2-40B4-BE49-F238E27FC236}">
-                <a16:creationId xmlns:a16="http://schemas.microsoft.com/office/drawing/2014/main" id="{CE0FF64E-1B11-4990-B2EF-96FFD4D45105}"/>
+                <a16:creationId xmlns:a16="http://schemas.microsoft.com/office/drawing/2014/main" id="{B509EDAA-8802-4D3E-A102-438AC85EF8FD}"/>
               </a:ext>
             </a:extLst>
           </p:cNvPr>
           <p:cNvPicPr>
-            <a:picLocks noChangeAspect="1"/>
+            <a:picLocks noGrp="1" noChangeAspect="1"/>
           </p:cNvPicPr>
-          <p:nvPr/>
+          <p:nvPr>
+            <p:ph idx="1"/>
+          </p:nvPr>
         </p:nvPicPr>
         <p:blipFill>
-          <a:blip r:embed="rId2">
-            <a:extLst>
-              <a:ext uri="{28A0092B-C50C-407E-A947-70E740481C1C}">
-                <a14:useLocalDpi xmlns:a14="http://schemas.microsoft.com/office/drawing/2010/main" val="0"/>
-              </a:ext>
-            </a:extLst>
-          </a:blip>
+          <a:blip r:embed="rId2"/>
           <a:stretch>
             <a:fillRect/>
           </a:stretch>
         </p:blipFill>
         <p:spPr>
           <a:xfrm>
-            <a:off x="5735384" y="2450812"/>
-            <a:ext cx="6004799" cy="3960000"/>
+            <a:off x="3267426" y="2349000"/>
+            <a:ext cx="5657146" cy="3960000"/>
           </a:xfrm>
           <a:prstGeom prst="rect">
             <a:avLst/>
@@ -8819,7 +9370,7 @@
     </p:spTree>
     <p:extLst>
       <p:ext uri="{BB962C8B-B14F-4D97-AF65-F5344CB8AC3E}">
-        <p14:creationId xmlns:p14="http://schemas.microsoft.com/office/powerpoint/2010/main" val="3365775483"/>
+        <p14:creationId xmlns:p14="http://schemas.microsoft.com/office/powerpoint/2010/main" val="2708717285"/>
       </p:ext>
     </p:extLst>
   </p:cSld>
@@ -8846,92 +9397,21 @@
           <a:chExt cx="0" cy="0"/>
         </a:xfrm>
       </p:grpSpPr>
-      <p:sp>
-        <p:nvSpPr>
-          <p:cNvPr id="3" name="Content Placeholder 2">
-            <a:extLst>
-              <a:ext uri="{FF2B5EF4-FFF2-40B4-BE49-F238E27FC236}">
-                <a16:creationId xmlns:a16="http://schemas.microsoft.com/office/drawing/2014/main" id="{9AB0772D-26FD-480D-9962-B8235BB84C22}"/>
-              </a:ext>
-            </a:extLst>
-          </p:cNvPr>
-          <p:cNvSpPr>
-            <a:spLocks noGrp="1"/>
-          </p:cNvSpPr>
-          <p:nvPr>
-            <p:ph idx="1"/>
-          </p:nvPr>
-        </p:nvSpPr>
-        <p:spPr>
-          <a:xfrm>
-            <a:off x="810000" y="2129430"/>
-            <a:ext cx="11083002" cy="970450"/>
-          </a:xfrm>
-        </p:spPr>
-        <p:txBody>
-          <a:bodyPr/>
-          <a:lstStyle/>
-          <a:p>
-            <a:r>
-              <a:rPr lang="es-MX" dirty="0"/>
-              <a:t>Según </a:t>
-            </a:r>
-            <a:r>
-              <a:rPr lang="es-CL" dirty="0"/>
-              <a:t>CENSO 2002, 62 % viviendas albañilería.  En descenso en la actualidad</a:t>
-            </a:r>
-          </a:p>
-          <a:p>
-            <a:endParaRPr lang="es-MX" dirty="0"/>
-          </a:p>
-        </p:txBody>
-      </p:sp>
-      <p:sp>
-        <p:nvSpPr>
-          <p:cNvPr id="4" name="Título 1">
-            <a:extLst>
-              <a:ext uri="{FF2B5EF4-FFF2-40B4-BE49-F238E27FC236}">
-                <a16:creationId xmlns:a16="http://schemas.microsoft.com/office/drawing/2014/main" id="{42EDE288-8568-4696-BD15-9F3882D3D65A}"/>
-              </a:ext>
-            </a:extLst>
-          </p:cNvPr>
-          <p:cNvSpPr>
-            <a:spLocks noGrp="1"/>
-          </p:cNvSpPr>
-          <p:nvPr>
-            <p:ph type="title"/>
-          </p:nvPr>
-        </p:nvSpPr>
-        <p:spPr>
-          <a:xfrm>
-            <a:off x="810000" y="447188"/>
-            <a:ext cx="10571998" cy="970450"/>
-          </a:xfrm>
-        </p:spPr>
-        <p:txBody>
-          <a:bodyPr/>
-          <a:lstStyle/>
-          <a:p>
-            <a:r>
-              <a:rPr lang="es-CL" dirty="0"/>
-              <a:t>USO EN CHILE</a:t>
-            </a:r>
-          </a:p>
-        </p:txBody>
-      </p:sp>
       <p:pic>
         <p:nvPicPr>
-          <p:cNvPr id="6" name="Picture 5">
+          <p:cNvPr id="6" name="Content Placeholder 5">
             <a:extLst>
               <a:ext uri="{FF2B5EF4-FFF2-40B4-BE49-F238E27FC236}">
-                <a16:creationId xmlns:a16="http://schemas.microsoft.com/office/drawing/2014/main" id="{60579362-F617-49C7-87BB-467B050FABBF}"/>
+                <a16:creationId xmlns:a16="http://schemas.microsoft.com/office/drawing/2014/main" id="{9259D65F-11AD-4D48-BA54-27E87D5F4AC0}"/>
               </a:ext>
             </a:extLst>
           </p:cNvPr>
           <p:cNvPicPr>
-            <a:picLocks noChangeAspect="1"/>
+            <a:picLocks noGrp="1" noChangeAspect="1"/>
           </p:cNvPicPr>
-          <p:nvPr/>
+          <p:nvPr>
+            <p:ph idx="1"/>
+          </p:nvPr>
         </p:nvPicPr>
         <p:blipFill>
           <a:blip r:embed="rId2">
@@ -8947,68 +9427,50 @@
         </p:blipFill>
         <p:spPr>
           <a:xfrm>
-            <a:off x="-18350" y="2962275"/>
-            <a:ext cx="6251726" cy="2916011"/>
-          </a:xfrm>
-          <a:prstGeom prst="rect">
-            <a:avLst/>
-          </a:prstGeom>
+            <a:off x="1528587" y="2759075"/>
+            <a:ext cx="3240000" cy="3240000"/>
+          </a:xfrm>
         </p:spPr>
       </p:pic>
       <p:sp>
         <p:nvSpPr>
-          <p:cNvPr id="9" name="TextBox 8">
+          <p:cNvPr id="4" name="Title 1">
             <a:extLst>
               <a:ext uri="{FF2B5EF4-FFF2-40B4-BE49-F238E27FC236}">
-                <a16:creationId xmlns:a16="http://schemas.microsoft.com/office/drawing/2014/main" id="{8EB5BA46-B80C-4BD2-ABC1-F2D1736C5B3D}"/>
+                <a16:creationId xmlns:a16="http://schemas.microsoft.com/office/drawing/2014/main" id="{4195BAF4-39D5-49B3-A40F-7ACF7728874E}"/>
               </a:ext>
             </a:extLst>
           </p:cNvPr>
-          <p:cNvSpPr txBox="1"/>
-          <p:nvPr/>
+          <p:cNvSpPr>
+            <a:spLocks noGrp="1"/>
+          </p:cNvSpPr>
+          <p:nvPr>
+            <p:ph type="title"/>
+          </p:nvPr>
         </p:nvSpPr>
         <p:spPr>
           <a:xfrm>
-            <a:off x="896075" y="5878286"/>
-            <a:ext cx="4677884" cy="307777"/>
-          </a:xfrm>
-          <a:prstGeom prst="rect">
-            <a:avLst/>
-          </a:prstGeom>
-          <a:noFill/>
-        </p:spPr>
-        <p:txBody>
-          <a:bodyPr wrap="none" rtlCol="0">
-            <a:spAutoFit/>
-          </a:bodyPr>
-          <a:lstStyle/>
-          <a:p>
-            <a:r>
-              <a:rPr lang="es-CL" sz="1400" dirty="0">
-                <a:solidFill>
-                  <a:schemeClr val="tx2">
-                    <a:lumMod val="50000"/>
-                  </a:schemeClr>
-                </a:solidFill>
-              </a:rPr>
-              <a:t>Distribución de viviendas por material (Censo 2002).</a:t>
-            </a:r>
-            <a:endParaRPr lang="es-MX" sz="1400" dirty="0">
-              <a:solidFill>
-                <a:schemeClr val="tx2">
-                  <a:lumMod val="50000"/>
-                </a:schemeClr>
-              </a:solidFill>
-            </a:endParaRPr>
+            <a:off x="810000" y="447188"/>
+            <a:ext cx="10571998" cy="970450"/>
+          </a:xfrm>
+        </p:spPr>
+        <p:txBody>
+          <a:bodyPr/>
+          <a:lstStyle/>
+          <a:p>
+            <a:r>
+              <a:rPr lang="es-MX" dirty="0"/>
+              <a:t>PRÁCTICAS CONSTRUCTIVAS</a:t>
+            </a:r>
           </a:p>
         </p:txBody>
       </p:sp>
       <p:pic>
         <p:nvPicPr>
-          <p:cNvPr id="5" name="Picture 4">
+          <p:cNvPr id="8" name="Picture 7">
             <a:extLst>
               <a:ext uri="{FF2B5EF4-FFF2-40B4-BE49-F238E27FC236}">
-                <a16:creationId xmlns:a16="http://schemas.microsoft.com/office/drawing/2014/main" id="{9161846D-2B15-4862-A216-42F0D859EF89}"/>
+                <a16:creationId xmlns:a16="http://schemas.microsoft.com/office/drawing/2014/main" id="{47E63E24-4848-49BF-898C-ED554313A897}"/>
               </a:ext>
             </a:extLst>
           </p:cNvPr>
@@ -9031,66 +9493,18 @@
         </p:blipFill>
         <p:spPr>
           <a:xfrm>
-            <a:off x="5813599" y="2527058"/>
-            <a:ext cx="6378401" cy="3924050"/>
+            <a:off x="6505891" y="2759075"/>
+            <a:ext cx="4157522" cy="3240000"/>
           </a:xfrm>
           <a:prstGeom prst="rect">
             <a:avLst/>
           </a:prstGeom>
         </p:spPr>
       </p:pic>
-      <p:sp>
-        <p:nvSpPr>
-          <p:cNvPr id="11" name="TextBox 10">
-            <a:extLst>
-              <a:ext uri="{FF2B5EF4-FFF2-40B4-BE49-F238E27FC236}">
-                <a16:creationId xmlns:a16="http://schemas.microsoft.com/office/drawing/2014/main" id="{6F0009A4-0763-4486-94E6-6EE401F5EFBC}"/>
-              </a:ext>
-            </a:extLst>
-          </p:cNvPr>
-          <p:cNvSpPr txBox="1"/>
-          <p:nvPr/>
-        </p:nvSpPr>
-        <p:spPr>
-          <a:xfrm>
-            <a:off x="6663857" y="6451108"/>
-            <a:ext cx="4677884" cy="307777"/>
-          </a:xfrm>
-          <a:prstGeom prst="rect">
-            <a:avLst/>
-          </a:prstGeom>
-          <a:noFill/>
-        </p:spPr>
-        <p:txBody>
-          <a:bodyPr wrap="none" rtlCol="0">
-            <a:spAutoFit/>
-          </a:bodyPr>
-          <a:lstStyle/>
-          <a:p>
-            <a:r>
-              <a:rPr lang="es-CL" sz="1400" dirty="0">
-                <a:solidFill>
-                  <a:schemeClr val="tx2">
-                    <a:lumMod val="50000"/>
-                  </a:schemeClr>
-                </a:solidFill>
-              </a:rPr>
-              <a:t>Distribución de viviendas por material (Censo 2002).</a:t>
-            </a:r>
-            <a:endParaRPr lang="es-MX" sz="1400" dirty="0">
-              <a:solidFill>
-                <a:schemeClr val="tx2">
-                  <a:lumMod val="50000"/>
-                </a:schemeClr>
-              </a:solidFill>
-            </a:endParaRPr>
-          </a:p>
-        </p:txBody>
-      </p:sp>
     </p:spTree>
     <p:extLst>
       <p:ext uri="{BB962C8B-B14F-4D97-AF65-F5344CB8AC3E}">
-        <p14:creationId xmlns:p14="http://schemas.microsoft.com/office/powerpoint/2010/main" val="3139984690"/>
+        <p14:creationId xmlns:p14="http://schemas.microsoft.com/office/powerpoint/2010/main" val="2109109067"/>
       </p:ext>
     </p:extLst>
   </p:cSld>
